--- a/deliverables/Release 2/Poster.pptx
+++ b/deliverables/Release 2/Poster.pptx
@@ -338,7 +338,7 @@
     </p:spTree>
     <p:extLst>
       <p:ext uri="{BB962C8B-B14F-4D97-AF65-F5344CB8AC3E}">
-        <p14:creationId xmlns="" xmlns:p14="http://schemas.microsoft.com/office/powerpoint/2010/main" val="1355538437"/>
+        <p14:creationId xmlns:p14="http://schemas.microsoft.com/office/powerpoint/2010/main" xmlns="" val="1355538437"/>
       </p:ext>
     </p:extLst>
   </p:cSld>
@@ -528,7 +528,7 @@
     </p:spTree>
     <p:extLst>
       <p:ext uri="{BB962C8B-B14F-4D97-AF65-F5344CB8AC3E}">
-        <p14:creationId xmlns="" xmlns:p14="http://schemas.microsoft.com/office/powerpoint/2010/main" val="2623383061"/>
+        <p14:creationId xmlns:p14="http://schemas.microsoft.com/office/powerpoint/2010/main" xmlns="" val="2623383061"/>
       </p:ext>
     </p:extLst>
   </p:cSld>
@@ -2522,7 +2522,6 @@
               <a:rPr lang="en-US" sz="3200" dirty="0" smtClean="0"/>
               <a:t>Sponsored by Hewlett-Packard Enterprise, the objectives of this project are to assemble and benchmark a functional protocol stack to provide high throughput transfers with low CPU utilization that could be ported to HP Enterprise’s 3Par storage systems. To benchmark the servers, we created a custom test suite that determined read, write, buffer size, and seek performance.</a:t>
             </a:r>
-            <a:endParaRPr lang="en-US" sz="3200" dirty="0" smtClean="0"/>
           </a:p>
         </p:txBody>
       </p:sp>
@@ -2589,7 +2588,7 @@
         </p:nvSpPr>
         <p:spPr>
           <a:xfrm>
-            <a:off x="583354" y="13425814"/>
+            <a:off x="583354" y="13816339"/>
             <a:ext cx="10579946" cy="7733896"/>
           </a:xfrm>
           <a:prstGeom prst="rect">
@@ -2606,213 +2605,154 @@
           </a:bodyPr>
           <a:lstStyle/>
           <a:p>
-            <a:pPr fontAlgn="base"/>
-            <a:r>
-              <a:rPr lang="en-US" sz="3200" dirty="0" err="1" smtClean="0"/>
-              <a:t>Infiniband</a:t>
-            </a:r>
+            <a:pPr lvl="2" fontAlgn="base"/>
             <a:r>
               <a:rPr lang="en-US" sz="3200" dirty="0" smtClean="0"/>
-              <a:t> QSFP+ Interface</a:t>
-            </a:r>
-          </a:p>
-          <a:p>
-            <a:pPr lvl="1" fontAlgn="base"/>
-            <a:r>
-              <a:rPr lang="en-US" sz="3200" dirty="0" smtClean="0"/>
-              <a:t>40gbit holy shit</a:t>
-            </a:r>
-          </a:p>
-          <a:p>
-            <a:pPr lvl="1" fontAlgn="base"/>
-            <a:r>
-              <a:rPr lang="en-US" sz="3200" dirty="0" smtClean="0"/>
-              <a:t>Hardware support for RDMA I think!</a:t>
-            </a:r>
-          </a:p>
-          <a:p>
-            <a:pPr lvl="1" fontAlgn="base"/>
-            <a:r>
-              <a:rPr lang="en-US" sz="3200" dirty="0" smtClean="0"/>
-              <a:t>Interconnect system for the I/O ports </a:t>
-            </a:r>
-          </a:p>
-          <a:p>
-            <a:pPr lvl="1" fontAlgn="base"/>
-            <a:r>
-              <a:rPr lang="en-US" sz="3200" dirty="0" smtClean="0"/>
-              <a:t>Supports Ethernet, </a:t>
-            </a:r>
-            <a:r>
-              <a:rPr lang="en-US" sz="3200" dirty="0" err="1" smtClean="0"/>
-              <a:t>Fibre</a:t>
-            </a:r>
-            <a:r>
-              <a:rPr lang="en-US" sz="3200" dirty="0" smtClean="0"/>
-              <a:t> Channel, </a:t>
-            </a:r>
-            <a:r>
-              <a:rPr lang="en-US" sz="3200" dirty="0" err="1" smtClean="0"/>
-              <a:t>InfiniBand</a:t>
-            </a:r>
-            <a:r>
-              <a:rPr lang="en-US" sz="3200" dirty="0" smtClean="0"/>
-              <a:t>, and SONET/SDH standards </a:t>
-            </a:r>
-          </a:p>
-          <a:p>
-            <a:pPr lvl="1" fontAlgn="base"/>
-            <a:r>
-              <a:rPr lang="en-US" sz="3200" dirty="0" smtClean="0"/>
-              <a:t>QSFP+ transceivers support Serial Attached SCSI, 40G Ethernet, 20G/40G </a:t>
-            </a:r>
-            <a:r>
-              <a:rPr lang="en-US" sz="3200" dirty="0" err="1" smtClean="0"/>
-              <a:t>Infiniband</a:t>
-            </a:r>
-            <a:r>
-              <a:rPr lang="en-US" sz="3200" dirty="0" smtClean="0"/>
-              <a:t>, and other standards.</a:t>
-            </a:r>
-          </a:p>
-          <a:p>
-            <a:pPr fontAlgn="base"/>
-            <a:r>
-              <a:rPr lang="en-US" sz="3200" dirty="0" smtClean="0"/>
-              <a:t>Converged Ethernet</a:t>
-            </a:r>
-          </a:p>
-          <a:p>
-            <a:pPr lvl="1" fontAlgn="base"/>
-            <a:r>
-              <a:rPr lang="en-US" sz="3200" dirty="0" smtClean="0"/>
-              <a:t>Lossless</a:t>
-            </a:r>
-          </a:p>
-          <a:p>
-            <a:pPr lvl="1" fontAlgn="base"/>
-            <a:r>
-              <a:rPr lang="en-US" sz="3200" dirty="0" err="1" smtClean="0"/>
-              <a:t>Bridgey</a:t>
-            </a:r>
-            <a:endParaRPr lang="en-US" sz="3200" dirty="0" smtClean="0"/>
-          </a:p>
-          <a:p>
-            <a:pPr lvl="1" fontAlgn="base"/>
-            <a:r>
-              <a:rPr lang="en-US" sz="3200" dirty="0" err="1" smtClean="0"/>
-              <a:t>Convergey</a:t>
-            </a:r>
-            <a:endParaRPr lang="en-US" sz="3200" dirty="0" smtClean="0"/>
-          </a:p>
-          <a:p>
-            <a:pPr lvl="1" fontAlgn="base"/>
-            <a:r>
-              <a:rPr lang="en-US" sz="3200" dirty="0" smtClean="0"/>
-              <a:t>Flow </a:t>
-            </a:r>
-            <a:r>
-              <a:rPr lang="en-US" sz="3200" dirty="0" err="1" smtClean="0"/>
-              <a:t>controlly</a:t>
-            </a:r>
-            <a:endParaRPr lang="en-US" sz="3200" dirty="0" smtClean="0"/>
-          </a:p>
-          <a:p>
-            <a:pPr fontAlgn="base"/>
-            <a:r>
-              <a:rPr lang="en-US" sz="3200" dirty="0" err="1" smtClean="0"/>
-              <a:t>RoCE</a:t>
-            </a:r>
-            <a:r>
-              <a:rPr lang="en-US" sz="3200" dirty="0" smtClean="0"/>
-              <a:t> v2 (RDMA over Converged Ethernet)</a:t>
-            </a:r>
-          </a:p>
-          <a:p>
-            <a:pPr lvl="1" fontAlgn="base"/>
-            <a:r>
-              <a:rPr lang="en-US" sz="3200" dirty="0" smtClean="0"/>
-              <a:t>RDMA is Remote Direct Memory Access that is capable of allowing server to server data movement management without any CPU involvement</a:t>
-            </a:r>
-          </a:p>
-          <a:p>
-            <a:pPr fontAlgn="base"/>
+              <a:t>Network block device over </a:t>
+            </a:r>
             <a:r>
               <a:rPr lang="en-US" sz="3200" dirty="0" err="1" smtClean="0"/>
               <a:t>Accelio</a:t>
             </a:r>
-            <a:endParaRPr lang="en-US" sz="3200" dirty="0" smtClean="0"/>
+            <a:r>
+              <a:rPr lang="en-US" sz="3200" dirty="0" smtClean="0"/>
+              <a:t> framework</a:t>
+            </a:r>
+          </a:p>
+          <a:p>
+            <a:pPr lvl="2" fontAlgn="base"/>
+            <a:r>
+              <a:rPr lang="en-US" sz="3200" dirty="0" smtClean="0"/>
+              <a:t>Presented </a:t>
+            </a:r>
+            <a:r>
+              <a:rPr lang="en-US" sz="3200" dirty="0" smtClean="0"/>
+              <a:t>as a regular storage block device on the local system</a:t>
+            </a:r>
+          </a:p>
+          <a:p>
+            <a:pPr lvl="2" fontAlgn="base"/>
+            <a:r>
+              <a:rPr lang="en-US" sz="3200" dirty="0" smtClean="0"/>
+              <a:t>Fast IO to remote devices through its use of </a:t>
+            </a:r>
+            <a:r>
+              <a:rPr lang="en-US" sz="3200" dirty="0" err="1" smtClean="0"/>
+              <a:t>accelio</a:t>
+            </a:r>
+            <a:r>
+              <a:rPr lang="en-US" sz="3200" dirty="0" smtClean="0"/>
+              <a:t> acceleration facilities and multi-queue implementation in the block layer</a:t>
+            </a:r>
           </a:p>
           <a:p>
             <a:pPr lvl="1" fontAlgn="base"/>
-            <a:r>
-              <a:rPr lang="en-US" sz="3200" dirty="0" err="1" smtClean="0"/>
-              <a:t>Accelio</a:t>
-            </a:r>
+            <a:endParaRPr lang="en-US" sz="4800" dirty="0" smtClean="0"/>
+          </a:p>
+          <a:p>
+            <a:pPr lvl="2" fontAlgn="base">
+              <a:buNone/>
+            </a:pPr>
+            <a:endParaRPr lang="en-US" sz="4400" dirty="0" smtClean="0"/>
+          </a:p>
+          <a:p>
+            <a:pPr lvl="2" fontAlgn="base"/>
             <a:r>
               <a:rPr lang="en-US" sz="3200" dirty="0" smtClean="0"/>
-              <a:t> is a library for high-performance asynchronous IO using RDMA</a:t>
-            </a:r>
-          </a:p>
-          <a:p>
-            <a:pPr lvl="1" fontAlgn="base"/>
+              <a:t>Library </a:t>
+            </a:r>
             <a:r>
               <a:rPr lang="en-US" sz="3200" dirty="0" smtClean="0"/>
-              <a:t>Zero-copy data delivery</a:t>
-            </a:r>
-          </a:p>
-          <a:p>
-            <a:pPr lvl="1" fontAlgn="base"/>
+              <a:t>for high-performance asynchronous IO using RDMA</a:t>
+            </a:r>
+          </a:p>
+          <a:p>
+            <a:pPr lvl="2" fontAlgn="base"/>
+            <a:r>
+              <a:rPr lang="en-US" sz="3200" dirty="0" smtClean="0"/>
+              <a:t>Provides Zero-copy data delivery</a:t>
+            </a:r>
+          </a:p>
+          <a:p>
+            <a:pPr lvl="2" fontAlgn="base"/>
             <a:r>
               <a:rPr lang="en-US" sz="3200" dirty="0" smtClean="0"/>
               <a:t>Designed for multi-core CPUs and multi-threaded applications</a:t>
             </a:r>
           </a:p>
           <a:p>
-            <a:pPr fontAlgn="base"/>
-            <a:r>
-              <a:rPr lang="en-US" sz="3200" dirty="0" err="1" smtClean="0"/>
-              <a:t>nbdX</a:t>
+            <a:pPr lvl="1" fontAlgn="base"/>
+            <a:endParaRPr lang="en-US" sz="5400" dirty="0" smtClean="0"/>
+          </a:p>
+          <a:p>
+            <a:pPr lvl="1" fontAlgn="base">
+              <a:buNone/>
+            </a:pPr>
+            <a:endParaRPr lang="en-US" sz="4000" dirty="0" smtClean="0"/>
+          </a:p>
+          <a:p>
+            <a:pPr lvl="2" fontAlgn="base"/>
+            <a:r>
+              <a:rPr lang="en-US" sz="3200" dirty="0" smtClean="0"/>
+              <a:t>Remote Direct Memory Access (RDMA) is capable of allowing server to server data movement management with minimal CPU involvement</a:t>
+            </a:r>
+          </a:p>
+          <a:p>
+            <a:pPr lvl="1" fontAlgn="base"/>
+            <a:endParaRPr lang="en-US" sz="5400" dirty="0" smtClean="0"/>
+          </a:p>
+          <a:p>
+            <a:pPr lvl="1" fontAlgn="base">
+              <a:buNone/>
+            </a:pPr>
+            <a:endParaRPr lang="en-US" sz="4000" dirty="0" smtClean="0"/>
+          </a:p>
+          <a:p>
+            <a:pPr lvl="2" fontAlgn="base"/>
+            <a:r>
+              <a:rPr lang="en-US" sz="3200" dirty="0" smtClean="0"/>
+              <a:t>Provides a lossless connection on top of the Ethernet protocol by implementing the Data center bridging enhancements (DCB) to the Ethernet standard.</a:t>
+            </a:r>
+          </a:p>
+          <a:p>
+            <a:pPr lvl="2" fontAlgn="base"/>
+            <a:r>
+              <a:rPr lang="en-US" sz="3200" dirty="0" smtClean="0"/>
+              <a:t>Bridges, converges, and controls the flow of multiple classes of traffic over an Ethernet network</a:t>
+            </a:r>
+          </a:p>
+          <a:p>
+            <a:pPr lvl="1" fontAlgn="base"/>
+            <a:endParaRPr lang="en-US" sz="4000" dirty="0" smtClean="0"/>
+          </a:p>
+          <a:p>
+            <a:pPr lvl="1" fontAlgn="base">
+              <a:buNone/>
+            </a:pPr>
+            <a:endParaRPr lang="en-US" sz="4800" dirty="0" smtClean="0"/>
+          </a:p>
+          <a:p>
+            <a:pPr lvl="2" fontAlgn="base"/>
+            <a:r>
+              <a:rPr lang="en-US" sz="3200" dirty="0" smtClean="0"/>
+              <a:t>Hardware support </a:t>
+            </a:r>
+            <a:r>
+              <a:rPr lang="en-US" sz="3200" dirty="0" smtClean="0"/>
+              <a:t>for RDMA</a:t>
+            </a:r>
+          </a:p>
+          <a:p>
+            <a:pPr lvl="2" fontAlgn="base"/>
+            <a:r>
+              <a:rPr lang="en-US" sz="3200" dirty="0" smtClean="0"/>
+              <a:t>Interconnect system for the I/O ports that supports 40G </a:t>
+            </a:r>
+            <a:r>
+              <a:rPr lang="en-US" sz="3200" dirty="0" smtClean="0"/>
+              <a:t>Ethernet</a:t>
             </a:r>
             <a:endParaRPr lang="en-US" sz="3200" dirty="0" smtClean="0"/>
-          </a:p>
-          <a:p>
-            <a:pPr lvl="1" fontAlgn="base"/>
-            <a:r>
-              <a:rPr lang="en-US" sz="3200" dirty="0" smtClean="0"/>
-              <a:t>A network block device over </a:t>
-            </a:r>
-            <a:r>
-              <a:rPr lang="en-US" sz="3200" dirty="0" err="1" smtClean="0"/>
-              <a:t>Accelio</a:t>
-            </a:r>
-            <a:r>
-              <a:rPr lang="en-US" sz="3200" dirty="0" smtClean="0"/>
-              <a:t> framework that utilizes the RDMA protocol</a:t>
-            </a:r>
-          </a:p>
-          <a:p>
-            <a:pPr lvl="1" fontAlgn="base"/>
-            <a:r>
-              <a:rPr lang="en-US" sz="3200" dirty="0" smtClean="0"/>
-              <a:t>Presented as a regular storage block device on the local system</a:t>
-            </a:r>
-          </a:p>
-          <a:p>
-            <a:pPr lvl="1" fontAlgn="base"/>
-            <a:r>
-              <a:rPr lang="en-US" sz="3200" dirty="0" smtClean="0"/>
-              <a:t>Provides fast IO to remote devices through its use of </a:t>
-            </a:r>
-            <a:r>
-              <a:rPr lang="en-US" sz="3200" dirty="0" err="1" smtClean="0"/>
-              <a:t>accelio</a:t>
-            </a:r>
-            <a:r>
-              <a:rPr lang="en-US" sz="3200" dirty="0" smtClean="0"/>
-              <a:t> acceleration facilities and multi-queue implementation in the block layer</a:t>
-            </a:r>
-            <a:endParaRPr lang="en-US" sz="3200" dirty="0"/>
           </a:p>
         </p:txBody>
       </p:sp>
@@ -2828,7 +2768,7 @@
         </p:nvSpPr>
         <p:spPr>
           <a:xfrm>
-            <a:off x="583355" y="12093671"/>
+            <a:off x="583355" y="11645996"/>
             <a:ext cx="10607100" cy="1200299"/>
           </a:xfrm>
           <a:prstGeom prst="rect">
@@ -3398,11 +3338,7 @@
             </a:r>
             <a:r>
               <a:rPr lang="en-US" sz="3200" dirty="0" smtClean="0"/>
-              <a:t> SSD</a:t>
-            </a:r>
-            <a:r>
-              <a:rPr lang="en-US" sz="3200" dirty="0" smtClean="0"/>
-              <a:t>.</a:t>
+              <a:t> SSD.</a:t>
             </a:r>
           </a:p>
           <a:p>
@@ -3417,11 +3353,7 @@
             </a:pPr>
             <a:r>
               <a:rPr lang="en-US" sz="3200" b="1" dirty="0" smtClean="0"/>
-              <a:t>Data </a:t>
-            </a:r>
-            <a:r>
-              <a:rPr lang="en-US" sz="3200" b="1" dirty="0" smtClean="0"/>
-              <a:t>gathered:</a:t>
+              <a:t>Data gathered:</a:t>
             </a:r>
             <a:endParaRPr lang="en-US" sz="3200" dirty="0" smtClean="0"/>
           </a:p>
@@ -3762,11 +3694,7 @@
             </a:pPr>
             <a:r>
               <a:rPr lang="en-US" sz="3200" dirty="0" smtClean="0"/>
-              <a:t>   Through </a:t>
-            </a:r>
-            <a:r>
-              <a:rPr lang="en-US" sz="3200" dirty="0" smtClean="0"/>
-              <a:t>our benchmarking, we have found that the current </a:t>
+              <a:t>   Through our benchmarking, we have found that the current </a:t>
             </a:r>
             <a:r>
               <a:rPr lang="en-US" sz="3200" dirty="0" err="1" smtClean="0"/>
@@ -3814,13 +3742,8 @@
             </a:r>
             <a:r>
               <a:rPr lang="en-US" sz="3200" dirty="0" smtClean="0"/>
-              <a:t> supported networks should benefit from lower CPU utilization, faster data transfers, and lower latency compared to their non-RDMA equivalent infrastructures</a:t>
-            </a:r>
-            <a:r>
-              <a:rPr lang="en-US" sz="3200" dirty="0" smtClean="0"/>
-              <a:t>.</a:t>
-            </a:r>
-            <a:endParaRPr lang="en-US" sz="3200" dirty="0" smtClean="0"/>
+              <a:t> supported networks should benefit from lower CPU utilization, faster data transfers, and lower latency compared to their non-RDMA equivalent infrastructures.</a:t>
+            </a:r>
           </a:p>
         </p:txBody>
       </p:sp>
@@ -3942,32 +3865,693 @@
           <a:noFill/>
         </p:spPr>
       </p:pic>
-      <p:pic>
-        <p:nvPicPr>
-          <p:cNvPr id="2060" name="Picture 12" descr="https://lh4.googleusercontent.com/-dMQ0IzY51USIgpVSOz9JJPp1dL2RtnLkPCQBcqZdCY2zS1zfGkhnjrbdPV18_GcQ7lVn3eqoNAudscbSa6XTl21Vg94Ho65Sm6Y1YrlupW5pQC9ueV8V6LjEIY7m_KNG628EHfd"/>
-          <p:cNvPicPr>
-            <a:picLocks noChangeAspect="1" noChangeArrowheads="1"/>
-          </p:cNvPicPr>
+      <p:sp>
+        <p:nvSpPr>
+          <p:cNvPr id="56" name="Rectangle 55"/>
+          <p:cNvSpPr/>
           <p:nvPr/>
-        </p:nvPicPr>
-        <p:blipFill>
-          <a:blip r:embed="rId4"/>
-          <a:srcRect/>
-          <a:stretch>
-            <a:fillRect/>
-          </a:stretch>
-        </p:blipFill>
-        <p:spPr bwMode="auto">
+        </p:nvSpPr>
+        <p:spPr bwMode="ltGray">
           <a:xfrm>
-            <a:off x="12391187" y="12560970"/>
-            <a:ext cx="4926301" cy="6928436"/>
+            <a:off x="1000126" y="12792074"/>
+            <a:ext cx="9572624" cy="1152144"/>
           </a:xfrm>
           <a:prstGeom prst="rect">
             <a:avLst/>
           </a:prstGeom>
-          <a:noFill/>
+          <a:solidFill>
+            <a:srgbClr val="00B050"/>
+          </a:solidFill>
+          <a:ln w="19050" cap="flat" cmpd="sng" algn="ctr">
+            <a:solidFill>
+              <a:sysClr val="windowText" lastClr="000000">
+                <a:lumMod val="50000"/>
+                <a:lumOff val="50000"/>
+              </a:sysClr>
+            </a:solidFill>
+            <a:prstDash val="solid"/>
+            <a:miter lim="800000"/>
+          </a:ln>
+          <a:effectLst/>
         </p:spPr>
-      </p:pic>
+        <p:txBody>
+          <a:bodyPr rtlCol="0" anchor="ctr"/>
+          <a:lstStyle/>
+          <a:p>
+            <a:pPr marL="0" marR="0" lvl="0" indent="0" algn="ctr" defTabSz="914400" eaLnBrk="1" fontAlgn="auto" latinLnBrk="0" hangingPunct="1">
+              <a:lnSpc>
+                <a:spcPct val="90000"/>
+              </a:lnSpc>
+              <a:spcBef>
+                <a:spcPts val="0"/>
+              </a:spcBef>
+              <a:spcAft>
+                <a:spcPts val="0"/>
+              </a:spcAft>
+              <a:buClrTx/>
+              <a:buSzTx/>
+              <a:buFontTx/>
+              <a:buNone/>
+              <a:tabLst/>
+              <a:defRPr/>
+            </a:pPr>
+            <a:r>
+              <a:rPr kumimoji="0" lang="en-US" sz="3200" b="0" i="0" u="none" strike="noStrike" kern="0" cap="none" spc="0" normalizeH="0" baseline="0" noProof="0" dirty="0" err="1" smtClean="0">
+                <a:ln>
+                  <a:noFill/>
+                </a:ln>
+                <a:solidFill>
+                  <a:sysClr val="window" lastClr="FFFFFF"/>
+                </a:solidFill>
+                <a:effectLst/>
+                <a:uLnTx/>
+                <a:uFillTx/>
+                <a:latin typeface="Arial"/>
+                <a:ea typeface="+mn-ea"/>
+                <a:cs typeface="+mn-cs"/>
+              </a:rPr>
+              <a:t>nbdX</a:t>
+            </a:r>
+            <a:endParaRPr kumimoji="0" lang="en-US" sz="3200" b="0" i="0" u="none" strike="noStrike" kern="0" cap="none" spc="0" normalizeH="0" baseline="0" noProof="0" dirty="0" smtClean="0">
+              <a:ln>
+                <a:noFill/>
+              </a:ln>
+              <a:solidFill>
+                <a:sysClr val="window" lastClr="FFFFFF"/>
+              </a:solidFill>
+              <a:effectLst/>
+              <a:uLnTx/>
+              <a:uFillTx/>
+              <a:latin typeface="Arial"/>
+              <a:ea typeface="+mn-ea"/>
+              <a:cs typeface="+mn-cs"/>
+            </a:endParaRPr>
+          </a:p>
+        </p:txBody>
+      </p:sp>
+      <p:sp>
+        <p:nvSpPr>
+          <p:cNvPr id="58" name="Down Arrow 57"/>
+          <p:cNvSpPr/>
+          <p:nvPr/>
+        </p:nvSpPr>
+        <p:spPr bwMode="ltGray">
+          <a:xfrm>
+            <a:off x="971551" y="14992350"/>
+            <a:ext cx="1085850" cy="1447800"/>
+          </a:xfrm>
+          <a:prstGeom prst="downArrow">
+            <a:avLst/>
+          </a:prstGeom>
+          <a:solidFill>
+            <a:sysClr val="windowText" lastClr="000000">
+              <a:lumMod val="65000"/>
+              <a:lumOff val="35000"/>
+            </a:sysClr>
+          </a:solidFill>
+          <a:ln w="19050" cap="flat" cmpd="sng" algn="ctr">
+            <a:solidFill>
+              <a:sysClr val="window" lastClr="FFFFFF"/>
+            </a:solidFill>
+            <a:prstDash val="solid"/>
+            <a:miter lim="800000"/>
+          </a:ln>
+          <a:effectLst/>
+        </p:spPr>
+        <p:txBody>
+          <a:bodyPr rtlCol="0" anchor="ctr"/>
+          <a:lstStyle/>
+          <a:p>
+            <a:pPr marL="0" marR="0" lvl="0" indent="0" algn="ctr" defTabSz="914400" eaLnBrk="1" fontAlgn="auto" latinLnBrk="0" hangingPunct="1">
+              <a:lnSpc>
+                <a:spcPct val="90000"/>
+              </a:lnSpc>
+              <a:spcBef>
+                <a:spcPts val="0"/>
+              </a:spcBef>
+              <a:spcAft>
+                <a:spcPts val="0"/>
+              </a:spcAft>
+              <a:buClrTx/>
+              <a:buSzTx/>
+              <a:buFontTx/>
+              <a:buNone/>
+              <a:tabLst/>
+              <a:defRPr/>
+            </a:pPr>
+            <a:endParaRPr kumimoji="0" lang="en-US" sz="1800" b="0" i="0" u="none" strike="noStrike" kern="0" cap="none" spc="0" normalizeH="0" baseline="0" noProof="0" dirty="0" err="1" smtClean="0">
+              <a:ln>
+                <a:noFill/>
+              </a:ln>
+              <a:solidFill>
+                <a:sysClr val="window" lastClr="FFFFFF"/>
+              </a:solidFill>
+              <a:effectLst/>
+              <a:uLnTx/>
+              <a:uFillTx/>
+              <a:latin typeface="Arial"/>
+              <a:ea typeface="+mn-ea"/>
+              <a:cs typeface="+mn-cs"/>
+            </a:endParaRPr>
+          </a:p>
+        </p:txBody>
+      </p:sp>
+      <p:sp>
+        <p:nvSpPr>
+          <p:cNvPr id="68" name="Rectangle 67"/>
+          <p:cNvSpPr/>
+          <p:nvPr/>
+        </p:nvSpPr>
+        <p:spPr bwMode="ltGray">
+          <a:xfrm>
+            <a:off x="1095376" y="17583149"/>
+            <a:ext cx="9572624" cy="1152144"/>
+          </a:xfrm>
+          <a:prstGeom prst="rect">
+            <a:avLst/>
+          </a:prstGeom>
+          <a:solidFill>
+            <a:srgbClr val="00B050"/>
+          </a:solidFill>
+          <a:ln w="19050" cap="flat" cmpd="sng" algn="ctr">
+            <a:solidFill>
+              <a:sysClr val="windowText" lastClr="000000">
+                <a:lumMod val="50000"/>
+                <a:lumOff val="50000"/>
+              </a:sysClr>
+            </a:solidFill>
+            <a:prstDash val="solid"/>
+            <a:miter lim="800000"/>
+          </a:ln>
+          <a:effectLst/>
+        </p:spPr>
+        <p:txBody>
+          <a:bodyPr rtlCol="0" anchor="ctr"/>
+          <a:lstStyle/>
+          <a:p>
+            <a:pPr marL="0" marR="0" lvl="0" indent="0" algn="ctr" defTabSz="914400" eaLnBrk="1" fontAlgn="auto" latinLnBrk="0" hangingPunct="1">
+              <a:lnSpc>
+                <a:spcPct val="90000"/>
+              </a:lnSpc>
+              <a:spcBef>
+                <a:spcPts val="0"/>
+              </a:spcBef>
+              <a:spcAft>
+                <a:spcPts val="0"/>
+              </a:spcAft>
+              <a:buClrTx/>
+              <a:buSzTx/>
+              <a:buFontTx/>
+              <a:buNone/>
+              <a:tabLst/>
+              <a:defRPr/>
+            </a:pPr>
+            <a:r>
+              <a:rPr kumimoji="0" lang="en-US" sz="3200" b="0" i="0" u="none" strike="noStrike" kern="0" cap="none" spc="0" normalizeH="0" baseline="0" noProof="0" dirty="0" err="1" smtClean="0">
+                <a:ln>
+                  <a:noFill/>
+                </a:ln>
+                <a:solidFill>
+                  <a:sysClr val="window" lastClr="FFFFFF"/>
+                </a:solidFill>
+                <a:effectLst/>
+                <a:uLnTx/>
+                <a:uFillTx/>
+                <a:latin typeface="Arial"/>
+                <a:ea typeface="+mn-ea"/>
+                <a:cs typeface="+mn-cs"/>
+              </a:rPr>
+              <a:t>Accelio</a:t>
+            </a:r>
+            <a:endParaRPr kumimoji="0" lang="en-US" sz="3200" b="0" i="0" u="none" strike="noStrike" kern="0" cap="none" spc="0" normalizeH="0" baseline="0" noProof="0" dirty="0" smtClean="0">
+              <a:ln>
+                <a:noFill/>
+              </a:ln>
+              <a:solidFill>
+                <a:sysClr val="window" lastClr="FFFFFF"/>
+              </a:solidFill>
+              <a:effectLst/>
+              <a:uLnTx/>
+              <a:uFillTx/>
+              <a:latin typeface="Arial"/>
+              <a:ea typeface="+mn-ea"/>
+              <a:cs typeface="+mn-cs"/>
+            </a:endParaRPr>
+          </a:p>
+        </p:txBody>
+      </p:sp>
+      <p:sp>
+        <p:nvSpPr>
+          <p:cNvPr id="69" name="Rectangle 68"/>
+          <p:cNvSpPr/>
+          <p:nvPr/>
+        </p:nvSpPr>
+        <p:spPr bwMode="ltGray">
+          <a:xfrm>
+            <a:off x="1219201" y="21440774"/>
+            <a:ext cx="9572624" cy="1152144"/>
+          </a:xfrm>
+          <a:prstGeom prst="rect">
+            <a:avLst/>
+          </a:prstGeom>
+          <a:solidFill>
+            <a:srgbClr val="00B050"/>
+          </a:solidFill>
+          <a:ln w="19050" cap="flat" cmpd="sng" algn="ctr">
+            <a:solidFill>
+              <a:sysClr val="windowText" lastClr="000000">
+                <a:lumMod val="50000"/>
+                <a:lumOff val="50000"/>
+              </a:sysClr>
+            </a:solidFill>
+            <a:prstDash val="solid"/>
+            <a:miter lim="800000"/>
+          </a:ln>
+          <a:effectLst/>
+        </p:spPr>
+        <p:txBody>
+          <a:bodyPr rtlCol="0" anchor="ctr"/>
+          <a:lstStyle/>
+          <a:p>
+            <a:pPr algn="ctr">
+              <a:lnSpc>
+                <a:spcPct val="90000"/>
+              </a:lnSpc>
+            </a:pPr>
+            <a:r>
+              <a:rPr lang="en-US" sz="3200" dirty="0" err="1" smtClean="0">
+                <a:solidFill>
+                  <a:sysClr val="window" lastClr="FFFFFF"/>
+                </a:solidFill>
+                <a:ea typeface="+mn-ea"/>
+                <a:cs typeface="+mn-cs"/>
+              </a:rPr>
+              <a:t>RoCE</a:t>
+            </a:r>
+            <a:r>
+              <a:rPr lang="en-US" sz="3200" dirty="0" smtClean="0">
+                <a:solidFill>
+                  <a:sysClr val="window" lastClr="FFFFFF"/>
+                </a:solidFill>
+                <a:ea typeface="+mn-ea"/>
+                <a:cs typeface="+mn-cs"/>
+              </a:rPr>
+              <a:t> v2 (RDMA over Converged </a:t>
+            </a:r>
+            <a:r>
+              <a:rPr lang="en-US" sz="3200" dirty="0" smtClean="0">
+                <a:solidFill>
+                  <a:sysClr val="window" lastClr="FFFFFF"/>
+                </a:solidFill>
+                <a:ea typeface="+mn-ea"/>
+                <a:cs typeface="+mn-cs"/>
+              </a:rPr>
+              <a:t>Ethernet)</a:t>
+            </a:r>
+            <a:endParaRPr kumimoji="0" lang="en-US" sz="3200" b="0" i="0" u="none" strike="noStrike" kern="0" cap="none" spc="0" normalizeH="0" baseline="0" noProof="0" dirty="0" smtClean="0">
+              <a:ln>
+                <a:noFill/>
+              </a:ln>
+              <a:solidFill>
+                <a:sysClr val="window" lastClr="FFFFFF"/>
+              </a:solidFill>
+              <a:effectLst/>
+              <a:uLnTx/>
+              <a:uFillTx/>
+              <a:latin typeface="Arial"/>
+              <a:ea typeface="+mn-ea"/>
+              <a:cs typeface="+mn-cs"/>
+            </a:endParaRPr>
+          </a:p>
+        </p:txBody>
+      </p:sp>
+      <p:sp>
+        <p:nvSpPr>
+          <p:cNvPr id="70" name="Rectangle 69"/>
+          <p:cNvSpPr/>
+          <p:nvPr/>
+        </p:nvSpPr>
+        <p:spPr bwMode="ltGray">
+          <a:xfrm>
+            <a:off x="1228726" y="24812624"/>
+            <a:ext cx="9572624" cy="1152144"/>
+          </a:xfrm>
+          <a:prstGeom prst="rect">
+            <a:avLst/>
+          </a:prstGeom>
+          <a:solidFill>
+            <a:srgbClr val="00B050"/>
+          </a:solidFill>
+          <a:ln w="19050" cap="flat" cmpd="sng" algn="ctr">
+            <a:solidFill>
+              <a:sysClr val="windowText" lastClr="000000">
+                <a:lumMod val="50000"/>
+                <a:lumOff val="50000"/>
+              </a:sysClr>
+            </a:solidFill>
+            <a:prstDash val="solid"/>
+            <a:miter lim="800000"/>
+          </a:ln>
+          <a:effectLst/>
+        </p:spPr>
+        <p:txBody>
+          <a:bodyPr rtlCol="0" anchor="ctr"/>
+          <a:lstStyle/>
+          <a:p>
+            <a:pPr algn="ctr">
+              <a:lnSpc>
+                <a:spcPct val="90000"/>
+              </a:lnSpc>
+            </a:pPr>
+            <a:r>
+              <a:rPr lang="en-US" sz="3200" dirty="0" smtClean="0">
+                <a:solidFill>
+                  <a:sysClr val="window" lastClr="FFFFFF"/>
+                </a:solidFill>
+                <a:ea typeface="+mn-ea"/>
+                <a:cs typeface="+mn-cs"/>
+              </a:rPr>
+              <a:t>Converged Ethernet</a:t>
+            </a:r>
+            <a:endParaRPr kumimoji="0" lang="en-US" sz="3200" b="0" i="0" u="none" strike="noStrike" kern="0" cap="none" spc="0" normalizeH="0" baseline="0" noProof="0" dirty="0" smtClean="0">
+              <a:ln>
+                <a:noFill/>
+              </a:ln>
+              <a:solidFill>
+                <a:sysClr val="window" lastClr="FFFFFF"/>
+              </a:solidFill>
+              <a:effectLst/>
+              <a:uLnTx/>
+              <a:uFillTx/>
+              <a:latin typeface="Arial"/>
+              <a:ea typeface="+mn-ea"/>
+              <a:cs typeface="+mn-cs"/>
+            </a:endParaRPr>
+          </a:p>
+        </p:txBody>
+      </p:sp>
+      <p:sp>
+        <p:nvSpPr>
+          <p:cNvPr id="71" name="Rectangle 70"/>
+          <p:cNvSpPr/>
+          <p:nvPr/>
+        </p:nvSpPr>
+        <p:spPr bwMode="ltGray">
+          <a:xfrm>
+            <a:off x="1323976" y="29594175"/>
+            <a:ext cx="9572624" cy="1152525"/>
+          </a:xfrm>
+          <a:prstGeom prst="rect">
+            <a:avLst/>
+          </a:prstGeom>
+          <a:solidFill>
+            <a:srgbClr val="00B050"/>
+          </a:solidFill>
+          <a:ln w="19050" cap="flat" cmpd="sng" algn="ctr">
+            <a:solidFill>
+              <a:sysClr val="windowText" lastClr="000000">
+                <a:lumMod val="50000"/>
+                <a:lumOff val="50000"/>
+              </a:sysClr>
+            </a:solidFill>
+            <a:prstDash val="solid"/>
+            <a:miter lim="800000"/>
+          </a:ln>
+          <a:effectLst/>
+        </p:spPr>
+        <p:txBody>
+          <a:bodyPr rtlCol="0" anchor="ctr"/>
+          <a:lstStyle/>
+          <a:p>
+            <a:pPr algn="ctr">
+              <a:lnSpc>
+                <a:spcPct val="90000"/>
+              </a:lnSpc>
+            </a:pPr>
+            <a:r>
+              <a:rPr lang="en-US" sz="3200" dirty="0" smtClean="0">
+                <a:solidFill>
+                  <a:sysClr val="window" lastClr="FFFFFF"/>
+                </a:solidFill>
+                <a:ea typeface="+mn-ea"/>
+                <a:cs typeface="+mn-cs"/>
+              </a:rPr>
+              <a:t>HP </a:t>
+            </a:r>
+            <a:r>
+              <a:rPr lang="en-US" sz="3200" dirty="0" err="1" smtClean="0">
+                <a:solidFill>
+                  <a:sysClr val="window" lastClr="FFFFFF"/>
+                </a:solidFill>
+                <a:ea typeface="+mn-ea"/>
+                <a:cs typeface="+mn-cs"/>
+              </a:rPr>
+              <a:t>Infiniband</a:t>
+            </a:r>
+            <a:r>
+              <a:rPr lang="en-US" sz="3200" dirty="0" smtClean="0">
+                <a:solidFill>
+                  <a:sysClr val="window" lastClr="FFFFFF"/>
+                </a:solidFill>
+                <a:ea typeface="+mn-ea"/>
+                <a:cs typeface="+mn-cs"/>
+              </a:rPr>
+              <a:t> FDR Ethernet Card/</a:t>
+            </a:r>
+            <a:r>
+              <a:rPr lang="en-US" sz="3200" dirty="0" err="1" smtClean="0">
+                <a:solidFill>
+                  <a:sysClr val="window" lastClr="FFFFFF"/>
+                </a:solidFill>
+                <a:ea typeface="+mn-ea"/>
+                <a:cs typeface="+mn-cs"/>
+              </a:rPr>
+              <a:t>Infiniband</a:t>
+            </a:r>
+            <a:r>
+              <a:rPr lang="en-US" sz="3200" dirty="0" smtClean="0">
+                <a:solidFill>
+                  <a:sysClr val="window" lastClr="FFFFFF"/>
+                </a:solidFill>
+                <a:ea typeface="+mn-ea"/>
+                <a:cs typeface="+mn-cs"/>
+              </a:rPr>
+              <a:t> QSFP+ </a:t>
+            </a:r>
+            <a:r>
+              <a:rPr lang="en-US" sz="3200" dirty="0" smtClean="0">
+                <a:solidFill>
+                  <a:sysClr val="window" lastClr="FFFFFF"/>
+                </a:solidFill>
+                <a:ea typeface="+mn-ea"/>
+                <a:cs typeface="+mn-cs"/>
+              </a:rPr>
+              <a:t>Interface</a:t>
+            </a:r>
+          </a:p>
+        </p:txBody>
+      </p:sp>
+      <p:sp>
+        <p:nvSpPr>
+          <p:cNvPr id="73" name="Down Arrow 72"/>
+          <p:cNvSpPr/>
+          <p:nvPr/>
+        </p:nvSpPr>
+        <p:spPr bwMode="ltGray">
+          <a:xfrm>
+            <a:off x="1009651" y="19297650"/>
+            <a:ext cx="1085850" cy="1447800"/>
+          </a:xfrm>
+          <a:prstGeom prst="downArrow">
+            <a:avLst/>
+          </a:prstGeom>
+          <a:solidFill>
+            <a:sysClr val="windowText" lastClr="000000">
+              <a:lumMod val="65000"/>
+              <a:lumOff val="35000"/>
+            </a:sysClr>
+          </a:solidFill>
+          <a:ln w="19050" cap="flat" cmpd="sng" algn="ctr">
+            <a:solidFill>
+              <a:sysClr val="window" lastClr="FFFFFF"/>
+            </a:solidFill>
+            <a:prstDash val="solid"/>
+            <a:miter lim="800000"/>
+          </a:ln>
+          <a:effectLst/>
+        </p:spPr>
+        <p:txBody>
+          <a:bodyPr rtlCol="0" anchor="ctr"/>
+          <a:lstStyle/>
+          <a:p>
+            <a:pPr marL="0" marR="0" lvl="0" indent="0" algn="ctr" defTabSz="914400" eaLnBrk="1" fontAlgn="auto" latinLnBrk="0" hangingPunct="1">
+              <a:lnSpc>
+                <a:spcPct val="90000"/>
+              </a:lnSpc>
+              <a:spcBef>
+                <a:spcPts val="0"/>
+              </a:spcBef>
+              <a:spcAft>
+                <a:spcPts val="0"/>
+              </a:spcAft>
+              <a:buClrTx/>
+              <a:buSzTx/>
+              <a:buFontTx/>
+              <a:buNone/>
+              <a:tabLst/>
+              <a:defRPr/>
+            </a:pPr>
+            <a:endParaRPr kumimoji="0" lang="en-US" sz="1800" b="0" i="0" u="none" strike="noStrike" kern="0" cap="none" spc="0" normalizeH="0" baseline="0" noProof="0" dirty="0" err="1" smtClean="0">
+              <a:ln>
+                <a:noFill/>
+              </a:ln>
+              <a:solidFill>
+                <a:sysClr val="window" lastClr="FFFFFF"/>
+              </a:solidFill>
+              <a:effectLst/>
+              <a:uLnTx/>
+              <a:uFillTx/>
+              <a:latin typeface="Arial"/>
+              <a:ea typeface="+mn-ea"/>
+              <a:cs typeface="+mn-cs"/>
+            </a:endParaRPr>
+          </a:p>
+        </p:txBody>
+      </p:sp>
+      <p:sp>
+        <p:nvSpPr>
+          <p:cNvPr id="74" name="Down Arrow 73"/>
+          <p:cNvSpPr/>
+          <p:nvPr/>
+        </p:nvSpPr>
+        <p:spPr bwMode="ltGray">
+          <a:xfrm>
+            <a:off x="990601" y="23002875"/>
+            <a:ext cx="1085850" cy="1447800"/>
+          </a:xfrm>
+          <a:prstGeom prst="downArrow">
+            <a:avLst/>
+          </a:prstGeom>
+          <a:solidFill>
+            <a:sysClr val="windowText" lastClr="000000">
+              <a:lumMod val="65000"/>
+              <a:lumOff val="35000"/>
+            </a:sysClr>
+          </a:solidFill>
+          <a:ln w="19050" cap="flat" cmpd="sng" algn="ctr">
+            <a:solidFill>
+              <a:sysClr val="window" lastClr="FFFFFF"/>
+            </a:solidFill>
+            <a:prstDash val="solid"/>
+            <a:miter lim="800000"/>
+          </a:ln>
+          <a:effectLst/>
+        </p:spPr>
+        <p:txBody>
+          <a:bodyPr rtlCol="0" anchor="ctr"/>
+          <a:lstStyle/>
+          <a:p>
+            <a:pPr marL="0" marR="0" lvl="0" indent="0" algn="ctr" defTabSz="914400" eaLnBrk="1" fontAlgn="auto" latinLnBrk="0" hangingPunct="1">
+              <a:lnSpc>
+                <a:spcPct val="90000"/>
+              </a:lnSpc>
+              <a:spcBef>
+                <a:spcPts val="0"/>
+              </a:spcBef>
+              <a:spcAft>
+                <a:spcPts val="0"/>
+              </a:spcAft>
+              <a:buClrTx/>
+              <a:buSzTx/>
+              <a:buFontTx/>
+              <a:buNone/>
+              <a:tabLst/>
+              <a:defRPr/>
+            </a:pPr>
+            <a:endParaRPr kumimoji="0" lang="en-US" sz="1800" b="0" i="0" u="none" strike="noStrike" kern="0" cap="none" spc="0" normalizeH="0" baseline="0" noProof="0" dirty="0" err="1" smtClean="0">
+              <a:ln>
+                <a:noFill/>
+              </a:ln>
+              <a:solidFill>
+                <a:sysClr val="window" lastClr="FFFFFF"/>
+              </a:solidFill>
+              <a:effectLst/>
+              <a:uLnTx/>
+              <a:uFillTx/>
+              <a:latin typeface="Arial"/>
+              <a:ea typeface="+mn-ea"/>
+              <a:cs typeface="+mn-cs"/>
+            </a:endParaRPr>
+          </a:p>
+        </p:txBody>
+      </p:sp>
+      <p:sp>
+        <p:nvSpPr>
+          <p:cNvPr id="75" name="Down Arrow 74"/>
+          <p:cNvSpPr/>
+          <p:nvPr/>
+        </p:nvSpPr>
+        <p:spPr bwMode="ltGray">
+          <a:xfrm>
+            <a:off x="1000126" y="27070050"/>
+            <a:ext cx="1085850" cy="1447800"/>
+          </a:xfrm>
+          <a:prstGeom prst="downArrow">
+            <a:avLst/>
+          </a:prstGeom>
+          <a:solidFill>
+            <a:sysClr val="windowText" lastClr="000000">
+              <a:lumMod val="65000"/>
+              <a:lumOff val="35000"/>
+            </a:sysClr>
+          </a:solidFill>
+          <a:ln w="19050" cap="flat" cmpd="sng" algn="ctr">
+            <a:solidFill>
+              <a:sysClr val="window" lastClr="FFFFFF"/>
+            </a:solidFill>
+            <a:prstDash val="solid"/>
+            <a:miter lim="800000"/>
+          </a:ln>
+          <a:effectLst/>
+        </p:spPr>
+        <p:txBody>
+          <a:bodyPr rtlCol="0" anchor="ctr"/>
+          <a:lstStyle/>
+          <a:p>
+            <a:pPr marL="0" marR="0" lvl="0" indent="0" algn="ctr" defTabSz="914400" eaLnBrk="1" fontAlgn="auto" latinLnBrk="0" hangingPunct="1">
+              <a:lnSpc>
+                <a:spcPct val="90000"/>
+              </a:lnSpc>
+              <a:spcBef>
+                <a:spcPts val="0"/>
+              </a:spcBef>
+              <a:spcAft>
+                <a:spcPts val="0"/>
+              </a:spcAft>
+              <a:buClrTx/>
+              <a:buSzTx/>
+              <a:buFontTx/>
+              <a:buNone/>
+              <a:tabLst/>
+              <a:defRPr/>
+            </a:pPr>
+            <a:endParaRPr kumimoji="0" lang="en-US" sz="1800" b="0" i="0" u="none" strike="noStrike" kern="0" cap="none" spc="0" normalizeH="0" baseline="0" noProof="0" dirty="0" err="1" smtClean="0">
+              <a:ln>
+                <a:noFill/>
+              </a:ln>
+              <a:solidFill>
+                <a:sysClr val="window" lastClr="FFFFFF"/>
+              </a:solidFill>
+              <a:effectLst/>
+              <a:uLnTx/>
+              <a:uFillTx/>
+              <a:latin typeface="Arial"/>
+              <a:ea typeface="+mn-ea"/>
+              <a:cs typeface="+mn-cs"/>
+            </a:endParaRPr>
+          </a:p>
+        </p:txBody>
+      </p:sp>
     </p:spTree>
   </p:cSld>
   <p:clrMapOvr>

--- a/deliverables/Release 2/Poster.pptx
+++ b/deliverables/Release 2/Poster.pptx
@@ -338,7 +338,7 @@
     </p:spTree>
     <p:extLst>
       <p:ext uri="{BB962C8B-B14F-4D97-AF65-F5344CB8AC3E}">
-        <p14:creationId xmlns:p14="http://schemas.microsoft.com/office/powerpoint/2010/main" xmlns="" val="1355538437"/>
+        <p14:creationId xmlns="" xmlns:p14="http://schemas.microsoft.com/office/powerpoint/2010/main" val="1355538437"/>
       </p:ext>
     </p:extLst>
   </p:cSld>
@@ -528,7 +528,7 @@
     </p:spTree>
     <p:extLst>
       <p:ext uri="{BB962C8B-B14F-4D97-AF65-F5344CB8AC3E}">
-        <p14:creationId xmlns:p14="http://schemas.microsoft.com/office/powerpoint/2010/main" xmlns="" val="2623383061"/>
+        <p14:creationId xmlns="" xmlns:p14="http://schemas.microsoft.com/office/powerpoint/2010/main" val="2623383061"/>
       </p:ext>
     </p:extLst>
   </p:cSld>
@@ -2491,7 +2491,7 @@
         </p:nvSpPr>
         <p:spPr>
           <a:xfrm>
-            <a:off x="583354" y="7273099"/>
+            <a:off x="583354" y="6873049"/>
             <a:ext cx="10607100" cy="846299"/>
           </a:xfrm>
           <a:prstGeom prst="rect">
@@ -2520,8 +2520,41 @@
             </a:pPr>
             <a:r>
               <a:rPr lang="en-US" sz="3200" dirty="0" smtClean="0"/>
-              <a:t>Sponsored by Hewlett-Packard Enterprise, the objectives of this project are to assemble and benchmark a functional protocol stack to provide high throughput transfers with low CPU utilization that could be ported to HP Enterprise’s 3Par storage systems. To benchmark the servers, we created a custom test suite that determined read, write, buffer size, and seek performance.</a:t>
-            </a:r>
+              <a:t>The objectives </a:t>
+            </a:r>
+            <a:r>
+              <a:rPr lang="en-US" sz="3200" dirty="0" smtClean="0"/>
+              <a:t>of this project are to assemble and benchmark a functional protocol </a:t>
+            </a:r>
+            <a:r>
+              <a:rPr lang="en-US" sz="3200" dirty="0" smtClean="0"/>
+              <a:t>stack. This will </a:t>
+            </a:r>
+            <a:r>
+              <a:rPr lang="en-US" sz="3200" dirty="0" smtClean="0"/>
+              <a:t>provide high throughput transfers with low CPU utilization that could be ported to HP Enterprise’s 3Par storage systems. To benchmark the servers, we created a custom test suite that determined read, write, buffer size, and seek performance</a:t>
+            </a:r>
+            <a:r>
+              <a:rPr lang="en-US" sz="3200" dirty="0" smtClean="0"/>
+              <a:t>.</a:t>
+            </a:r>
+          </a:p>
+          <a:p>
+            <a:pPr marL="0" algn="just">
+              <a:spcAft>
+                <a:spcPts val="1100"/>
+              </a:spcAft>
+              <a:buClr>
+                <a:schemeClr val="dk1"/>
+              </a:buClr>
+              <a:buSzPct val="137500"/>
+              <a:buNone/>
+            </a:pPr>
+            <a:r>
+              <a:rPr lang="en-US" sz="3200" dirty="0" smtClean="0"/>
+              <a:t>[Put in a statement about results regardless of whether they are positive or negative]</a:t>
+            </a:r>
+            <a:endParaRPr lang="en-US" sz="3200" dirty="0" smtClean="0"/>
           </a:p>
         </p:txBody>
       </p:sp>
@@ -2623,11 +2656,7 @@
             <a:pPr lvl="2" fontAlgn="base"/>
             <a:r>
               <a:rPr lang="en-US" sz="3200" dirty="0" smtClean="0"/>
-              <a:t>Presented </a:t>
-            </a:r>
-            <a:r>
-              <a:rPr lang="en-US" sz="3200" dirty="0" smtClean="0"/>
-              <a:t>as a regular storage block device on the local system</a:t>
+              <a:t>Presented as a regular storage block device on the local system</a:t>
             </a:r>
           </a:p>
           <a:p>
@@ -2659,11 +2688,7 @@
             <a:pPr lvl="2" fontAlgn="base"/>
             <a:r>
               <a:rPr lang="en-US" sz="3200" dirty="0" smtClean="0"/>
-              <a:t>Library </a:t>
-            </a:r>
-            <a:r>
-              <a:rPr lang="en-US" sz="3200" dirty="0" smtClean="0"/>
-              <a:t>for high-performance asynchronous IO using RDMA</a:t>
+              <a:t>Library for high-performance asynchronous IO using RDMA</a:t>
             </a:r>
           </a:p>
           <a:p>
@@ -2735,24 +2760,15 @@
             <a:pPr lvl="2" fontAlgn="base"/>
             <a:r>
               <a:rPr lang="en-US" sz="3200" dirty="0" smtClean="0"/>
-              <a:t>Hardware support </a:t>
-            </a:r>
-            <a:r>
-              <a:rPr lang="en-US" sz="3200" dirty="0" smtClean="0"/>
-              <a:t>for RDMA</a:t>
+              <a:t>Hardware support for RDMA</a:t>
             </a:r>
           </a:p>
           <a:p>
             <a:pPr lvl="2" fontAlgn="base"/>
             <a:r>
               <a:rPr lang="en-US" sz="3200" dirty="0" smtClean="0"/>
-              <a:t>Interconnect system for the I/O ports that supports 40G </a:t>
-            </a:r>
-            <a:r>
-              <a:rPr lang="en-US" sz="3200" dirty="0" smtClean="0"/>
-              <a:t>Ethernet</a:t>
-            </a:r>
-            <a:endParaRPr lang="en-US" sz="3200" dirty="0" smtClean="0"/>
+              <a:t>Interconnect system for the I/O ports that supports 40G Ethernet</a:t>
+            </a:r>
           </a:p>
         </p:txBody>
       </p:sp>
@@ -2856,7 +2872,7 @@
               <a:buNone/>
             </a:pPr>
             <a:r>
-              <a:rPr lang="en-US" sz="3100" dirty="0" smtClean="0">
+              <a:rPr lang="en-US" sz="3200" dirty="0" smtClean="0">
                 <a:solidFill>
                   <a:schemeClr val="dk1"/>
                 </a:solidFill>
@@ -2879,7 +2895,7 @@
               <a:buFont typeface="Arial"/>
               <a:buNone/>
             </a:pPr>
-            <a:endParaRPr lang="en-US" sz="3100" dirty="0" smtClean="0">
+            <a:endParaRPr lang="en-US" sz="3200" dirty="0" smtClean="0">
               <a:solidFill>
                 <a:schemeClr val="dk1"/>
               </a:solidFill>
@@ -2900,7 +2916,7 @@
               <a:buFont typeface="Arial"/>
               <a:buNone/>
             </a:pPr>
-            <a:endParaRPr lang="en-US" sz="3100" dirty="0" smtClean="0">
+            <a:endParaRPr lang="en-US" sz="3200" dirty="0" smtClean="0">
               <a:solidFill>
                 <a:schemeClr val="dk1"/>
               </a:solidFill>
@@ -2921,7 +2937,7 @@
               <a:buFont typeface="Arial"/>
               <a:buNone/>
             </a:pPr>
-            <a:endParaRPr lang="en-US" sz="3100" dirty="0" smtClean="0">
+            <a:endParaRPr lang="en-US" sz="3200" dirty="0" smtClean="0">
               <a:solidFill>
                 <a:schemeClr val="dk1"/>
               </a:solidFill>
@@ -2942,7 +2958,7 @@
               <a:buFont typeface="Arial"/>
               <a:buNone/>
             </a:pPr>
-            <a:endParaRPr lang="en-US" sz="3100" dirty="0" smtClean="0">
+            <a:endParaRPr lang="en-US" sz="3200" dirty="0" smtClean="0">
               <a:solidFill>
                 <a:schemeClr val="dk1"/>
               </a:solidFill>
@@ -2964,14 +2980,14 @@
               <a:buNone/>
             </a:pPr>
             <a:r>
-              <a:rPr lang="en-US" sz="3100" dirty="0" smtClean="0">
+              <a:rPr lang="en-US" sz="3200" dirty="0" smtClean="0">
                 <a:solidFill>
                   <a:schemeClr val="dk1"/>
                 </a:solidFill>
               </a:rPr>
               <a:t>[Insert graphs and pictures of results here]</a:t>
             </a:r>
-            <a:endParaRPr lang="en-US" sz="3100" dirty="0">
+            <a:endParaRPr lang="en-US" sz="3200" dirty="0">
               <a:solidFill>
                 <a:schemeClr val="dk1"/>
               </a:solidFill>
@@ -3053,7 +3069,7 @@
         </p:nvSpPr>
         <p:spPr>
           <a:xfrm>
-            <a:off x="11891965" y="29401470"/>
+            <a:off x="11891965" y="28217865"/>
             <a:ext cx="20116799" cy="846299"/>
           </a:xfrm>
           <a:prstGeom prst="rect">
@@ -3074,54 +3090,107 @@
               <a:buNone/>
             </a:pPr>
             <a:r>
-              <a:rPr lang="en-US" sz="3100" dirty="0" smtClean="0"/>
+              <a:rPr lang="en-US" sz="3200" dirty="0" smtClean="0"/>
               <a:t>We would like to thank:</a:t>
             </a:r>
           </a:p>
           <a:p>
             <a:pPr fontAlgn="base"/>
             <a:r>
-              <a:rPr lang="en-US" sz="3100" dirty="0" smtClean="0"/>
+              <a:rPr lang="en-US" sz="3200" dirty="0" smtClean="0"/>
               <a:t>Samuel </a:t>
             </a:r>
             <a:r>
-              <a:rPr lang="en-US" sz="3100" dirty="0" err="1" smtClean="0"/>
+              <a:rPr lang="en-US" sz="3200" dirty="0" err="1" smtClean="0"/>
               <a:t>Fineberg</a:t>
             </a:r>
             <a:r>
-              <a:rPr lang="en-US" sz="3100" dirty="0" smtClean="0"/>
-              <a:t>, Distinguished Technologist, Hewlett Packard Enterprise</a:t>
+              <a:rPr lang="en-US" sz="3200" dirty="0" smtClean="0"/>
+              <a:t>, </a:t>
+            </a:r>
+            <a:r>
+              <a:rPr lang="en-US" sz="3200" dirty="0" smtClean="0"/>
+              <a:t>Ph.D., Distinguished </a:t>
+            </a:r>
+            <a:r>
+              <a:rPr lang="en-US" sz="3200" dirty="0" smtClean="0"/>
+              <a:t>Technologist, </a:t>
+            </a:r>
+            <a:r>
+              <a:rPr lang="en-US" sz="3200" dirty="0" smtClean="0"/>
+              <a:t>Storage Chief Technologist Office at Hewlett </a:t>
+            </a:r>
+            <a:r>
+              <a:rPr lang="en-US" sz="3200" dirty="0" smtClean="0"/>
+              <a:t>Packard Enterprise</a:t>
             </a:r>
           </a:p>
           <a:p>
             <a:pPr fontAlgn="base"/>
             <a:r>
-              <a:rPr lang="en-US" sz="3100" dirty="0" smtClean="0"/>
-              <a:t>Linda Werner, Faculty Advisor, UCSC</a:t>
+              <a:rPr lang="en-US" sz="3200" dirty="0" smtClean="0"/>
+              <a:t>Dr. Linda </a:t>
+            </a:r>
+            <a:r>
+              <a:rPr lang="en-US" sz="3200" dirty="0" smtClean="0"/>
+              <a:t>Werner, </a:t>
+            </a:r>
+            <a:r>
+              <a:rPr lang="en-US" sz="3200" dirty="0" smtClean="0"/>
+              <a:t>Ph.D., Faculty </a:t>
+            </a:r>
+            <a:r>
+              <a:rPr lang="en-US" sz="3200" dirty="0" smtClean="0"/>
+              <a:t>Advisor, UCSC</a:t>
             </a:r>
           </a:p>
           <a:p>
             <a:pPr fontAlgn="base"/>
             <a:r>
-              <a:rPr lang="en-US" sz="3100" dirty="0" smtClean="0"/>
+              <a:rPr lang="en-US" sz="3200" dirty="0" smtClean="0"/>
               <a:t>Daniel </a:t>
             </a:r>
             <a:r>
-              <a:rPr lang="en-US" sz="3100" dirty="0" err="1" smtClean="0"/>
+              <a:rPr lang="en-US" sz="3200" dirty="0" err="1" smtClean="0"/>
               <a:t>Fava</a:t>
             </a:r>
             <a:r>
-              <a:rPr lang="en-US" sz="3100" dirty="0" smtClean="0"/>
-              <a:t>, Teaching Assistant, UCSC</a:t>
+              <a:rPr lang="en-US" sz="3200" dirty="0" smtClean="0"/>
+              <a:t>, </a:t>
+            </a:r>
+            <a:r>
+              <a:rPr lang="en-US" sz="3200" dirty="0" smtClean="0"/>
+              <a:t>Graduate Teaching </a:t>
+            </a:r>
+            <a:r>
+              <a:rPr lang="en-US" sz="3200" dirty="0" smtClean="0"/>
+              <a:t>Assistant, UCSC</a:t>
             </a:r>
           </a:p>
           <a:p>
             <a:pPr fontAlgn="base"/>
             <a:r>
-              <a:rPr lang="en-US" sz="3100" dirty="0" smtClean="0"/>
-              <a:t>HPE for the hardware and support provided</a:t>
-            </a:r>
-            <a:endParaRPr lang="en-US" sz="3100" dirty="0"/>
+              <a:rPr lang="en-US" sz="3200" dirty="0" smtClean="0"/>
+              <a:t>HPE for the hardware and support </a:t>
+            </a:r>
+            <a:r>
+              <a:rPr lang="en-US" sz="3200" dirty="0" smtClean="0"/>
+              <a:t>provided</a:t>
+            </a:r>
+          </a:p>
+          <a:p>
+            <a:pPr fontAlgn="base"/>
+            <a:endParaRPr lang="en-US" sz="3200" dirty="0" smtClean="0"/>
+          </a:p>
+          <a:p>
+            <a:pPr fontAlgn="base">
+              <a:buNone/>
+            </a:pPr>
+            <a:r>
+              <a:rPr lang="en-US" sz="3200" dirty="0" smtClean="0"/>
+              <a:t>*  Participated in the first half of the project</a:t>
+            </a:r>
+            <a:endParaRPr lang="en-US" sz="3200" dirty="0"/>
           </a:p>
         </p:txBody>
       </p:sp>
@@ -3137,7 +3206,7 @@
         </p:nvSpPr>
         <p:spPr>
           <a:xfrm>
-            <a:off x="11891965" y="28121310"/>
+            <a:off x="11891965" y="26937705"/>
             <a:ext cx="20116799" cy="1200299"/>
           </a:xfrm>
           <a:prstGeom prst="rect">
@@ -3166,7 +3235,7 @@
               <a:buNone/>
             </a:pPr>
             <a:r>
-              <a:rPr lang="en-US" sz="6600" b="1">
+              <a:rPr lang="en-US" sz="6600" b="1" dirty="0">
                 <a:solidFill>
                   <a:schemeClr val="dk1"/>
                 </a:solidFill>
@@ -3292,7 +3361,15 @@
             <a:pPr fontAlgn="base"/>
             <a:r>
               <a:rPr lang="en-US" sz="3200" dirty="0" smtClean="0"/>
-              <a:t>Data results were automatically parsed and outputted to CSV files, allowing for easy graph creation.</a:t>
+              <a:t>Data results were automatically parsed and </a:t>
+            </a:r>
+            <a:r>
+              <a:rPr lang="en-US" sz="3200" dirty="0" smtClean="0"/>
+              <a:t>output </a:t>
+            </a:r>
+            <a:r>
+              <a:rPr lang="en-US" sz="3200" dirty="0" smtClean="0"/>
+              <a:t>to CSV files, allowing for easy graph creation.</a:t>
             </a:r>
           </a:p>
           <a:p>
@@ -3406,7 +3483,7 @@
         </p:nvSpPr>
         <p:spPr>
           <a:xfrm>
-            <a:off x="32689800" y="16092010"/>
+            <a:off x="32080200" y="16284514"/>
             <a:ext cx="10607100" cy="1200299"/>
           </a:xfrm>
           <a:prstGeom prst="rect">
@@ -3440,7 +3517,15 @@
                   <a:schemeClr val="dk1"/>
                 </a:solidFill>
               </a:rPr>
-              <a:t>Technologies/</a:t>
+              <a:t>       Technologies</a:t>
+            </a:r>
+            <a:r>
+              <a:rPr lang="en-US" sz="6600" b="1" dirty="0" smtClean="0">
+                <a:solidFill>
+                  <a:schemeClr val="dk1"/>
+                </a:solidFill>
+              </a:rPr>
+              <a:t>/</a:t>
             </a:r>
             <a:br>
               <a:rPr lang="en-US" sz="6600" b="1" dirty="0" smtClean="0">
@@ -3455,7 +3540,7 @@
                   <a:schemeClr val="dk1"/>
                 </a:solidFill>
               </a:rPr>
-              <a:t>Methodologies Used</a:t>
+              <a:t>Methodologies</a:t>
             </a:r>
             <a:endParaRPr lang="en-US" sz="6600" b="1" dirty="0">
               <a:solidFill>
@@ -3477,7 +3562,7 @@
         </p:nvSpPr>
         <p:spPr>
           <a:xfrm>
-            <a:off x="32689800" y="17709474"/>
+            <a:off x="32689800" y="17901978"/>
             <a:ext cx="10607100" cy="846299"/>
           </a:xfrm>
           <a:prstGeom prst="rect">
@@ -3496,112 +3581,157 @@
           <a:p>
             <a:pPr fontAlgn="base"/>
             <a:r>
-              <a:rPr lang="en-US" sz="3100" dirty="0" smtClean="0"/>
-              <a:t>Software</a:t>
-            </a:r>
-          </a:p>
-          <a:p>
-            <a:pPr lvl="1" fontAlgn="base"/>
-            <a:r>
-              <a:rPr lang="en-US" sz="3100" b="1" dirty="0" smtClean="0"/>
-              <a:t>Languages</a:t>
-            </a:r>
-          </a:p>
-          <a:p>
-            <a:pPr lvl="2" fontAlgn="base"/>
-            <a:r>
-              <a:rPr lang="en-US" sz="3100" b="1" dirty="0" smtClean="0"/>
+              <a:rPr lang="en-US" sz="3200" b="1" dirty="0" smtClean="0"/>
               <a:t>C</a:t>
             </a:r>
             <a:r>
-              <a:rPr lang="en-US" sz="3100" dirty="0" smtClean="0"/>
-              <a:t> (I/O file creation program)</a:t>
-            </a:r>
-          </a:p>
-          <a:p>
-            <a:pPr lvl="2" fontAlgn="base"/>
-            <a:r>
-              <a:rPr lang="en-US" sz="3100" b="1" dirty="0" smtClean="0"/>
+              <a:rPr lang="en-US" sz="3200" dirty="0" smtClean="0"/>
+              <a:t> </a:t>
+            </a:r>
+            <a:r>
+              <a:rPr lang="en-US" sz="3200" dirty="0" smtClean="0"/>
+              <a:t>(I/O file creation </a:t>
+            </a:r>
+            <a:r>
+              <a:rPr lang="en-US" sz="3200" dirty="0" smtClean="0"/>
+              <a:t>program)</a:t>
+            </a:r>
+          </a:p>
+          <a:p>
+            <a:pPr fontAlgn="base"/>
+            <a:r>
+              <a:rPr lang="en-US" sz="3200" b="1" dirty="0" smtClean="0"/>
               <a:t>Python</a:t>
             </a:r>
             <a:r>
-              <a:rPr lang="en-US" sz="3100" dirty="0" smtClean="0"/>
-              <a:t> (Benchmarking framework)</a:t>
-            </a:r>
-          </a:p>
-          <a:p>
-            <a:pPr lvl="1" fontAlgn="base"/>
-            <a:r>
-              <a:rPr lang="en-US" sz="3100" b="1" dirty="0" err="1" smtClean="0"/>
+              <a:rPr lang="en-US" sz="3200" dirty="0" smtClean="0"/>
+              <a:t> </a:t>
+            </a:r>
+            <a:r>
+              <a:rPr lang="en-US" sz="3200" dirty="0" smtClean="0"/>
+              <a:t>(Benchmarking framework)</a:t>
+            </a:r>
+          </a:p>
+          <a:p>
+            <a:pPr fontAlgn="base"/>
+            <a:r>
+              <a:rPr lang="en-US" sz="3200" b="1" dirty="0" err="1" smtClean="0"/>
               <a:t>CentOS</a:t>
             </a:r>
             <a:r>
-              <a:rPr lang="en-US" sz="3100" b="1" dirty="0" smtClean="0"/>
+              <a:rPr lang="en-US" sz="3200" b="1" dirty="0" smtClean="0"/>
               <a:t> 7.2</a:t>
             </a:r>
-            <a:endParaRPr lang="en-US" sz="3100" dirty="0" smtClean="0"/>
-          </a:p>
-          <a:p>
-            <a:pPr lvl="1" fontAlgn="base"/>
-            <a:r>
-              <a:rPr lang="en-US" sz="3100" b="1" dirty="0" err="1" smtClean="0"/>
+            <a:endParaRPr lang="en-US" sz="3200" dirty="0" smtClean="0"/>
+          </a:p>
+          <a:p>
+            <a:pPr fontAlgn="base"/>
+            <a:r>
+              <a:rPr lang="en-US" sz="3200" b="1" dirty="0" err="1" smtClean="0"/>
               <a:t>Accelio</a:t>
             </a:r>
             <a:r>
-              <a:rPr lang="en-US" sz="3100" b="1" dirty="0" smtClean="0"/>
+              <a:rPr lang="en-US" sz="3200" b="1" dirty="0" smtClean="0"/>
               <a:t> and </a:t>
             </a:r>
             <a:r>
-              <a:rPr lang="en-US" sz="3100" b="1" dirty="0" err="1" smtClean="0"/>
+              <a:rPr lang="en-US" sz="3200" b="1" dirty="0" err="1" smtClean="0"/>
               <a:t>nbdX</a:t>
             </a:r>
-            <a:endParaRPr lang="en-US" sz="3100" b="1" dirty="0" smtClean="0"/>
+            <a:endParaRPr lang="en-US" sz="3200" b="1" dirty="0" smtClean="0"/>
           </a:p>
           <a:p>
             <a:pPr fontAlgn="base"/>
             <a:r>
-              <a:rPr lang="en-US" sz="3100" dirty="0" smtClean="0"/>
-              <a:t>Hardware</a:t>
-            </a:r>
-          </a:p>
-          <a:p>
-            <a:pPr lvl="1" fontAlgn="base"/>
-            <a:r>
-              <a:rPr lang="en-US" sz="3100" b="1" dirty="0" smtClean="0"/>
+              <a:rPr lang="en-US" sz="3200" b="1" dirty="0" smtClean="0"/>
               <a:t>HPE </a:t>
             </a:r>
             <a:r>
-              <a:rPr lang="en-US" sz="3100" b="1" dirty="0" err="1" smtClean="0"/>
+              <a:rPr lang="en-US" sz="3200" b="1" dirty="0" err="1" smtClean="0"/>
               <a:t>Proliant</a:t>
             </a:r>
             <a:r>
-              <a:rPr lang="en-US" sz="3100" b="1" dirty="0" smtClean="0"/>
+              <a:rPr lang="en-US" sz="3200" b="1" dirty="0" smtClean="0"/>
               <a:t> servers </a:t>
             </a:r>
             <a:r>
-              <a:rPr lang="en-US" sz="3100" dirty="0" smtClean="0"/>
+              <a:rPr lang="en-US" sz="3200" dirty="0" smtClean="0"/>
               <a:t>(x2)</a:t>
             </a:r>
-            <a:endParaRPr lang="en-US" sz="3100" b="1" dirty="0" smtClean="0"/>
-          </a:p>
-          <a:p>
-            <a:r>
-              <a:rPr lang="en-US" sz="3100" b="1" dirty="0" smtClean="0"/>
+            <a:endParaRPr lang="en-US" sz="3200" b="1" dirty="0" smtClean="0"/>
+          </a:p>
+          <a:p>
+            <a:r>
+              <a:rPr lang="en-US" sz="3200" b="1" dirty="0" smtClean="0"/>
               <a:t>HPE </a:t>
             </a:r>
             <a:r>
-              <a:rPr lang="en-US" sz="3100" b="1" dirty="0" err="1" smtClean="0"/>
+              <a:rPr lang="en-US" sz="3200" b="1" dirty="0" err="1" smtClean="0"/>
               <a:t>Infiniband</a:t>
             </a:r>
             <a:r>
-              <a:rPr lang="en-US" sz="3100" b="1" dirty="0" smtClean="0"/>
+              <a:rPr lang="en-US" sz="3200" b="1" dirty="0" smtClean="0"/>
               <a:t> FDR//Ethernet 2-Port Adapters </a:t>
             </a:r>
             <a:r>
-              <a:rPr lang="en-US" sz="3100" dirty="0" smtClean="0"/>
-              <a:t>(x2)</a:t>
-            </a:r>
-            <a:endParaRPr lang="en-US" sz="3100" dirty="0">
+              <a:rPr lang="en-US" sz="3200" dirty="0" smtClean="0"/>
+              <a:t>(x2</a:t>
+            </a:r>
+            <a:r>
+              <a:rPr lang="en-US" sz="3200" dirty="0" smtClean="0"/>
+              <a:t>)</a:t>
+            </a:r>
+          </a:p>
+          <a:p>
+            <a:r>
+              <a:rPr lang="en-US" sz="3200" b="1" dirty="0" smtClean="0">
+                <a:solidFill>
+                  <a:schemeClr val="dk1"/>
+                </a:solidFill>
+              </a:rPr>
+              <a:t>Scrum</a:t>
+            </a:r>
+          </a:p>
+          <a:p>
+            <a:r>
+              <a:rPr lang="en-US" sz="3200" b="1" dirty="0" err="1" smtClean="0">
+                <a:solidFill>
+                  <a:schemeClr val="dk1"/>
+                </a:solidFill>
+              </a:rPr>
+              <a:t>GitHub</a:t>
+            </a:r>
+            <a:endParaRPr lang="en-US" sz="3200" b="1" dirty="0" smtClean="0">
+              <a:solidFill>
+                <a:schemeClr val="dk1"/>
+              </a:solidFill>
+            </a:endParaRPr>
+          </a:p>
+          <a:p>
+            <a:r>
+              <a:rPr lang="en-US" sz="3200" b="1" dirty="0" err="1" smtClean="0">
+                <a:solidFill>
+                  <a:schemeClr val="dk1"/>
+                </a:solidFill>
+              </a:rPr>
+              <a:t>Trello</a:t>
+            </a:r>
+            <a:endParaRPr lang="en-US" sz="3200" b="1" dirty="0" smtClean="0">
+              <a:solidFill>
+                <a:schemeClr val="dk1"/>
+              </a:solidFill>
+            </a:endParaRPr>
+          </a:p>
+          <a:p>
+            <a:r>
+              <a:rPr lang="en-US" sz="3200" b="1" dirty="0" smtClean="0">
+                <a:solidFill>
+                  <a:schemeClr val="dk1"/>
+                </a:solidFill>
+              </a:rPr>
+              <a:t>Slack</a:t>
+            </a:r>
+            <a:endParaRPr lang="en-US" sz="3200" dirty="0" smtClean="0">
               <a:solidFill>
                 <a:schemeClr val="dk1"/>
               </a:solidFill>
@@ -3621,7 +3751,7 @@
         </p:nvSpPr>
         <p:spPr>
           <a:xfrm>
-            <a:off x="32689800" y="22544925"/>
+            <a:off x="32689800" y="23170563"/>
             <a:ext cx="10607100" cy="1200299"/>
           </a:xfrm>
           <a:prstGeom prst="rect">
@@ -3650,7 +3780,7 @@
               <a:buNone/>
             </a:pPr>
             <a:r>
-              <a:rPr lang="en-US" sz="6000" b="1" dirty="0">
+              <a:rPr lang="en-US" sz="6600" b="1" dirty="0">
                 <a:solidFill>
                   <a:schemeClr val="dk1"/>
                 </a:solidFill>
@@ -3672,7 +3802,7 @@
         </p:nvSpPr>
         <p:spPr>
           <a:xfrm>
-            <a:off x="32689800" y="23824027"/>
+            <a:off x="32689800" y="24257161"/>
             <a:ext cx="10607100" cy="846299"/>
           </a:xfrm>
           <a:prstGeom prst="rect">
@@ -3812,12 +3942,10 @@
           </a:bodyPr>
           <a:lstStyle/>
           <a:p>
-            <a:pPr lvl="0" rtl="0">
-              <a:buNone/>
-            </a:pPr>
+            <a:pPr lvl="0"/>
             <a:r>
               <a:rPr lang="en-US" dirty="0" smtClean="0"/>
-              <a:t>Kevin Cheng, John </a:t>
+              <a:t>John </a:t>
             </a:r>
             <a:r>
               <a:rPr lang="en-US" dirty="0" err="1" smtClean="0"/>
@@ -3833,7 +3961,26 @@
             </a:r>
             <a:r>
               <a:rPr lang="en-US" dirty="0" smtClean="0"/>
-              <a:t>, Jayden Navarro, Alice Yu</a:t>
+              <a:t>,</a:t>
+            </a:r>
+            <a:br>
+              <a:rPr lang="en-US" dirty="0" smtClean="0"/>
+            </a:br>
+            <a:r>
+              <a:rPr lang="en-US" dirty="0" smtClean="0"/>
+              <a:t>Jayden </a:t>
+            </a:r>
+            <a:r>
+              <a:rPr lang="en-US" dirty="0" smtClean="0"/>
+              <a:t>Navarro, Alice </a:t>
+            </a:r>
+            <a:r>
+              <a:rPr lang="en-US" dirty="0" smtClean="0"/>
+              <a:t>Yu, Kevin </a:t>
+            </a:r>
+            <a:r>
+              <a:rPr lang="en-US" dirty="0" smtClean="0"/>
+              <a:t>Cheng*</a:t>
             </a:r>
             <a:endParaRPr lang="en-US" dirty="0"/>
           </a:p>
@@ -3856,7 +4003,7 @@
         </p:blipFill>
         <p:spPr bwMode="auto">
           <a:xfrm>
-            <a:off x="34121557" y="673773"/>
+            <a:off x="33207157" y="673773"/>
             <a:ext cx="8863431" cy="3561348"/>
           </a:xfrm>
           <a:prstGeom prst="rect">
@@ -4156,17 +4303,7 @@
                 <a:ea typeface="+mn-ea"/>
                 <a:cs typeface="+mn-cs"/>
               </a:rPr>
-              <a:t> v2 (RDMA over Converged </a:t>
-            </a:r>
-            <a:r>
-              <a:rPr lang="en-US" sz="3200" dirty="0" smtClean="0">
-                <a:solidFill>
-                  <a:sysClr val="window" lastClr="FFFFFF"/>
-                </a:solidFill>
-                <a:ea typeface="+mn-ea"/>
-                <a:cs typeface="+mn-cs"/>
-              </a:rPr>
-              <a:t>Ethernet)</a:t>
+              <a:t> v2 (RDMA over Converged Ethernet)</a:t>
             </a:r>
             <a:endParaRPr kumimoji="0" lang="en-US" sz="3200" b="0" i="0" u="none" strike="noStrike" kern="0" cap="none" spc="0" normalizeH="0" baseline="0" noProof="0" dirty="0" smtClean="0">
               <a:ln>
@@ -4336,17 +4473,7 @@
                 <a:ea typeface="+mn-ea"/>
                 <a:cs typeface="+mn-cs"/>
               </a:rPr>
-              <a:t> QSFP+ </a:t>
-            </a:r>
-            <a:r>
-              <a:rPr lang="en-US" sz="3200" dirty="0" smtClean="0">
-                <a:solidFill>
-                  <a:sysClr val="window" lastClr="FFFFFF"/>
-                </a:solidFill>
-                <a:ea typeface="+mn-ea"/>
-                <a:cs typeface="+mn-cs"/>
-              </a:rPr>
-              <a:t>Interface</a:t>
+              <a:t> QSFP+ Interface</a:t>
             </a:r>
           </a:p>
         </p:txBody>

--- a/deliverables/Release 2/Poster.pptx
+++ b/deliverables/Release 2/Poster.pptx
@@ -215,6 +215,773 @@
     </a:lvl9pPr>
   </p:defaultTextStyle>
 </p:presentation>
+</file>
+
+<file path=ppt/charts/chart1.xml><?xml version="1.0" encoding="utf-8"?>
+<c:chartSpace xmlns:c="http://schemas.openxmlformats.org/drawingml/2006/chart" xmlns:a="http://schemas.openxmlformats.org/drawingml/2006/main" xmlns:r="http://schemas.openxmlformats.org/officeDocument/2006/relationships">
+  <c:lang val="en-US"/>
+  <c:chart>
+    <c:title>
+      <c:tx>
+        <c:rich>
+          <a:bodyPr/>
+          <a:lstStyle/>
+          <a:p>
+            <a:pPr>
+              <a:defRPr sz="3000"/>
+            </a:pPr>
+            <a:r>
+              <a:rPr lang="en-US" sz="3000" dirty="0"/>
+              <a:t>IOPS</a:t>
+            </a:r>
+          </a:p>
+        </c:rich>
+      </c:tx>
+      <c:layout/>
+    </c:title>
+    <c:view3D>
+      <c:rAngAx val="1"/>
+    </c:view3D>
+    <c:plotArea>
+      <c:layout/>
+      <c:bar3DChart>
+        <c:barDir val="col"/>
+        <c:grouping val="clustered"/>
+        <c:ser>
+          <c:idx val="0"/>
+          <c:order val="0"/>
+          <c:tx>
+            <c:strRef>
+              <c:f>Sheet1!$C$3</c:f>
+              <c:strCache>
+                <c:ptCount val="1"/>
+                <c:pt idx="0">
+                  <c:v>4K Block Size</c:v>
+                </c:pt>
+              </c:strCache>
+            </c:strRef>
+          </c:tx>
+          <c:spPr>
+            <a:solidFill>
+              <a:srgbClr val="00B050"/>
+            </a:solidFill>
+          </c:spPr>
+          <c:cat>
+            <c:strRef>
+              <c:f>Sheet1!$B$4:$B$6</c:f>
+              <c:strCache>
+                <c:ptCount val="3"/>
+                <c:pt idx="0">
+                  <c:v>1 IO Depth</c:v>
+                </c:pt>
+                <c:pt idx="1">
+                  <c:v>32 IO Depth</c:v>
+                </c:pt>
+                <c:pt idx="2">
+                  <c:v>64 IO Depth</c:v>
+                </c:pt>
+              </c:strCache>
+            </c:strRef>
+          </c:cat>
+          <c:val>
+            <c:numRef>
+              <c:f>Sheet1!$C$4:$C$6</c:f>
+              <c:numCache>
+                <c:formatCode>General</c:formatCode>
+                <c:ptCount val="3"/>
+                <c:pt idx="0">
+                  <c:v>4646</c:v>
+                </c:pt>
+                <c:pt idx="1">
+                  <c:v>143513</c:v>
+                </c:pt>
+                <c:pt idx="2">
+                  <c:v>134475</c:v>
+                </c:pt>
+              </c:numCache>
+            </c:numRef>
+          </c:val>
+        </c:ser>
+        <c:ser>
+          <c:idx val="1"/>
+          <c:order val="1"/>
+          <c:tx>
+            <c:strRef>
+              <c:f>Sheet1!$D$3</c:f>
+              <c:strCache>
+                <c:ptCount val="1"/>
+                <c:pt idx="0">
+                  <c:v>32K Block Size</c:v>
+                </c:pt>
+              </c:strCache>
+            </c:strRef>
+          </c:tx>
+          <c:spPr>
+            <a:solidFill>
+              <a:srgbClr val="FF822D"/>
+            </a:solidFill>
+          </c:spPr>
+          <c:dPt>
+            <c:idx val="0"/>
+            <c:spPr>
+              <a:solidFill>
+                <a:srgbClr val="FF822D"/>
+              </a:solidFill>
+            </c:spPr>
+          </c:dPt>
+          <c:dPt>
+            <c:idx val="1"/>
+            <c:spPr>
+              <a:solidFill>
+                <a:srgbClr val="FF822D"/>
+              </a:solidFill>
+            </c:spPr>
+          </c:dPt>
+          <c:dPt>
+            <c:idx val="2"/>
+            <c:spPr>
+              <a:solidFill>
+                <a:srgbClr val="FF822D"/>
+              </a:solidFill>
+            </c:spPr>
+          </c:dPt>
+          <c:cat>
+            <c:strRef>
+              <c:f>Sheet1!$B$4:$B$6</c:f>
+              <c:strCache>
+                <c:ptCount val="3"/>
+                <c:pt idx="0">
+                  <c:v>1 IO Depth</c:v>
+                </c:pt>
+                <c:pt idx="1">
+                  <c:v>32 IO Depth</c:v>
+                </c:pt>
+                <c:pt idx="2">
+                  <c:v>64 IO Depth</c:v>
+                </c:pt>
+              </c:strCache>
+            </c:strRef>
+          </c:cat>
+          <c:val>
+            <c:numRef>
+              <c:f>Sheet1!$D$4:$D$6</c:f>
+              <c:numCache>
+                <c:formatCode>General</c:formatCode>
+                <c:ptCount val="3"/>
+                <c:pt idx="0">
+                  <c:v>3494</c:v>
+                </c:pt>
+                <c:pt idx="1">
+                  <c:v>59555</c:v>
+                </c:pt>
+                <c:pt idx="2">
+                  <c:v>75250</c:v>
+                </c:pt>
+              </c:numCache>
+            </c:numRef>
+          </c:val>
+        </c:ser>
+        <c:shape val="box"/>
+        <c:axId val="58670080"/>
+        <c:axId val="58688256"/>
+        <c:axId val="0"/>
+      </c:bar3DChart>
+      <c:catAx>
+        <c:axId val="58670080"/>
+        <c:scaling>
+          <c:orientation val="minMax"/>
+        </c:scaling>
+        <c:axPos val="b"/>
+        <c:tickLblPos val="nextTo"/>
+        <c:txPr>
+          <a:bodyPr/>
+          <a:lstStyle/>
+          <a:p>
+            <a:pPr>
+              <a:defRPr sz="3000" b="1"/>
+            </a:pPr>
+            <a:endParaRPr lang="en-US"/>
+          </a:p>
+        </c:txPr>
+        <c:crossAx val="58688256"/>
+        <c:crosses val="autoZero"/>
+        <c:auto val="1"/>
+        <c:lblAlgn val="ctr"/>
+        <c:lblOffset val="100"/>
+      </c:catAx>
+      <c:valAx>
+        <c:axId val="58688256"/>
+        <c:scaling>
+          <c:orientation val="minMax"/>
+          <c:max val="100000"/>
+          <c:min val="50000"/>
+        </c:scaling>
+        <c:axPos val="l"/>
+        <c:majorGridlines/>
+        <c:title>
+          <c:tx>
+            <c:rich>
+              <a:bodyPr/>
+              <a:lstStyle/>
+              <a:p>
+                <a:pPr>
+                  <a:defRPr sz="3000"/>
+                </a:pPr>
+                <a:r>
+                  <a:rPr lang="en-US" sz="3000"/>
+                  <a:t>IOPS</a:t>
+                </a:r>
+              </a:p>
+            </c:rich>
+          </c:tx>
+          <c:layout>
+            <c:manualLayout>
+              <c:xMode val="edge"/>
+              <c:yMode val="edge"/>
+              <c:x val="2.2383586871861105E-2"/>
+              <c:y val="0.46691687387760755"/>
+            </c:manualLayout>
+          </c:layout>
+        </c:title>
+        <c:numFmt formatCode="General" sourceLinked="1"/>
+        <c:tickLblPos val="nextTo"/>
+        <c:txPr>
+          <a:bodyPr/>
+          <a:lstStyle/>
+          <a:p>
+            <a:pPr>
+              <a:defRPr sz="3000" b="1"/>
+            </a:pPr>
+            <a:endParaRPr lang="en-US"/>
+          </a:p>
+        </c:txPr>
+        <c:crossAx val="58670080"/>
+        <c:crosses val="autoZero"/>
+        <c:crossBetween val="between"/>
+      </c:valAx>
+    </c:plotArea>
+    <c:legend>
+      <c:legendPos val="r"/>
+      <c:layout/>
+      <c:txPr>
+        <a:bodyPr/>
+        <a:lstStyle/>
+        <a:p>
+          <a:pPr>
+            <a:defRPr sz="3000" b="1"/>
+          </a:pPr>
+          <a:endParaRPr lang="en-US"/>
+        </a:p>
+      </c:txPr>
+    </c:legend>
+    <c:plotVisOnly val="1"/>
+  </c:chart>
+  <c:spPr>
+    <a:ln w="12700">
+      <a:solidFill>
+        <a:schemeClr val="tx1"/>
+      </a:solidFill>
+    </a:ln>
+  </c:spPr>
+  <c:externalData r:id="rId1"/>
+</c:chartSpace>
+</file>
+
+<file path=ppt/charts/chart2.xml><?xml version="1.0" encoding="utf-8"?>
+<c:chartSpace xmlns:c="http://schemas.openxmlformats.org/drawingml/2006/chart" xmlns:a="http://schemas.openxmlformats.org/drawingml/2006/main" xmlns:r="http://schemas.openxmlformats.org/officeDocument/2006/relationships">
+  <c:lang val="en-US"/>
+  <c:chart>
+    <c:title>
+      <c:tx>
+        <c:rich>
+          <a:bodyPr/>
+          <a:lstStyle/>
+          <a:p>
+            <a:pPr>
+              <a:defRPr sz="3000"/>
+            </a:pPr>
+            <a:r>
+              <a:rPr lang="en-US" sz="3000" dirty="0"/>
+              <a:t>Bandwidth</a:t>
+            </a:r>
+          </a:p>
+        </c:rich>
+      </c:tx>
+      <c:layout/>
+    </c:title>
+    <c:view3D>
+      <c:rAngAx val="1"/>
+    </c:view3D>
+    <c:plotArea>
+      <c:layout/>
+      <c:bar3DChart>
+        <c:barDir val="col"/>
+        <c:grouping val="clustered"/>
+        <c:ser>
+          <c:idx val="0"/>
+          <c:order val="0"/>
+          <c:tx>
+            <c:strRef>
+              <c:f>Sheet1!$C$9</c:f>
+              <c:strCache>
+                <c:ptCount val="1"/>
+                <c:pt idx="0">
+                  <c:v>4K Block Size</c:v>
+                </c:pt>
+              </c:strCache>
+            </c:strRef>
+          </c:tx>
+          <c:spPr>
+            <a:solidFill>
+              <a:srgbClr val="00B050"/>
+            </a:solidFill>
+          </c:spPr>
+          <c:cat>
+            <c:strRef>
+              <c:f>Sheet1!$B$10:$B$12</c:f>
+              <c:strCache>
+                <c:ptCount val="3"/>
+                <c:pt idx="0">
+                  <c:v>1 IO Depth</c:v>
+                </c:pt>
+                <c:pt idx="1">
+                  <c:v>32 IO Depth</c:v>
+                </c:pt>
+                <c:pt idx="2">
+                  <c:v>64 IO Depth</c:v>
+                </c:pt>
+              </c:strCache>
+            </c:strRef>
+          </c:cat>
+          <c:val>
+            <c:numRef>
+              <c:f>Sheet1!$C$10:$C$12</c:f>
+              <c:numCache>
+                <c:formatCode>General</c:formatCode>
+                <c:ptCount val="3"/>
+                <c:pt idx="0">
+                  <c:v>18586</c:v>
+                </c:pt>
+                <c:pt idx="1">
+                  <c:v>574055</c:v>
+                </c:pt>
+                <c:pt idx="2">
+                  <c:v>537903</c:v>
+                </c:pt>
+              </c:numCache>
+            </c:numRef>
+          </c:val>
+        </c:ser>
+        <c:ser>
+          <c:idx val="1"/>
+          <c:order val="1"/>
+          <c:tx>
+            <c:strRef>
+              <c:f>Sheet1!$D$9</c:f>
+              <c:strCache>
+                <c:ptCount val="1"/>
+                <c:pt idx="0">
+                  <c:v>32K Block Size</c:v>
+                </c:pt>
+              </c:strCache>
+            </c:strRef>
+          </c:tx>
+          <c:spPr>
+            <a:solidFill>
+              <a:srgbClr val="FF822D"/>
+            </a:solidFill>
+          </c:spPr>
+          <c:cat>
+            <c:strRef>
+              <c:f>Sheet1!$B$10:$B$12</c:f>
+              <c:strCache>
+                <c:ptCount val="3"/>
+                <c:pt idx="0">
+                  <c:v>1 IO Depth</c:v>
+                </c:pt>
+                <c:pt idx="1">
+                  <c:v>32 IO Depth</c:v>
+                </c:pt>
+                <c:pt idx="2">
+                  <c:v>64 IO Depth</c:v>
+                </c:pt>
+              </c:strCache>
+            </c:strRef>
+          </c:cat>
+          <c:val>
+            <c:numRef>
+              <c:f>Sheet1!$D$10:$D$12</c:f>
+              <c:numCache>
+                <c:formatCode>General</c:formatCode>
+                <c:ptCount val="3"/>
+                <c:pt idx="0">
+                  <c:v>111820</c:v>
+                </c:pt>
+                <c:pt idx="1">
+                  <c:v>1905771</c:v>
+                </c:pt>
+                <c:pt idx="2">
+                  <c:v>2408021</c:v>
+                </c:pt>
+              </c:numCache>
+            </c:numRef>
+          </c:val>
+        </c:ser>
+        <c:shape val="box"/>
+        <c:axId val="58701696"/>
+        <c:axId val="58703232"/>
+        <c:axId val="0"/>
+      </c:bar3DChart>
+      <c:catAx>
+        <c:axId val="58701696"/>
+        <c:scaling>
+          <c:orientation val="minMax"/>
+        </c:scaling>
+        <c:axPos val="b"/>
+        <c:tickLblPos val="nextTo"/>
+        <c:txPr>
+          <a:bodyPr/>
+          <a:lstStyle/>
+          <a:p>
+            <a:pPr>
+              <a:defRPr sz="3000" b="1"/>
+            </a:pPr>
+            <a:endParaRPr lang="en-US"/>
+          </a:p>
+        </c:txPr>
+        <c:crossAx val="58703232"/>
+        <c:crosses val="autoZero"/>
+        <c:auto val="1"/>
+        <c:lblAlgn val="ctr"/>
+        <c:lblOffset val="100"/>
+      </c:catAx>
+      <c:valAx>
+        <c:axId val="58703232"/>
+        <c:scaling>
+          <c:orientation val="minMax"/>
+          <c:max val="4300000"/>
+          <c:min val="18000"/>
+        </c:scaling>
+        <c:axPos val="l"/>
+        <c:majorGridlines/>
+        <c:title>
+          <c:tx>
+            <c:rich>
+              <a:bodyPr rot="-5400000" vert="horz"/>
+              <a:lstStyle/>
+              <a:p>
+                <a:pPr>
+                  <a:defRPr sz="3000" b="1"/>
+                </a:pPr>
+                <a:r>
+                  <a:rPr lang="en-US" sz="3000" b="1"/>
+                  <a:t>Bandwidth</a:t>
+                </a:r>
+                <a:r>
+                  <a:rPr lang="en-US" sz="3000" b="1" baseline="0"/>
+                  <a:t> (KB/s)</a:t>
+                </a:r>
+              </a:p>
+            </c:rich>
+          </c:tx>
+          <c:layout>
+            <c:manualLayout>
+              <c:xMode val="edge"/>
+              <c:yMode val="edge"/>
+              <c:x val="1.7544640168321642E-2"/>
+              <c:y val="0.31646838834264907"/>
+            </c:manualLayout>
+          </c:layout>
+        </c:title>
+        <c:numFmt formatCode="General" sourceLinked="1"/>
+        <c:tickLblPos val="nextTo"/>
+        <c:txPr>
+          <a:bodyPr/>
+          <a:lstStyle/>
+          <a:p>
+            <a:pPr>
+              <a:defRPr sz="3000" b="1"/>
+            </a:pPr>
+            <a:endParaRPr lang="en-US"/>
+          </a:p>
+        </c:txPr>
+        <c:crossAx val="58701696"/>
+        <c:crosses val="autoZero"/>
+        <c:crossBetween val="between"/>
+      </c:valAx>
+    </c:plotArea>
+    <c:legend>
+      <c:legendPos val="r"/>
+      <c:layout/>
+      <c:txPr>
+        <a:bodyPr/>
+        <a:lstStyle/>
+        <a:p>
+          <a:pPr>
+            <a:defRPr sz="3000" b="1"/>
+          </a:pPr>
+          <a:endParaRPr lang="en-US"/>
+        </a:p>
+      </c:txPr>
+    </c:legend>
+    <c:plotVisOnly val="1"/>
+  </c:chart>
+  <c:spPr>
+    <a:ln>
+      <a:solidFill>
+        <a:schemeClr val="tx1"/>
+      </a:solidFill>
+    </a:ln>
+  </c:spPr>
+  <c:externalData r:id="rId1"/>
+</c:chartSpace>
+</file>
+
+<file path=ppt/charts/chart3.xml><?xml version="1.0" encoding="utf-8"?>
+<c:chartSpace xmlns:c="http://schemas.openxmlformats.org/drawingml/2006/chart" xmlns:a="http://schemas.openxmlformats.org/drawingml/2006/main" xmlns:r="http://schemas.openxmlformats.org/officeDocument/2006/relationships">
+  <c:date1904 val="1"/>
+  <c:lang val="en-US"/>
+  <c:chart>
+    <c:title>
+      <c:tx>
+        <c:rich>
+          <a:bodyPr/>
+          <a:lstStyle/>
+          <a:p>
+            <a:pPr>
+              <a:defRPr sz="3000"/>
+            </a:pPr>
+            <a:r>
+              <a:rPr lang="en-US" sz="3000" dirty="0"/>
+              <a:t>Latency</a:t>
+            </a:r>
+          </a:p>
+        </c:rich>
+      </c:tx>
+      <c:layout/>
+    </c:title>
+    <c:view3D>
+      <c:rAngAx val="1"/>
+    </c:view3D>
+    <c:plotArea>
+      <c:layout/>
+      <c:bar3DChart>
+        <c:barDir val="col"/>
+        <c:grouping val="clustered"/>
+        <c:ser>
+          <c:idx val="0"/>
+          <c:order val="0"/>
+          <c:tx>
+            <c:strRef>
+              <c:f>Sheet1!$C$15</c:f>
+              <c:strCache>
+                <c:ptCount val="1"/>
+                <c:pt idx="0">
+                  <c:v>4K Block Size</c:v>
+                </c:pt>
+              </c:strCache>
+            </c:strRef>
+          </c:tx>
+          <c:spPr>
+            <a:solidFill>
+              <a:srgbClr val="00B050"/>
+            </a:solidFill>
+          </c:spPr>
+          <c:cat>
+            <c:strRef>
+              <c:f>Sheet1!$B$16:$B$18</c:f>
+              <c:strCache>
+                <c:ptCount val="3"/>
+                <c:pt idx="0">
+                  <c:v>1 IO Depth</c:v>
+                </c:pt>
+                <c:pt idx="1">
+                  <c:v>32 IO Depth</c:v>
+                </c:pt>
+                <c:pt idx="2">
+                  <c:v>64 IO Depth</c:v>
+                </c:pt>
+              </c:strCache>
+            </c:strRef>
+          </c:cat>
+          <c:val>
+            <c:numRef>
+              <c:f>Sheet1!$C$16:$C$18</c:f>
+              <c:numCache>
+                <c:formatCode>General</c:formatCode>
+                <c:ptCount val="3"/>
+                <c:pt idx="0">
+                  <c:v>212</c:v>
+                </c:pt>
+                <c:pt idx="1">
+                  <c:v>222</c:v>
+                </c:pt>
+                <c:pt idx="2">
+                  <c:v>475</c:v>
+                </c:pt>
+              </c:numCache>
+            </c:numRef>
+          </c:val>
+        </c:ser>
+        <c:ser>
+          <c:idx val="1"/>
+          <c:order val="1"/>
+          <c:tx>
+            <c:strRef>
+              <c:f>Sheet1!$D$15</c:f>
+              <c:strCache>
+                <c:ptCount val="1"/>
+                <c:pt idx="0">
+                  <c:v>32K Block Size</c:v>
+                </c:pt>
+              </c:strCache>
+            </c:strRef>
+          </c:tx>
+          <c:spPr>
+            <a:solidFill>
+              <a:srgbClr val="FF822D"/>
+            </a:solidFill>
+          </c:spPr>
+          <c:cat>
+            <c:strRef>
+              <c:f>Sheet1!$B$16:$B$18</c:f>
+              <c:strCache>
+                <c:ptCount val="3"/>
+                <c:pt idx="0">
+                  <c:v>1 IO Depth</c:v>
+                </c:pt>
+                <c:pt idx="1">
+                  <c:v>32 IO Depth</c:v>
+                </c:pt>
+                <c:pt idx="2">
+                  <c:v>64 IO Depth</c:v>
+                </c:pt>
+              </c:strCache>
+            </c:strRef>
+          </c:cat>
+          <c:val>
+            <c:numRef>
+              <c:f>Sheet1!$D$16:$D$18</c:f>
+              <c:numCache>
+                <c:formatCode>General</c:formatCode>
+                <c:ptCount val="3"/>
+                <c:pt idx="0">
+                  <c:v>282</c:v>
+                </c:pt>
+                <c:pt idx="1">
+                  <c:v>536</c:v>
+                </c:pt>
+                <c:pt idx="2">
+                  <c:v>850</c:v>
+                </c:pt>
+              </c:numCache>
+            </c:numRef>
+          </c:val>
+        </c:ser>
+        <c:shape val="box"/>
+        <c:axId val="58741504"/>
+        <c:axId val="58743040"/>
+        <c:axId val="0"/>
+      </c:bar3DChart>
+      <c:catAx>
+        <c:axId val="58741504"/>
+        <c:scaling>
+          <c:orientation val="minMax"/>
+        </c:scaling>
+        <c:axPos val="b"/>
+        <c:tickLblPos val="nextTo"/>
+        <c:txPr>
+          <a:bodyPr/>
+          <a:lstStyle/>
+          <a:p>
+            <a:pPr>
+              <a:defRPr sz="3000" b="1"/>
+            </a:pPr>
+            <a:endParaRPr lang="en-US"/>
+          </a:p>
+        </c:txPr>
+        <c:crossAx val="58743040"/>
+        <c:crosses val="autoZero"/>
+        <c:auto val="1"/>
+        <c:lblAlgn val="ctr"/>
+        <c:lblOffset val="100"/>
+      </c:catAx>
+      <c:valAx>
+        <c:axId val="58743040"/>
+        <c:scaling>
+          <c:orientation val="minMax"/>
+          <c:max val="900"/>
+          <c:min val="200"/>
+        </c:scaling>
+        <c:axPos val="l"/>
+        <c:majorGridlines/>
+        <c:title>
+          <c:tx>
+            <c:rich>
+              <a:bodyPr rot="-5400000" vert="horz"/>
+              <a:lstStyle/>
+              <a:p>
+                <a:pPr>
+                  <a:defRPr sz="3000" b="1"/>
+                </a:pPr>
+                <a:r>
+                  <a:rPr lang="en-US" sz="3000" b="1"/>
+                  <a:t>Latency (ms)</a:t>
+                </a:r>
+              </a:p>
+            </c:rich>
+          </c:tx>
+          <c:layout>
+            <c:manualLayout>
+              <c:xMode val="edge"/>
+              <c:yMode val="edge"/>
+              <c:x val="2.6129490941941825E-2"/>
+              <c:y val="0.37193509781831791"/>
+            </c:manualLayout>
+          </c:layout>
+        </c:title>
+        <c:numFmt formatCode="General" sourceLinked="1"/>
+        <c:tickLblPos val="nextTo"/>
+        <c:txPr>
+          <a:bodyPr/>
+          <a:lstStyle/>
+          <a:p>
+            <a:pPr>
+              <a:defRPr sz="3000" b="1"/>
+            </a:pPr>
+            <a:endParaRPr lang="en-US"/>
+          </a:p>
+        </c:txPr>
+        <c:crossAx val="58741504"/>
+        <c:crosses val="autoZero"/>
+        <c:crossBetween val="between"/>
+      </c:valAx>
+    </c:plotArea>
+    <c:legend>
+      <c:legendPos val="r"/>
+      <c:layout/>
+      <c:txPr>
+        <a:bodyPr/>
+        <a:lstStyle/>
+        <a:p>
+          <a:pPr>
+            <a:defRPr sz="3000" b="1"/>
+          </a:pPr>
+          <a:endParaRPr lang="en-US"/>
+        </a:p>
+      </c:txPr>
+    </c:legend>
+    <c:plotVisOnly val="1"/>
+  </c:chart>
+  <c:spPr>
+    <a:ln>
+      <a:solidFill>
+        <a:schemeClr val="tx1"/>
+      </a:solidFill>
+    </a:ln>
+  </c:spPr>
+  <c:externalData r:id="rId1"/>
+</c:chartSpace>
 </file>
 
 <file path=ppt/notesMasters/notesMaster1.xml><?xml version="1.0" encoding="utf-8"?>
@@ -2520,23 +3287,7 @@
             </a:pPr>
             <a:r>
               <a:rPr lang="en-US" sz="3200" dirty="0" smtClean="0"/>
-              <a:t>The objectives </a:t>
-            </a:r>
-            <a:r>
-              <a:rPr lang="en-US" sz="3200" dirty="0" smtClean="0"/>
-              <a:t>of this project are to assemble and benchmark a functional protocol </a:t>
-            </a:r>
-            <a:r>
-              <a:rPr lang="en-US" sz="3200" dirty="0" smtClean="0"/>
-              <a:t>stack. This will </a:t>
-            </a:r>
-            <a:r>
-              <a:rPr lang="en-US" sz="3200" dirty="0" smtClean="0"/>
-              <a:t>provide high throughput transfers with low CPU utilization that could be ported to HP Enterprise’s 3Par storage systems. To benchmark the servers, we created a custom test suite that determined read, write, buffer size, and seek performance</a:t>
-            </a:r>
-            <a:r>
-              <a:rPr lang="en-US" sz="3200" dirty="0" smtClean="0"/>
-              <a:t>.</a:t>
+              <a:t>The objectives of this project are to assemble and benchmark a functional protocol stack. The stack will provide high throughput transfers with low CPU utilization that could be ported to HP Enterprise’s 3Par storage systems. To benchmark the servers, we created a custom test suite that determined read, write, buffer size, and seek performance.</a:t>
             </a:r>
           </a:p>
           <a:p>
@@ -2554,7 +3305,6 @@
               <a:rPr lang="en-US" sz="3200" dirty="0" smtClean="0"/>
               <a:t>[Put in a statement about results regardless of whether they are positive or negative]</a:t>
             </a:r>
-            <a:endParaRPr lang="en-US" sz="3200" dirty="0" smtClean="0"/>
           </a:p>
         </p:txBody>
       </p:sp>
@@ -2830,173 +3580,6 @@
       </p:sp>
       <p:sp>
         <p:nvSpPr>
-          <p:cNvPr id="32" name="Shape 32"/>
-          <p:cNvSpPr txBox="1">
-            <a:spLocks noGrp="1"/>
-          </p:cNvSpPr>
-          <p:nvPr>
-            <p:ph type="body" idx="5"/>
-          </p:nvPr>
-        </p:nvSpPr>
-        <p:spPr>
-          <a:xfrm>
-            <a:off x="11891965" y="7295311"/>
-            <a:ext cx="20116799" cy="846299"/>
-          </a:xfrm>
-          <a:prstGeom prst="rect">
-            <a:avLst/>
-          </a:prstGeom>
-          <a:noFill/>
-          <a:ln>
-            <a:noFill/>
-          </a:ln>
-        </p:spPr>
-        <p:txBody>
-          <a:bodyPr lIns="228550" tIns="228550" rIns="228550" bIns="228550" anchor="t" anchorCtr="0">
-            <a:noAutofit/>
-          </a:bodyPr>
-          <a:lstStyle/>
-          <a:p>
-            <a:pPr marL="0" lvl="0" algn="just" rtl="0">
-              <a:lnSpc>
-                <a:spcPct val="131250"/>
-              </a:lnSpc>
-              <a:spcAft>
-                <a:spcPts val="1100"/>
-              </a:spcAft>
-              <a:buClr>
-                <a:schemeClr val="dk1"/>
-              </a:buClr>
-              <a:buSzPct val="137500"/>
-              <a:buFont typeface="Arial"/>
-              <a:buNone/>
-            </a:pPr>
-            <a:r>
-              <a:rPr lang="en-US" sz="3200" dirty="0" smtClean="0">
-                <a:solidFill>
-                  <a:schemeClr val="dk1"/>
-                </a:solidFill>
-              </a:rPr>
-              <a:t>[Work in progress]</a:t>
-            </a:r>
-          </a:p>
-          <a:p>
-            <a:pPr marL="0" lvl="0" algn="just" rtl="0">
-              <a:lnSpc>
-                <a:spcPct val="131250"/>
-              </a:lnSpc>
-              <a:spcAft>
-                <a:spcPts val="1100"/>
-              </a:spcAft>
-              <a:buClr>
-                <a:schemeClr val="dk1"/>
-              </a:buClr>
-              <a:buSzPct val="137500"/>
-              <a:buFont typeface="Arial"/>
-              <a:buNone/>
-            </a:pPr>
-            <a:endParaRPr lang="en-US" sz="3200" dirty="0" smtClean="0">
-              <a:solidFill>
-                <a:schemeClr val="dk1"/>
-              </a:solidFill>
-            </a:endParaRPr>
-          </a:p>
-          <a:p>
-            <a:pPr marL="0" lvl="0" algn="just" rtl="0">
-              <a:lnSpc>
-                <a:spcPct val="131250"/>
-              </a:lnSpc>
-              <a:spcAft>
-                <a:spcPts val="1100"/>
-              </a:spcAft>
-              <a:buClr>
-                <a:schemeClr val="dk1"/>
-              </a:buClr>
-              <a:buSzPct val="137500"/>
-              <a:buFont typeface="Arial"/>
-              <a:buNone/>
-            </a:pPr>
-            <a:endParaRPr lang="en-US" sz="3200" dirty="0" smtClean="0">
-              <a:solidFill>
-                <a:schemeClr val="dk1"/>
-              </a:solidFill>
-            </a:endParaRPr>
-          </a:p>
-          <a:p>
-            <a:pPr marL="0" lvl="0" algn="just" rtl="0">
-              <a:lnSpc>
-                <a:spcPct val="131250"/>
-              </a:lnSpc>
-              <a:spcAft>
-                <a:spcPts val="1100"/>
-              </a:spcAft>
-              <a:buClr>
-                <a:schemeClr val="dk1"/>
-              </a:buClr>
-              <a:buSzPct val="137500"/>
-              <a:buFont typeface="Arial"/>
-              <a:buNone/>
-            </a:pPr>
-            <a:endParaRPr lang="en-US" sz="3200" dirty="0" smtClean="0">
-              <a:solidFill>
-                <a:schemeClr val="dk1"/>
-              </a:solidFill>
-            </a:endParaRPr>
-          </a:p>
-          <a:p>
-            <a:pPr marL="0" lvl="0" algn="just" rtl="0">
-              <a:lnSpc>
-                <a:spcPct val="131250"/>
-              </a:lnSpc>
-              <a:spcAft>
-                <a:spcPts val="1100"/>
-              </a:spcAft>
-              <a:buClr>
-                <a:schemeClr val="dk1"/>
-              </a:buClr>
-              <a:buSzPct val="137500"/>
-              <a:buFont typeface="Arial"/>
-              <a:buNone/>
-            </a:pPr>
-            <a:endParaRPr lang="en-US" sz="3200" dirty="0" smtClean="0">
-              <a:solidFill>
-                <a:schemeClr val="dk1"/>
-              </a:solidFill>
-            </a:endParaRPr>
-          </a:p>
-          <a:p>
-            <a:pPr marL="0" lvl="0" algn="just" rtl="0">
-              <a:lnSpc>
-                <a:spcPct val="131250"/>
-              </a:lnSpc>
-              <a:spcAft>
-                <a:spcPts val="1100"/>
-              </a:spcAft>
-              <a:buClr>
-                <a:schemeClr val="dk1"/>
-              </a:buClr>
-              <a:buSzPct val="137500"/>
-              <a:buFont typeface="Arial"/>
-              <a:buNone/>
-            </a:pPr>
-            <a:r>
-              <a:rPr lang="en-US" sz="3200" dirty="0" smtClean="0">
-                <a:solidFill>
-                  <a:schemeClr val="dk1"/>
-                </a:solidFill>
-              </a:rPr>
-              <a:t>[Insert graphs and pictures of results here]</a:t>
-            </a:r>
-            <a:endParaRPr lang="en-US" sz="3200" dirty="0">
-              <a:solidFill>
-                <a:schemeClr val="dk1"/>
-              </a:solidFill>
-            </a:endParaRPr>
-          </a:p>
-        </p:txBody>
-      </p:sp>
-      <p:sp>
-        <p:nvSpPr>
           <p:cNvPr id="33" name="Shape 33"/>
           <p:cNvSpPr txBox="1">
             <a:spLocks noGrp="1"/>
@@ -3069,7 +3652,7 @@
         </p:nvSpPr>
         <p:spPr>
           <a:xfrm>
-            <a:off x="11891965" y="28217865"/>
+            <a:off x="11891965" y="28675065"/>
             <a:ext cx="20116799" cy="846299"/>
           </a:xfrm>
           <a:prstGeom prst="rect">
@@ -3106,42 +3689,14 @@
             </a:r>
             <a:r>
               <a:rPr lang="en-US" sz="3200" dirty="0" smtClean="0"/>
-              <a:t>, </a:t>
-            </a:r>
+              <a:t>, Ph.D., Distinguished Technologist, Storage Chief Technologist Office at Hewlett Packard Enterprise</a:t>
+            </a:r>
+          </a:p>
+          <a:p>
+            <a:pPr fontAlgn="base"/>
             <a:r>
               <a:rPr lang="en-US" sz="3200" dirty="0" smtClean="0"/>
-              <a:t>Ph.D., Distinguished </a:t>
-            </a:r>
-            <a:r>
-              <a:rPr lang="en-US" sz="3200" dirty="0" smtClean="0"/>
-              <a:t>Technologist, </a:t>
-            </a:r>
-            <a:r>
-              <a:rPr lang="en-US" sz="3200" dirty="0" smtClean="0"/>
-              <a:t>Storage Chief Technologist Office at Hewlett </a:t>
-            </a:r>
-            <a:r>
-              <a:rPr lang="en-US" sz="3200" dirty="0" smtClean="0"/>
-              <a:t>Packard Enterprise</a:t>
-            </a:r>
-          </a:p>
-          <a:p>
-            <a:pPr fontAlgn="base"/>
-            <a:r>
-              <a:rPr lang="en-US" sz="3200" dirty="0" smtClean="0"/>
-              <a:t>Dr. Linda </a:t>
-            </a:r>
-            <a:r>
-              <a:rPr lang="en-US" sz="3200" dirty="0" smtClean="0"/>
-              <a:t>Werner, </a:t>
-            </a:r>
-            <a:r>
-              <a:rPr lang="en-US" sz="3200" dirty="0" smtClean="0"/>
-              <a:t>Ph.D., Faculty </a:t>
-            </a:r>
-            <a:r>
-              <a:rPr lang="en-US" sz="3200" dirty="0" smtClean="0"/>
-              <a:t>Advisor, UCSC</a:t>
+              <a:t>Dr. Linda Werner, Ph.D., Faculty Advisor, UCSC</a:t>
             </a:r>
           </a:p>
           <a:p>
@@ -3156,31 +3711,15 @@
             </a:r>
             <a:r>
               <a:rPr lang="en-US" sz="3200" dirty="0" smtClean="0"/>
-              <a:t>, </a:t>
-            </a:r>
+              <a:t>, Graduate Teaching Assistant, UCSC</a:t>
+            </a:r>
+          </a:p>
+          <a:p>
+            <a:pPr fontAlgn="base"/>
             <a:r>
               <a:rPr lang="en-US" sz="3200" dirty="0" smtClean="0"/>
-              <a:t>Graduate Teaching </a:t>
-            </a:r>
-            <a:r>
-              <a:rPr lang="en-US" sz="3200" dirty="0" smtClean="0"/>
-              <a:t>Assistant, UCSC</a:t>
-            </a:r>
-          </a:p>
-          <a:p>
-            <a:pPr fontAlgn="base"/>
-            <a:r>
-              <a:rPr lang="en-US" sz="3200" dirty="0" smtClean="0"/>
-              <a:t>HPE for the hardware and support </a:t>
-            </a:r>
-            <a:r>
-              <a:rPr lang="en-US" sz="3200" dirty="0" smtClean="0"/>
-              <a:t>provided</a:t>
-            </a:r>
-          </a:p>
-          <a:p>
-            <a:pPr fontAlgn="base"/>
-            <a:endParaRPr lang="en-US" sz="3200" dirty="0" smtClean="0"/>
+              <a:t>HPE for the hardware and support provided</a:t>
+            </a:r>
           </a:p>
           <a:p>
             <a:pPr fontAlgn="base">
@@ -3206,7 +3745,7 @@
         </p:nvSpPr>
         <p:spPr>
           <a:xfrm>
-            <a:off x="11891965" y="26937705"/>
+            <a:off x="11891965" y="27394905"/>
             <a:ext cx="20116799" cy="1200299"/>
           </a:xfrm>
           <a:prstGeom prst="rect">
@@ -3361,15 +3900,7 @@
             <a:pPr fontAlgn="base"/>
             <a:r>
               <a:rPr lang="en-US" sz="3200" dirty="0" smtClean="0"/>
-              <a:t>Data results were automatically parsed and </a:t>
-            </a:r>
-            <a:r>
-              <a:rPr lang="en-US" sz="3200" dirty="0" smtClean="0"/>
-              <a:t>output </a:t>
-            </a:r>
-            <a:r>
-              <a:rPr lang="en-US" sz="3200" dirty="0" smtClean="0"/>
-              <a:t>to CSV files, allowing for easy graph creation.</a:t>
+              <a:t>Data results were automatically parsed and output to CSV files, allowing for easy graph creation.</a:t>
             </a:r>
           </a:p>
           <a:p>
@@ -3483,7 +4014,7 @@
         </p:nvSpPr>
         <p:spPr>
           <a:xfrm>
-            <a:off x="32080200" y="16284514"/>
+            <a:off x="32080200" y="15865414"/>
             <a:ext cx="10607100" cy="1200299"/>
           </a:xfrm>
           <a:prstGeom prst="rect">
@@ -3517,15 +4048,7 @@
                   <a:schemeClr val="dk1"/>
                 </a:solidFill>
               </a:rPr>
-              <a:t>       Technologies</a:t>
-            </a:r>
-            <a:r>
-              <a:rPr lang="en-US" sz="6600" b="1" dirty="0" smtClean="0">
-                <a:solidFill>
-                  <a:schemeClr val="dk1"/>
-                </a:solidFill>
-              </a:rPr>
-              <a:t>/</a:t>
+              <a:t>       Technologies/</a:t>
             </a:r>
             <a:br>
               <a:rPr lang="en-US" sz="6600" b="1" dirty="0" smtClean="0">
@@ -3562,7 +4085,7 @@
         </p:nvSpPr>
         <p:spPr>
           <a:xfrm>
-            <a:off x="32689800" y="17901978"/>
+            <a:off x="32689800" y="17482878"/>
             <a:ext cx="10607100" cy="846299"/>
           </a:xfrm>
           <a:prstGeom prst="rect">
@@ -3586,15 +4109,7 @@
             </a:r>
             <a:r>
               <a:rPr lang="en-US" sz="3200" dirty="0" smtClean="0"/>
-              <a:t> </a:t>
-            </a:r>
-            <a:r>
-              <a:rPr lang="en-US" sz="3200" dirty="0" smtClean="0"/>
-              <a:t>(I/O file creation </a:t>
-            </a:r>
-            <a:r>
-              <a:rPr lang="en-US" sz="3200" dirty="0" smtClean="0"/>
-              <a:t>program)</a:t>
+              <a:t> (I/O file creation program)</a:t>
             </a:r>
           </a:p>
           <a:p>
@@ -3605,11 +4120,7 @@
             </a:r>
             <a:r>
               <a:rPr lang="en-US" sz="3200" dirty="0" smtClean="0"/>
-              <a:t> </a:t>
-            </a:r>
-            <a:r>
-              <a:rPr lang="en-US" sz="3200" dirty="0" smtClean="0"/>
-              <a:t>(Benchmarking framework)</a:t>
+              <a:t> (Benchmarking framework)</a:t>
             </a:r>
           </a:p>
           <a:p>
@@ -3675,11 +4186,7 @@
             </a:r>
             <a:r>
               <a:rPr lang="en-US" sz="3200" dirty="0" smtClean="0"/>
-              <a:t>(x2</a:t>
-            </a:r>
-            <a:r>
-              <a:rPr lang="en-US" sz="3200" dirty="0" smtClean="0"/>
-              <a:t>)</a:t>
+              <a:t>(x2)</a:t>
             </a:r>
           </a:p>
           <a:p>
@@ -3751,7 +4258,7 @@
         </p:nvSpPr>
         <p:spPr>
           <a:xfrm>
-            <a:off x="32689800" y="23170563"/>
+            <a:off x="32689800" y="22751463"/>
             <a:ext cx="10607100" cy="1200299"/>
           </a:xfrm>
           <a:prstGeom prst="rect">
@@ -3802,7 +4309,7 @@
         </p:nvSpPr>
         <p:spPr>
           <a:xfrm>
-            <a:off x="32689800" y="24257161"/>
+            <a:off x="32689800" y="23838061"/>
             <a:ext cx="10607100" cy="846299"/>
           </a:xfrm>
           <a:prstGeom prst="rect">
@@ -3968,19 +4475,7 @@
             </a:br>
             <a:r>
               <a:rPr lang="en-US" dirty="0" smtClean="0"/>
-              <a:t>Jayden </a:t>
-            </a:r>
-            <a:r>
-              <a:rPr lang="en-US" dirty="0" smtClean="0"/>
-              <a:t>Navarro, Alice </a:t>
-            </a:r>
-            <a:r>
-              <a:rPr lang="en-US" dirty="0" smtClean="0"/>
-              <a:t>Yu, Kevin </a:t>
-            </a:r>
-            <a:r>
-              <a:rPr lang="en-US" dirty="0" smtClean="0"/>
-              <a:t>Cheng*</a:t>
+              <a:t>Jayden Navarro, Alice Yu, Kevin Cheng*</a:t>
             </a:r>
             <a:endParaRPr lang="en-US" dirty="0"/>
           </a:p>
@@ -4679,6 +5174,54 @@
           </a:p>
         </p:txBody>
       </p:sp>
+      <p:graphicFrame>
+        <p:nvGraphicFramePr>
+          <p:cNvPr id="52" name="Chart 51"/>
+          <p:cNvGraphicFramePr/>
+          <p:nvPr/>
+        </p:nvGraphicFramePr>
+        <p:xfrm>
+          <a:off x="12634912" y="7048500"/>
+          <a:ext cx="18683288" cy="5791200"/>
+        </p:xfrm>
+        <a:graphic>
+          <a:graphicData uri="http://schemas.openxmlformats.org/drawingml/2006/chart">
+            <c:chart xmlns:c="http://schemas.openxmlformats.org/drawingml/2006/chart" xmlns:r="http://schemas.openxmlformats.org/officeDocument/2006/relationships" r:id="rId4"/>
+          </a:graphicData>
+        </a:graphic>
+      </p:graphicFrame>
+      <p:graphicFrame>
+        <p:nvGraphicFramePr>
+          <p:cNvPr id="53" name="Chart 52"/>
+          <p:cNvGraphicFramePr/>
+          <p:nvPr/>
+        </p:nvGraphicFramePr>
+        <p:xfrm>
+          <a:off x="12639674" y="12954000"/>
+          <a:ext cx="18678525" cy="7353300"/>
+        </p:xfrm>
+        <a:graphic>
+          <a:graphicData uri="http://schemas.openxmlformats.org/drawingml/2006/chart">
+            <c:chart xmlns:c="http://schemas.openxmlformats.org/drawingml/2006/chart" xmlns:r="http://schemas.openxmlformats.org/officeDocument/2006/relationships" r:id="rId5"/>
+          </a:graphicData>
+        </a:graphic>
+      </p:graphicFrame>
+      <p:graphicFrame>
+        <p:nvGraphicFramePr>
+          <p:cNvPr id="54" name="Chart 53"/>
+          <p:cNvGraphicFramePr/>
+          <p:nvPr/>
+        </p:nvGraphicFramePr>
+        <p:xfrm>
+          <a:off x="12611100" y="20421600"/>
+          <a:ext cx="18707100" cy="6896101"/>
+        </p:xfrm>
+        <a:graphic>
+          <a:graphicData uri="http://schemas.openxmlformats.org/drawingml/2006/chart">
+            <c:chart xmlns:c="http://schemas.openxmlformats.org/drawingml/2006/chart" xmlns:r="http://schemas.openxmlformats.org/officeDocument/2006/relationships" r:id="rId6"/>
+          </a:graphicData>
+        </a:graphic>
+      </p:graphicFrame>
     </p:spTree>
   </p:cSld>
   <p:clrMapOvr>

--- a/deliverables/Release 2/Poster.pptx
+++ b/deliverables/Release 2/Poster.pptx
@@ -215,773 +215,6 @@
     </a:lvl9pPr>
   </p:defaultTextStyle>
 </p:presentation>
-</file>
-
-<file path=ppt/charts/chart1.xml><?xml version="1.0" encoding="utf-8"?>
-<c:chartSpace xmlns:c="http://schemas.openxmlformats.org/drawingml/2006/chart" xmlns:a="http://schemas.openxmlformats.org/drawingml/2006/main" xmlns:r="http://schemas.openxmlformats.org/officeDocument/2006/relationships">
-  <c:lang val="en-US"/>
-  <c:chart>
-    <c:title>
-      <c:tx>
-        <c:rich>
-          <a:bodyPr/>
-          <a:lstStyle/>
-          <a:p>
-            <a:pPr>
-              <a:defRPr sz="3000"/>
-            </a:pPr>
-            <a:r>
-              <a:rPr lang="en-US" sz="3000" dirty="0"/>
-              <a:t>IOPS</a:t>
-            </a:r>
-          </a:p>
-        </c:rich>
-      </c:tx>
-      <c:layout/>
-    </c:title>
-    <c:view3D>
-      <c:rAngAx val="1"/>
-    </c:view3D>
-    <c:plotArea>
-      <c:layout/>
-      <c:bar3DChart>
-        <c:barDir val="col"/>
-        <c:grouping val="clustered"/>
-        <c:ser>
-          <c:idx val="0"/>
-          <c:order val="0"/>
-          <c:tx>
-            <c:strRef>
-              <c:f>Sheet1!$C$3</c:f>
-              <c:strCache>
-                <c:ptCount val="1"/>
-                <c:pt idx="0">
-                  <c:v>4K Block Size</c:v>
-                </c:pt>
-              </c:strCache>
-            </c:strRef>
-          </c:tx>
-          <c:spPr>
-            <a:solidFill>
-              <a:srgbClr val="00B050"/>
-            </a:solidFill>
-          </c:spPr>
-          <c:cat>
-            <c:strRef>
-              <c:f>Sheet1!$B$4:$B$6</c:f>
-              <c:strCache>
-                <c:ptCount val="3"/>
-                <c:pt idx="0">
-                  <c:v>1 IO Depth</c:v>
-                </c:pt>
-                <c:pt idx="1">
-                  <c:v>32 IO Depth</c:v>
-                </c:pt>
-                <c:pt idx="2">
-                  <c:v>64 IO Depth</c:v>
-                </c:pt>
-              </c:strCache>
-            </c:strRef>
-          </c:cat>
-          <c:val>
-            <c:numRef>
-              <c:f>Sheet1!$C$4:$C$6</c:f>
-              <c:numCache>
-                <c:formatCode>General</c:formatCode>
-                <c:ptCount val="3"/>
-                <c:pt idx="0">
-                  <c:v>4646</c:v>
-                </c:pt>
-                <c:pt idx="1">
-                  <c:v>143513</c:v>
-                </c:pt>
-                <c:pt idx="2">
-                  <c:v>134475</c:v>
-                </c:pt>
-              </c:numCache>
-            </c:numRef>
-          </c:val>
-        </c:ser>
-        <c:ser>
-          <c:idx val="1"/>
-          <c:order val="1"/>
-          <c:tx>
-            <c:strRef>
-              <c:f>Sheet1!$D$3</c:f>
-              <c:strCache>
-                <c:ptCount val="1"/>
-                <c:pt idx="0">
-                  <c:v>32K Block Size</c:v>
-                </c:pt>
-              </c:strCache>
-            </c:strRef>
-          </c:tx>
-          <c:spPr>
-            <a:solidFill>
-              <a:srgbClr val="FF822D"/>
-            </a:solidFill>
-          </c:spPr>
-          <c:dPt>
-            <c:idx val="0"/>
-            <c:spPr>
-              <a:solidFill>
-                <a:srgbClr val="FF822D"/>
-              </a:solidFill>
-            </c:spPr>
-          </c:dPt>
-          <c:dPt>
-            <c:idx val="1"/>
-            <c:spPr>
-              <a:solidFill>
-                <a:srgbClr val="FF822D"/>
-              </a:solidFill>
-            </c:spPr>
-          </c:dPt>
-          <c:dPt>
-            <c:idx val="2"/>
-            <c:spPr>
-              <a:solidFill>
-                <a:srgbClr val="FF822D"/>
-              </a:solidFill>
-            </c:spPr>
-          </c:dPt>
-          <c:cat>
-            <c:strRef>
-              <c:f>Sheet1!$B$4:$B$6</c:f>
-              <c:strCache>
-                <c:ptCount val="3"/>
-                <c:pt idx="0">
-                  <c:v>1 IO Depth</c:v>
-                </c:pt>
-                <c:pt idx="1">
-                  <c:v>32 IO Depth</c:v>
-                </c:pt>
-                <c:pt idx="2">
-                  <c:v>64 IO Depth</c:v>
-                </c:pt>
-              </c:strCache>
-            </c:strRef>
-          </c:cat>
-          <c:val>
-            <c:numRef>
-              <c:f>Sheet1!$D$4:$D$6</c:f>
-              <c:numCache>
-                <c:formatCode>General</c:formatCode>
-                <c:ptCount val="3"/>
-                <c:pt idx="0">
-                  <c:v>3494</c:v>
-                </c:pt>
-                <c:pt idx="1">
-                  <c:v>59555</c:v>
-                </c:pt>
-                <c:pt idx="2">
-                  <c:v>75250</c:v>
-                </c:pt>
-              </c:numCache>
-            </c:numRef>
-          </c:val>
-        </c:ser>
-        <c:shape val="box"/>
-        <c:axId val="58670080"/>
-        <c:axId val="58688256"/>
-        <c:axId val="0"/>
-      </c:bar3DChart>
-      <c:catAx>
-        <c:axId val="58670080"/>
-        <c:scaling>
-          <c:orientation val="minMax"/>
-        </c:scaling>
-        <c:axPos val="b"/>
-        <c:tickLblPos val="nextTo"/>
-        <c:txPr>
-          <a:bodyPr/>
-          <a:lstStyle/>
-          <a:p>
-            <a:pPr>
-              <a:defRPr sz="3000" b="1"/>
-            </a:pPr>
-            <a:endParaRPr lang="en-US"/>
-          </a:p>
-        </c:txPr>
-        <c:crossAx val="58688256"/>
-        <c:crosses val="autoZero"/>
-        <c:auto val="1"/>
-        <c:lblAlgn val="ctr"/>
-        <c:lblOffset val="100"/>
-      </c:catAx>
-      <c:valAx>
-        <c:axId val="58688256"/>
-        <c:scaling>
-          <c:orientation val="minMax"/>
-          <c:max val="100000"/>
-          <c:min val="50000"/>
-        </c:scaling>
-        <c:axPos val="l"/>
-        <c:majorGridlines/>
-        <c:title>
-          <c:tx>
-            <c:rich>
-              <a:bodyPr/>
-              <a:lstStyle/>
-              <a:p>
-                <a:pPr>
-                  <a:defRPr sz="3000"/>
-                </a:pPr>
-                <a:r>
-                  <a:rPr lang="en-US" sz="3000"/>
-                  <a:t>IOPS</a:t>
-                </a:r>
-              </a:p>
-            </c:rich>
-          </c:tx>
-          <c:layout>
-            <c:manualLayout>
-              <c:xMode val="edge"/>
-              <c:yMode val="edge"/>
-              <c:x val="2.2383586871861105E-2"/>
-              <c:y val="0.46691687387760755"/>
-            </c:manualLayout>
-          </c:layout>
-        </c:title>
-        <c:numFmt formatCode="General" sourceLinked="1"/>
-        <c:tickLblPos val="nextTo"/>
-        <c:txPr>
-          <a:bodyPr/>
-          <a:lstStyle/>
-          <a:p>
-            <a:pPr>
-              <a:defRPr sz="3000" b="1"/>
-            </a:pPr>
-            <a:endParaRPr lang="en-US"/>
-          </a:p>
-        </c:txPr>
-        <c:crossAx val="58670080"/>
-        <c:crosses val="autoZero"/>
-        <c:crossBetween val="between"/>
-      </c:valAx>
-    </c:plotArea>
-    <c:legend>
-      <c:legendPos val="r"/>
-      <c:layout/>
-      <c:txPr>
-        <a:bodyPr/>
-        <a:lstStyle/>
-        <a:p>
-          <a:pPr>
-            <a:defRPr sz="3000" b="1"/>
-          </a:pPr>
-          <a:endParaRPr lang="en-US"/>
-        </a:p>
-      </c:txPr>
-    </c:legend>
-    <c:plotVisOnly val="1"/>
-  </c:chart>
-  <c:spPr>
-    <a:ln w="12700">
-      <a:solidFill>
-        <a:schemeClr val="tx1"/>
-      </a:solidFill>
-    </a:ln>
-  </c:spPr>
-  <c:externalData r:id="rId1"/>
-</c:chartSpace>
-</file>
-
-<file path=ppt/charts/chart2.xml><?xml version="1.0" encoding="utf-8"?>
-<c:chartSpace xmlns:c="http://schemas.openxmlformats.org/drawingml/2006/chart" xmlns:a="http://schemas.openxmlformats.org/drawingml/2006/main" xmlns:r="http://schemas.openxmlformats.org/officeDocument/2006/relationships">
-  <c:lang val="en-US"/>
-  <c:chart>
-    <c:title>
-      <c:tx>
-        <c:rich>
-          <a:bodyPr/>
-          <a:lstStyle/>
-          <a:p>
-            <a:pPr>
-              <a:defRPr sz="3000"/>
-            </a:pPr>
-            <a:r>
-              <a:rPr lang="en-US" sz="3000" dirty="0"/>
-              <a:t>Bandwidth</a:t>
-            </a:r>
-          </a:p>
-        </c:rich>
-      </c:tx>
-      <c:layout/>
-    </c:title>
-    <c:view3D>
-      <c:rAngAx val="1"/>
-    </c:view3D>
-    <c:plotArea>
-      <c:layout/>
-      <c:bar3DChart>
-        <c:barDir val="col"/>
-        <c:grouping val="clustered"/>
-        <c:ser>
-          <c:idx val="0"/>
-          <c:order val="0"/>
-          <c:tx>
-            <c:strRef>
-              <c:f>Sheet1!$C$9</c:f>
-              <c:strCache>
-                <c:ptCount val="1"/>
-                <c:pt idx="0">
-                  <c:v>4K Block Size</c:v>
-                </c:pt>
-              </c:strCache>
-            </c:strRef>
-          </c:tx>
-          <c:spPr>
-            <a:solidFill>
-              <a:srgbClr val="00B050"/>
-            </a:solidFill>
-          </c:spPr>
-          <c:cat>
-            <c:strRef>
-              <c:f>Sheet1!$B$10:$B$12</c:f>
-              <c:strCache>
-                <c:ptCount val="3"/>
-                <c:pt idx="0">
-                  <c:v>1 IO Depth</c:v>
-                </c:pt>
-                <c:pt idx="1">
-                  <c:v>32 IO Depth</c:v>
-                </c:pt>
-                <c:pt idx="2">
-                  <c:v>64 IO Depth</c:v>
-                </c:pt>
-              </c:strCache>
-            </c:strRef>
-          </c:cat>
-          <c:val>
-            <c:numRef>
-              <c:f>Sheet1!$C$10:$C$12</c:f>
-              <c:numCache>
-                <c:formatCode>General</c:formatCode>
-                <c:ptCount val="3"/>
-                <c:pt idx="0">
-                  <c:v>18586</c:v>
-                </c:pt>
-                <c:pt idx="1">
-                  <c:v>574055</c:v>
-                </c:pt>
-                <c:pt idx="2">
-                  <c:v>537903</c:v>
-                </c:pt>
-              </c:numCache>
-            </c:numRef>
-          </c:val>
-        </c:ser>
-        <c:ser>
-          <c:idx val="1"/>
-          <c:order val="1"/>
-          <c:tx>
-            <c:strRef>
-              <c:f>Sheet1!$D$9</c:f>
-              <c:strCache>
-                <c:ptCount val="1"/>
-                <c:pt idx="0">
-                  <c:v>32K Block Size</c:v>
-                </c:pt>
-              </c:strCache>
-            </c:strRef>
-          </c:tx>
-          <c:spPr>
-            <a:solidFill>
-              <a:srgbClr val="FF822D"/>
-            </a:solidFill>
-          </c:spPr>
-          <c:cat>
-            <c:strRef>
-              <c:f>Sheet1!$B$10:$B$12</c:f>
-              <c:strCache>
-                <c:ptCount val="3"/>
-                <c:pt idx="0">
-                  <c:v>1 IO Depth</c:v>
-                </c:pt>
-                <c:pt idx="1">
-                  <c:v>32 IO Depth</c:v>
-                </c:pt>
-                <c:pt idx="2">
-                  <c:v>64 IO Depth</c:v>
-                </c:pt>
-              </c:strCache>
-            </c:strRef>
-          </c:cat>
-          <c:val>
-            <c:numRef>
-              <c:f>Sheet1!$D$10:$D$12</c:f>
-              <c:numCache>
-                <c:formatCode>General</c:formatCode>
-                <c:ptCount val="3"/>
-                <c:pt idx="0">
-                  <c:v>111820</c:v>
-                </c:pt>
-                <c:pt idx="1">
-                  <c:v>1905771</c:v>
-                </c:pt>
-                <c:pt idx="2">
-                  <c:v>2408021</c:v>
-                </c:pt>
-              </c:numCache>
-            </c:numRef>
-          </c:val>
-        </c:ser>
-        <c:shape val="box"/>
-        <c:axId val="58701696"/>
-        <c:axId val="58703232"/>
-        <c:axId val="0"/>
-      </c:bar3DChart>
-      <c:catAx>
-        <c:axId val="58701696"/>
-        <c:scaling>
-          <c:orientation val="minMax"/>
-        </c:scaling>
-        <c:axPos val="b"/>
-        <c:tickLblPos val="nextTo"/>
-        <c:txPr>
-          <a:bodyPr/>
-          <a:lstStyle/>
-          <a:p>
-            <a:pPr>
-              <a:defRPr sz="3000" b="1"/>
-            </a:pPr>
-            <a:endParaRPr lang="en-US"/>
-          </a:p>
-        </c:txPr>
-        <c:crossAx val="58703232"/>
-        <c:crosses val="autoZero"/>
-        <c:auto val="1"/>
-        <c:lblAlgn val="ctr"/>
-        <c:lblOffset val="100"/>
-      </c:catAx>
-      <c:valAx>
-        <c:axId val="58703232"/>
-        <c:scaling>
-          <c:orientation val="minMax"/>
-          <c:max val="4300000"/>
-          <c:min val="18000"/>
-        </c:scaling>
-        <c:axPos val="l"/>
-        <c:majorGridlines/>
-        <c:title>
-          <c:tx>
-            <c:rich>
-              <a:bodyPr rot="-5400000" vert="horz"/>
-              <a:lstStyle/>
-              <a:p>
-                <a:pPr>
-                  <a:defRPr sz="3000" b="1"/>
-                </a:pPr>
-                <a:r>
-                  <a:rPr lang="en-US" sz="3000" b="1"/>
-                  <a:t>Bandwidth</a:t>
-                </a:r>
-                <a:r>
-                  <a:rPr lang="en-US" sz="3000" b="1" baseline="0"/>
-                  <a:t> (KB/s)</a:t>
-                </a:r>
-              </a:p>
-            </c:rich>
-          </c:tx>
-          <c:layout>
-            <c:manualLayout>
-              <c:xMode val="edge"/>
-              <c:yMode val="edge"/>
-              <c:x val="1.7544640168321642E-2"/>
-              <c:y val="0.31646838834264907"/>
-            </c:manualLayout>
-          </c:layout>
-        </c:title>
-        <c:numFmt formatCode="General" sourceLinked="1"/>
-        <c:tickLblPos val="nextTo"/>
-        <c:txPr>
-          <a:bodyPr/>
-          <a:lstStyle/>
-          <a:p>
-            <a:pPr>
-              <a:defRPr sz="3000" b="1"/>
-            </a:pPr>
-            <a:endParaRPr lang="en-US"/>
-          </a:p>
-        </c:txPr>
-        <c:crossAx val="58701696"/>
-        <c:crosses val="autoZero"/>
-        <c:crossBetween val="between"/>
-      </c:valAx>
-    </c:plotArea>
-    <c:legend>
-      <c:legendPos val="r"/>
-      <c:layout/>
-      <c:txPr>
-        <a:bodyPr/>
-        <a:lstStyle/>
-        <a:p>
-          <a:pPr>
-            <a:defRPr sz="3000" b="1"/>
-          </a:pPr>
-          <a:endParaRPr lang="en-US"/>
-        </a:p>
-      </c:txPr>
-    </c:legend>
-    <c:plotVisOnly val="1"/>
-  </c:chart>
-  <c:spPr>
-    <a:ln>
-      <a:solidFill>
-        <a:schemeClr val="tx1"/>
-      </a:solidFill>
-    </a:ln>
-  </c:spPr>
-  <c:externalData r:id="rId1"/>
-</c:chartSpace>
-</file>
-
-<file path=ppt/charts/chart3.xml><?xml version="1.0" encoding="utf-8"?>
-<c:chartSpace xmlns:c="http://schemas.openxmlformats.org/drawingml/2006/chart" xmlns:a="http://schemas.openxmlformats.org/drawingml/2006/main" xmlns:r="http://schemas.openxmlformats.org/officeDocument/2006/relationships">
-  <c:date1904 val="1"/>
-  <c:lang val="en-US"/>
-  <c:chart>
-    <c:title>
-      <c:tx>
-        <c:rich>
-          <a:bodyPr/>
-          <a:lstStyle/>
-          <a:p>
-            <a:pPr>
-              <a:defRPr sz="3000"/>
-            </a:pPr>
-            <a:r>
-              <a:rPr lang="en-US" sz="3000" dirty="0"/>
-              <a:t>Latency</a:t>
-            </a:r>
-          </a:p>
-        </c:rich>
-      </c:tx>
-      <c:layout/>
-    </c:title>
-    <c:view3D>
-      <c:rAngAx val="1"/>
-    </c:view3D>
-    <c:plotArea>
-      <c:layout/>
-      <c:bar3DChart>
-        <c:barDir val="col"/>
-        <c:grouping val="clustered"/>
-        <c:ser>
-          <c:idx val="0"/>
-          <c:order val="0"/>
-          <c:tx>
-            <c:strRef>
-              <c:f>Sheet1!$C$15</c:f>
-              <c:strCache>
-                <c:ptCount val="1"/>
-                <c:pt idx="0">
-                  <c:v>4K Block Size</c:v>
-                </c:pt>
-              </c:strCache>
-            </c:strRef>
-          </c:tx>
-          <c:spPr>
-            <a:solidFill>
-              <a:srgbClr val="00B050"/>
-            </a:solidFill>
-          </c:spPr>
-          <c:cat>
-            <c:strRef>
-              <c:f>Sheet1!$B$16:$B$18</c:f>
-              <c:strCache>
-                <c:ptCount val="3"/>
-                <c:pt idx="0">
-                  <c:v>1 IO Depth</c:v>
-                </c:pt>
-                <c:pt idx="1">
-                  <c:v>32 IO Depth</c:v>
-                </c:pt>
-                <c:pt idx="2">
-                  <c:v>64 IO Depth</c:v>
-                </c:pt>
-              </c:strCache>
-            </c:strRef>
-          </c:cat>
-          <c:val>
-            <c:numRef>
-              <c:f>Sheet1!$C$16:$C$18</c:f>
-              <c:numCache>
-                <c:formatCode>General</c:formatCode>
-                <c:ptCount val="3"/>
-                <c:pt idx="0">
-                  <c:v>212</c:v>
-                </c:pt>
-                <c:pt idx="1">
-                  <c:v>222</c:v>
-                </c:pt>
-                <c:pt idx="2">
-                  <c:v>475</c:v>
-                </c:pt>
-              </c:numCache>
-            </c:numRef>
-          </c:val>
-        </c:ser>
-        <c:ser>
-          <c:idx val="1"/>
-          <c:order val="1"/>
-          <c:tx>
-            <c:strRef>
-              <c:f>Sheet1!$D$15</c:f>
-              <c:strCache>
-                <c:ptCount val="1"/>
-                <c:pt idx="0">
-                  <c:v>32K Block Size</c:v>
-                </c:pt>
-              </c:strCache>
-            </c:strRef>
-          </c:tx>
-          <c:spPr>
-            <a:solidFill>
-              <a:srgbClr val="FF822D"/>
-            </a:solidFill>
-          </c:spPr>
-          <c:cat>
-            <c:strRef>
-              <c:f>Sheet1!$B$16:$B$18</c:f>
-              <c:strCache>
-                <c:ptCount val="3"/>
-                <c:pt idx="0">
-                  <c:v>1 IO Depth</c:v>
-                </c:pt>
-                <c:pt idx="1">
-                  <c:v>32 IO Depth</c:v>
-                </c:pt>
-                <c:pt idx="2">
-                  <c:v>64 IO Depth</c:v>
-                </c:pt>
-              </c:strCache>
-            </c:strRef>
-          </c:cat>
-          <c:val>
-            <c:numRef>
-              <c:f>Sheet1!$D$16:$D$18</c:f>
-              <c:numCache>
-                <c:formatCode>General</c:formatCode>
-                <c:ptCount val="3"/>
-                <c:pt idx="0">
-                  <c:v>282</c:v>
-                </c:pt>
-                <c:pt idx="1">
-                  <c:v>536</c:v>
-                </c:pt>
-                <c:pt idx="2">
-                  <c:v>850</c:v>
-                </c:pt>
-              </c:numCache>
-            </c:numRef>
-          </c:val>
-        </c:ser>
-        <c:shape val="box"/>
-        <c:axId val="58741504"/>
-        <c:axId val="58743040"/>
-        <c:axId val="0"/>
-      </c:bar3DChart>
-      <c:catAx>
-        <c:axId val="58741504"/>
-        <c:scaling>
-          <c:orientation val="minMax"/>
-        </c:scaling>
-        <c:axPos val="b"/>
-        <c:tickLblPos val="nextTo"/>
-        <c:txPr>
-          <a:bodyPr/>
-          <a:lstStyle/>
-          <a:p>
-            <a:pPr>
-              <a:defRPr sz="3000" b="1"/>
-            </a:pPr>
-            <a:endParaRPr lang="en-US"/>
-          </a:p>
-        </c:txPr>
-        <c:crossAx val="58743040"/>
-        <c:crosses val="autoZero"/>
-        <c:auto val="1"/>
-        <c:lblAlgn val="ctr"/>
-        <c:lblOffset val="100"/>
-      </c:catAx>
-      <c:valAx>
-        <c:axId val="58743040"/>
-        <c:scaling>
-          <c:orientation val="minMax"/>
-          <c:max val="900"/>
-          <c:min val="200"/>
-        </c:scaling>
-        <c:axPos val="l"/>
-        <c:majorGridlines/>
-        <c:title>
-          <c:tx>
-            <c:rich>
-              <a:bodyPr rot="-5400000" vert="horz"/>
-              <a:lstStyle/>
-              <a:p>
-                <a:pPr>
-                  <a:defRPr sz="3000" b="1"/>
-                </a:pPr>
-                <a:r>
-                  <a:rPr lang="en-US" sz="3000" b="1"/>
-                  <a:t>Latency (ms)</a:t>
-                </a:r>
-              </a:p>
-            </c:rich>
-          </c:tx>
-          <c:layout>
-            <c:manualLayout>
-              <c:xMode val="edge"/>
-              <c:yMode val="edge"/>
-              <c:x val="2.6129490941941825E-2"/>
-              <c:y val="0.37193509781831791"/>
-            </c:manualLayout>
-          </c:layout>
-        </c:title>
-        <c:numFmt formatCode="General" sourceLinked="1"/>
-        <c:tickLblPos val="nextTo"/>
-        <c:txPr>
-          <a:bodyPr/>
-          <a:lstStyle/>
-          <a:p>
-            <a:pPr>
-              <a:defRPr sz="3000" b="1"/>
-            </a:pPr>
-            <a:endParaRPr lang="en-US"/>
-          </a:p>
-        </c:txPr>
-        <c:crossAx val="58741504"/>
-        <c:crosses val="autoZero"/>
-        <c:crossBetween val="between"/>
-      </c:valAx>
-    </c:plotArea>
-    <c:legend>
-      <c:legendPos val="r"/>
-      <c:layout/>
-      <c:txPr>
-        <a:bodyPr/>
-        <a:lstStyle/>
-        <a:p>
-          <a:pPr>
-            <a:defRPr sz="3000" b="1"/>
-          </a:pPr>
-          <a:endParaRPr lang="en-US"/>
-        </a:p>
-      </c:txPr>
-    </c:legend>
-    <c:plotVisOnly val="1"/>
-  </c:chart>
-  <c:spPr>
-    <a:ln>
-      <a:solidFill>
-        <a:schemeClr val="tx1"/>
-      </a:solidFill>
-    </a:ln>
-  </c:spPr>
-  <c:externalData r:id="rId1"/>
-</c:chartSpace>
 </file>
 
 <file path=ppt/notesMasters/notesMaster1.xml><?xml version="1.0" encoding="utf-8"?>
@@ -3258,7 +2491,7 @@
         </p:nvSpPr>
         <p:spPr>
           <a:xfrm>
-            <a:off x="583354" y="6873049"/>
+            <a:off x="583354" y="7273099"/>
             <a:ext cx="10607100" cy="846299"/>
           </a:xfrm>
           <a:prstGeom prst="rect">
@@ -3287,24 +2520,9 @@
             </a:pPr>
             <a:r>
               <a:rPr lang="en-US" sz="3200" dirty="0" smtClean="0"/>
-              <a:t>The objectives of this project are to assemble and benchmark a functional protocol stack. The stack will provide high throughput transfers with low CPU utilization that could be ported to HP Enterprise’s 3Par storage systems. To benchmark the servers, we created a custom test suite that determined read, write, buffer size, and seek performance.</a:t>
-            </a:r>
-          </a:p>
-          <a:p>
-            <a:pPr marL="0" algn="just">
-              <a:spcAft>
-                <a:spcPts val="1100"/>
-              </a:spcAft>
-              <a:buClr>
-                <a:schemeClr val="dk1"/>
-              </a:buClr>
-              <a:buSzPct val="137500"/>
-              <a:buNone/>
-            </a:pPr>
-            <a:r>
-              <a:rPr lang="en-US" sz="3200" dirty="0" smtClean="0"/>
-              <a:t>[Put in a statement about results regardless of whether they are positive or negative]</a:t>
-            </a:r>
+              <a:t>Sponsored by Hewlett-Packard Enterprise, the objectives of this project are to assemble and benchmark a functional protocol stack to provide high throughput transfers with low CPU utilization that could be ported to HP Enterprise’s 3Par storage systems. To benchmark the servers, we created a custom test suite that determined read, write, buffer size, and seek performance.</a:t>
+            </a:r>
+            <a:endParaRPr lang="en-US" sz="3200" dirty="0" smtClean="0"/>
           </a:p>
         </p:txBody>
       </p:sp>
@@ -3371,7 +2589,7 @@
         </p:nvSpPr>
         <p:spPr>
           <a:xfrm>
-            <a:off x="583354" y="13816339"/>
+            <a:off x="583354" y="13425814"/>
             <a:ext cx="10579946" cy="7733896"/>
           </a:xfrm>
           <a:prstGeom prst="rect">
@@ -3388,32 +2606,203 @@
           </a:bodyPr>
           <a:lstStyle/>
           <a:p>
-            <a:pPr lvl="2" fontAlgn="base"/>
-            <a:r>
-              <a:rPr lang="en-US" sz="3200" dirty="0" smtClean="0"/>
-              <a:t>Network block device over </a:t>
-            </a:r>
+            <a:pPr fontAlgn="base"/>
+            <a:r>
+              <a:rPr lang="en-US" sz="3200" dirty="0" err="1" smtClean="0"/>
+              <a:t>Infiniband</a:t>
+            </a:r>
+            <a:r>
+              <a:rPr lang="en-US" sz="3200" dirty="0" smtClean="0"/>
+              <a:t> QSFP+ Interface</a:t>
+            </a:r>
+          </a:p>
+          <a:p>
+            <a:pPr lvl="1" fontAlgn="base"/>
+            <a:r>
+              <a:rPr lang="en-US" sz="3200" dirty="0" smtClean="0"/>
+              <a:t>40gbit holy shit</a:t>
+            </a:r>
+          </a:p>
+          <a:p>
+            <a:pPr lvl="1" fontAlgn="base"/>
+            <a:r>
+              <a:rPr lang="en-US" sz="3200" dirty="0" smtClean="0"/>
+              <a:t>Hardware support for RDMA I think!</a:t>
+            </a:r>
+          </a:p>
+          <a:p>
+            <a:pPr lvl="1" fontAlgn="base"/>
+            <a:r>
+              <a:rPr lang="en-US" sz="3200" dirty="0" smtClean="0"/>
+              <a:t>Interconnect system for the I/O ports </a:t>
+            </a:r>
+          </a:p>
+          <a:p>
+            <a:pPr lvl="1" fontAlgn="base"/>
+            <a:r>
+              <a:rPr lang="en-US" sz="3200" dirty="0" smtClean="0"/>
+              <a:t>Supports Ethernet, </a:t>
+            </a:r>
+            <a:r>
+              <a:rPr lang="en-US" sz="3200" dirty="0" err="1" smtClean="0"/>
+              <a:t>Fibre</a:t>
+            </a:r>
+            <a:r>
+              <a:rPr lang="en-US" sz="3200" dirty="0" smtClean="0"/>
+              <a:t> Channel, </a:t>
+            </a:r>
+            <a:r>
+              <a:rPr lang="en-US" sz="3200" dirty="0" err="1" smtClean="0"/>
+              <a:t>InfiniBand</a:t>
+            </a:r>
+            <a:r>
+              <a:rPr lang="en-US" sz="3200" dirty="0" smtClean="0"/>
+              <a:t>, and SONET/SDH standards </a:t>
+            </a:r>
+          </a:p>
+          <a:p>
+            <a:pPr lvl="1" fontAlgn="base"/>
+            <a:r>
+              <a:rPr lang="en-US" sz="3200" dirty="0" smtClean="0"/>
+              <a:t>QSFP+ transceivers support Serial Attached SCSI, 40G Ethernet, 20G/40G </a:t>
+            </a:r>
+            <a:r>
+              <a:rPr lang="en-US" sz="3200" dirty="0" err="1" smtClean="0"/>
+              <a:t>Infiniband</a:t>
+            </a:r>
+            <a:r>
+              <a:rPr lang="en-US" sz="3200" dirty="0" smtClean="0"/>
+              <a:t>, and other standards.</a:t>
+            </a:r>
+          </a:p>
+          <a:p>
+            <a:pPr fontAlgn="base"/>
+            <a:r>
+              <a:rPr lang="en-US" sz="3200" dirty="0" smtClean="0"/>
+              <a:t>Converged Ethernet</a:t>
+            </a:r>
+          </a:p>
+          <a:p>
+            <a:pPr lvl="1" fontAlgn="base"/>
+            <a:r>
+              <a:rPr lang="en-US" sz="3200" dirty="0" smtClean="0"/>
+              <a:t>Lossless</a:t>
+            </a:r>
+          </a:p>
+          <a:p>
+            <a:pPr lvl="1" fontAlgn="base"/>
+            <a:r>
+              <a:rPr lang="en-US" sz="3200" dirty="0" err="1" smtClean="0"/>
+              <a:t>Bridgey</a:t>
+            </a:r>
+            <a:endParaRPr lang="en-US" sz="3200" dirty="0" smtClean="0"/>
+          </a:p>
+          <a:p>
+            <a:pPr lvl="1" fontAlgn="base"/>
+            <a:r>
+              <a:rPr lang="en-US" sz="3200" dirty="0" err="1" smtClean="0"/>
+              <a:t>Convergey</a:t>
+            </a:r>
+            <a:endParaRPr lang="en-US" sz="3200" dirty="0" smtClean="0"/>
+          </a:p>
+          <a:p>
+            <a:pPr lvl="1" fontAlgn="base"/>
+            <a:r>
+              <a:rPr lang="en-US" sz="3200" dirty="0" smtClean="0"/>
+              <a:t>Flow </a:t>
+            </a:r>
+            <a:r>
+              <a:rPr lang="en-US" sz="3200" dirty="0" err="1" smtClean="0"/>
+              <a:t>controlly</a:t>
+            </a:r>
+            <a:endParaRPr lang="en-US" sz="3200" dirty="0" smtClean="0"/>
+          </a:p>
+          <a:p>
+            <a:pPr fontAlgn="base"/>
+            <a:r>
+              <a:rPr lang="en-US" sz="3200" dirty="0" err="1" smtClean="0"/>
+              <a:t>RoCE</a:t>
+            </a:r>
+            <a:r>
+              <a:rPr lang="en-US" sz="3200" dirty="0" smtClean="0"/>
+              <a:t> v2 (RDMA over Converged Ethernet)</a:t>
+            </a:r>
+          </a:p>
+          <a:p>
+            <a:pPr lvl="1" fontAlgn="base"/>
+            <a:r>
+              <a:rPr lang="en-US" sz="3200" dirty="0" smtClean="0"/>
+              <a:t>RDMA is Remote Direct Memory Access that is capable of allowing server to server data movement management without any CPU involvement</a:t>
+            </a:r>
+          </a:p>
+          <a:p>
+            <a:pPr fontAlgn="base"/>
             <a:r>
               <a:rPr lang="en-US" sz="3200" dirty="0" err="1" smtClean="0"/>
               <a:t>Accelio</a:t>
             </a:r>
-            <a:r>
-              <a:rPr lang="en-US" sz="3200" dirty="0" smtClean="0"/>
-              <a:t> framework</a:t>
-            </a:r>
-          </a:p>
-          <a:p>
-            <a:pPr lvl="2" fontAlgn="base"/>
+            <a:endParaRPr lang="en-US" sz="3200" dirty="0" smtClean="0"/>
+          </a:p>
+          <a:p>
+            <a:pPr lvl="1" fontAlgn="base"/>
+            <a:r>
+              <a:rPr lang="en-US" sz="3200" dirty="0" err="1" smtClean="0"/>
+              <a:t>Accelio</a:t>
+            </a:r>
+            <a:r>
+              <a:rPr lang="en-US" sz="3200" dirty="0" smtClean="0"/>
+              <a:t> is a library for high-performance asynchronous IO using RDMA</a:t>
+            </a:r>
+          </a:p>
+          <a:p>
+            <a:pPr lvl="1" fontAlgn="base"/>
+            <a:r>
+              <a:rPr lang="en-US" sz="3200" dirty="0" smtClean="0"/>
+              <a:t>Zero-copy data delivery</a:t>
+            </a:r>
+          </a:p>
+          <a:p>
+            <a:pPr lvl="1" fontAlgn="base"/>
+            <a:r>
+              <a:rPr lang="en-US" sz="3200" dirty="0" smtClean="0"/>
+              <a:t>Designed for multi-core CPUs and multi-threaded applications</a:t>
+            </a:r>
+          </a:p>
+          <a:p>
+            <a:pPr fontAlgn="base"/>
+            <a:r>
+              <a:rPr lang="en-US" sz="3200" dirty="0" err="1" smtClean="0"/>
+              <a:t>nbdX</a:t>
+            </a:r>
+            <a:endParaRPr lang="en-US" sz="3200" dirty="0" smtClean="0"/>
+          </a:p>
+          <a:p>
+            <a:pPr lvl="1" fontAlgn="base"/>
+            <a:r>
+              <a:rPr lang="en-US" sz="3200" dirty="0" smtClean="0"/>
+              <a:t>A network block device over </a:t>
+            </a:r>
+            <a:r>
+              <a:rPr lang="en-US" sz="3200" dirty="0" err="1" smtClean="0"/>
+              <a:t>Accelio</a:t>
+            </a:r>
+            <a:r>
+              <a:rPr lang="en-US" sz="3200" dirty="0" smtClean="0"/>
+              <a:t> framework that utilizes the RDMA protocol</a:t>
+            </a:r>
+          </a:p>
+          <a:p>
+            <a:pPr lvl="1" fontAlgn="base"/>
             <a:r>
               <a:rPr lang="en-US" sz="3200" dirty="0" smtClean="0"/>
               <a:t>Presented as a regular storage block device on the local system</a:t>
             </a:r>
           </a:p>
           <a:p>
-            <a:pPr lvl="2" fontAlgn="base"/>
-            <a:r>
-              <a:rPr lang="en-US" sz="3200" dirty="0" smtClean="0"/>
-              <a:t>Fast IO to remote devices through its use of </a:t>
+            <a:pPr lvl="1" fontAlgn="base"/>
+            <a:r>
+              <a:rPr lang="en-US" sz="3200" dirty="0" smtClean="0"/>
+              <a:t>Provides fast IO to remote devices through its use of </a:t>
             </a:r>
             <a:r>
               <a:rPr lang="en-US" sz="3200" dirty="0" err="1" smtClean="0"/>
@@ -3423,102 +2812,7 @@
               <a:rPr lang="en-US" sz="3200" dirty="0" smtClean="0"/>
               <a:t> acceleration facilities and multi-queue implementation in the block layer</a:t>
             </a:r>
-          </a:p>
-          <a:p>
-            <a:pPr lvl="1" fontAlgn="base"/>
-            <a:endParaRPr lang="en-US" sz="4800" dirty="0" smtClean="0"/>
-          </a:p>
-          <a:p>
-            <a:pPr lvl="2" fontAlgn="base">
-              <a:buNone/>
-            </a:pPr>
-            <a:endParaRPr lang="en-US" sz="4400" dirty="0" smtClean="0"/>
-          </a:p>
-          <a:p>
-            <a:pPr lvl="2" fontAlgn="base"/>
-            <a:r>
-              <a:rPr lang="en-US" sz="3200" dirty="0" smtClean="0"/>
-              <a:t>Library for high-performance asynchronous IO using RDMA</a:t>
-            </a:r>
-          </a:p>
-          <a:p>
-            <a:pPr lvl="2" fontAlgn="base"/>
-            <a:r>
-              <a:rPr lang="en-US" sz="3200" dirty="0" smtClean="0"/>
-              <a:t>Provides Zero-copy data delivery</a:t>
-            </a:r>
-          </a:p>
-          <a:p>
-            <a:pPr lvl="2" fontAlgn="base"/>
-            <a:r>
-              <a:rPr lang="en-US" sz="3200" dirty="0" smtClean="0"/>
-              <a:t>Designed for multi-core CPUs and multi-threaded applications</a:t>
-            </a:r>
-          </a:p>
-          <a:p>
-            <a:pPr lvl="1" fontAlgn="base"/>
-            <a:endParaRPr lang="en-US" sz="5400" dirty="0" smtClean="0"/>
-          </a:p>
-          <a:p>
-            <a:pPr lvl="1" fontAlgn="base">
-              <a:buNone/>
-            </a:pPr>
-            <a:endParaRPr lang="en-US" sz="4000" dirty="0" smtClean="0"/>
-          </a:p>
-          <a:p>
-            <a:pPr lvl="2" fontAlgn="base"/>
-            <a:r>
-              <a:rPr lang="en-US" sz="3200" dirty="0" smtClean="0"/>
-              <a:t>Remote Direct Memory Access (RDMA) is capable of allowing server to server data movement management with minimal CPU involvement</a:t>
-            </a:r>
-          </a:p>
-          <a:p>
-            <a:pPr lvl="1" fontAlgn="base"/>
-            <a:endParaRPr lang="en-US" sz="5400" dirty="0" smtClean="0"/>
-          </a:p>
-          <a:p>
-            <a:pPr lvl="1" fontAlgn="base">
-              <a:buNone/>
-            </a:pPr>
-            <a:endParaRPr lang="en-US" sz="4000" dirty="0" smtClean="0"/>
-          </a:p>
-          <a:p>
-            <a:pPr lvl="2" fontAlgn="base"/>
-            <a:r>
-              <a:rPr lang="en-US" sz="3200" dirty="0" smtClean="0"/>
-              <a:t>Provides a lossless connection on top of the Ethernet protocol by implementing the Data center bridging enhancements (DCB) to the Ethernet standard.</a:t>
-            </a:r>
-          </a:p>
-          <a:p>
-            <a:pPr lvl="2" fontAlgn="base"/>
-            <a:r>
-              <a:rPr lang="en-US" sz="3200" dirty="0" smtClean="0"/>
-              <a:t>Bridges, converges, and controls the flow of multiple classes of traffic over an Ethernet network</a:t>
-            </a:r>
-          </a:p>
-          <a:p>
-            <a:pPr lvl="1" fontAlgn="base"/>
-            <a:endParaRPr lang="en-US" sz="4000" dirty="0" smtClean="0"/>
-          </a:p>
-          <a:p>
-            <a:pPr lvl="1" fontAlgn="base">
-              <a:buNone/>
-            </a:pPr>
-            <a:endParaRPr lang="en-US" sz="4800" dirty="0" smtClean="0"/>
-          </a:p>
-          <a:p>
-            <a:pPr lvl="2" fontAlgn="base"/>
-            <a:r>
-              <a:rPr lang="en-US" sz="3200" dirty="0" smtClean="0"/>
-              <a:t>Hardware support for RDMA</a:t>
-            </a:r>
-          </a:p>
-          <a:p>
-            <a:pPr lvl="2" fontAlgn="base"/>
-            <a:r>
-              <a:rPr lang="en-US" sz="3200" dirty="0" smtClean="0"/>
-              <a:t>Interconnect system for the I/O ports that supports 40G Ethernet</a:t>
-            </a:r>
+            <a:endParaRPr lang="en-US" sz="3200" dirty="0"/>
           </a:p>
         </p:txBody>
       </p:sp>
@@ -3534,7 +2828,7 @@
         </p:nvSpPr>
         <p:spPr>
           <a:xfrm>
-            <a:off x="583355" y="11645996"/>
+            <a:off x="583355" y="12093671"/>
             <a:ext cx="10607100" cy="1200299"/>
           </a:xfrm>
           <a:prstGeom prst="rect">
@@ -3571,6 +2865,173 @@
               <a:t>Functional Protocol Stack</a:t>
             </a:r>
             <a:endParaRPr lang="en-US" sz="6600" b="1" dirty="0">
+              <a:solidFill>
+                <a:schemeClr val="dk1"/>
+              </a:solidFill>
+            </a:endParaRPr>
+          </a:p>
+        </p:txBody>
+      </p:sp>
+      <p:sp>
+        <p:nvSpPr>
+          <p:cNvPr id="32" name="Shape 32"/>
+          <p:cNvSpPr txBox="1">
+            <a:spLocks noGrp="1"/>
+          </p:cNvSpPr>
+          <p:nvPr>
+            <p:ph type="body" idx="5"/>
+          </p:nvPr>
+        </p:nvSpPr>
+        <p:spPr>
+          <a:xfrm>
+            <a:off x="11891965" y="7295311"/>
+            <a:ext cx="20116799" cy="846299"/>
+          </a:xfrm>
+          <a:prstGeom prst="rect">
+            <a:avLst/>
+          </a:prstGeom>
+          <a:noFill/>
+          <a:ln>
+            <a:noFill/>
+          </a:ln>
+        </p:spPr>
+        <p:txBody>
+          <a:bodyPr lIns="228550" tIns="228550" rIns="228550" bIns="228550" anchor="t" anchorCtr="0">
+            <a:noAutofit/>
+          </a:bodyPr>
+          <a:lstStyle/>
+          <a:p>
+            <a:pPr marL="0" lvl="0" algn="just" rtl="0">
+              <a:lnSpc>
+                <a:spcPct val="131250"/>
+              </a:lnSpc>
+              <a:spcAft>
+                <a:spcPts val="1100"/>
+              </a:spcAft>
+              <a:buClr>
+                <a:schemeClr val="dk1"/>
+              </a:buClr>
+              <a:buSzPct val="137500"/>
+              <a:buFont typeface="Arial"/>
+              <a:buNone/>
+            </a:pPr>
+            <a:r>
+              <a:rPr lang="en-US" sz="3100" dirty="0" smtClean="0">
+                <a:solidFill>
+                  <a:schemeClr val="dk1"/>
+                </a:solidFill>
+              </a:rPr>
+              <a:t>[Work in progress]</a:t>
+            </a:r>
+          </a:p>
+          <a:p>
+            <a:pPr marL="0" lvl="0" algn="just" rtl="0">
+              <a:lnSpc>
+                <a:spcPct val="131250"/>
+              </a:lnSpc>
+              <a:spcAft>
+                <a:spcPts val="1100"/>
+              </a:spcAft>
+              <a:buClr>
+                <a:schemeClr val="dk1"/>
+              </a:buClr>
+              <a:buSzPct val="137500"/>
+              <a:buFont typeface="Arial"/>
+              <a:buNone/>
+            </a:pPr>
+            <a:endParaRPr lang="en-US" sz="3100" dirty="0" smtClean="0">
+              <a:solidFill>
+                <a:schemeClr val="dk1"/>
+              </a:solidFill>
+            </a:endParaRPr>
+          </a:p>
+          <a:p>
+            <a:pPr marL="0" lvl="0" algn="just" rtl="0">
+              <a:lnSpc>
+                <a:spcPct val="131250"/>
+              </a:lnSpc>
+              <a:spcAft>
+                <a:spcPts val="1100"/>
+              </a:spcAft>
+              <a:buClr>
+                <a:schemeClr val="dk1"/>
+              </a:buClr>
+              <a:buSzPct val="137500"/>
+              <a:buFont typeface="Arial"/>
+              <a:buNone/>
+            </a:pPr>
+            <a:endParaRPr lang="en-US" sz="3100" dirty="0" smtClean="0">
+              <a:solidFill>
+                <a:schemeClr val="dk1"/>
+              </a:solidFill>
+            </a:endParaRPr>
+          </a:p>
+          <a:p>
+            <a:pPr marL="0" lvl="0" algn="just" rtl="0">
+              <a:lnSpc>
+                <a:spcPct val="131250"/>
+              </a:lnSpc>
+              <a:spcAft>
+                <a:spcPts val="1100"/>
+              </a:spcAft>
+              <a:buClr>
+                <a:schemeClr val="dk1"/>
+              </a:buClr>
+              <a:buSzPct val="137500"/>
+              <a:buFont typeface="Arial"/>
+              <a:buNone/>
+            </a:pPr>
+            <a:endParaRPr lang="en-US" sz="3100" dirty="0" smtClean="0">
+              <a:solidFill>
+                <a:schemeClr val="dk1"/>
+              </a:solidFill>
+            </a:endParaRPr>
+          </a:p>
+          <a:p>
+            <a:pPr marL="0" lvl="0" algn="just" rtl="0">
+              <a:lnSpc>
+                <a:spcPct val="131250"/>
+              </a:lnSpc>
+              <a:spcAft>
+                <a:spcPts val="1100"/>
+              </a:spcAft>
+              <a:buClr>
+                <a:schemeClr val="dk1"/>
+              </a:buClr>
+              <a:buSzPct val="137500"/>
+              <a:buFont typeface="Arial"/>
+              <a:buNone/>
+            </a:pPr>
+            <a:endParaRPr lang="en-US" sz="3100" dirty="0" smtClean="0">
+              <a:solidFill>
+                <a:schemeClr val="dk1"/>
+              </a:solidFill>
+            </a:endParaRPr>
+          </a:p>
+          <a:p>
+            <a:pPr marL="0" lvl="0" algn="just" rtl="0">
+              <a:lnSpc>
+                <a:spcPct val="131250"/>
+              </a:lnSpc>
+              <a:spcAft>
+                <a:spcPts val="1100"/>
+              </a:spcAft>
+              <a:buClr>
+                <a:schemeClr val="dk1"/>
+              </a:buClr>
+              <a:buSzPct val="137500"/>
+              <a:buFont typeface="Arial"/>
+              <a:buNone/>
+            </a:pPr>
+            <a:r>
+              <a:rPr lang="en-US" sz="3100" dirty="0" smtClean="0">
+                <a:solidFill>
+                  <a:schemeClr val="dk1"/>
+                </a:solidFill>
+              </a:rPr>
+              <a:t>[Insert graphs and pictures of results here]</a:t>
+            </a:r>
+            <a:endParaRPr lang="en-US" sz="3100" dirty="0">
               <a:solidFill>
                 <a:schemeClr val="dk1"/>
               </a:solidFill>
@@ -3652,7 +3113,7 @@
         </p:nvSpPr>
         <p:spPr>
           <a:xfrm>
-            <a:off x="11891965" y="28675065"/>
+            <a:off x="11891965" y="29401470"/>
             <a:ext cx="20116799" cy="846299"/>
           </a:xfrm>
           <a:prstGeom prst="rect">
@@ -3673,63 +3134,54 @@
               <a:buNone/>
             </a:pPr>
             <a:r>
-              <a:rPr lang="en-US" sz="3200" dirty="0" smtClean="0"/>
+              <a:rPr lang="en-US" sz="3100" dirty="0" smtClean="0"/>
               <a:t>We would like to thank:</a:t>
             </a:r>
           </a:p>
           <a:p>
             <a:pPr fontAlgn="base"/>
             <a:r>
-              <a:rPr lang="en-US" sz="3200" dirty="0" smtClean="0"/>
+              <a:rPr lang="en-US" sz="3100" dirty="0" smtClean="0"/>
               <a:t>Samuel </a:t>
             </a:r>
             <a:r>
-              <a:rPr lang="en-US" sz="3200" dirty="0" err="1" smtClean="0"/>
+              <a:rPr lang="en-US" sz="3100" dirty="0" err="1" smtClean="0"/>
               <a:t>Fineberg</a:t>
             </a:r>
             <a:r>
-              <a:rPr lang="en-US" sz="3200" dirty="0" smtClean="0"/>
-              <a:t>, Ph.D., Distinguished Technologist, Storage Chief Technologist Office at Hewlett Packard Enterprise</a:t>
+              <a:rPr lang="en-US" sz="3100" dirty="0" smtClean="0"/>
+              <a:t>, Distinguished Technologist, Hewlett Packard Enterprise</a:t>
             </a:r>
           </a:p>
           <a:p>
             <a:pPr fontAlgn="base"/>
             <a:r>
-              <a:rPr lang="en-US" sz="3200" dirty="0" smtClean="0"/>
-              <a:t>Dr. Linda Werner, Ph.D., Faculty Advisor, UCSC</a:t>
+              <a:rPr lang="en-US" sz="3100" dirty="0" smtClean="0"/>
+              <a:t>Linda Werner, Faculty Advisor, UCSC</a:t>
             </a:r>
           </a:p>
           <a:p>
             <a:pPr fontAlgn="base"/>
             <a:r>
-              <a:rPr lang="en-US" sz="3200" dirty="0" smtClean="0"/>
+              <a:rPr lang="en-US" sz="3100" dirty="0" smtClean="0"/>
               <a:t>Daniel </a:t>
             </a:r>
             <a:r>
-              <a:rPr lang="en-US" sz="3200" dirty="0" err="1" smtClean="0"/>
+              <a:rPr lang="en-US" sz="3100" dirty="0" err="1" smtClean="0"/>
               <a:t>Fava</a:t>
             </a:r>
             <a:r>
-              <a:rPr lang="en-US" sz="3200" dirty="0" smtClean="0"/>
-              <a:t>, Graduate Teaching Assistant, UCSC</a:t>
+              <a:rPr lang="en-US" sz="3100" dirty="0" smtClean="0"/>
+              <a:t>, Teaching Assistant, UCSC</a:t>
             </a:r>
           </a:p>
           <a:p>
             <a:pPr fontAlgn="base"/>
             <a:r>
-              <a:rPr lang="en-US" sz="3200" dirty="0" smtClean="0"/>
+              <a:rPr lang="en-US" sz="3100" dirty="0" smtClean="0"/>
               <a:t>HPE for the hardware and support provided</a:t>
             </a:r>
-          </a:p>
-          <a:p>
-            <a:pPr fontAlgn="base">
-              <a:buNone/>
-            </a:pPr>
-            <a:r>
-              <a:rPr lang="en-US" sz="3200" dirty="0" smtClean="0"/>
-              <a:t>*  Participated in the first half of the project</a:t>
-            </a:r>
-            <a:endParaRPr lang="en-US" sz="3200" dirty="0"/>
+            <a:endParaRPr lang="en-US" sz="3100" dirty="0"/>
           </a:p>
         </p:txBody>
       </p:sp>
@@ -3745,7 +3197,7 @@
         </p:nvSpPr>
         <p:spPr>
           <a:xfrm>
-            <a:off x="11891965" y="27394905"/>
+            <a:off x="11891965" y="28121310"/>
             <a:ext cx="20116799" cy="1200299"/>
           </a:xfrm>
           <a:prstGeom prst="rect">
@@ -3774,7 +3226,7 @@
               <a:buNone/>
             </a:pPr>
             <a:r>
-              <a:rPr lang="en-US" sz="6600" b="1" dirty="0">
+              <a:rPr lang="en-US" sz="6600" b="1">
                 <a:solidFill>
                   <a:schemeClr val="dk1"/>
                 </a:solidFill>
@@ -3900,7 +3352,7 @@
             <a:pPr fontAlgn="base"/>
             <a:r>
               <a:rPr lang="en-US" sz="3200" dirty="0" smtClean="0"/>
-              <a:t>Data results were automatically parsed and output to CSV files, allowing for easy graph creation.</a:t>
+              <a:t>Data results were automatically parsed and outputted to CSV files, allowing for easy graph creation.</a:t>
             </a:r>
           </a:p>
           <a:p>
@@ -3946,7 +3398,11 @@
             </a:r>
             <a:r>
               <a:rPr lang="en-US" sz="3200" dirty="0" smtClean="0"/>
-              <a:t> SSD.</a:t>
+              <a:t> SSD</a:t>
+            </a:r>
+            <a:r>
+              <a:rPr lang="en-US" sz="3200" dirty="0" smtClean="0"/>
+              <a:t>.</a:t>
             </a:r>
           </a:p>
           <a:p>
@@ -3961,7 +3417,11 @@
             </a:pPr>
             <a:r>
               <a:rPr lang="en-US" sz="3200" b="1" dirty="0" smtClean="0"/>
-              <a:t>Data gathered:</a:t>
+              <a:t>Data </a:t>
+            </a:r>
+            <a:r>
+              <a:rPr lang="en-US" sz="3200" b="1" dirty="0" smtClean="0"/>
+              <a:t>gathered:</a:t>
             </a:r>
             <a:endParaRPr lang="en-US" sz="3200" dirty="0" smtClean="0"/>
           </a:p>
@@ -4014,7 +3474,7 @@
         </p:nvSpPr>
         <p:spPr>
           <a:xfrm>
-            <a:off x="32080200" y="15865414"/>
+            <a:off x="32689800" y="16092010"/>
             <a:ext cx="10607100" cy="1200299"/>
           </a:xfrm>
           <a:prstGeom prst="rect">
@@ -4048,7 +3508,7 @@
                   <a:schemeClr val="dk1"/>
                 </a:solidFill>
               </a:rPr>
-              <a:t>       Technologies/</a:t>
+              <a:t>Technologies/</a:t>
             </a:r>
             <a:br>
               <a:rPr lang="en-US" sz="6600" b="1" dirty="0" smtClean="0">
@@ -4063,7 +3523,7 @@
                   <a:schemeClr val="dk1"/>
                 </a:solidFill>
               </a:rPr>
-              <a:t>Methodologies</a:t>
+              <a:t>Methodologies Used</a:t>
             </a:r>
             <a:endParaRPr lang="en-US" sz="6600" b="1" dirty="0">
               <a:solidFill>
@@ -4085,7 +3545,7 @@
         </p:nvSpPr>
         <p:spPr>
           <a:xfrm>
-            <a:off x="32689800" y="17482878"/>
+            <a:off x="32689800" y="17709474"/>
             <a:ext cx="10607100" cy="846299"/>
           </a:xfrm>
           <a:prstGeom prst="rect">
@@ -4104,141 +3564,112 @@
           <a:p>
             <a:pPr fontAlgn="base"/>
             <a:r>
-              <a:rPr lang="en-US" sz="3200" b="1" dirty="0" smtClean="0"/>
+              <a:rPr lang="en-US" sz="3100" dirty="0" smtClean="0"/>
+              <a:t>Software</a:t>
+            </a:r>
+          </a:p>
+          <a:p>
+            <a:pPr lvl="1" fontAlgn="base"/>
+            <a:r>
+              <a:rPr lang="en-US" sz="3100" b="1" dirty="0" smtClean="0"/>
+              <a:t>Languages</a:t>
+            </a:r>
+          </a:p>
+          <a:p>
+            <a:pPr lvl="2" fontAlgn="base"/>
+            <a:r>
+              <a:rPr lang="en-US" sz="3100" b="1" dirty="0" smtClean="0"/>
               <a:t>C</a:t>
             </a:r>
             <a:r>
-              <a:rPr lang="en-US" sz="3200" dirty="0" smtClean="0"/>
+              <a:rPr lang="en-US" sz="3100" dirty="0" smtClean="0"/>
               <a:t> (I/O file creation program)</a:t>
             </a:r>
           </a:p>
           <a:p>
+            <a:pPr lvl="2" fontAlgn="base"/>
+            <a:r>
+              <a:rPr lang="en-US" sz="3100" b="1" dirty="0" smtClean="0"/>
+              <a:t>Python</a:t>
+            </a:r>
+            <a:r>
+              <a:rPr lang="en-US" sz="3100" dirty="0" smtClean="0"/>
+              <a:t> (Benchmarking framework)</a:t>
+            </a:r>
+          </a:p>
+          <a:p>
+            <a:pPr lvl="1" fontAlgn="base"/>
+            <a:r>
+              <a:rPr lang="en-US" sz="3100" b="1" dirty="0" err="1" smtClean="0"/>
+              <a:t>CentOS</a:t>
+            </a:r>
+            <a:r>
+              <a:rPr lang="en-US" sz="3100" b="1" dirty="0" smtClean="0"/>
+              <a:t> 7.2</a:t>
+            </a:r>
+            <a:endParaRPr lang="en-US" sz="3100" dirty="0" smtClean="0"/>
+          </a:p>
+          <a:p>
+            <a:pPr lvl="1" fontAlgn="base"/>
+            <a:r>
+              <a:rPr lang="en-US" sz="3100" b="1" dirty="0" err="1" smtClean="0"/>
+              <a:t>Accelio</a:t>
+            </a:r>
+            <a:r>
+              <a:rPr lang="en-US" sz="3100" b="1" dirty="0" smtClean="0"/>
+              <a:t> and </a:t>
+            </a:r>
+            <a:r>
+              <a:rPr lang="en-US" sz="3100" b="1" dirty="0" err="1" smtClean="0"/>
+              <a:t>nbdX</a:t>
+            </a:r>
+            <a:endParaRPr lang="en-US" sz="3100" b="1" dirty="0" smtClean="0"/>
+          </a:p>
+          <a:p>
             <a:pPr fontAlgn="base"/>
             <a:r>
-              <a:rPr lang="en-US" sz="3200" b="1" dirty="0" smtClean="0"/>
-              <a:t>Python</a:t>
-            </a:r>
-            <a:r>
-              <a:rPr lang="en-US" sz="3200" dirty="0" smtClean="0"/>
-              <a:t> (Benchmarking framework)</a:t>
-            </a:r>
-          </a:p>
-          <a:p>
-            <a:pPr fontAlgn="base"/>
-            <a:r>
-              <a:rPr lang="en-US" sz="3200" b="1" dirty="0" err="1" smtClean="0"/>
-              <a:t>CentOS</a:t>
-            </a:r>
-            <a:r>
-              <a:rPr lang="en-US" sz="3200" b="1" dirty="0" smtClean="0"/>
-              <a:t> 7.2</a:t>
-            </a:r>
-            <a:endParaRPr lang="en-US" sz="3200" dirty="0" smtClean="0"/>
-          </a:p>
-          <a:p>
-            <a:pPr fontAlgn="base"/>
-            <a:r>
-              <a:rPr lang="en-US" sz="3200" b="1" dirty="0" err="1" smtClean="0"/>
-              <a:t>Accelio</a:t>
-            </a:r>
-            <a:r>
-              <a:rPr lang="en-US" sz="3200" b="1" dirty="0" smtClean="0"/>
-              <a:t> and </a:t>
-            </a:r>
-            <a:r>
-              <a:rPr lang="en-US" sz="3200" b="1" dirty="0" err="1" smtClean="0"/>
-              <a:t>nbdX</a:t>
-            </a:r>
-            <a:endParaRPr lang="en-US" sz="3200" b="1" dirty="0" smtClean="0"/>
-          </a:p>
-          <a:p>
-            <a:pPr fontAlgn="base"/>
-            <a:r>
-              <a:rPr lang="en-US" sz="3200" b="1" dirty="0" smtClean="0"/>
+              <a:rPr lang="en-US" sz="3100" dirty="0" smtClean="0"/>
+              <a:t>Hardware</a:t>
+            </a:r>
+          </a:p>
+          <a:p>
+            <a:pPr lvl="1" fontAlgn="base"/>
+            <a:r>
+              <a:rPr lang="en-US" sz="3100" b="1" dirty="0" smtClean="0"/>
               <a:t>HPE </a:t>
             </a:r>
             <a:r>
-              <a:rPr lang="en-US" sz="3200" b="1" dirty="0" err="1" smtClean="0"/>
+              <a:rPr lang="en-US" sz="3100" b="1" dirty="0" err="1" smtClean="0"/>
               <a:t>Proliant</a:t>
             </a:r>
             <a:r>
-              <a:rPr lang="en-US" sz="3200" b="1" dirty="0" smtClean="0"/>
+              <a:rPr lang="en-US" sz="3100" b="1" dirty="0" smtClean="0"/>
               <a:t> servers </a:t>
             </a:r>
             <a:r>
-              <a:rPr lang="en-US" sz="3200" dirty="0" smtClean="0"/>
+              <a:rPr lang="en-US" sz="3100" dirty="0" smtClean="0"/>
               <a:t>(x2)</a:t>
             </a:r>
-            <a:endParaRPr lang="en-US" sz="3200" b="1" dirty="0" smtClean="0"/>
-          </a:p>
-          <a:p>
-            <a:r>
-              <a:rPr lang="en-US" sz="3200" b="1" dirty="0" smtClean="0"/>
+            <a:endParaRPr lang="en-US" sz="3100" b="1" dirty="0" smtClean="0"/>
+          </a:p>
+          <a:p>
+            <a:r>
+              <a:rPr lang="en-US" sz="3100" b="1" dirty="0" smtClean="0"/>
               <a:t>HPE </a:t>
             </a:r>
             <a:r>
-              <a:rPr lang="en-US" sz="3200" b="1" dirty="0" err="1" smtClean="0"/>
+              <a:rPr lang="en-US" sz="3100" b="1" dirty="0" err="1" smtClean="0"/>
               <a:t>Infiniband</a:t>
             </a:r>
             <a:r>
-              <a:rPr lang="en-US" sz="3200" b="1" dirty="0" smtClean="0"/>
+              <a:rPr lang="en-US" sz="3100" b="1" dirty="0" smtClean="0"/>
               <a:t> FDR//Ethernet 2-Port Adapters </a:t>
             </a:r>
             <a:r>
-              <a:rPr lang="en-US" sz="3200" dirty="0" smtClean="0"/>
+              <a:rPr lang="en-US" sz="3100" dirty="0" smtClean="0"/>
               <a:t>(x2)</a:t>
             </a:r>
-          </a:p>
-          <a:p>
-            <a:r>
-              <a:rPr lang="en-US" sz="3200" b="1" dirty="0" smtClean="0">
-                <a:solidFill>
-                  <a:schemeClr val="dk1"/>
-                </a:solidFill>
-              </a:rPr>
-              <a:t>Scrum</a:t>
-            </a:r>
-          </a:p>
-          <a:p>
-            <a:r>
-              <a:rPr lang="en-US" sz="3200" b="1" dirty="0" err="1" smtClean="0">
-                <a:solidFill>
-                  <a:schemeClr val="dk1"/>
-                </a:solidFill>
-              </a:rPr>
-              <a:t>GitHub</a:t>
-            </a:r>
-            <a:endParaRPr lang="en-US" sz="3200" b="1" dirty="0" smtClean="0">
-              <a:solidFill>
-                <a:schemeClr val="dk1"/>
-              </a:solidFill>
-            </a:endParaRPr>
-          </a:p>
-          <a:p>
-            <a:r>
-              <a:rPr lang="en-US" sz="3200" b="1" dirty="0" err="1" smtClean="0">
-                <a:solidFill>
-                  <a:schemeClr val="dk1"/>
-                </a:solidFill>
-              </a:rPr>
-              <a:t>Trello</a:t>
-            </a:r>
-            <a:endParaRPr lang="en-US" sz="3200" b="1" dirty="0" smtClean="0">
-              <a:solidFill>
-                <a:schemeClr val="dk1"/>
-              </a:solidFill>
-            </a:endParaRPr>
-          </a:p>
-          <a:p>
-            <a:r>
-              <a:rPr lang="en-US" sz="3200" b="1" dirty="0" smtClean="0">
-                <a:solidFill>
-                  <a:schemeClr val="dk1"/>
-                </a:solidFill>
-              </a:rPr>
-              <a:t>Slack</a:t>
-            </a:r>
-            <a:endParaRPr lang="en-US" sz="3200" dirty="0" smtClean="0">
+            <a:endParaRPr lang="en-US" sz="3100" dirty="0">
               <a:solidFill>
                 <a:schemeClr val="dk1"/>
               </a:solidFill>
@@ -4258,7 +3689,7 @@
         </p:nvSpPr>
         <p:spPr>
           <a:xfrm>
-            <a:off x="32689800" y="22751463"/>
+            <a:off x="32689800" y="22544925"/>
             <a:ext cx="10607100" cy="1200299"/>
           </a:xfrm>
           <a:prstGeom prst="rect">
@@ -4287,7 +3718,7 @@
               <a:buNone/>
             </a:pPr>
             <a:r>
-              <a:rPr lang="en-US" sz="6600" b="1" dirty="0">
+              <a:rPr lang="en-US" sz="6000" b="1" dirty="0">
                 <a:solidFill>
                   <a:schemeClr val="dk1"/>
                 </a:solidFill>
@@ -4309,7 +3740,7 @@
         </p:nvSpPr>
         <p:spPr>
           <a:xfrm>
-            <a:off x="32689800" y="23838061"/>
+            <a:off x="32689800" y="23824027"/>
             <a:ext cx="10607100" cy="846299"/>
           </a:xfrm>
           <a:prstGeom prst="rect">
@@ -4331,7 +3762,11 @@
             </a:pPr>
             <a:r>
               <a:rPr lang="en-US" sz="3200" dirty="0" smtClean="0"/>
-              <a:t>   Through our benchmarking, we have found that the current </a:t>
+              <a:t>   Through </a:t>
+            </a:r>
+            <a:r>
+              <a:rPr lang="en-US" sz="3200" dirty="0" smtClean="0"/>
+              <a:t>our benchmarking, we have found that the current </a:t>
             </a:r>
             <a:r>
               <a:rPr lang="en-US" sz="3200" dirty="0" err="1" smtClean="0"/>
@@ -4379,8 +3814,13 @@
             </a:r>
             <a:r>
               <a:rPr lang="en-US" sz="3200" dirty="0" smtClean="0"/>
-              <a:t> supported networks should benefit from lower CPU utilization, faster data transfers, and lower latency compared to their non-RDMA equivalent infrastructures.</a:t>
-            </a:r>
+              <a:t> supported networks should benefit from lower CPU utilization, faster data transfers, and lower latency compared to their non-RDMA equivalent infrastructures</a:t>
+            </a:r>
+            <a:r>
+              <a:rPr lang="en-US" sz="3200" dirty="0" smtClean="0"/>
+              <a:t>.</a:t>
+            </a:r>
+            <a:endParaRPr lang="en-US" sz="3200" dirty="0" smtClean="0"/>
           </a:p>
         </p:txBody>
       </p:sp>
@@ -4449,10 +3889,12 @@
           </a:bodyPr>
           <a:lstStyle/>
           <a:p>
-            <a:pPr lvl="0"/>
+            <a:pPr lvl="0" rtl="0">
+              <a:buNone/>
+            </a:pPr>
             <a:r>
               <a:rPr lang="en-US" dirty="0" smtClean="0"/>
-              <a:t>John </a:t>
+              <a:t>Kevin Cheng, John </a:t>
             </a:r>
             <a:r>
               <a:rPr lang="en-US" dirty="0" err="1" smtClean="0"/>
@@ -4468,14 +3910,7 @@
             </a:r>
             <a:r>
               <a:rPr lang="en-US" dirty="0" smtClean="0"/>
-              <a:t>,</a:t>
-            </a:r>
-            <a:br>
-              <a:rPr lang="en-US" dirty="0" smtClean="0"/>
-            </a:br>
-            <a:r>
-              <a:rPr lang="en-US" dirty="0" smtClean="0"/>
-              <a:t>Jayden Navarro, Alice Yu, Kevin Cheng*</a:t>
+              <a:t>, Jayden Navarro, Alice Yu</a:t>
             </a:r>
             <a:endParaRPr lang="en-US" dirty="0"/>
           </a:p>
@@ -4498,7 +3933,7 @@
         </p:blipFill>
         <p:spPr bwMode="auto">
           <a:xfrm>
-            <a:off x="33207157" y="673773"/>
+            <a:off x="34121557" y="673773"/>
             <a:ext cx="8863431" cy="3561348"/>
           </a:xfrm>
           <a:prstGeom prst="rect">
@@ -4507,721 +3942,32 @@
           <a:noFill/>
         </p:spPr>
       </p:pic>
-      <p:sp>
-        <p:nvSpPr>
-          <p:cNvPr id="56" name="Rectangle 55"/>
-          <p:cNvSpPr/>
+      <p:pic>
+        <p:nvPicPr>
+          <p:cNvPr id="2060" name="Picture 12" descr="https://lh4.googleusercontent.com/-dMQ0IzY51USIgpVSOz9JJPp1dL2RtnLkPCQBcqZdCY2zS1zfGkhnjrbdPV18_GcQ7lVn3eqoNAudscbSa6XTl21Vg94Ho65Sm6Y1YrlupW5pQC9ueV8V6LjEIY7m_KNG628EHfd"/>
+          <p:cNvPicPr>
+            <a:picLocks noChangeAspect="1" noChangeArrowheads="1"/>
+          </p:cNvPicPr>
           <p:nvPr/>
-        </p:nvSpPr>
-        <p:spPr bwMode="ltGray">
+        </p:nvPicPr>
+        <p:blipFill>
+          <a:blip r:embed="rId4"/>
+          <a:srcRect/>
+          <a:stretch>
+            <a:fillRect/>
+          </a:stretch>
+        </p:blipFill>
+        <p:spPr bwMode="auto">
           <a:xfrm>
-            <a:off x="1000126" y="12792074"/>
-            <a:ext cx="9572624" cy="1152144"/>
+            <a:off x="12391187" y="12560970"/>
+            <a:ext cx="4926301" cy="6928436"/>
           </a:xfrm>
           <a:prstGeom prst="rect">
             <a:avLst/>
           </a:prstGeom>
-          <a:solidFill>
-            <a:srgbClr val="00B050"/>
-          </a:solidFill>
-          <a:ln w="19050" cap="flat" cmpd="sng" algn="ctr">
-            <a:solidFill>
-              <a:sysClr val="windowText" lastClr="000000">
-                <a:lumMod val="50000"/>
-                <a:lumOff val="50000"/>
-              </a:sysClr>
-            </a:solidFill>
-            <a:prstDash val="solid"/>
-            <a:miter lim="800000"/>
-          </a:ln>
-          <a:effectLst/>
+          <a:noFill/>
         </p:spPr>
-        <p:txBody>
-          <a:bodyPr rtlCol="0" anchor="ctr"/>
-          <a:lstStyle/>
-          <a:p>
-            <a:pPr marL="0" marR="0" lvl="0" indent="0" algn="ctr" defTabSz="914400" eaLnBrk="1" fontAlgn="auto" latinLnBrk="0" hangingPunct="1">
-              <a:lnSpc>
-                <a:spcPct val="90000"/>
-              </a:lnSpc>
-              <a:spcBef>
-                <a:spcPts val="0"/>
-              </a:spcBef>
-              <a:spcAft>
-                <a:spcPts val="0"/>
-              </a:spcAft>
-              <a:buClrTx/>
-              <a:buSzTx/>
-              <a:buFontTx/>
-              <a:buNone/>
-              <a:tabLst/>
-              <a:defRPr/>
-            </a:pPr>
-            <a:r>
-              <a:rPr kumimoji="0" lang="en-US" sz="3200" b="0" i="0" u="none" strike="noStrike" kern="0" cap="none" spc="0" normalizeH="0" baseline="0" noProof="0" dirty="0" err="1" smtClean="0">
-                <a:ln>
-                  <a:noFill/>
-                </a:ln>
-                <a:solidFill>
-                  <a:sysClr val="window" lastClr="FFFFFF"/>
-                </a:solidFill>
-                <a:effectLst/>
-                <a:uLnTx/>
-                <a:uFillTx/>
-                <a:latin typeface="Arial"/>
-                <a:ea typeface="+mn-ea"/>
-                <a:cs typeface="+mn-cs"/>
-              </a:rPr>
-              <a:t>nbdX</a:t>
-            </a:r>
-            <a:endParaRPr kumimoji="0" lang="en-US" sz="3200" b="0" i="0" u="none" strike="noStrike" kern="0" cap="none" spc="0" normalizeH="0" baseline="0" noProof="0" dirty="0" smtClean="0">
-              <a:ln>
-                <a:noFill/>
-              </a:ln>
-              <a:solidFill>
-                <a:sysClr val="window" lastClr="FFFFFF"/>
-              </a:solidFill>
-              <a:effectLst/>
-              <a:uLnTx/>
-              <a:uFillTx/>
-              <a:latin typeface="Arial"/>
-              <a:ea typeface="+mn-ea"/>
-              <a:cs typeface="+mn-cs"/>
-            </a:endParaRPr>
-          </a:p>
-        </p:txBody>
-      </p:sp>
-      <p:sp>
-        <p:nvSpPr>
-          <p:cNvPr id="58" name="Down Arrow 57"/>
-          <p:cNvSpPr/>
-          <p:nvPr/>
-        </p:nvSpPr>
-        <p:spPr bwMode="ltGray">
-          <a:xfrm>
-            <a:off x="971551" y="14992350"/>
-            <a:ext cx="1085850" cy="1447800"/>
-          </a:xfrm>
-          <a:prstGeom prst="downArrow">
-            <a:avLst/>
-          </a:prstGeom>
-          <a:solidFill>
-            <a:sysClr val="windowText" lastClr="000000">
-              <a:lumMod val="65000"/>
-              <a:lumOff val="35000"/>
-            </a:sysClr>
-          </a:solidFill>
-          <a:ln w="19050" cap="flat" cmpd="sng" algn="ctr">
-            <a:solidFill>
-              <a:sysClr val="window" lastClr="FFFFFF"/>
-            </a:solidFill>
-            <a:prstDash val="solid"/>
-            <a:miter lim="800000"/>
-          </a:ln>
-          <a:effectLst/>
-        </p:spPr>
-        <p:txBody>
-          <a:bodyPr rtlCol="0" anchor="ctr"/>
-          <a:lstStyle/>
-          <a:p>
-            <a:pPr marL="0" marR="0" lvl="0" indent="0" algn="ctr" defTabSz="914400" eaLnBrk="1" fontAlgn="auto" latinLnBrk="0" hangingPunct="1">
-              <a:lnSpc>
-                <a:spcPct val="90000"/>
-              </a:lnSpc>
-              <a:spcBef>
-                <a:spcPts val="0"/>
-              </a:spcBef>
-              <a:spcAft>
-                <a:spcPts val="0"/>
-              </a:spcAft>
-              <a:buClrTx/>
-              <a:buSzTx/>
-              <a:buFontTx/>
-              <a:buNone/>
-              <a:tabLst/>
-              <a:defRPr/>
-            </a:pPr>
-            <a:endParaRPr kumimoji="0" lang="en-US" sz="1800" b="0" i="0" u="none" strike="noStrike" kern="0" cap="none" spc="0" normalizeH="0" baseline="0" noProof="0" dirty="0" err="1" smtClean="0">
-              <a:ln>
-                <a:noFill/>
-              </a:ln>
-              <a:solidFill>
-                <a:sysClr val="window" lastClr="FFFFFF"/>
-              </a:solidFill>
-              <a:effectLst/>
-              <a:uLnTx/>
-              <a:uFillTx/>
-              <a:latin typeface="Arial"/>
-              <a:ea typeface="+mn-ea"/>
-              <a:cs typeface="+mn-cs"/>
-            </a:endParaRPr>
-          </a:p>
-        </p:txBody>
-      </p:sp>
-      <p:sp>
-        <p:nvSpPr>
-          <p:cNvPr id="68" name="Rectangle 67"/>
-          <p:cNvSpPr/>
-          <p:nvPr/>
-        </p:nvSpPr>
-        <p:spPr bwMode="ltGray">
-          <a:xfrm>
-            <a:off x="1095376" y="17583149"/>
-            <a:ext cx="9572624" cy="1152144"/>
-          </a:xfrm>
-          <a:prstGeom prst="rect">
-            <a:avLst/>
-          </a:prstGeom>
-          <a:solidFill>
-            <a:srgbClr val="00B050"/>
-          </a:solidFill>
-          <a:ln w="19050" cap="flat" cmpd="sng" algn="ctr">
-            <a:solidFill>
-              <a:sysClr val="windowText" lastClr="000000">
-                <a:lumMod val="50000"/>
-                <a:lumOff val="50000"/>
-              </a:sysClr>
-            </a:solidFill>
-            <a:prstDash val="solid"/>
-            <a:miter lim="800000"/>
-          </a:ln>
-          <a:effectLst/>
-        </p:spPr>
-        <p:txBody>
-          <a:bodyPr rtlCol="0" anchor="ctr"/>
-          <a:lstStyle/>
-          <a:p>
-            <a:pPr marL="0" marR="0" lvl="0" indent="0" algn="ctr" defTabSz="914400" eaLnBrk="1" fontAlgn="auto" latinLnBrk="0" hangingPunct="1">
-              <a:lnSpc>
-                <a:spcPct val="90000"/>
-              </a:lnSpc>
-              <a:spcBef>
-                <a:spcPts val="0"/>
-              </a:spcBef>
-              <a:spcAft>
-                <a:spcPts val="0"/>
-              </a:spcAft>
-              <a:buClrTx/>
-              <a:buSzTx/>
-              <a:buFontTx/>
-              <a:buNone/>
-              <a:tabLst/>
-              <a:defRPr/>
-            </a:pPr>
-            <a:r>
-              <a:rPr kumimoji="0" lang="en-US" sz="3200" b="0" i="0" u="none" strike="noStrike" kern="0" cap="none" spc="0" normalizeH="0" baseline="0" noProof="0" dirty="0" err="1" smtClean="0">
-                <a:ln>
-                  <a:noFill/>
-                </a:ln>
-                <a:solidFill>
-                  <a:sysClr val="window" lastClr="FFFFFF"/>
-                </a:solidFill>
-                <a:effectLst/>
-                <a:uLnTx/>
-                <a:uFillTx/>
-                <a:latin typeface="Arial"/>
-                <a:ea typeface="+mn-ea"/>
-                <a:cs typeface="+mn-cs"/>
-              </a:rPr>
-              <a:t>Accelio</a:t>
-            </a:r>
-            <a:endParaRPr kumimoji="0" lang="en-US" sz="3200" b="0" i="0" u="none" strike="noStrike" kern="0" cap="none" spc="0" normalizeH="0" baseline="0" noProof="0" dirty="0" smtClean="0">
-              <a:ln>
-                <a:noFill/>
-              </a:ln>
-              <a:solidFill>
-                <a:sysClr val="window" lastClr="FFFFFF"/>
-              </a:solidFill>
-              <a:effectLst/>
-              <a:uLnTx/>
-              <a:uFillTx/>
-              <a:latin typeface="Arial"/>
-              <a:ea typeface="+mn-ea"/>
-              <a:cs typeface="+mn-cs"/>
-            </a:endParaRPr>
-          </a:p>
-        </p:txBody>
-      </p:sp>
-      <p:sp>
-        <p:nvSpPr>
-          <p:cNvPr id="69" name="Rectangle 68"/>
-          <p:cNvSpPr/>
-          <p:nvPr/>
-        </p:nvSpPr>
-        <p:spPr bwMode="ltGray">
-          <a:xfrm>
-            <a:off x="1219201" y="21440774"/>
-            <a:ext cx="9572624" cy="1152144"/>
-          </a:xfrm>
-          <a:prstGeom prst="rect">
-            <a:avLst/>
-          </a:prstGeom>
-          <a:solidFill>
-            <a:srgbClr val="00B050"/>
-          </a:solidFill>
-          <a:ln w="19050" cap="flat" cmpd="sng" algn="ctr">
-            <a:solidFill>
-              <a:sysClr val="windowText" lastClr="000000">
-                <a:lumMod val="50000"/>
-                <a:lumOff val="50000"/>
-              </a:sysClr>
-            </a:solidFill>
-            <a:prstDash val="solid"/>
-            <a:miter lim="800000"/>
-          </a:ln>
-          <a:effectLst/>
-        </p:spPr>
-        <p:txBody>
-          <a:bodyPr rtlCol="0" anchor="ctr"/>
-          <a:lstStyle/>
-          <a:p>
-            <a:pPr algn="ctr">
-              <a:lnSpc>
-                <a:spcPct val="90000"/>
-              </a:lnSpc>
-            </a:pPr>
-            <a:r>
-              <a:rPr lang="en-US" sz="3200" dirty="0" err="1" smtClean="0">
-                <a:solidFill>
-                  <a:sysClr val="window" lastClr="FFFFFF"/>
-                </a:solidFill>
-                <a:ea typeface="+mn-ea"/>
-                <a:cs typeface="+mn-cs"/>
-              </a:rPr>
-              <a:t>RoCE</a:t>
-            </a:r>
-            <a:r>
-              <a:rPr lang="en-US" sz="3200" dirty="0" smtClean="0">
-                <a:solidFill>
-                  <a:sysClr val="window" lastClr="FFFFFF"/>
-                </a:solidFill>
-                <a:ea typeface="+mn-ea"/>
-                <a:cs typeface="+mn-cs"/>
-              </a:rPr>
-              <a:t> v2 (RDMA over Converged Ethernet)</a:t>
-            </a:r>
-            <a:endParaRPr kumimoji="0" lang="en-US" sz="3200" b="0" i="0" u="none" strike="noStrike" kern="0" cap="none" spc="0" normalizeH="0" baseline="0" noProof="0" dirty="0" smtClean="0">
-              <a:ln>
-                <a:noFill/>
-              </a:ln>
-              <a:solidFill>
-                <a:sysClr val="window" lastClr="FFFFFF"/>
-              </a:solidFill>
-              <a:effectLst/>
-              <a:uLnTx/>
-              <a:uFillTx/>
-              <a:latin typeface="Arial"/>
-              <a:ea typeface="+mn-ea"/>
-              <a:cs typeface="+mn-cs"/>
-            </a:endParaRPr>
-          </a:p>
-        </p:txBody>
-      </p:sp>
-      <p:sp>
-        <p:nvSpPr>
-          <p:cNvPr id="70" name="Rectangle 69"/>
-          <p:cNvSpPr/>
-          <p:nvPr/>
-        </p:nvSpPr>
-        <p:spPr bwMode="ltGray">
-          <a:xfrm>
-            <a:off x="1228726" y="24812624"/>
-            <a:ext cx="9572624" cy="1152144"/>
-          </a:xfrm>
-          <a:prstGeom prst="rect">
-            <a:avLst/>
-          </a:prstGeom>
-          <a:solidFill>
-            <a:srgbClr val="00B050"/>
-          </a:solidFill>
-          <a:ln w="19050" cap="flat" cmpd="sng" algn="ctr">
-            <a:solidFill>
-              <a:sysClr val="windowText" lastClr="000000">
-                <a:lumMod val="50000"/>
-                <a:lumOff val="50000"/>
-              </a:sysClr>
-            </a:solidFill>
-            <a:prstDash val="solid"/>
-            <a:miter lim="800000"/>
-          </a:ln>
-          <a:effectLst/>
-        </p:spPr>
-        <p:txBody>
-          <a:bodyPr rtlCol="0" anchor="ctr"/>
-          <a:lstStyle/>
-          <a:p>
-            <a:pPr algn="ctr">
-              <a:lnSpc>
-                <a:spcPct val="90000"/>
-              </a:lnSpc>
-            </a:pPr>
-            <a:r>
-              <a:rPr lang="en-US" sz="3200" dirty="0" smtClean="0">
-                <a:solidFill>
-                  <a:sysClr val="window" lastClr="FFFFFF"/>
-                </a:solidFill>
-                <a:ea typeface="+mn-ea"/>
-                <a:cs typeface="+mn-cs"/>
-              </a:rPr>
-              <a:t>Converged Ethernet</a:t>
-            </a:r>
-            <a:endParaRPr kumimoji="0" lang="en-US" sz="3200" b="0" i="0" u="none" strike="noStrike" kern="0" cap="none" spc="0" normalizeH="0" baseline="0" noProof="0" dirty="0" smtClean="0">
-              <a:ln>
-                <a:noFill/>
-              </a:ln>
-              <a:solidFill>
-                <a:sysClr val="window" lastClr="FFFFFF"/>
-              </a:solidFill>
-              <a:effectLst/>
-              <a:uLnTx/>
-              <a:uFillTx/>
-              <a:latin typeface="Arial"/>
-              <a:ea typeface="+mn-ea"/>
-              <a:cs typeface="+mn-cs"/>
-            </a:endParaRPr>
-          </a:p>
-        </p:txBody>
-      </p:sp>
-      <p:sp>
-        <p:nvSpPr>
-          <p:cNvPr id="71" name="Rectangle 70"/>
-          <p:cNvSpPr/>
-          <p:nvPr/>
-        </p:nvSpPr>
-        <p:spPr bwMode="ltGray">
-          <a:xfrm>
-            <a:off x="1323976" y="29594175"/>
-            <a:ext cx="9572624" cy="1152525"/>
-          </a:xfrm>
-          <a:prstGeom prst="rect">
-            <a:avLst/>
-          </a:prstGeom>
-          <a:solidFill>
-            <a:srgbClr val="00B050"/>
-          </a:solidFill>
-          <a:ln w="19050" cap="flat" cmpd="sng" algn="ctr">
-            <a:solidFill>
-              <a:sysClr val="windowText" lastClr="000000">
-                <a:lumMod val="50000"/>
-                <a:lumOff val="50000"/>
-              </a:sysClr>
-            </a:solidFill>
-            <a:prstDash val="solid"/>
-            <a:miter lim="800000"/>
-          </a:ln>
-          <a:effectLst/>
-        </p:spPr>
-        <p:txBody>
-          <a:bodyPr rtlCol="0" anchor="ctr"/>
-          <a:lstStyle/>
-          <a:p>
-            <a:pPr algn="ctr">
-              <a:lnSpc>
-                <a:spcPct val="90000"/>
-              </a:lnSpc>
-            </a:pPr>
-            <a:r>
-              <a:rPr lang="en-US" sz="3200" dirty="0" smtClean="0">
-                <a:solidFill>
-                  <a:sysClr val="window" lastClr="FFFFFF"/>
-                </a:solidFill>
-                <a:ea typeface="+mn-ea"/>
-                <a:cs typeface="+mn-cs"/>
-              </a:rPr>
-              <a:t>HP </a:t>
-            </a:r>
-            <a:r>
-              <a:rPr lang="en-US" sz="3200" dirty="0" err="1" smtClean="0">
-                <a:solidFill>
-                  <a:sysClr val="window" lastClr="FFFFFF"/>
-                </a:solidFill>
-                <a:ea typeface="+mn-ea"/>
-                <a:cs typeface="+mn-cs"/>
-              </a:rPr>
-              <a:t>Infiniband</a:t>
-            </a:r>
-            <a:r>
-              <a:rPr lang="en-US" sz="3200" dirty="0" smtClean="0">
-                <a:solidFill>
-                  <a:sysClr val="window" lastClr="FFFFFF"/>
-                </a:solidFill>
-                <a:ea typeface="+mn-ea"/>
-                <a:cs typeface="+mn-cs"/>
-              </a:rPr>
-              <a:t> FDR Ethernet Card/</a:t>
-            </a:r>
-            <a:r>
-              <a:rPr lang="en-US" sz="3200" dirty="0" err="1" smtClean="0">
-                <a:solidFill>
-                  <a:sysClr val="window" lastClr="FFFFFF"/>
-                </a:solidFill>
-                <a:ea typeface="+mn-ea"/>
-                <a:cs typeface="+mn-cs"/>
-              </a:rPr>
-              <a:t>Infiniband</a:t>
-            </a:r>
-            <a:r>
-              <a:rPr lang="en-US" sz="3200" dirty="0" smtClean="0">
-                <a:solidFill>
-                  <a:sysClr val="window" lastClr="FFFFFF"/>
-                </a:solidFill>
-                <a:ea typeface="+mn-ea"/>
-                <a:cs typeface="+mn-cs"/>
-              </a:rPr>
-              <a:t> QSFP+ Interface</a:t>
-            </a:r>
-          </a:p>
-        </p:txBody>
-      </p:sp>
-      <p:sp>
-        <p:nvSpPr>
-          <p:cNvPr id="73" name="Down Arrow 72"/>
-          <p:cNvSpPr/>
-          <p:nvPr/>
-        </p:nvSpPr>
-        <p:spPr bwMode="ltGray">
-          <a:xfrm>
-            <a:off x="1009651" y="19297650"/>
-            <a:ext cx="1085850" cy="1447800"/>
-          </a:xfrm>
-          <a:prstGeom prst="downArrow">
-            <a:avLst/>
-          </a:prstGeom>
-          <a:solidFill>
-            <a:sysClr val="windowText" lastClr="000000">
-              <a:lumMod val="65000"/>
-              <a:lumOff val="35000"/>
-            </a:sysClr>
-          </a:solidFill>
-          <a:ln w="19050" cap="flat" cmpd="sng" algn="ctr">
-            <a:solidFill>
-              <a:sysClr val="window" lastClr="FFFFFF"/>
-            </a:solidFill>
-            <a:prstDash val="solid"/>
-            <a:miter lim="800000"/>
-          </a:ln>
-          <a:effectLst/>
-        </p:spPr>
-        <p:txBody>
-          <a:bodyPr rtlCol="0" anchor="ctr"/>
-          <a:lstStyle/>
-          <a:p>
-            <a:pPr marL="0" marR="0" lvl="0" indent="0" algn="ctr" defTabSz="914400" eaLnBrk="1" fontAlgn="auto" latinLnBrk="0" hangingPunct="1">
-              <a:lnSpc>
-                <a:spcPct val="90000"/>
-              </a:lnSpc>
-              <a:spcBef>
-                <a:spcPts val="0"/>
-              </a:spcBef>
-              <a:spcAft>
-                <a:spcPts val="0"/>
-              </a:spcAft>
-              <a:buClrTx/>
-              <a:buSzTx/>
-              <a:buFontTx/>
-              <a:buNone/>
-              <a:tabLst/>
-              <a:defRPr/>
-            </a:pPr>
-            <a:endParaRPr kumimoji="0" lang="en-US" sz="1800" b="0" i="0" u="none" strike="noStrike" kern="0" cap="none" spc="0" normalizeH="0" baseline="0" noProof="0" dirty="0" err="1" smtClean="0">
-              <a:ln>
-                <a:noFill/>
-              </a:ln>
-              <a:solidFill>
-                <a:sysClr val="window" lastClr="FFFFFF"/>
-              </a:solidFill>
-              <a:effectLst/>
-              <a:uLnTx/>
-              <a:uFillTx/>
-              <a:latin typeface="Arial"/>
-              <a:ea typeface="+mn-ea"/>
-              <a:cs typeface="+mn-cs"/>
-            </a:endParaRPr>
-          </a:p>
-        </p:txBody>
-      </p:sp>
-      <p:sp>
-        <p:nvSpPr>
-          <p:cNvPr id="74" name="Down Arrow 73"/>
-          <p:cNvSpPr/>
-          <p:nvPr/>
-        </p:nvSpPr>
-        <p:spPr bwMode="ltGray">
-          <a:xfrm>
-            <a:off x="990601" y="23002875"/>
-            <a:ext cx="1085850" cy="1447800"/>
-          </a:xfrm>
-          <a:prstGeom prst="downArrow">
-            <a:avLst/>
-          </a:prstGeom>
-          <a:solidFill>
-            <a:sysClr val="windowText" lastClr="000000">
-              <a:lumMod val="65000"/>
-              <a:lumOff val="35000"/>
-            </a:sysClr>
-          </a:solidFill>
-          <a:ln w="19050" cap="flat" cmpd="sng" algn="ctr">
-            <a:solidFill>
-              <a:sysClr val="window" lastClr="FFFFFF"/>
-            </a:solidFill>
-            <a:prstDash val="solid"/>
-            <a:miter lim="800000"/>
-          </a:ln>
-          <a:effectLst/>
-        </p:spPr>
-        <p:txBody>
-          <a:bodyPr rtlCol="0" anchor="ctr"/>
-          <a:lstStyle/>
-          <a:p>
-            <a:pPr marL="0" marR="0" lvl="0" indent="0" algn="ctr" defTabSz="914400" eaLnBrk="1" fontAlgn="auto" latinLnBrk="0" hangingPunct="1">
-              <a:lnSpc>
-                <a:spcPct val="90000"/>
-              </a:lnSpc>
-              <a:spcBef>
-                <a:spcPts val="0"/>
-              </a:spcBef>
-              <a:spcAft>
-                <a:spcPts val="0"/>
-              </a:spcAft>
-              <a:buClrTx/>
-              <a:buSzTx/>
-              <a:buFontTx/>
-              <a:buNone/>
-              <a:tabLst/>
-              <a:defRPr/>
-            </a:pPr>
-            <a:endParaRPr kumimoji="0" lang="en-US" sz="1800" b="0" i="0" u="none" strike="noStrike" kern="0" cap="none" spc="0" normalizeH="0" baseline="0" noProof="0" dirty="0" err="1" smtClean="0">
-              <a:ln>
-                <a:noFill/>
-              </a:ln>
-              <a:solidFill>
-                <a:sysClr val="window" lastClr="FFFFFF"/>
-              </a:solidFill>
-              <a:effectLst/>
-              <a:uLnTx/>
-              <a:uFillTx/>
-              <a:latin typeface="Arial"/>
-              <a:ea typeface="+mn-ea"/>
-              <a:cs typeface="+mn-cs"/>
-            </a:endParaRPr>
-          </a:p>
-        </p:txBody>
-      </p:sp>
-      <p:sp>
-        <p:nvSpPr>
-          <p:cNvPr id="75" name="Down Arrow 74"/>
-          <p:cNvSpPr/>
-          <p:nvPr/>
-        </p:nvSpPr>
-        <p:spPr bwMode="ltGray">
-          <a:xfrm>
-            <a:off x="1000126" y="27070050"/>
-            <a:ext cx="1085850" cy="1447800"/>
-          </a:xfrm>
-          <a:prstGeom prst="downArrow">
-            <a:avLst/>
-          </a:prstGeom>
-          <a:solidFill>
-            <a:sysClr val="windowText" lastClr="000000">
-              <a:lumMod val="65000"/>
-              <a:lumOff val="35000"/>
-            </a:sysClr>
-          </a:solidFill>
-          <a:ln w="19050" cap="flat" cmpd="sng" algn="ctr">
-            <a:solidFill>
-              <a:sysClr val="window" lastClr="FFFFFF"/>
-            </a:solidFill>
-            <a:prstDash val="solid"/>
-            <a:miter lim="800000"/>
-          </a:ln>
-          <a:effectLst/>
-        </p:spPr>
-        <p:txBody>
-          <a:bodyPr rtlCol="0" anchor="ctr"/>
-          <a:lstStyle/>
-          <a:p>
-            <a:pPr marL="0" marR="0" lvl="0" indent="0" algn="ctr" defTabSz="914400" eaLnBrk="1" fontAlgn="auto" latinLnBrk="0" hangingPunct="1">
-              <a:lnSpc>
-                <a:spcPct val="90000"/>
-              </a:lnSpc>
-              <a:spcBef>
-                <a:spcPts val="0"/>
-              </a:spcBef>
-              <a:spcAft>
-                <a:spcPts val="0"/>
-              </a:spcAft>
-              <a:buClrTx/>
-              <a:buSzTx/>
-              <a:buFontTx/>
-              <a:buNone/>
-              <a:tabLst/>
-              <a:defRPr/>
-            </a:pPr>
-            <a:endParaRPr kumimoji="0" lang="en-US" sz="1800" b="0" i="0" u="none" strike="noStrike" kern="0" cap="none" spc="0" normalizeH="0" baseline="0" noProof="0" dirty="0" err="1" smtClean="0">
-              <a:ln>
-                <a:noFill/>
-              </a:ln>
-              <a:solidFill>
-                <a:sysClr val="window" lastClr="FFFFFF"/>
-              </a:solidFill>
-              <a:effectLst/>
-              <a:uLnTx/>
-              <a:uFillTx/>
-              <a:latin typeface="Arial"/>
-              <a:ea typeface="+mn-ea"/>
-              <a:cs typeface="+mn-cs"/>
-            </a:endParaRPr>
-          </a:p>
-        </p:txBody>
-      </p:sp>
-      <p:graphicFrame>
-        <p:nvGraphicFramePr>
-          <p:cNvPr id="52" name="Chart 51"/>
-          <p:cNvGraphicFramePr/>
-          <p:nvPr/>
-        </p:nvGraphicFramePr>
-        <p:xfrm>
-          <a:off x="12634912" y="7048500"/>
-          <a:ext cx="18683288" cy="5791200"/>
-        </p:xfrm>
-        <a:graphic>
-          <a:graphicData uri="http://schemas.openxmlformats.org/drawingml/2006/chart">
-            <c:chart xmlns:c="http://schemas.openxmlformats.org/drawingml/2006/chart" xmlns:r="http://schemas.openxmlformats.org/officeDocument/2006/relationships" r:id="rId4"/>
-          </a:graphicData>
-        </a:graphic>
-      </p:graphicFrame>
-      <p:graphicFrame>
-        <p:nvGraphicFramePr>
-          <p:cNvPr id="53" name="Chart 52"/>
-          <p:cNvGraphicFramePr/>
-          <p:nvPr/>
-        </p:nvGraphicFramePr>
-        <p:xfrm>
-          <a:off x="12639674" y="12954000"/>
-          <a:ext cx="18678525" cy="7353300"/>
-        </p:xfrm>
-        <a:graphic>
-          <a:graphicData uri="http://schemas.openxmlformats.org/drawingml/2006/chart">
-            <c:chart xmlns:c="http://schemas.openxmlformats.org/drawingml/2006/chart" xmlns:r="http://schemas.openxmlformats.org/officeDocument/2006/relationships" r:id="rId5"/>
-          </a:graphicData>
-        </a:graphic>
-      </p:graphicFrame>
-      <p:graphicFrame>
-        <p:nvGraphicFramePr>
-          <p:cNvPr id="54" name="Chart 53"/>
-          <p:cNvGraphicFramePr/>
-          <p:nvPr/>
-        </p:nvGraphicFramePr>
-        <p:xfrm>
-          <a:off x="12611100" y="20421600"/>
-          <a:ext cx="18707100" cy="6896101"/>
-        </p:xfrm>
-        <a:graphic>
-          <a:graphicData uri="http://schemas.openxmlformats.org/drawingml/2006/chart">
-            <c:chart xmlns:c="http://schemas.openxmlformats.org/drawingml/2006/chart" xmlns:r="http://schemas.openxmlformats.org/officeDocument/2006/relationships" r:id="rId6"/>
-          </a:graphicData>
-        </a:graphic>
-      </p:graphicFrame>
+      </p:pic>
     </p:spTree>
   </p:cSld>
   <p:clrMapOvr>

--- a/deliverables/Release 2/Poster.pptx
+++ b/deliverables/Release 2/Poster.pptx
@@ -215,6 +215,911 @@
     </a:lvl9pPr>
   </p:defaultTextStyle>
 </p:presentation>
+</file>
+
+<file path=ppt/charts/chart1.xml><?xml version="1.0" encoding="utf-8"?>
+<c:chartSpace xmlns:c="http://schemas.openxmlformats.org/drawingml/2006/chart" xmlns:a="http://schemas.openxmlformats.org/drawingml/2006/main" xmlns:r="http://schemas.openxmlformats.org/officeDocument/2006/relationships">
+  <c:date1904 val="1"/>
+  <c:lang val="en-US"/>
+  <c:clrMapOvr bg1="lt1" tx1="dk1" bg2="lt2" tx2="dk2" accent1="accent1" accent2="accent2" accent3="accent3" accent4="accent4" accent5="accent5" accent6="accent6" hlink="hlink" folHlink="folHlink"/>
+  <c:chart>
+    <c:title>
+      <c:tx>
+        <c:rich>
+          <a:bodyPr/>
+          <a:lstStyle/>
+          <a:p>
+            <a:pPr>
+              <a:defRPr sz="3400"/>
+            </a:pPr>
+            <a:r>
+              <a:rPr lang="en-US" sz="3400"/>
+              <a:t>IOPS</a:t>
+            </a:r>
+          </a:p>
+        </c:rich>
+      </c:tx>
+      <c:layout>
+        <c:manualLayout>
+          <c:xMode val="edge"/>
+          <c:yMode val="edge"/>
+          <c:x val="0.47618693063960488"/>
+          <c:y val="0.10784907850379415"/>
+        </c:manualLayout>
+      </c:layout>
+    </c:title>
+    <c:view3D>
+      <c:rAngAx val="1"/>
+    </c:view3D>
+    <c:plotArea>
+      <c:layout/>
+      <c:bar3DChart>
+        <c:barDir val="col"/>
+        <c:grouping val="clustered"/>
+        <c:ser>
+          <c:idx val="0"/>
+          <c:order val="0"/>
+          <c:tx>
+            <c:strRef>
+              <c:f>Sheet1!$B$4</c:f>
+              <c:strCache>
+                <c:ptCount val="1"/>
+                <c:pt idx="0">
+                  <c:v>1 IO Depth</c:v>
+                </c:pt>
+              </c:strCache>
+            </c:strRef>
+          </c:tx>
+          <c:spPr>
+            <a:solidFill>
+              <a:schemeClr val="tx2">
+                <a:lumMod val="40000"/>
+                <a:lumOff val="60000"/>
+              </a:schemeClr>
+            </a:solidFill>
+          </c:spPr>
+          <c:cat>
+            <c:strRef>
+              <c:f>Sheet1!$C$3:$D$3</c:f>
+              <c:strCache>
+                <c:ptCount val="2"/>
+                <c:pt idx="0">
+                  <c:v>4K Block Size</c:v>
+                </c:pt>
+                <c:pt idx="1">
+                  <c:v>32K Block Size</c:v>
+                </c:pt>
+              </c:strCache>
+            </c:strRef>
+          </c:cat>
+          <c:val>
+            <c:numRef>
+              <c:f>Sheet1!$C$4:$D$4</c:f>
+              <c:numCache>
+                <c:formatCode>General</c:formatCode>
+                <c:ptCount val="2"/>
+                <c:pt idx="0">
+                  <c:v>4646</c:v>
+                </c:pt>
+                <c:pt idx="1">
+                  <c:v>3494</c:v>
+                </c:pt>
+              </c:numCache>
+            </c:numRef>
+          </c:val>
+        </c:ser>
+        <c:ser>
+          <c:idx val="1"/>
+          <c:order val="1"/>
+          <c:tx>
+            <c:strRef>
+              <c:f>Sheet1!$B$5</c:f>
+              <c:strCache>
+                <c:ptCount val="1"/>
+                <c:pt idx="0">
+                  <c:v>32 IO Depth</c:v>
+                </c:pt>
+              </c:strCache>
+            </c:strRef>
+          </c:tx>
+          <c:spPr>
+            <a:solidFill>
+              <a:srgbClr val="00B050"/>
+            </a:solidFill>
+          </c:spPr>
+          <c:cat>
+            <c:strRef>
+              <c:f>Sheet1!$C$3:$D$3</c:f>
+              <c:strCache>
+                <c:ptCount val="2"/>
+                <c:pt idx="0">
+                  <c:v>4K Block Size</c:v>
+                </c:pt>
+                <c:pt idx="1">
+                  <c:v>32K Block Size</c:v>
+                </c:pt>
+              </c:strCache>
+            </c:strRef>
+          </c:cat>
+          <c:val>
+            <c:numRef>
+              <c:f>Sheet1!$C$5:$D$5</c:f>
+              <c:numCache>
+                <c:formatCode>General</c:formatCode>
+                <c:ptCount val="2"/>
+                <c:pt idx="0">
+                  <c:v>143513</c:v>
+                </c:pt>
+                <c:pt idx="1">
+                  <c:v>59555</c:v>
+                </c:pt>
+              </c:numCache>
+            </c:numRef>
+          </c:val>
+        </c:ser>
+        <c:ser>
+          <c:idx val="2"/>
+          <c:order val="2"/>
+          <c:tx>
+            <c:strRef>
+              <c:f>Sheet1!$B$6</c:f>
+              <c:strCache>
+                <c:ptCount val="1"/>
+                <c:pt idx="0">
+                  <c:v>64 IO Depth</c:v>
+                </c:pt>
+              </c:strCache>
+            </c:strRef>
+          </c:tx>
+          <c:spPr>
+            <a:solidFill>
+              <a:schemeClr val="accent6">
+                <a:lumMod val="75000"/>
+              </a:schemeClr>
+            </a:solidFill>
+          </c:spPr>
+          <c:cat>
+            <c:strRef>
+              <c:f>Sheet1!$C$3:$D$3</c:f>
+              <c:strCache>
+                <c:ptCount val="2"/>
+                <c:pt idx="0">
+                  <c:v>4K Block Size</c:v>
+                </c:pt>
+                <c:pt idx="1">
+                  <c:v>32K Block Size</c:v>
+                </c:pt>
+              </c:strCache>
+            </c:strRef>
+          </c:cat>
+          <c:val>
+            <c:numRef>
+              <c:f>Sheet1!$C$6:$D$6</c:f>
+              <c:numCache>
+                <c:formatCode>General</c:formatCode>
+                <c:ptCount val="2"/>
+                <c:pt idx="0">
+                  <c:v>134475</c:v>
+                </c:pt>
+                <c:pt idx="1">
+                  <c:v>75250</c:v>
+                </c:pt>
+              </c:numCache>
+            </c:numRef>
+          </c:val>
+        </c:ser>
+        <c:shape val="box"/>
+        <c:axId val="53135616"/>
+        <c:axId val="53145600"/>
+        <c:axId val="0"/>
+      </c:bar3DChart>
+      <c:catAx>
+        <c:axId val="53135616"/>
+        <c:scaling>
+          <c:orientation val="minMax"/>
+        </c:scaling>
+        <c:axPos val="b"/>
+        <c:tickLblPos val="nextTo"/>
+        <c:txPr>
+          <a:bodyPr/>
+          <a:lstStyle/>
+          <a:p>
+            <a:pPr>
+              <a:defRPr sz="3000" b="1"/>
+            </a:pPr>
+            <a:endParaRPr lang="en-US"/>
+          </a:p>
+        </c:txPr>
+        <c:crossAx val="53145600"/>
+        <c:crosses val="autoZero"/>
+        <c:auto val="1"/>
+        <c:lblAlgn val="ctr"/>
+        <c:lblOffset val="100"/>
+      </c:catAx>
+      <c:valAx>
+        <c:axId val="53145600"/>
+        <c:scaling>
+          <c:orientation val="minMax"/>
+          <c:max val="160000"/>
+          <c:min val="0"/>
+        </c:scaling>
+        <c:axPos val="l"/>
+        <c:majorGridlines/>
+        <c:title>
+          <c:tx>
+            <c:rich>
+              <a:bodyPr/>
+              <a:lstStyle/>
+              <a:p>
+                <a:pPr>
+                  <a:defRPr sz="3000"/>
+                </a:pPr>
+                <a:r>
+                  <a:rPr lang="en-US" sz="3000"/>
+                  <a:t>IOPS </a:t>
+                </a:r>
+              </a:p>
+            </c:rich>
+          </c:tx>
+          <c:layout/>
+        </c:title>
+        <c:numFmt formatCode="General" sourceLinked="1"/>
+        <c:tickLblPos val="nextTo"/>
+        <c:txPr>
+          <a:bodyPr/>
+          <a:lstStyle/>
+          <a:p>
+            <a:pPr>
+              <a:defRPr sz="3000" b="1"/>
+            </a:pPr>
+            <a:endParaRPr lang="en-US"/>
+          </a:p>
+        </c:txPr>
+        <c:crossAx val="53135616"/>
+        <c:crosses val="autoZero"/>
+        <c:crossBetween val="between"/>
+        <c:dispUnits>
+          <c:builtInUnit val="thousands"/>
+          <c:dispUnitsLbl>
+            <c:layout/>
+            <c:txPr>
+              <a:bodyPr/>
+              <a:lstStyle/>
+              <a:p>
+                <a:pPr>
+                  <a:defRPr sz="3000"/>
+                </a:pPr>
+                <a:endParaRPr lang="en-US"/>
+              </a:p>
+            </c:txPr>
+          </c:dispUnitsLbl>
+        </c:dispUnits>
+      </c:valAx>
+    </c:plotArea>
+    <c:legend>
+      <c:legendPos val="r"/>
+      <c:layout/>
+      <c:txPr>
+        <a:bodyPr/>
+        <a:lstStyle/>
+        <a:p>
+          <a:pPr>
+            <a:defRPr sz="3000" b="1"/>
+          </a:pPr>
+          <a:endParaRPr lang="en-US"/>
+        </a:p>
+      </c:txPr>
+    </c:legend>
+    <c:plotVisOnly val="1"/>
+  </c:chart>
+  <c:spPr>
+    <a:ln w="12700">
+      <a:noFill/>
+    </a:ln>
+  </c:spPr>
+  <c:externalData r:id="rId2"/>
+</c:chartSpace>
+</file>
+
+<file path=ppt/charts/chart2.xml><?xml version="1.0" encoding="utf-8"?>
+<c:chartSpace xmlns:c="http://schemas.openxmlformats.org/drawingml/2006/chart" xmlns:a="http://schemas.openxmlformats.org/drawingml/2006/main" xmlns:r="http://schemas.openxmlformats.org/officeDocument/2006/relationships">
+  <c:date1904 val="1"/>
+  <c:lang val="en-US"/>
+  <c:clrMapOvr bg1="lt1" tx1="dk1" bg2="lt2" tx2="dk2" accent1="accent1" accent2="accent2" accent3="accent3" accent4="accent4" accent5="accent5" accent6="accent6" hlink="hlink" folHlink="folHlink"/>
+  <c:chart>
+    <c:title>
+      <c:tx>
+        <c:rich>
+          <a:bodyPr/>
+          <a:lstStyle/>
+          <a:p>
+            <a:pPr>
+              <a:defRPr sz="3400"/>
+            </a:pPr>
+            <a:r>
+              <a:rPr lang="en-US" sz="3400"/>
+              <a:t>Bandwidth</a:t>
+            </a:r>
+          </a:p>
+        </c:rich>
+      </c:tx>
+      <c:layout>
+        <c:manualLayout>
+          <c:xMode val="edge"/>
+          <c:yMode val="edge"/>
+          <c:x val="0.44714342598200868"/>
+          <c:y val="0.13085399449035814"/>
+        </c:manualLayout>
+      </c:layout>
+    </c:title>
+    <c:view3D>
+      <c:rAngAx val="1"/>
+    </c:view3D>
+    <c:plotArea>
+      <c:layout/>
+      <c:bar3DChart>
+        <c:barDir val="col"/>
+        <c:grouping val="clustered"/>
+        <c:ser>
+          <c:idx val="0"/>
+          <c:order val="0"/>
+          <c:tx>
+            <c:strRef>
+              <c:f>Sheet1!$B$10</c:f>
+              <c:strCache>
+                <c:ptCount val="1"/>
+                <c:pt idx="0">
+                  <c:v>1 IO Depth</c:v>
+                </c:pt>
+              </c:strCache>
+            </c:strRef>
+          </c:tx>
+          <c:spPr>
+            <a:solidFill>
+              <a:schemeClr val="tx2">
+                <a:lumMod val="60000"/>
+                <a:lumOff val="40000"/>
+              </a:schemeClr>
+            </a:solidFill>
+          </c:spPr>
+          <c:cat>
+            <c:strRef>
+              <c:f>Sheet1!$C$9:$D$9</c:f>
+              <c:strCache>
+                <c:ptCount val="2"/>
+                <c:pt idx="0">
+                  <c:v>4K Block Size</c:v>
+                </c:pt>
+                <c:pt idx="1">
+                  <c:v>32K Block Size</c:v>
+                </c:pt>
+              </c:strCache>
+            </c:strRef>
+          </c:cat>
+          <c:val>
+            <c:numRef>
+              <c:f>Sheet1!$C$10:$D$10</c:f>
+              <c:numCache>
+                <c:formatCode>General</c:formatCode>
+                <c:ptCount val="2"/>
+                <c:pt idx="0">
+                  <c:v>18586</c:v>
+                </c:pt>
+                <c:pt idx="1">
+                  <c:v>111820</c:v>
+                </c:pt>
+              </c:numCache>
+            </c:numRef>
+          </c:val>
+        </c:ser>
+        <c:ser>
+          <c:idx val="1"/>
+          <c:order val="1"/>
+          <c:tx>
+            <c:strRef>
+              <c:f>Sheet1!$B$11</c:f>
+              <c:strCache>
+                <c:ptCount val="1"/>
+                <c:pt idx="0">
+                  <c:v>32 IO Depth</c:v>
+                </c:pt>
+              </c:strCache>
+            </c:strRef>
+          </c:tx>
+          <c:spPr>
+            <a:solidFill>
+              <a:srgbClr val="00B050"/>
+            </a:solidFill>
+          </c:spPr>
+          <c:cat>
+            <c:strRef>
+              <c:f>Sheet1!$C$9:$D$9</c:f>
+              <c:strCache>
+                <c:ptCount val="2"/>
+                <c:pt idx="0">
+                  <c:v>4K Block Size</c:v>
+                </c:pt>
+                <c:pt idx="1">
+                  <c:v>32K Block Size</c:v>
+                </c:pt>
+              </c:strCache>
+            </c:strRef>
+          </c:cat>
+          <c:val>
+            <c:numRef>
+              <c:f>Sheet1!$C$11:$D$11</c:f>
+              <c:numCache>
+                <c:formatCode>General</c:formatCode>
+                <c:ptCount val="2"/>
+                <c:pt idx="0">
+                  <c:v>574055</c:v>
+                </c:pt>
+                <c:pt idx="1">
+                  <c:v>1905771</c:v>
+                </c:pt>
+              </c:numCache>
+            </c:numRef>
+          </c:val>
+        </c:ser>
+        <c:ser>
+          <c:idx val="2"/>
+          <c:order val="2"/>
+          <c:tx>
+            <c:strRef>
+              <c:f>Sheet1!$B$12</c:f>
+              <c:strCache>
+                <c:ptCount val="1"/>
+                <c:pt idx="0">
+                  <c:v>64 IO Depth</c:v>
+                </c:pt>
+              </c:strCache>
+            </c:strRef>
+          </c:tx>
+          <c:spPr>
+            <a:solidFill>
+              <a:schemeClr val="accent6">
+                <a:lumMod val="75000"/>
+              </a:schemeClr>
+            </a:solidFill>
+          </c:spPr>
+          <c:cat>
+            <c:strRef>
+              <c:f>Sheet1!$C$9:$D$9</c:f>
+              <c:strCache>
+                <c:ptCount val="2"/>
+                <c:pt idx="0">
+                  <c:v>4K Block Size</c:v>
+                </c:pt>
+                <c:pt idx="1">
+                  <c:v>32K Block Size</c:v>
+                </c:pt>
+              </c:strCache>
+            </c:strRef>
+          </c:cat>
+          <c:val>
+            <c:numRef>
+              <c:f>Sheet1!$C$12:$D$12</c:f>
+              <c:numCache>
+                <c:formatCode>General</c:formatCode>
+                <c:ptCount val="2"/>
+                <c:pt idx="0">
+                  <c:v>537903</c:v>
+                </c:pt>
+                <c:pt idx="1">
+                  <c:v>2408021</c:v>
+                </c:pt>
+              </c:numCache>
+            </c:numRef>
+          </c:val>
+        </c:ser>
+        <c:shape val="box"/>
+        <c:axId val="53938432"/>
+        <c:axId val="53944320"/>
+        <c:axId val="0"/>
+      </c:bar3DChart>
+      <c:catAx>
+        <c:axId val="53938432"/>
+        <c:scaling>
+          <c:orientation val="minMax"/>
+        </c:scaling>
+        <c:axPos val="b"/>
+        <c:tickLblPos val="nextTo"/>
+        <c:spPr>
+          <a:ln>
+            <a:solidFill>
+              <a:srgbClr val="000000"/>
+            </a:solidFill>
+          </a:ln>
+        </c:spPr>
+        <c:txPr>
+          <a:bodyPr/>
+          <a:lstStyle/>
+          <a:p>
+            <a:pPr>
+              <a:defRPr sz="3000" b="1"/>
+            </a:pPr>
+            <a:endParaRPr lang="en-US"/>
+          </a:p>
+        </c:txPr>
+        <c:crossAx val="53944320"/>
+        <c:crosses val="autoZero"/>
+        <c:auto val="1"/>
+        <c:lblAlgn val="ctr"/>
+        <c:lblOffset val="100"/>
+      </c:catAx>
+      <c:valAx>
+        <c:axId val="53944320"/>
+        <c:scaling>
+          <c:orientation val="minMax"/>
+          <c:max val="2700000"/>
+          <c:min val="18000"/>
+        </c:scaling>
+        <c:axPos val="l"/>
+        <c:majorGridlines/>
+        <c:title>
+          <c:tx>
+            <c:rich>
+              <a:bodyPr rot="-5400000" vert="horz"/>
+              <a:lstStyle/>
+              <a:p>
+                <a:pPr>
+                  <a:defRPr sz="3000" b="1"/>
+                </a:pPr>
+                <a:r>
+                  <a:rPr lang="en-US" sz="3000" b="1"/>
+                  <a:t>Bandwidth</a:t>
+                </a:r>
+                <a:r>
+                  <a:rPr lang="en-US" sz="3000" b="1" baseline="0"/>
+                  <a:t> (KB/s)</a:t>
+                </a:r>
+              </a:p>
+            </c:rich>
+          </c:tx>
+          <c:layout/>
+        </c:title>
+        <c:numFmt formatCode="General" sourceLinked="1"/>
+        <c:tickLblPos val="nextTo"/>
+        <c:txPr>
+          <a:bodyPr/>
+          <a:lstStyle/>
+          <a:p>
+            <a:pPr>
+              <a:defRPr sz="3000" b="1"/>
+            </a:pPr>
+            <a:endParaRPr lang="en-US"/>
+          </a:p>
+        </c:txPr>
+        <c:crossAx val="53938432"/>
+        <c:crosses val="autoZero"/>
+        <c:crossBetween val="between"/>
+        <c:dispUnits>
+          <c:builtInUnit val="thousands"/>
+          <c:dispUnitsLbl>
+            <c:layout/>
+            <c:txPr>
+              <a:bodyPr/>
+              <a:lstStyle/>
+              <a:p>
+                <a:pPr>
+                  <a:defRPr sz="3000"/>
+                </a:pPr>
+                <a:endParaRPr lang="en-US"/>
+              </a:p>
+            </c:txPr>
+          </c:dispUnitsLbl>
+        </c:dispUnits>
+      </c:valAx>
+    </c:plotArea>
+    <c:legend>
+      <c:legendPos val="r"/>
+      <c:layout/>
+      <c:txPr>
+        <a:bodyPr/>
+        <a:lstStyle/>
+        <a:p>
+          <a:pPr>
+            <a:defRPr sz="3000" b="1"/>
+          </a:pPr>
+          <a:endParaRPr lang="en-US"/>
+        </a:p>
+      </c:txPr>
+    </c:legend>
+    <c:plotVisOnly val="1"/>
+  </c:chart>
+  <c:spPr>
+    <a:ln>
+      <a:noFill/>
+    </a:ln>
+  </c:spPr>
+  <c:externalData r:id="rId2"/>
+</c:chartSpace>
+</file>
+
+<file path=ppt/charts/chart3.xml><?xml version="1.0" encoding="utf-8"?>
+<c:chartSpace xmlns:c="http://schemas.openxmlformats.org/drawingml/2006/chart" xmlns:a="http://schemas.openxmlformats.org/drawingml/2006/main" xmlns:r="http://schemas.openxmlformats.org/officeDocument/2006/relationships">
+  <c:lang val="en-US"/>
+  <c:clrMapOvr bg1="lt1" tx1="dk1" bg2="lt2" tx2="dk2" accent1="accent1" accent2="accent2" accent3="accent3" accent4="accent4" accent5="accent5" accent6="accent6" hlink="hlink" folHlink="folHlink"/>
+  <c:chart>
+    <c:title>
+      <c:tx>
+        <c:rich>
+          <a:bodyPr/>
+          <a:lstStyle/>
+          <a:p>
+            <a:pPr>
+              <a:defRPr sz="3400"/>
+            </a:pPr>
+            <a:r>
+              <a:rPr lang="en-US" sz="3400" b="1" i="0" baseline="0"/>
+              <a:t>Latency</a:t>
+            </a:r>
+          </a:p>
+        </c:rich>
+      </c:tx>
+      <c:layout>
+        <c:manualLayout>
+          <c:xMode val="edge"/>
+          <c:yMode val="edge"/>
+          <c:x val="0.46573609833671076"/>
+          <c:y val="0.13085399449035814"/>
+        </c:manualLayout>
+      </c:layout>
+    </c:title>
+    <c:view3D>
+      <c:rAngAx val="1"/>
+    </c:view3D>
+    <c:plotArea>
+      <c:layout/>
+      <c:bar3DChart>
+        <c:barDir val="col"/>
+        <c:grouping val="clustered"/>
+        <c:ser>
+          <c:idx val="0"/>
+          <c:order val="0"/>
+          <c:tx>
+            <c:strRef>
+              <c:f>Sheet1!$B$16</c:f>
+              <c:strCache>
+                <c:ptCount val="1"/>
+                <c:pt idx="0">
+                  <c:v>1 IO Depth</c:v>
+                </c:pt>
+              </c:strCache>
+            </c:strRef>
+          </c:tx>
+          <c:spPr>
+            <a:solidFill>
+              <a:schemeClr val="accent1">
+                <a:lumMod val="75000"/>
+              </a:schemeClr>
+            </a:solidFill>
+          </c:spPr>
+          <c:cat>
+            <c:strRef>
+              <c:f>Sheet1!$C$15:$D$15</c:f>
+              <c:strCache>
+                <c:ptCount val="2"/>
+                <c:pt idx="0">
+                  <c:v>4K Block Size</c:v>
+                </c:pt>
+                <c:pt idx="1">
+                  <c:v>32K Block Size</c:v>
+                </c:pt>
+              </c:strCache>
+            </c:strRef>
+          </c:cat>
+          <c:val>
+            <c:numRef>
+              <c:f>Sheet1!$C$16:$D$16</c:f>
+              <c:numCache>
+                <c:formatCode>General</c:formatCode>
+                <c:ptCount val="2"/>
+                <c:pt idx="0">
+                  <c:v>212</c:v>
+                </c:pt>
+                <c:pt idx="1">
+                  <c:v>282</c:v>
+                </c:pt>
+              </c:numCache>
+            </c:numRef>
+          </c:val>
+        </c:ser>
+        <c:ser>
+          <c:idx val="1"/>
+          <c:order val="1"/>
+          <c:tx>
+            <c:strRef>
+              <c:f>Sheet1!$B$17</c:f>
+              <c:strCache>
+                <c:ptCount val="1"/>
+                <c:pt idx="0">
+                  <c:v>32 IO Depth</c:v>
+                </c:pt>
+              </c:strCache>
+            </c:strRef>
+          </c:tx>
+          <c:spPr>
+            <a:solidFill>
+              <a:srgbClr val="00B050"/>
+            </a:solidFill>
+          </c:spPr>
+          <c:cat>
+            <c:strRef>
+              <c:f>Sheet1!$C$15:$D$15</c:f>
+              <c:strCache>
+                <c:ptCount val="2"/>
+                <c:pt idx="0">
+                  <c:v>4K Block Size</c:v>
+                </c:pt>
+                <c:pt idx="1">
+                  <c:v>32K Block Size</c:v>
+                </c:pt>
+              </c:strCache>
+            </c:strRef>
+          </c:cat>
+          <c:val>
+            <c:numRef>
+              <c:f>Sheet1!$C$17:$D$17</c:f>
+              <c:numCache>
+                <c:formatCode>General</c:formatCode>
+                <c:ptCount val="2"/>
+                <c:pt idx="0">
+                  <c:v>222</c:v>
+                </c:pt>
+                <c:pt idx="1">
+                  <c:v>536</c:v>
+                </c:pt>
+              </c:numCache>
+            </c:numRef>
+          </c:val>
+        </c:ser>
+        <c:ser>
+          <c:idx val="2"/>
+          <c:order val="2"/>
+          <c:tx>
+            <c:strRef>
+              <c:f>Sheet1!$B$18</c:f>
+              <c:strCache>
+                <c:ptCount val="1"/>
+                <c:pt idx="0">
+                  <c:v>64 IO Depth</c:v>
+                </c:pt>
+              </c:strCache>
+            </c:strRef>
+          </c:tx>
+          <c:spPr>
+            <a:solidFill>
+              <a:schemeClr val="accent6">
+                <a:lumMod val="75000"/>
+              </a:schemeClr>
+            </a:solidFill>
+          </c:spPr>
+          <c:cat>
+            <c:strRef>
+              <c:f>Sheet1!$C$15:$D$15</c:f>
+              <c:strCache>
+                <c:ptCount val="2"/>
+                <c:pt idx="0">
+                  <c:v>4K Block Size</c:v>
+                </c:pt>
+                <c:pt idx="1">
+                  <c:v>32K Block Size</c:v>
+                </c:pt>
+              </c:strCache>
+            </c:strRef>
+          </c:cat>
+          <c:val>
+            <c:numRef>
+              <c:f>Sheet1!$C$18:$D$18</c:f>
+              <c:numCache>
+                <c:formatCode>General</c:formatCode>
+                <c:ptCount val="2"/>
+                <c:pt idx="0">
+                  <c:v>475</c:v>
+                </c:pt>
+                <c:pt idx="1">
+                  <c:v>850</c:v>
+                </c:pt>
+              </c:numCache>
+            </c:numRef>
+          </c:val>
+        </c:ser>
+        <c:shape val="box"/>
+        <c:axId val="53983488"/>
+        <c:axId val="53993472"/>
+        <c:axId val="0"/>
+      </c:bar3DChart>
+      <c:catAx>
+        <c:axId val="53983488"/>
+        <c:scaling>
+          <c:orientation val="minMax"/>
+        </c:scaling>
+        <c:axPos val="b"/>
+        <c:tickLblPos val="nextTo"/>
+        <c:txPr>
+          <a:bodyPr/>
+          <a:lstStyle/>
+          <a:p>
+            <a:pPr>
+              <a:defRPr sz="3000" b="1"/>
+            </a:pPr>
+            <a:endParaRPr lang="en-US"/>
+          </a:p>
+        </c:txPr>
+        <c:crossAx val="53993472"/>
+        <c:crosses val="autoZero"/>
+        <c:auto val="1"/>
+        <c:lblAlgn val="ctr"/>
+        <c:lblOffset val="100"/>
+      </c:catAx>
+      <c:valAx>
+        <c:axId val="53993472"/>
+        <c:scaling>
+          <c:orientation val="minMax"/>
+          <c:max val="900"/>
+          <c:min val="150"/>
+        </c:scaling>
+        <c:axPos val="l"/>
+        <c:majorGridlines/>
+        <c:title>
+          <c:tx>
+            <c:rich>
+              <a:bodyPr rot="-5400000" vert="horz"/>
+              <a:lstStyle/>
+              <a:p>
+                <a:pPr>
+                  <a:defRPr sz="3000" b="1"/>
+                </a:pPr>
+                <a:r>
+                  <a:rPr lang="en-US" sz="3000" b="1"/>
+                  <a:t>Latency (ms)</a:t>
+                </a:r>
+              </a:p>
+            </c:rich>
+          </c:tx>
+          <c:layout/>
+        </c:title>
+        <c:numFmt formatCode="General" sourceLinked="1"/>
+        <c:tickLblPos val="nextTo"/>
+        <c:txPr>
+          <a:bodyPr/>
+          <a:lstStyle/>
+          <a:p>
+            <a:pPr>
+              <a:defRPr sz="3000" b="1"/>
+            </a:pPr>
+            <a:endParaRPr lang="en-US"/>
+          </a:p>
+        </c:txPr>
+        <c:crossAx val="53983488"/>
+        <c:crosses val="autoZero"/>
+        <c:crossBetween val="between"/>
+      </c:valAx>
+    </c:plotArea>
+    <c:legend>
+      <c:legendPos val="r"/>
+      <c:layout/>
+      <c:txPr>
+        <a:bodyPr/>
+        <a:lstStyle/>
+        <a:p>
+          <a:pPr>
+            <a:defRPr sz="3000" b="1"/>
+          </a:pPr>
+          <a:endParaRPr lang="en-US"/>
+        </a:p>
+      </c:txPr>
+    </c:legend>
+    <c:plotVisOnly val="1"/>
+  </c:chart>
+  <c:spPr>
+    <a:ln>
+      <a:noFill/>
+    </a:ln>
+  </c:spPr>
+  <c:externalData r:id="rId2"/>
+</c:chartSpace>
 </file>
 
 <file path=ppt/notesMasters/notesMaster1.xml><?xml version="1.0" encoding="utf-8"?>
@@ -2491,7 +3396,7 @@
         </p:nvSpPr>
         <p:spPr>
           <a:xfrm>
-            <a:off x="583354" y="7273099"/>
+            <a:off x="583354" y="6873049"/>
             <a:ext cx="10607100" cy="846299"/>
           </a:xfrm>
           <a:prstGeom prst="rect">
@@ -2520,9 +3425,32 @@
             </a:pPr>
             <a:r>
               <a:rPr lang="en-US" sz="3200" dirty="0" smtClean="0"/>
-              <a:t>Sponsored by Hewlett-Packard Enterprise, the objectives of this project are to assemble and benchmark a functional protocol stack to provide high throughput transfers with low CPU utilization that could be ported to HP Enterprise’s 3Par storage systems. To benchmark the servers, we created a custom test suite that determined read, write, buffer size, and seek performance.</a:t>
-            </a:r>
-            <a:endParaRPr lang="en-US" sz="3200" dirty="0" smtClean="0"/>
+              <a:t>The objectives of this project are to assemble and benchmark a functional protocol stack. The stack will provide high throughput transfers with low CPU utilization that could be ported to </a:t>
+            </a:r>
+            <a:r>
+              <a:rPr lang="en-US" sz="3200" dirty="0" smtClean="0"/>
+              <a:t>Hewlett Packard </a:t>
+            </a:r>
+            <a:r>
+              <a:rPr lang="en-US" sz="3200" dirty="0" smtClean="0"/>
+              <a:t>Enterprise’s 3Par storage systems. To benchmark the servers, we created a custom test suite that determined read, write, buffer size, and seek performance.</a:t>
+            </a:r>
+          </a:p>
+          <a:p>
+            <a:pPr marL="0" algn="just">
+              <a:spcAft>
+                <a:spcPts val="1100"/>
+              </a:spcAft>
+              <a:buClr>
+                <a:schemeClr val="dk1"/>
+              </a:buClr>
+              <a:buSzPct val="137500"/>
+              <a:buNone/>
+            </a:pPr>
+            <a:r>
+              <a:rPr lang="en-US" sz="3200" dirty="0" smtClean="0"/>
+              <a:t>[Put in a statement about results regardless of whether they are positive or negative]</a:t>
+            </a:r>
           </a:p>
         </p:txBody>
       </p:sp>
@@ -2589,7 +3517,7 @@
         </p:nvSpPr>
         <p:spPr>
           <a:xfrm>
-            <a:off x="583354" y="13425814"/>
+            <a:off x="583354" y="13816339"/>
             <a:ext cx="10579946" cy="7733896"/>
           </a:xfrm>
           <a:prstGeom prst="rect">
@@ -2606,213 +3534,137 @@
           </a:bodyPr>
           <a:lstStyle/>
           <a:p>
-            <a:pPr fontAlgn="base"/>
-            <a:r>
-              <a:rPr lang="en-US" sz="3200" dirty="0" err="1" smtClean="0"/>
-              <a:t>Infiniband</a:t>
-            </a:r>
+            <a:pPr lvl="2" fontAlgn="base"/>
             <a:r>
               <a:rPr lang="en-US" sz="3200" dirty="0" smtClean="0"/>
-              <a:t> QSFP+ Interface</a:t>
-            </a:r>
-          </a:p>
-          <a:p>
-            <a:pPr lvl="1" fontAlgn="base"/>
-            <a:r>
-              <a:rPr lang="en-US" sz="3200" dirty="0" smtClean="0"/>
-              <a:t>40gbit holy shit</a:t>
-            </a:r>
-          </a:p>
-          <a:p>
-            <a:pPr lvl="1" fontAlgn="base"/>
-            <a:r>
-              <a:rPr lang="en-US" sz="3200" dirty="0" smtClean="0"/>
-              <a:t>Hardware support for RDMA I think!</a:t>
-            </a:r>
-          </a:p>
-          <a:p>
-            <a:pPr lvl="1" fontAlgn="base"/>
-            <a:r>
-              <a:rPr lang="en-US" sz="3200" dirty="0" smtClean="0"/>
-              <a:t>Interconnect system for the I/O ports </a:t>
-            </a:r>
-          </a:p>
-          <a:p>
-            <a:pPr lvl="1" fontAlgn="base"/>
-            <a:r>
-              <a:rPr lang="en-US" sz="3200" dirty="0" smtClean="0"/>
-              <a:t>Supports Ethernet, </a:t>
-            </a:r>
-            <a:r>
-              <a:rPr lang="en-US" sz="3200" dirty="0" err="1" smtClean="0"/>
-              <a:t>Fibre</a:t>
-            </a:r>
-            <a:r>
-              <a:rPr lang="en-US" sz="3200" dirty="0" smtClean="0"/>
-              <a:t> Channel, </a:t>
-            </a:r>
-            <a:r>
-              <a:rPr lang="en-US" sz="3200" dirty="0" err="1" smtClean="0"/>
-              <a:t>InfiniBand</a:t>
-            </a:r>
-            <a:r>
-              <a:rPr lang="en-US" sz="3200" dirty="0" smtClean="0"/>
-              <a:t>, and SONET/SDH standards </a:t>
-            </a:r>
-          </a:p>
-          <a:p>
-            <a:pPr lvl="1" fontAlgn="base"/>
-            <a:r>
-              <a:rPr lang="en-US" sz="3200" dirty="0" smtClean="0"/>
-              <a:t>QSFP+ transceivers support Serial Attached SCSI, 40G Ethernet, 20G/40G </a:t>
-            </a:r>
-            <a:r>
-              <a:rPr lang="en-US" sz="3200" dirty="0" err="1" smtClean="0"/>
-              <a:t>Infiniband</a:t>
-            </a:r>
-            <a:r>
-              <a:rPr lang="en-US" sz="3200" dirty="0" smtClean="0"/>
-              <a:t>, and other standards.</a:t>
-            </a:r>
-          </a:p>
-          <a:p>
-            <a:pPr fontAlgn="base"/>
-            <a:r>
-              <a:rPr lang="en-US" sz="3200" dirty="0" smtClean="0"/>
-              <a:t>Converged Ethernet</a:t>
-            </a:r>
-          </a:p>
-          <a:p>
-            <a:pPr lvl="1" fontAlgn="base"/>
-            <a:r>
-              <a:rPr lang="en-US" sz="3200" dirty="0" smtClean="0"/>
-              <a:t>Lossless</a:t>
-            </a:r>
-          </a:p>
-          <a:p>
-            <a:pPr lvl="1" fontAlgn="base"/>
-            <a:r>
-              <a:rPr lang="en-US" sz="3200" dirty="0" err="1" smtClean="0"/>
-              <a:t>Bridgey</a:t>
-            </a:r>
-            <a:endParaRPr lang="en-US" sz="3200" dirty="0" smtClean="0"/>
-          </a:p>
-          <a:p>
-            <a:pPr lvl="1" fontAlgn="base"/>
-            <a:r>
-              <a:rPr lang="en-US" sz="3200" dirty="0" err="1" smtClean="0"/>
-              <a:t>Convergey</a:t>
-            </a:r>
-            <a:endParaRPr lang="en-US" sz="3200" dirty="0" smtClean="0"/>
-          </a:p>
-          <a:p>
-            <a:pPr lvl="1" fontAlgn="base"/>
-            <a:r>
-              <a:rPr lang="en-US" sz="3200" dirty="0" smtClean="0"/>
-              <a:t>Flow </a:t>
-            </a:r>
-            <a:r>
-              <a:rPr lang="en-US" sz="3200" dirty="0" err="1" smtClean="0"/>
-              <a:t>controlly</a:t>
-            </a:r>
-            <a:endParaRPr lang="en-US" sz="3200" dirty="0" smtClean="0"/>
-          </a:p>
-          <a:p>
-            <a:pPr fontAlgn="base"/>
-            <a:r>
-              <a:rPr lang="en-US" sz="3200" dirty="0" err="1" smtClean="0"/>
-              <a:t>RoCE</a:t>
-            </a:r>
-            <a:r>
-              <a:rPr lang="en-US" sz="3200" dirty="0" smtClean="0"/>
-              <a:t> v2 (RDMA over Converged Ethernet)</a:t>
-            </a:r>
-          </a:p>
-          <a:p>
-            <a:pPr lvl="1" fontAlgn="base"/>
-            <a:r>
-              <a:rPr lang="en-US" sz="3200" dirty="0" smtClean="0"/>
-              <a:t>RDMA is Remote Direct Memory Access that is capable of allowing server to server data movement management without any CPU involvement</a:t>
-            </a:r>
-          </a:p>
-          <a:p>
-            <a:pPr fontAlgn="base"/>
+              <a:t>Network block device over </a:t>
+            </a:r>
             <a:r>
               <a:rPr lang="en-US" sz="3200" dirty="0" err="1" smtClean="0"/>
               <a:t>Accelio</a:t>
             </a:r>
-            <a:endParaRPr lang="en-US" sz="3200" dirty="0" smtClean="0"/>
+            <a:r>
+              <a:rPr lang="en-US" sz="3200" dirty="0" smtClean="0"/>
+              <a:t> framework</a:t>
+            </a:r>
+          </a:p>
+          <a:p>
+            <a:pPr lvl="2" fontAlgn="base"/>
+            <a:r>
+              <a:rPr lang="en-US" sz="3200" dirty="0" smtClean="0"/>
+              <a:t>Presented as a regular storage block device on the local system</a:t>
+            </a:r>
+          </a:p>
+          <a:p>
+            <a:pPr lvl="2" fontAlgn="base"/>
+            <a:r>
+              <a:rPr lang="en-US" sz="3200" dirty="0" smtClean="0"/>
+              <a:t>Fast IO to remote devices through its use of </a:t>
+            </a:r>
+            <a:r>
+              <a:rPr lang="en-US" sz="3200" dirty="0" err="1" smtClean="0"/>
+              <a:t>accelio</a:t>
+            </a:r>
+            <a:r>
+              <a:rPr lang="en-US" sz="3200" dirty="0" smtClean="0"/>
+              <a:t> acceleration facilities and multi-queue implementation in the block layer</a:t>
+            </a:r>
           </a:p>
           <a:p>
             <a:pPr lvl="1" fontAlgn="base"/>
-            <a:r>
-              <a:rPr lang="en-US" sz="3200" dirty="0" err="1" smtClean="0"/>
-              <a:t>Accelio</a:t>
-            </a:r>
+            <a:endParaRPr lang="en-US" sz="4800" dirty="0" smtClean="0"/>
+          </a:p>
+          <a:p>
+            <a:pPr lvl="2" fontAlgn="base">
+              <a:buNone/>
+            </a:pPr>
+            <a:endParaRPr lang="en-US" sz="4400" dirty="0" smtClean="0"/>
+          </a:p>
+          <a:p>
+            <a:pPr lvl="2" fontAlgn="base"/>
             <a:r>
               <a:rPr lang="en-US" sz="3200" dirty="0" smtClean="0"/>
-              <a:t> is a library for high-performance asynchronous IO using RDMA</a:t>
-            </a:r>
-          </a:p>
-          <a:p>
-            <a:pPr lvl="1" fontAlgn="base"/>
+              <a:t>Library for high-performance asynchronous IO using RDMA</a:t>
+            </a:r>
+          </a:p>
+          <a:p>
+            <a:pPr lvl="2" fontAlgn="base"/>
             <a:r>
               <a:rPr lang="en-US" sz="3200" dirty="0" smtClean="0"/>
-              <a:t>Zero-copy data delivery</a:t>
-            </a:r>
-          </a:p>
-          <a:p>
-            <a:pPr lvl="1" fontAlgn="base"/>
+              <a:t>Provides Zero-copy data delivery</a:t>
+            </a:r>
+          </a:p>
+          <a:p>
+            <a:pPr lvl="2" fontAlgn="base"/>
             <a:r>
               <a:rPr lang="en-US" sz="3200" dirty="0" smtClean="0"/>
               <a:t>Designed for multi-core CPUs and multi-threaded applications</a:t>
             </a:r>
           </a:p>
           <a:p>
-            <a:pPr fontAlgn="base"/>
-            <a:r>
-              <a:rPr lang="en-US" sz="3200" dirty="0" err="1" smtClean="0"/>
-              <a:t>nbdX</a:t>
-            </a:r>
-            <a:endParaRPr lang="en-US" sz="3200" dirty="0" smtClean="0"/>
-          </a:p>
-          <a:p>
             <a:pPr lvl="1" fontAlgn="base"/>
+            <a:endParaRPr lang="en-US" sz="5400" dirty="0" smtClean="0"/>
+          </a:p>
+          <a:p>
+            <a:pPr lvl="1" fontAlgn="base">
+              <a:buNone/>
+            </a:pPr>
+            <a:endParaRPr lang="en-US" sz="4000" dirty="0" smtClean="0"/>
+          </a:p>
+          <a:p>
+            <a:pPr lvl="2" fontAlgn="base"/>
             <a:r>
               <a:rPr lang="en-US" sz="3200" dirty="0" smtClean="0"/>
-              <a:t>A network block device over </a:t>
-            </a:r>
-            <a:r>
-              <a:rPr lang="en-US" sz="3200" dirty="0" err="1" smtClean="0"/>
-              <a:t>Accelio</a:t>
-            </a:r>
+              <a:t>Remote Direct Memory Access (RDMA) is capable of allowing server to server data movement management with minimal CPU involvement</a:t>
+            </a:r>
+          </a:p>
+          <a:p>
+            <a:pPr lvl="1" fontAlgn="base"/>
+            <a:endParaRPr lang="en-US" sz="5400" dirty="0" smtClean="0"/>
+          </a:p>
+          <a:p>
+            <a:pPr lvl="1" fontAlgn="base">
+              <a:buNone/>
+            </a:pPr>
+            <a:endParaRPr lang="en-US" sz="4000" dirty="0" smtClean="0"/>
+          </a:p>
+          <a:p>
+            <a:pPr lvl="2" fontAlgn="base"/>
             <a:r>
               <a:rPr lang="en-US" sz="3200" dirty="0" smtClean="0"/>
-              <a:t> framework that utilizes the RDMA protocol</a:t>
+              <a:t>Provides a lossless connection on top of the Ethernet protocol by implementing the Data center bridging enhancements (DCB) to the Ethernet standard.</a:t>
+            </a:r>
+          </a:p>
+          <a:p>
+            <a:pPr lvl="2" fontAlgn="base"/>
+            <a:r>
+              <a:rPr lang="en-US" sz="3200" dirty="0" smtClean="0"/>
+              <a:t>Bridges, converges, and controls the flow of multiple classes of traffic over an Ethernet network</a:t>
             </a:r>
           </a:p>
           <a:p>
             <a:pPr lvl="1" fontAlgn="base"/>
+            <a:endParaRPr lang="en-US" sz="4000" dirty="0" smtClean="0"/>
+          </a:p>
+          <a:p>
+            <a:pPr lvl="1" fontAlgn="base">
+              <a:buNone/>
+            </a:pPr>
+            <a:endParaRPr lang="en-US" sz="4800" dirty="0" smtClean="0"/>
+          </a:p>
+          <a:p>
+            <a:pPr lvl="2" fontAlgn="base"/>
             <a:r>
               <a:rPr lang="en-US" sz="3200" dirty="0" smtClean="0"/>
-              <a:t>Presented as a regular storage block device on the local system</a:t>
-            </a:r>
-          </a:p>
-          <a:p>
-            <a:pPr lvl="1" fontAlgn="base"/>
+              <a:t>Hardware support for RDMA</a:t>
+            </a:r>
+          </a:p>
+          <a:p>
+            <a:pPr lvl="2" fontAlgn="base"/>
             <a:r>
               <a:rPr lang="en-US" sz="3200" dirty="0" smtClean="0"/>
-              <a:t>Provides fast IO to remote devices through its use of </a:t>
-            </a:r>
-            <a:r>
-              <a:rPr lang="en-US" sz="3200" dirty="0" err="1" smtClean="0"/>
-              <a:t>accelio</a:t>
-            </a:r>
-            <a:r>
-              <a:rPr lang="en-US" sz="3200" dirty="0" smtClean="0"/>
-              <a:t> acceleration facilities and multi-queue implementation in the block layer</a:t>
-            </a:r>
-            <a:endParaRPr lang="en-US" sz="3200" dirty="0"/>
+              <a:t>Interconnect system for the I/O ports that supports 40G Ethernet</a:t>
+            </a:r>
           </a:p>
         </p:txBody>
       </p:sp>
@@ -2828,7 +3680,7 @@
         </p:nvSpPr>
         <p:spPr>
           <a:xfrm>
-            <a:off x="583355" y="12093671"/>
+            <a:off x="583355" y="11645996"/>
             <a:ext cx="10607100" cy="1200299"/>
           </a:xfrm>
           <a:prstGeom prst="rect">
@@ -2865,173 +3717,6 @@
               <a:t>Functional Protocol Stack</a:t>
             </a:r>
             <a:endParaRPr lang="en-US" sz="6600" b="1" dirty="0">
-              <a:solidFill>
-                <a:schemeClr val="dk1"/>
-              </a:solidFill>
-            </a:endParaRPr>
-          </a:p>
-        </p:txBody>
-      </p:sp>
-      <p:sp>
-        <p:nvSpPr>
-          <p:cNvPr id="32" name="Shape 32"/>
-          <p:cNvSpPr txBox="1">
-            <a:spLocks noGrp="1"/>
-          </p:cNvSpPr>
-          <p:nvPr>
-            <p:ph type="body" idx="5"/>
-          </p:nvPr>
-        </p:nvSpPr>
-        <p:spPr>
-          <a:xfrm>
-            <a:off x="11891965" y="7295311"/>
-            <a:ext cx="20116799" cy="846299"/>
-          </a:xfrm>
-          <a:prstGeom prst="rect">
-            <a:avLst/>
-          </a:prstGeom>
-          <a:noFill/>
-          <a:ln>
-            <a:noFill/>
-          </a:ln>
-        </p:spPr>
-        <p:txBody>
-          <a:bodyPr lIns="228550" tIns="228550" rIns="228550" bIns="228550" anchor="t" anchorCtr="0">
-            <a:noAutofit/>
-          </a:bodyPr>
-          <a:lstStyle/>
-          <a:p>
-            <a:pPr marL="0" lvl="0" algn="just" rtl="0">
-              <a:lnSpc>
-                <a:spcPct val="131250"/>
-              </a:lnSpc>
-              <a:spcAft>
-                <a:spcPts val="1100"/>
-              </a:spcAft>
-              <a:buClr>
-                <a:schemeClr val="dk1"/>
-              </a:buClr>
-              <a:buSzPct val="137500"/>
-              <a:buFont typeface="Arial"/>
-              <a:buNone/>
-            </a:pPr>
-            <a:r>
-              <a:rPr lang="en-US" sz="3100" dirty="0" smtClean="0">
-                <a:solidFill>
-                  <a:schemeClr val="dk1"/>
-                </a:solidFill>
-              </a:rPr>
-              <a:t>[Work in progress]</a:t>
-            </a:r>
-          </a:p>
-          <a:p>
-            <a:pPr marL="0" lvl="0" algn="just" rtl="0">
-              <a:lnSpc>
-                <a:spcPct val="131250"/>
-              </a:lnSpc>
-              <a:spcAft>
-                <a:spcPts val="1100"/>
-              </a:spcAft>
-              <a:buClr>
-                <a:schemeClr val="dk1"/>
-              </a:buClr>
-              <a:buSzPct val="137500"/>
-              <a:buFont typeface="Arial"/>
-              <a:buNone/>
-            </a:pPr>
-            <a:endParaRPr lang="en-US" sz="3100" dirty="0" smtClean="0">
-              <a:solidFill>
-                <a:schemeClr val="dk1"/>
-              </a:solidFill>
-            </a:endParaRPr>
-          </a:p>
-          <a:p>
-            <a:pPr marL="0" lvl="0" algn="just" rtl="0">
-              <a:lnSpc>
-                <a:spcPct val="131250"/>
-              </a:lnSpc>
-              <a:spcAft>
-                <a:spcPts val="1100"/>
-              </a:spcAft>
-              <a:buClr>
-                <a:schemeClr val="dk1"/>
-              </a:buClr>
-              <a:buSzPct val="137500"/>
-              <a:buFont typeface="Arial"/>
-              <a:buNone/>
-            </a:pPr>
-            <a:endParaRPr lang="en-US" sz="3100" dirty="0" smtClean="0">
-              <a:solidFill>
-                <a:schemeClr val="dk1"/>
-              </a:solidFill>
-            </a:endParaRPr>
-          </a:p>
-          <a:p>
-            <a:pPr marL="0" lvl="0" algn="just" rtl="0">
-              <a:lnSpc>
-                <a:spcPct val="131250"/>
-              </a:lnSpc>
-              <a:spcAft>
-                <a:spcPts val="1100"/>
-              </a:spcAft>
-              <a:buClr>
-                <a:schemeClr val="dk1"/>
-              </a:buClr>
-              <a:buSzPct val="137500"/>
-              <a:buFont typeface="Arial"/>
-              <a:buNone/>
-            </a:pPr>
-            <a:endParaRPr lang="en-US" sz="3100" dirty="0" smtClean="0">
-              <a:solidFill>
-                <a:schemeClr val="dk1"/>
-              </a:solidFill>
-            </a:endParaRPr>
-          </a:p>
-          <a:p>
-            <a:pPr marL="0" lvl="0" algn="just" rtl="0">
-              <a:lnSpc>
-                <a:spcPct val="131250"/>
-              </a:lnSpc>
-              <a:spcAft>
-                <a:spcPts val="1100"/>
-              </a:spcAft>
-              <a:buClr>
-                <a:schemeClr val="dk1"/>
-              </a:buClr>
-              <a:buSzPct val="137500"/>
-              <a:buFont typeface="Arial"/>
-              <a:buNone/>
-            </a:pPr>
-            <a:endParaRPr lang="en-US" sz="3100" dirty="0" smtClean="0">
-              <a:solidFill>
-                <a:schemeClr val="dk1"/>
-              </a:solidFill>
-            </a:endParaRPr>
-          </a:p>
-          <a:p>
-            <a:pPr marL="0" lvl="0" algn="just" rtl="0">
-              <a:lnSpc>
-                <a:spcPct val="131250"/>
-              </a:lnSpc>
-              <a:spcAft>
-                <a:spcPts val="1100"/>
-              </a:spcAft>
-              <a:buClr>
-                <a:schemeClr val="dk1"/>
-              </a:buClr>
-              <a:buSzPct val="137500"/>
-              <a:buFont typeface="Arial"/>
-              <a:buNone/>
-            </a:pPr>
-            <a:r>
-              <a:rPr lang="en-US" sz="3100" dirty="0" smtClean="0">
-                <a:solidFill>
-                  <a:schemeClr val="dk1"/>
-                </a:solidFill>
-              </a:rPr>
-              <a:t>[Insert graphs and pictures of results here]</a:t>
-            </a:r>
-            <a:endParaRPr lang="en-US" sz="3100" dirty="0">
               <a:solidFill>
                 <a:schemeClr val="dk1"/>
               </a:solidFill>
@@ -3103,141 +3788,6 @@
       </p:sp>
       <p:sp>
         <p:nvSpPr>
-          <p:cNvPr id="34" name="Shape 34"/>
-          <p:cNvSpPr txBox="1">
-            <a:spLocks noGrp="1"/>
-          </p:cNvSpPr>
-          <p:nvPr>
-            <p:ph type="body" idx="7"/>
-          </p:nvPr>
-        </p:nvSpPr>
-        <p:spPr>
-          <a:xfrm>
-            <a:off x="11891965" y="29401470"/>
-            <a:ext cx="20116799" cy="846299"/>
-          </a:xfrm>
-          <a:prstGeom prst="rect">
-            <a:avLst/>
-          </a:prstGeom>
-          <a:noFill/>
-          <a:ln>
-            <a:noFill/>
-          </a:ln>
-        </p:spPr>
-        <p:txBody>
-          <a:bodyPr lIns="228550" tIns="228550" rIns="228550" bIns="228550" anchor="t" anchorCtr="0">
-            <a:noAutofit/>
-          </a:bodyPr>
-          <a:lstStyle/>
-          <a:p>
-            <a:pPr>
-              <a:buNone/>
-            </a:pPr>
-            <a:r>
-              <a:rPr lang="en-US" sz="3100" dirty="0" smtClean="0"/>
-              <a:t>We would like to thank:</a:t>
-            </a:r>
-          </a:p>
-          <a:p>
-            <a:pPr fontAlgn="base"/>
-            <a:r>
-              <a:rPr lang="en-US" sz="3100" dirty="0" smtClean="0"/>
-              <a:t>Samuel </a:t>
-            </a:r>
-            <a:r>
-              <a:rPr lang="en-US" sz="3100" dirty="0" err="1" smtClean="0"/>
-              <a:t>Fineberg</a:t>
-            </a:r>
-            <a:r>
-              <a:rPr lang="en-US" sz="3100" dirty="0" smtClean="0"/>
-              <a:t>, Distinguished Technologist, Hewlett Packard Enterprise</a:t>
-            </a:r>
-          </a:p>
-          <a:p>
-            <a:pPr fontAlgn="base"/>
-            <a:r>
-              <a:rPr lang="en-US" sz="3100" dirty="0" smtClean="0"/>
-              <a:t>Linda Werner, Faculty Advisor, UCSC</a:t>
-            </a:r>
-          </a:p>
-          <a:p>
-            <a:pPr fontAlgn="base"/>
-            <a:r>
-              <a:rPr lang="en-US" sz="3100" dirty="0" smtClean="0"/>
-              <a:t>Daniel </a:t>
-            </a:r>
-            <a:r>
-              <a:rPr lang="en-US" sz="3100" dirty="0" err="1" smtClean="0"/>
-              <a:t>Fava</a:t>
-            </a:r>
-            <a:r>
-              <a:rPr lang="en-US" sz="3100" dirty="0" smtClean="0"/>
-              <a:t>, Teaching Assistant, UCSC</a:t>
-            </a:r>
-          </a:p>
-          <a:p>
-            <a:pPr fontAlgn="base"/>
-            <a:r>
-              <a:rPr lang="en-US" sz="3100" dirty="0" smtClean="0"/>
-              <a:t>HPE for the hardware and support provided</a:t>
-            </a:r>
-            <a:endParaRPr lang="en-US" sz="3100" dirty="0"/>
-          </a:p>
-        </p:txBody>
-      </p:sp>
-      <p:sp>
-        <p:nvSpPr>
-          <p:cNvPr id="35" name="Shape 35"/>
-          <p:cNvSpPr txBox="1">
-            <a:spLocks noGrp="1"/>
-          </p:cNvSpPr>
-          <p:nvPr>
-            <p:ph type="body" idx="8"/>
-          </p:nvPr>
-        </p:nvSpPr>
-        <p:spPr>
-          <a:xfrm>
-            <a:off x="11891965" y="28121310"/>
-            <a:ext cx="20116799" cy="1200299"/>
-          </a:xfrm>
-          <a:prstGeom prst="rect">
-            <a:avLst/>
-          </a:prstGeom>
-          <a:noFill/>
-          <a:ln>
-            <a:noFill/>
-          </a:ln>
-        </p:spPr>
-        <p:txBody>
-          <a:bodyPr lIns="91400" tIns="91400" rIns="91400" bIns="91400" anchor="ctr" anchorCtr="0">
-            <a:noAutofit/>
-          </a:bodyPr>
-          <a:lstStyle/>
-          <a:p>
-            <a:pPr marL="1645574" marR="0" lvl="0" indent="-1645574" algn="ctr" rtl="0">
-              <a:spcBef>
-                <a:spcPts val="0"/>
-              </a:spcBef>
-              <a:buClr>
-                <a:schemeClr val="dk1"/>
-              </a:buClr>
-              <a:buSzPct val="25000"/>
-              <a:buFont typeface="Times New Roman"/>
-              <a:buNone/>
-            </a:pPr>
-            <a:r>
-              <a:rPr lang="en-US" sz="6600" b="1">
-                <a:solidFill>
-                  <a:schemeClr val="dk1"/>
-                </a:solidFill>
-              </a:rPr>
-              <a:t>Acknowledgments</a:t>
-            </a:r>
-          </a:p>
-        </p:txBody>
-      </p:sp>
-      <p:sp>
-        <p:nvSpPr>
           <p:cNvPr id="36" name="Shape 36"/>
           <p:cNvSpPr txBox="1">
             <a:spLocks noGrp="1"/>
@@ -3352,7 +3902,7 @@
             <a:pPr fontAlgn="base"/>
             <a:r>
               <a:rPr lang="en-US" sz="3200" dirty="0" smtClean="0"/>
-              <a:t>Data results were automatically parsed and outputted to CSV files, allowing for easy graph creation.</a:t>
+              <a:t>Data results were automatically parsed and output to CSV files, allowing for easy graph creation.</a:t>
             </a:r>
           </a:p>
           <a:p>
@@ -3398,11 +3948,7 @@
             </a:r>
             <a:r>
               <a:rPr lang="en-US" sz="3200" dirty="0" smtClean="0"/>
-              <a:t> SSD</a:t>
-            </a:r>
-            <a:r>
-              <a:rPr lang="en-US" sz="3200" dirty="0" smtClean="0"/>
-              <a:t>.</a:t>
+              <a:t> SSD.</a:t>
             </a:r>
           </a:p>
           <a:p>
@@ -3417,11 +3963,7 @@
             </a:pPr>
             <a:r>
               <a:rPr lang="en-US" sz="3200" b="1" dirty="0" smtClean="0"/>
-              <a:t>Data </a:t>
-            </a:r>
-            <a:r>
-              <a:rPr lang="en-US" sz="3200" b="1" dirty="0" smtClean="0"/>
-              <a:t>gathered:</a:t>
+              <a:t>Data gathered:</a:t>
             </a:r>
             <a:endParaRPr lang="en-US" sz="3200" dirty="0" smtClean="0"/>
           </a:p>
@@ -3459,368 +4001,6 @@
               <a:t>ramdisk</a:t>
             </a:r>
             <a:endParaRPr lang="en-US" sz="3200" dirty="0"/>
-          </a:p>
-        </p:txBody>
-      </p:sp>
-      <p:sp>
-        <p:nvSpPr>
-          <p:cNvPr id="38" name="Shape 38"/>
-          <p:cNvSpPr txBox="1">
-            <a:spLocks noGrp="1"/>
-          </p:cNvSpPr>
-          <p:nvPr>
-            <p:ph type="body" idx="14"/>
-          </p:nvPr>
-        </p:nvSpPr>
-        <p:spPr>
-          <a:xfrm>
-            <a:off x="32689800" y="16092010"/>
-            <a:ext cx="10607100" cy="1200299"/>
-          </a:xfrm>
-          <a:prstGeom prst="rect">
-            <a:avLst/>
-          </a:prstGeom>
-          <a:noFill/>
-          <a:ln>
-            <a:noFill/>
-          </a:ln>
-        </p:spPr>
-        <p:txBody>
-          <a:bodyPr lIns="91400" tIns="91400" rIns="91400" bIns="91400" anchor="ctr" anchorCtr="0">
-            <a:noAutofit/>
-          </a:bodyPr>
-          <a:lstStyle/>
-          <a:p>
-            <a:pPr marL="1645574" marR="0" lvl="0" indent="-1645574" algn="ctr" rtl="0">
-              <a:spcBef>
-                <a:spcPts val="0"/>
-              </a:spcBef>
-              <a:buClr>
-                <a:schemeClr val="dk1"/>
-              </a:buClr>
-              <a:buSzPct val="25000"/>
-              <a:buFont typeface="Times New Roman"/>
-              <a:buNone/>
-            </a:pPr>
-            <a:r>
-              <a:rPr lang="en-US" sz="6600" b="1" dirty="0" smtClean="0">
-                <a:solidFill>
-                  <a:schemeClr val="dk1"/>
-                </a:solidFill>
-              </a:rPr>
-              <a:t>Technologies/</a:t>
-            </a:r>
-            <a:br>
-              <a:rPr lang="en-US" sz="6600" b="1" dirty="0" smtClean="0">
-                <a:solidFill>
-                  <a:schemeClr val="dk1"/>
-                </a:solidFill>
-              </a:rPr>
-            </a:br>
-            <a:r>
-              <a:rPr lang="en-US" sz="6600" b="1" dirty="0" smtClean="0">
-                <a:solidFill>
-                  <a:schemeClr val="dk1"/>
-                </a:solidFill>
-              </a:rPr>
-              <a:t>Methodologies Used</a:t>
-            </a:r>
-            <a:endParaRPr lang="en-US" sz="6600" b="1" dirty="0">
-              <a:solidFill>
-                <a:schemeClr val="dk1"/>
-              </a:solidFill>
-            </a:endParaRPr>
-          </a:p>
-        </p:txBody>
-      </p:sp>
-      <p:sp>
-        <p:nvSpPr>
-          <p:cNvPr id="39" name="Shape 39"/>
-          <p:cNvSpPr txBox="1">
-            <a:spLocks noGrp="1"/>
-          </p:cNvSpPr>
-          <p:nvPr>
-            <p:ph type="body" idx="15"/>
-          </p:nvPr>
-        </p:nvSpPr>
-        <p:spPr>
-          <a:xfrm>
-            <a:off x="32689800" y="17709474"/>
-            <a:ext cx="10607100" cy="846299"/>
-          </a:xfrm>
-          <a:prstGeom prst="rect">
-            <a:avLst/>
-          </a:prstGeom>
-          <a:noFill/>
-          <a:ln>
-            <a:noFill/>
-          </a:ln>
-        </p:spPr>
-        <p:txBody>
-          <a:bodyPr lIns="228550" tIns="228550" rIns="228550" bIns="228550" anchor="t" anchorCtr="0">
-            <a:noAutofit/>
-          </a:bodyPr>
-          <a:lstStyle/>
-          <a:p>
-            <a:pPr fontAlgn="base"/>
-            <a:r>
-              <a:rPr lang="en-US" sz="3100" dirty="0" smtClean="0"/>
-              <a:t>Software</a:t>
-            </a:r>
-          </a:p>
-          <a:p>
-            <a:pPr lvl="1" fontAlgn="base"/>
-            <a:r>
-              <a:rPr lang="en-US" sz="3100" b="1" dirty="0" smtClean="0"/>
-              <a:t>Languages</a:t>
-            </a:r>
-          </a:p>
-          <a:p>
-            <a:pPr lvl="2" fontAlgn="base"/>
-            <a:r>
-              <a:rPr lang="en-US" sz="3100" b="1" dirty="0" smtClean="0"/>
-              <a:t>C</a:t>
-            </a:r>
-            <a:r>
-              <a:rPr lang="en-US" sz="3100" dirty="0" smtClean="0"/>
-              <a:t> (I/O file creation program)</a:t>
-            </a:r>
-          </a:p>
-          <a:p>
-            <a:pPr lvl="2" fontAlgn="base"/>
-            <a:r>
-              <a:rPr lang="en-US" sz="3100" b="1" dirty="0" smtClean="0"/>
-              <a:t>Python</a:t>
-            </a:r>
-            <a:r>
-              <a:rPr lang="en-US" sz="3100" dirty="0" smtClean="0"/>
-              <a:t> (Benchmarking framework)</a:t>
-            </a:r>
-          </a:p>
-          <a:p>
-            <a:pPr lvl="1" fontAlgn="base"/>
-            <a:r>
-              <a:rPr lang="en-US" sz="3100" b="1" dirty="0" err="1" smtClean="0"/>
-              <a:t>CentOS</a:t>
-            </a:r>
-            <a:r>
-              <a:rPr lang="en-US" sz="3100" b="1" dirty="0" smtClean="0"/>
-              <a:t> 7.2</a:t>
-            </a:r>
-            <a:endParaRPr lang="en-US" sz="3100" dirty="0" smtClean="0"/>
-          </a:p>
-          <a:p>
-            <a:pPr lvl="1" fontAlgn="base"/>
-            <a:r>
-              <a:rPr lang="en-US" sz="3100" b="1" dirty="0" err="1" smtClean="0"/>
-              <a:t>Accelio</a:t>
-            </a:r>
-            <a:r>
-              <a:rPr lang="en-US" sz="3100" b="1" dirty="0" smtClean="0"/>
-              <a:t> and </a:t>
-            </a:r>
-            <a:r>
-              <a:rPr lang="en-US" sz="3100" b="1" dirty="0" err="1" smtClean="0"/>
-              <a:t>nbdX</a:t>
-            </a:r>
-            <a:endParaRPr lang="en-US" sz="3100" b="1" dirty="0" smtClean="0"/>
-          </a:p>
-          <a:p>
-            <a:pPr fontAlgn="base"/>
-            <a:r>
-              <a:rPr lang="en-US" sz="3100" dirty="0" smtClean="0"/>
-              <a:t>Hardware</a:t>
-            </a:r>
-          </a:p>
-          <a:p>
-            <a:pPr lvl="1" fontAlgn="base"/>
-            <a:r>
-              <a:rPr lang="en-US" sz="3100" b="1" dirty="0" smtClean="0"/>
-              <a:t>HPE </a:t>
-            </a:r>
-            <a:r>
-              <a:rPr lang="en-US" sz="3100" b="1" dirty="0" err="1" smtClean="0"/>
-              <a:t>Proliant</a:t>
-            </a:r>
-            <a:r>
-              <a:rPr lang="en-US" sz="3100" b="1" dirty="0" smtClean="0"/>
-              <a:t> servers </a:t>
-            </a:r>
-            <a:r>
-              <a:rPr lang="en-US" sz="3100" dirty="0" smtClean="0"/>
-              <a:t>(x2)</a:t>
-            </a:r>
-            <a:endParaRPr lang="en-US" sz="3100" b="1" dirty="0" smtClean="0"/>
-          </a:p>
-          <a:p>
-            <a:r>
-              <a:rPr lang="en-US" sz="3100" b="1" dirty="0" smtClean="0"/>
-              <a:t>HPE </a:t>
-            </a:r>
-            <a:r>
-              <a:rPr lang="en-US" sz="3100" b="1" dirty="0" err="1" smtClean="0"/>
-              <a:t>Infiniband</a:t>
-            </a:r>
-            <a:r>
-              <a:rPr lang="en-US" sz="3100" b="1" dirty="0" smtClean="0"/>
-              <a:t> FDR//Ethernet 2-Port Adapters </a:t>
-            </a:r>
-            <a:r>
-              <a:rPr lang="en-US" sz="3100" dirty="0" smtClean="0"/>
-              <a:t>(x2)</a:t>
-            </a:r>
-            <a:endParaRPr lang="en-US" sz="3100" dirty="0">
-              <a:solidFill>
-                <a:schemeClr val="dk1"/>
-              </a:solidFill>
-            </a:endParaRPr>
-          </a:p>
-        </p:txBody>
-      </p:sp>
-      <p:sp>
-        <p:nvSpPr>
-          <p:cNvPr id="40" name="Shape 40"/>
-          <p:cNvSpPr txBox="1">
-            <a:spLocks noGrp="1"/>
-          </p:cNvSpPr>
-          <p:nvPr>
-            <p:ph type="body" idx="16"/>
-          </p:nvPr>
-        </p:nvSpPr>
-        <p:spPr>
-          <a:xfrm>
-            <a:off x="32689800" y="22544925"/>
-            <a:ext cx="10607100" cy="1200299"/>
-          </a:xfrm>
-          <a:prstGeom prst="rect">
-            <a:avLst/>
-          </a:prstGeom>
-          <a:noFill/>
-          <a:ln>
-            <a:noFill/>
-          </a:ln>
-        </p:spPr>
-        <p:txBody>
-          <a:bodyPr lIns="91400" tIns="91400" rIns="91400" bIns="91400" anchor="ctr" anchorCtr="0">
-            <a:noAutofit/>
-          </a:bodyPr>
-          <a:lstStyle/>
-          <a:p>
-            <a:pPr marL="0" marR="0" lvl="0" indent="0" algn="ctr" rtl="0">
-              <a:spcBef>
-                <a:spcPts val="0"/>
-              </a:spcBef>
-              <a:buClr>
-                <a:schemeClr val="dk1"/>
-              </a:buClr>
-              <a:buSzPct val="25000"/>
-              <a:buFont typeface="Times New Roman"/>
-              <a:buNone/>
-            </a:pPr>
-            <a:r>
-              <a:rPr lang="en-US" sz="6000" b="1" dirty="0">
-                <a:solidFill>
-                  <a:schemeClr val="dk1"/>
-                </a:solidFill>
-              </a:rPr>
-              <a:t>Conclusion</a:t>
-            </a:r>
-          </a:p>
-        </p:txBody>
-      </p:sp>
-      <p:sp>
-        <p:nvSpPr>
-          <p:cNvPr id="41" name="Shape 41"/>
-          <p:cNvSpPr txBox="1">
-            <a:spLocks noGrp="1"/>
-          </p:cNvSpPr>
-          <p:nvPr>
-            <p:ph type="body" idx="17"/>
-          </p:nvPr>
-        </p:nvSpPr>
-        <p:spPr>
-          <a:xfrm>
-            <a:off x="32689800" y="23824027"/>
-            <a:ext cx="10607100" cy="846299"/>
-          </a:xfrm>
-          <a:prstGeom prst="rect">
-            <a:avLst/>
-          </a:prstGeom>
-          <a:noFill/>
-          <a:ln>
-            <a:noFill/>
-          </a:ln>
-        </p:spPr>
-        <p:txBody>
-          <a:bodyPr lIns="228550" tIns="228550" rIns="228550" bIns="228550" anchor="t" anchorCtr="0">
-            <a:noAutofit/>
-          </a:bodyPr>
-          <a:lstStyle/>
-          <a:p>
-            <a:pPr>
-              <a:buNone/>
-            </a:pPr>
-            <a:r>
-              <a:rPr lang="en-US" sz="3200" dirty="0" smtClean="0"/>
-              <a:t>   Through </a:t>
-            </a:r>
-            <a:r>
-              <a:rPr lang="en-US" sz="3200" dirty="0" smtClean="0"/>
-              <a:t>our benchmarking, we have found that the current </a:t>
-            </a:r>
-            <a:r>
-              <a:rPr lang="en-US" sz="3200" dirty="0" err="1" smtClean="0"/>
-              <a:t>nbdX</a:t>
-            </a:r>
-            <a:r>
-              <a:rPr lang="en-US" sz="3200" dirty="0" smtClean="0"/>
-              <a:t> technology was able to perform [well | poorly] compared to a local </a:t>
-            </a:r>
-            <a:r>
-              <a:rPr lang="en-US" sz="3200" dirty="0" err="1" smtClean="0"/>
-              <a:t>ramdisk</a:t>
-            </a:r>
-            <a:r>
-              <a:rPr lang="en-US" sz="3200" dirty="0" smtClean="0"/>
-              <a:t> in terms of IOPS, throughput, and latency. In terms of overall use, we found </a:t>
-            </a:r>
-            <a:r>
-              <a:rPr lang="en-US" sz="3200" dirty="0" err="1" smtClean="0"/>
-              <a:t>nbdX</a:t>
-            </a:r>
-            <a:r>
-              <a:rPr lang="en-US" sz="3200" dirty="0" smtClean="0"/>
-              <a:t> to suffer from many of the pitfalls that are commonly seen in emerging technologies, such as stability issues and a lack of edge case handling. A new driver is due to be released in the coming months by the </a:t>
-            </a:r>
-            <a:r>
-              <a:rPr lang="en-US" sz="3200" dirty="0" err="1" smtClean="0"/>
-              <a:t>NVMe</a:t>
-            </a:r>
-            <a:r>
-              <a:rPr lang="en-US" sz="3200" dirty="0" smtClean="0"/>
-              <a:t> over Fabrics Consortium, and is foreseen to replace the current </a:t>
-            </a:r>
-            <a:r>
-              <a:rPr lang="en-US" sz="3200" dirty="0" err="1" smtClean="0"/>
-              <a:t>nbdX</a:t>
-            </a:r>
-            <a:r>
-              <a:rPr lang="en-US" sz="3200" dirty="0" smtClean="0"/>
-              <a:t> software. The new driver is expected to improve the reliability of the technology. With increased stability with the new driver, </a:t>
-            </a:r>
-            <a:r>
-              <a:rPr lang="en-US" sz="3200" dirty="0" err="1" smtClean="0"/>
-              <a:t>Accelio</a:t>
-            </a:r>
-            <a:r>
-              <a:rPr lang="en-US" sz="3200" dirty="0" smtClean="0"/>
-              <a:t> supported networks should benefit from lower CPU utilization, faster data transfers, and lower latency compared to their non-RDMA equivalent infrastructures</a:t>
-            </a:r>
-            <a:r>
-              <a:rPr lang="en-US" sz="3200" dirty="0" smtClean="0"/>
-              <a:t>.</a:t>
-            </a:r>
-            <a:endParaRPr lang="en-US" sz="3200" dirty="0" smtClean="0"/>
           </a:p>
         </p:txBody>
       </p:sp>
@@ -3889,12 +4069,10 @@
           </a:bodyPr>
           <a:lstStyle/>
           <a:p>
-            <a:pPr lvl="0" rtl="0">
-              <a:buNone/>
-            </a:pPr>
+            <a:pPr lvl="0"/>
             <a:r>
               <a:rPr lang="en-US" dirty="0" smtClean="0"/>
-              <a:t>Kevin Cheng, John </a:t>
+              <a:t>John </a:t>
             </a:r>
             <a:r>
               <a:rPr lang="en-US" dirty="0" err="1" smtClean="0"/>
@@ -3910,7 +4088,14 @@
             </a:r>
             <a:r>
               <a:rPr lang="en-US" dirty="0" smtClean="0"/>
-              <a:t>, Jayden Navarro, Alice Yu</a:t>
+              <a:t>,</a:t>
+            </a:r>
+            <a:br>
+              <a:rPr lang="en-US" dirty="0" smtClean="0"/>
+            </a:br>
+            <a:r>
+              <a:rPr lang="en-US" dirty="0" smtClean="0"/>
+              <a:t>Jayden Navarro, Alice Yu, Kevin Cheng*</a:t>
             </a:r>
             <a:endParaRPr lang="en-US" dirty="0"/>
           </a:p>
@@ -3933,7 +4118,7 @@
         </p:blipFill>
         <p:spPr bwMode="auto">
           <a:xfrm>
-            <a:off x="34121557" y="673773"/>
+            <a:off x="33207157" y="673773"/>
             <a:ext cx="8863431" cy="3561348"/>
           </a:xfrm>
           <a:prstGeom prst="rect">
@@ -3942,32 +4127,1298 @@
           <a:noFill/>
         </p:spPr>
       </p:pic>
-      <p:pic>
-        <p:nvPicPr>
-          <p:cNvPr id="2060" name="Picture 12" descr="https://lh4.googleusercontent.com/-dMQ0IzY51USIgpVSOz9JJPp1dL2RtnLkPCQBcqZdCY2zS1zfGkhnjrbdPV18_GcQ7lVn3eqoNAudscbSa6XTl21Vg94Ho65Sm6Y1YrlupW5pQC9ueV8V6LjEIY7m_KNG628EHfd"/>
-          <p:cNvPicPr>
-            <a:picLocks noChangeAspect="1" noChangeArrowheads="1"/>
-          </p:cNvPicPr>
+      <p:sp>
+        <p:nvSpPr>
+          <p:cNvPr id="56" name="Rectangle 55"/>
+          <p:cNvSpPr/>
           <p:nvPr/>
-        </p:nvPicPr>
-        <p:blipFill>
-          <a:blip r:embed="rId4"/>
-          <a:srcRect/>
-          <a:stretch>
-            <a:fillRect/>
-          </a:stretch>
-        </p:blipFill>
-        <p:spPr bwMode="auto">
+        </p:nvSpPr>
+        <p:spPr bwMode="ltGray">
           <a:xfrm>
-            <a:off x="12391187" y="12560970"/>
-            <a:ext cx="4926301" cy="6928436"/>
+            <a:off x="1000126" y="12792074"/>
+            <a:ext cx="9572624" cy="1152144"/>
+          </a:xfrm>
+          <a:prstGeom prst="rect">
+            <a:avLst/>
+          </a:prstGeom>
+          <a:solidFill>
+            <a:srgbClr val="00B050"/>
+          </a:solidFill>
+          <a:ln w="19050" cap="flat" cmpd="sng" algn="ctr">
+            <a:solidFill>
+              <a:sysClr val="windowText" lastClr="000000">
+                <a:lumMod val="50000"/>
+                <a:lumOff val="50000"/>
+              </a:sysClr>
+            </a:solidFill>
+            <a:prstDash val="solid"/>
+            <a:miter lim="800000"/>
+          </a:ln>
+          <a:effectLst/>
+        </p:spPr>
+        <p:txBody>
+          <a:bodyPr rtlCol="0" anchor="ctr"/>
+          <a:lstStyle/>
+          <a:p>
+            <a:pPr marL="0" marR="0" lvl="0" indent="0" algn="ctr" defTabSz="914400" eaLnBrk="1" fontAlgn="auto" latinLnBrk="0" hangingPunct="1">
+              <a:lnSpc>
+                <a:spcPct val="90000"/>
+              </a:lnSpc>
+              <a:spcBef>
+                <a:spcPts val="0"/>
+              </a:spcBef>
+              <a:spcAft>
+                <a:spcPts val="0"/>
+              </a:spcAft>
+              <a:buClrTx/>
+              <a:buSzTx/>
+              <a:buFontTx/>
+              <a:buNone/>
+              <a:tabLst/>
+              <a:defRPr/>
+            </a:pPr>
+            <a:r>
+              <a:rPr kumimoji="0" lang="en-US" sz="3200" b="0" i="0" u="none" strike="noStrike" kern="0" cap="none" spc="0" normalizeH="0" baseline="0" noProof="0" dirty="0" err="1" smtClean="0">
+                <a:ln>
+                  <a:noFill/>
+                </a:ln>
+                <a:solidFill>
+                  <a:sysClr val="window" lastClr="FFFFFF"/>
+                </a:solidFill>
+                <a:effectLst/>
+                <a:uLnTx/>
+                <a:uFillTx/>
+                <a:latin typeface="Arial"/>
+                <a:ea typeface="+mn-ea"/>
+                <a:cs typeface="+mn-cs"/>
+              </a:rPr>
+              <a:t>nbdX</a:t>
+            </a:r>
+            <a:endParaRPr kumimoji="0" lang="en-US" sz="3200" b="0" i="0" u="none" strike="noStrike" kern="0" cap="none" spc="0" normalizeH="0" baseline="0" noProof="0" dirty="0" smtClean="0">
+              <a:ln>
+                <a:noFill/>
+              </a:ln>
+              <a:solidFill>
+                <a:sysClr val="window" lastClr="FFFFFF"/>
+              </a:solidFill>
+              <a:effectLst/>
+              <a:uLnTx/>
+              <a:uFillTx/>
+              <a:latin typeface="Arial"/>
+              <a:ea typeface="+mn-ea"/>
+              <a:cs typeface="+mn-cs"/>
+            </a:endParaRPr>
+          </a:p>
+        </p:txBody>
+      </p:sp>
+      <p:sp>
+        <p:nvSpPr>
+          <p:cNvPr id="58" name="Down Arrow 57"/>
+          <p:cNvSpPr/>
+          <p:nvPr/>
+        </p:nvSpPr>
+        <p:spPr bwMode="ltGray">
+          <a:xfrm>
+            <a:off x="971551" y="14992350"/>
+            <a:ext cx="1085850" cy="1447800"/>
+          </a:xfrm>
+          <a:prstGeom prst="downArrow">
+            <a:avLst/>
+          </a:prstGeom>
+          <a:solidFill>
+            <a:sysClr val="windowText" lastClr="000000">
+              <a:lumMod val="65000"/>
+              <a:lumOff val="35000"/>
+            </a:sysClr>
+          </a:solidFill>
+          <a:ln w="19050" cap="flat" cmpd="sng" algn="ctr">
+            <a:solidFill>
+              <a:sysClr val="window" lastClr="FFFFFF"/>
+            </a:solidFill>
+            <a:prstDash val="solid"/>
+            <a:miter lim="800000"/>
+          </a:ln>
+          <a:effectLst/>
+        </p:spPr>
+        <p:txBody>
+          <a:bodyPr rtlCol="0" anchor="ctr"/>
+          <a:lstStyle/>
+          <a:p>
+            <a:pPr marL="0" marR="0" lvl="0" indent="0" algn="ctr" defTabSz="914400" eaLnBrk="1" fontAlgn="auto" latinLnBrk="0" hangingPunct="1">
+              <a:lnSpc>
+                <a:spcPct val="90000"/>
+              </a:lnSpc>
+              <a:spcBef>
+                <a:spcPts val="0"/>
+              </a:spcBef>
+              <a:spcAft>
+                <a:spcPts val="0"/>
+              </a:spcAft>
+              <a:buClrTx/>
+              <a:buSzTx/>
+              <a:buFontTx/>
+              <a:buNone/>
+              <a:tabLst/>
+              <a:defRPr/>
+            </a:pPr>
+            <a:endParaRPr kumimoji="0" lang="en-US" sz="1800" b="0" i="0" u="none" strike="noStrike" kern="0" cap="none" spc="0" normalizeH="0" baseline="0" noProof="0" dirty="0" err="1" smtClean="0">
+              <a:ln>
+                <a:noFill/>
+              </a:ln>
+              <a:solidFill>
+                <a:sysClr val="window" lastClr="FFFFFF"/>
+              </a:solidFill>
+              <a:effectLst/>
+              <a:uLnTx/>
+              <a:uFillTx/>
+              <a:latin typeface="Arial"/>
+              <a:ea typeface="+mn-ea"/>
+              <a:cs typeface="+mn-cs"/>
+            </a:endParaRPr>
+          </a:p>
+        </p:txBody>
+      </p:sp>
+      <p:sp>
+        <p:nvSpPr>
+          <p:cNvPr id="68" name="Rectangle 67"/>
+          <p:cNvSpPr/>
+          <p:nvPr/>
+        </p:nvSpPr>
+        <p:spPr bwMode="ltGray">
+          <a:xfrm>
+            <a:off x="1095376" y="17583149"/>
+            <a:ext cx="9572624" cy="1152144"/>
+          </a:xfrm>
+          <a:prstGeom prst="rect">
+            <a:avLst/>
+          </a:prstGeom>
+          <a:solidFill>
+            <a:srgbClr val="00B050"/>
+          </a:solidFill>
+          <a:ln w="19050" cap="flat" cmpd="sng" algn="ctr">
+            <a:solidFill>
+              <a:sysClr val="windowText" lastClr="000000">
+                <a:lumMod val="50000"/>
+                <a:lumOff val="50000"/>
+              </a:sysClr>
+            </a:solidFill>
+            <a:prstDash val="solid"/>
+            <a:miter lim="800000"/>
+          </a:ln>
+          <a:effectLst/>
+        </p:spPr>
+        <p:txBody>
+          <a:bodyPr rtlCol="0" anchor="ctr"/>
+          <a:lstStyle/>
+          <a:p>
+            <a:pPr marL="0" marR="0" lvl="0" indent="0" algn="ctr" defTabSz="914400" eaLnBrk="1" fontAlgn="auto" latinLnBrk="0" hangingPunct="1">
+              <a:lnSpc>
+                <a:spcPct val="90000"/>
+              </a:lnSpc>
+              <a:spcBef>
+                <a:spcPts val="0"/>
+              </a:spcBef>
+              <a:spcAft>
+                <a:spcPts val="0"/>
+              </a:spcAft>
+              <a:buClrTx/>
+              <a:buSzTx/>
+              <a:buFontTx/>
+              <a:buNone/>
+              <a:tabLst/>
+              <a:defRPr/>
+            </a:pPr>
+            <a:r>
+              <a:rPr kumimoji="0" lang="en-US" sz="3200" b="0" i="0" u="none" strike="noStrike" kern="0" cap="none" spc="0" normalizeH="0" baseline="0" noProof="0" dirty="0" err="1" smtClean="0">
+                <a:ln>
+                  <a:noFill/>
+                </a:ln>
+                <a:solidFill>
+                  <a:sysClr val="window" lastClr="FFFFFF"/>
+                </a:solidFill>
+                <a:effectLst/>
+                <a:uLnTx/>
+                <a:uFillTx/>
+                <a:latin typeface="Arial"/>
+                <a:ea typeface="+mn-ea"/>
+                <a:cs typeface="+mn-cs"/>
+              </a:rPr>
+              <a:t>Accelio</a:t>
+            </a:r>
+            <a:endParaRPr kumimoji="0" lang="en-US" sz="3200" b="0" i="0" u="none" strike="noStrike" kern="0" cap="none" spc="0" normalizeH="0" baseline="0" noProof="0" dirty="0" smtClean="0">
+              <a:ln>
+                <a:noFill/>
+              </a:ln>
+              <a:solidFill>
+                <a:sysClr val="window" lastClr="FFFFFF"/>
+              </a:solidFill>
+              <a:effectLst/>
+              <a:uLnTx/>
+              <a:uFillTx/>
+              <a:latin typeface="Arial"/>
+              <a:ea typeface="+mn-ea"/>
+              <a:cs typeface="+mn-cs"/>
+            </a:endParaRPr>
+          </a:p>
+        </p:txBody>
+      </p:sp>
+      <p:sp>
+        <p:nvSpPr>
+          <p:cNvPr id="69" name="Rectangle 68"/>
+          <p:cNvSpPr/>
+          <p:nvPr/>
+        </p:nvSpPr>
+        <p:spPr bwMode="ltGray">
+          <a:xfrm>
+            <a:off x="1219201" y="21440774"/>
+            <a:ext cx="9572624" cy="1152144"/>
+          </a:xfrm>
+          <a:prstGeom prst="rect">
+            <a:avLst/>
+          </a:prstGeom>
+          <a:solidFill>
+            <a:srgbClr val="00B050"/>
+          </a:solidFill>
+          <a:ln w="19050" cap="flat" cmpd="sng" algn="ctr">
+            <a:solidFill>
+              <a:sysClr val="windowText" lastClr="000000">
+                <a:lumMod val="50000"/>
+                <a:lumOff val="50000"/>
+              </a:sysClr>
+            </a:solidFill>
+            <a:prstDash val="solid"/>
+            <a:miter lim="800000"/>
+          </a:ln>
+          <a:effectLst/>
+        </p:spPr>
+        <p:txBody>
+          <a:bodyPr rtlCol="0" anchor="ctr"/>
+          <a:lstStyle/>
+          <a:p>
+            <a:pPr algn="ctr">
+              <a:lnSpc>
+                <a:spcPct val="90000"/>
+              </a:lnSpc>
+            </a:pPr>
+            <a:r>
+              <a:rPr lang="en-US" sz="3200" dirty="0" err="1" smtClean="0">
+                <a:solidFill>
+                  <a:sysClr val="window" lastClr="FFFFFF"/>
+                </a:solidFill>
+                <a:ea typeface="+mn-ea"/>
+                <a:cs typeface="+mn-cs"/>
+              </a:rPr>
+              <a:t>RoCE</a:t>
+            </a:r>
+            <a:r>
+              <a:rPr lang="en-US" sz="3200" dirty="0" smtClean="0">
+                <a:solidFill>
+                  <a:sysClr val="window" lastClr="FFFFFF"/>
+                </a:solidFill>
+                <a:ea typeface="+mn-ea"/>
+                <a:cs typeface="+mn-cs"/>
+              </a:rPr>
+              <a:t> v2 (RDMA over Converged Ethernet)</a:t>
+            </a:r>
+            <a:endParaRPr kumimoji="0" lang="en-US" sz="3200" b="0" i="0" u="none" strike="noStrike" kern="0" cap="none" spc="0" normalizeH="0" baseline="0" noProof="0" dirty="0" smtClean="0">
+              <a:ln>
+                <a:noFill/>
+              </a:ln>
+              <a:solidFill>
+                <a:sysClr val="window" lastClr="FFFFFF"/>
+              </a:solidFill>
+              <a:effectLst/>
+              <a:uLnTx/>
+              <a:uFillTx/>
+              <a:latin typeface="Arial"/>
+              <a:ea typeface="+mn-ea"/>
+              <a:cs typeface="+mn-cs"/>
+            </a:endParaRPr>
+          </a:p>
+        </p:txBody>
+      </p:sp>
+      <p:sp>
+        <p:nvSpPr>
+          <p:cNvPr id="70" name="Rectangle 69"/>
+          <p:cNvSpPr/>
+          <p:nvPr/>
+        </p:nvSpPr>
+        <p:spPr bwMode="ltGray">
+          <a:xfrm>
+            <a:off x="1228726" y="24812624"/>
+            <a:ext cx="9572624" cy="1152144"/>
+          </a:xfrm>
+          <a:prstGeom prst="rect">
+            <a:avLst/>
+          </a:prstGeom>
+          <a:solidFill>
+            <a:srgbClr val="00B050"/>
+          </a:solidFill>
+          <a:ln w="19050" cap="flat" cmpd="sng" algn="ctr">
+            <a:solidFill>
+              <a:sysClr val="windowText" lastClr="000000">
+                <a:lumMod val="50000"/>
+                <a:lumOff val="50000"/>
+              </a:sysClr>
+            </a:solidFill>
+            <a:prstDash val="solid"/>
+            <a:miter lim="800000"/>
+          </a:ln>
+          <a:effectLst/>
+        </p:spPr>
+        <p:txBody>
+          <a:bodyPr rtlCol="0" anchor="ctr"/>
+          <a:lstStyle/>
+          <a:p>
+            <a:pPr algn="ctr">
+              <a:lnSpc>
+                <a:spcPct val="90000"/>
+              </a:lnSpc>
+            </a:pPr>
+            <a:r>
+              <a:rPr lang="en-US" sz="3200" dirty="0" smtClean="0">
+                <a:solidFill>
+                  <a:sysClr val="window" lastClr="FFFFFF"/>
+                </a:solidFill>
+                <a:ea typeface="+mn-ea"/>
+                <a:cs typeface="+mn-cs"/>
+              </a:rPr>
+              <a:t>Converged Ethernet</a:t>
+            </a:r>
+            <a:endParaRPr kumimoji="0" lang="en-US" sz="3200" b="0" i="0" u="none" strike="noStrike" kern="0" cap="none" spc="0" normalizeH="0" baseline="0" noProof="0" dirty="0" smtClean="0">
+              <a:ln>
+                <a:noFill/>
+              </a:ln>
+              <a:solidFill>
+                <a:sysClr val="window" lastClr="FFFFFF"/>
+              </a:solidFill>
+              <a:effectLst/>
+              <a:uLnTx/>
+              <a:uFillTx/>
+              <a:latin typeface="Arial"/>
+              <a:ea typeface="+mn-ea"/>
+              <a:cs typeface="+mn-cs"/>
+            </a:endParaRPr>
+          </a:p>
+        </p:txBody>
+      </p:sp>
+      <p:sp>
+        <p:nvSpPr>
+          <p:cNvPr id="71" name="Rectangle 70"/>
+          <p:cNvSpPr/>
+          <p:nvPr/>
+        </p:nvSpPr>
+        <p:spPr bwMode="ltGray">
+          <a:xfrm>
+            <a:off x="1323976" y="29594175"/>
+            <a:ext cx="9572624" cy="1152525"/>
+          </a:xfrm>
+          <a:prstGeom prst="rect">
+            <a:avLst/>
+          </a:prstGeom>
+          <a:solidFill>
+            <a:srgbClr val="00B050"/>
+          </a:solidFill>
+          <a:ln w="19050" cap="flat" cmpd="sng" algn="ctr">
+            <a:solidFill>
+              <a:sysClr val="windowText" lastClr="000000">
+                <a:lumMod val="50000"/>
+                <a:lumOff val="50000"/>
+              </a:sysClr>
+            </a:solidFill>
+            <a:prstDash val="solid"/>
+            <a:miter lim="800000"/>
+          </a:ln>
+          <a:effectLst/>
+        </p:spPr>
+        <p:txBody>
+          <a:bodyPr rtlCol="0" anchor="ctr"/>
+          <a:lstStyle/>
+          <a:p>
+            <a:pPr algn="ctr">
+              <a:lnSpc>
+                <a:spcPct val="90000"/>
+              </a:lnSpc>
+            </a:pPr>
+            <a:r>
+              <a:rPr lang="en-US" sz="3200" dirty="0" smtClean="0">
+                <a:solidFill>
+                  <a:sysClr val="window" lastClr="FFFFFF"/>
+                </a:solidFill>
+                <a:ea typeface="+mn-ea"/>
+                <a:cs typeface="+mn-cs"/>
+              </a:rPr>
+              <a:t>HP </a:t>
+            </a:r>
+            <a:r>
+              <a:rPr lang="en-US" sz="3200" dirty="0" err="1" smtClean="0">
+                <a:solidFill>
+                  <a:sysClr val="window" lastClr="FFFFFF"/>
+                </a:solidFill>
+                <a:ea typeface="+mn-ea"/>
+                <a:cs typeface="+mn-cs"/>
+              </a:rPr>
+              <a:t>Infiniband</a:t>
+            </a:r>
+            <a:r>
+              <a:rPr lang="en-US" sz="3200" dirty="0" smtClean="0">
+                <a:solidFill>
+                  <a:sysClr val="window" lastClr="FFFFFF"/>
+                </a:solidFill>
+                <a:ea typeface="+mn-ea"/>
+                <a:cs typeface="+mn-cs"/>
+              </a:rPr>
+              <a:t> FDR Ethernet Card/</a:t>
+            </a:r>
+            <a:r>
+              <a:rPr lang="en-US" sz="3200" dirty="0" err="1" smtClean="0">
+                <a:solidFill>
+                  <a:sysClr val="window" lastClr="FFFFFF"/>
+                </a:solidFill>
+                <a:ea typeface="+mn-ea"/>
+                <a:cs typeface="+mn-cs"/>
+              </a:rPr>
+              <a:t>Infiniband</a:t>
+            </a:r>
+            <a:r>
+              <a:rPr lang="en-US" sz="3200" dirty="0" smtClean="0">
+                <a:solidFill>
+                  <a:sysClr val="window" lastClr="FFFFFF"/>
+                </a:solidFill>
+                <a:ea typeface="+mn-ea"/>
+                <a:cs typeface="+mn-cs"/>
+              </a:rPr>
+              <a:t> QSFP+ Interface</a:t>
+            </a:r>
+          </a:p>
+        </p:txBody>
+      </p:sp>
+      <p:sp>
+        <p:nvSpPr>
+          <p:cNvPr id="73" name="Down Arrow 72"/>
+          <p:cNvSpPr/>
+          <p:nvPr/>
+        </p:nvSpPr>
+        <p:spPr bwMode="ltGray">
+          <a:xfrm>
+            <a:off x="1009651" y="19297650"/>
+            <a:ext cx="1085850" cy="1447800"/>
+          </a:xfrm>
+          <a:prstGeom prst="downArrow">
+            <a:avLst/>
+          </a:prstGeom>
+          <a:solidFill>
+            <a:sysClr val="windowText" lastClr="000000">
+              <a:lumMod val="65000"/>
+              <a:lumOff val="35000"/>
+            </a:sysClr>
+          </a:solidFill>
+          <a:ln w="19050" cap="flat" cmpd="sng" algn="ctr">
+            <a:solidFill>
+              <a:sysClr val="window" lastClr="FFFFFF"/>
+            </a:solidFill>
+            <a:prstDash val="solid"/>
+            <a:miter lim="800000"/>
+          </a:ln>
+          <a:effectLst/>
+        </p:spPr>
+        <p:txBody>
+          <a:bodyPr rtlCol="0" anchor="ctr"/>
+          <a:lstStyle/>
+          <a:p>
+            <a:pPr marL="0" marR="0" lvl="0" indent="0" algn="ctr" defTabSz="914400" eaLnBrk="1" fontAlgn="auto" latinLnBrk="0" hangingPunct="1">
+              <a:lnSpc>
+                <a:spcPct val="90000"/>
+              </a:lnSpc>
+              <a:spcBef>
+                <a:spcPts val="0"/>
+              </a:spcBef>
+              <a:spcAft>
+                <a:spcPts val="0"/>
+              </a:spcAft>
+              <a:buClrTx/>
+              <a:buSzTx/>
+              <a:buFontTx/>
+              <a:buNone/>
+              <a:tabLst/>
+              <a:defRPr/>
+            </a:pPr>
+            <a:endParaRPr kumimoji="0" lang="en-US" sz="1800" b="0" i="0" u="none" strike="noStrike" kern="0" cap="none" spc="0" normalizeH="0" baseline="0" noProof="0" dirty="0" err="1" smtClean="0">
+              <a:ln>
+                <a:noFill/>
+              </a:ln>
+              <a:solidFill>
+                <a:sysClr val="window" lastClr="FFFFFF"/>
+              </a:solidFill>
+              <a:effectLst/>
+              <a:uLnTx/>
+              <a:uFillTx/>
+              <a:latin typeface="Arial"/>
+              <a:ea typeface="+mn-ea"/>
+              <a:cs typeface="+mn-cs"/>
+            </a:endParaRPr>
+          </a:p>
+        </p:txBody>
+      </p:sp>
+      <p:sp>
+        <p:nvSpPr>
+          <p:cNvPr id="74" name="Down Arrow 73"/>
+          <p:cNvSpPr/>
+          <p:nvPr/>
+        </p:nvSpPr>
+        <p:spPr bwMode="ltGray">
+          <a:xfrm>
+            <a:off x="990601" y="23002875"/>
+            <a:ext cx="1085850" cy="1447800"/>
+          </a:xfrm>
+          <a:prstGeom prst="downArrow">
+            <a:avLst/>
+          </a:prstGeom>
+          <a:solidFill>
+            <a:sysClr val="windowText" lastClr="000000">
+              <a:lumMod val="65000"/>
+              <a:lumOff val="35000"/>
+            </a:sysClr>
+          </a:solidFill>
+          <a:ln w="19050" cap="flat" cmpd="sng" algn="ctr">
+            <a:solidFill>
+              <a:sysClr val="window" lastClr="FFFFFF"/>
+            </a:solidFill>
+            <a:prstDash val="solid"/>
+            <a:miter lim="800000"/>
+          </a:ln>
+          <a:effectLst/>
+        </p:spPr>
+        <p:txBody>
+          <a:bodyPr rtlCol="0" anchor="ctr"/>
+          <a:lstStyle/>
+          <a:p>
+            <a:pPr marL="0" marR="0" lvl="0" indent="0" algn="ctr" defTabSz="914400" eaLnBrk="1" fontAlgn="auto" latinLnBrk="0" hangingPunct="1">
+              <a:lnSpc>
+                <a:spcPct val="90000"/>
+              </a:lnSpc>
+              <a:spcBef>
+                <a:spcPts val="0"/>
+              </a:spcBef>
+              <a:spcAft>
+                <a:spcPts val="0"/>
+              </a:spcAft>
+              <a:buClrTx/>
+              <a:buSzTx/>
+              <a:buFontTx/>
+              <a:buNone/>
+              <a:tabLst/>
+              <a:defRPr/>
+            </a:pPr>
+            <a:endParaRPr kumimoji="0" lang="en-US" sz="1800" b="0" i="0" u="none" strike="noStrike" kern="0" cap="none" spc="0" normalizeH="0" baseline="0" noProof="0" dirty="0" err="1" smtClean="0">
+              <a:ln>
+                <a:noFill/>
+              </a:ln>
+              <a:solidFill>
+                <a:sysClr val="window" lastClr="FFFFFF"/>
+              </a:solidFill>
+              <a:effectLst/>
+              <a:uLnTx/>
+              <a:uFillTx/>
+              <a:latin typeface="Arial"/>
+              <a:ea typeface="+mn-ea"/>
+              <a:cs typeface="+mn-cs"/>
+            </a:endParaRPr>
+          </a:p>
+        </p:txBody>
+      </p:sp>
+      <p:sp>
+        <p:nvSpPr>
+          <p:cNvPr id="75" name="Down Arrow 74"/>
+          <p:cNvSpPr/>
+          <p:nvPr/>
+        </p:nvSpPr>
+        <p:spPr bwMode="ltGray">
+          <a:xfrm>
+            <a:off x="1000126" y="27070050"/>
+            <a:ext cx="1085850" cy="1447800"/>
+          </a:xfrm>
+          <a:prstGeom prst="downArrow">
+            <a:avLst/>
+          </a:prstGeom>
+          <a:solidFill>
+            <a:sysClr val="windowText" lastClr="000000">
+              <a:lumMod val="65000"/>
+              <a:lumOff val="35000"/>
+            </a:sysClr>
+          </a:solidFill>
+          <a:ln w="19050" cap="flat" cmpd="sng" algn="ctr">
+            <a:solidFill>
+              <a:sysClr val="window" lastClr="FFFFFF"/>
+            </a:solidFill>
+            <a:prstDash val="solid"/>
+            <a:miter lim="800000"/>
+          </a:ln>
+          <a:effectLst/>
+        </p:spPr>
+        <p:txBody>
+          <a:bodyPr rtlCol="0" anchor="ctr"/>
+          <a:lstStyle/>
+          <a:p>
+            <a:pPr marL="0" marR="0" lvl="0" indent="0" algn="ctr" defTabSz="914400" eaLnBrk="1" fontAlgn="auto" latinLnBrk="0" hangingPunct="1">
+              <a:lnSpc>
+                <a:spcPct val="90000"/>
+              </a:lnSpc>
+              <a:spcBef>
+                <a:spcPts val="0"/>
+              </a:spcBef>
+              <a:spcAft>
+                <a:spcPts val="0"/>
+              </a:spcAft>
+              <a:buClrTx/>
+              <a:buSzTx/>
+              <a:buFontTx/>
+              <a:buNone/>
+              <a:tabLst/>
+              <a:defRPr/>
+            </a:pPr>
+            <a:endParaRPr kumimoji="0" lang="en-US" sz="1800" b="0" i="0" u="none" strike="noStrike" kern="0" cap="none" spc="0" normalizeH="0" baseline="0" noProof="0" dirty="0" err="1" smtClean="0">
+              <a:ln>
+                <a:noFill/>
+              </a:ln>
+              <a:solidFill>
+                <a:sysClr val="window" lastClr="FFFFFF"/>
+              </a:solidFill>
+              <a:effectLst/>
+              <a:uLnTx/>
+              <a:uFillTx/>
+              <a:latin typeface="Arial"/>
+              <a:ea typeface="+mn-ea"/>
+              <a:cs typeface="+mn-cs"/>
+            </a:endParaRPr>
+          </a:p>
+        </p:txBody>
+      </p:sp>
+      <p:sp>
+        <p:nvSpPr>
+          <p:cNvPr id="47" name="Shape 34"/>
+          <p:cNvSpPr txBox="1">
+            <a:spLocks noGrp="1"/>
+          </p:cNvSpPr>
+          <p:nvPr>
+            <p:ph type="body" idx="7"/>
+          </p:nvPr>
+        </p:nvSpPr>
+        <p:spPr>
+          <a:xfrm>
+            <a:off x="32694565" y="27246315"/>
+            <a:ext cx="10510835" cy="4300485"/>
           </a:xfrm>
           <a:prstGeom prst="rect">
             <a:avLst/>
           </a:prstGeom>
           <a:noFill/>
+          <a:ln>
+            <a:noFill/>
+          </a:ln>
         </p:spPr>
-      </p:pic>
+        <p:txBody>
+          <a:bodyPr lIns="228550" tIns="228550" rIns="228550" bIns="228550" anchor="t" anchorCtr="0">
+            <a:noAutofit/>
+          </a:bodyPr>
+          <a:lstStyle/>
+          <a:p>
+            <a:pPr>
+              <a:buNone/>
+            </a:pPr>
+            <a:r>
+              <a:rPr lang="en-US" sz="3200" dirty="0" smtClean="0"/>
+              <a:t>We would like to thank:</a:t>
+            </a:r>
+          </a:p>
+          <a:p>
+            <a:pPr fontAlgn="base"/>
+            <a:r>
+              <a:rPr lang="en-US" sz="3200" dirty="0" smtClean="0"/>
+              <a:t>Samuel </a:t>
+            </a:r>
+            <a:r>
+              <a:rPr lang="en-US" sz="3200" dirty="0" err="1" smtClean="0"/>
+              <a:t>Fineberg</a:t>
+            </a:r>
+            <a:r>
+              <a:rPr lang="en-US" sz="3200" dirty="0" smtClean="0"/>
+              <a:t>, Ph.D., Distinguished Technologist, Storage Chief Technologist Office at Hewlett Packard Enterprise</a:t>
+            </a:r>
+          </a:p>
+          <a:p>
+            <a:pPr fontAlgn="base"/>
+            <a:r>
+              <a:rPr lang="en-US" sz="3200" dirty="0" smtClean="0"/>
+              <a:t>Dr. Linda Werner, Ph.D., Faculty Advisor, UCSC</a:t>
+            </a:r>
+          </a:p>
+          <a:p>
+            <a:pPr fontAlgn="base"/>
+            <a:r>
+              <a:rPr lang="en-US" sz="3200" dirty="0" smtClean="0"/>
+              <a:t>Daniel </a:t>
+            </a:r>
+            <a:r>
+              <a:rPr lang="en-US" sz="3200" dirty="0" err="1" smtClean="0"/>
+              <a:t>Fava</a:t>
+            </a:r>
+            <a:r>
+              <a:rPr lang="en-US" sz="3200" dirty="0" smtClean="0"/>
+              <a:t>, Graduate Teaching Assistant, UCSC</a:t>
+            </a:r>
+          </a:p>
+          <a:p>
+            <a:pPr fontAlgn="base"/>
+            <a:r>
+              <a:rPr lang="en-US" sz="3200" dirty="0" smtClean="0"/>
+              <a:t>Hewlett Packard Enterprise </a:t>
+            </a:r>
+            <a:r>
+              <a:rPr lang="en-US" sz="3200" dirty="0" smtClean="0"/>
+              <a:t>for the hardware and support provided</a:t>
+            </a:r>
+          </a:p>
+          <a:p>
+            <a:pPr fontAlgn="base">
+              <a:buNone/>
+            </a:pPr>
+            <a:r>
+              <a:rPr lang="en-US" sz="3200" dirty="0" smtClean="0"/>
+              <a:t/>
+            </a:r>
+            <a:br>
+              <a:rPr lang="en-US" sz="3200" dirty="0" smtClean="0"/>
+            </a:br>
+            <a:r>
+              <a:rPr lang="en-US" sz="3200" dirty="0" smtClean="0"/>
+              <a:t>*  Participated in the first half of the project</a:t>
+            </a:r>
+            <a:endParaRPr lang="en-US" sz="3200" dirty="0"/>
+          </a:p>
+        </p:txBody>
+      </p:sp>
+      <p:sp>
+        <p:nvSpPr>
+          <p:cNvPr id="48" name="Shape 35"/>
+          <p:cNvSpPr txBox="1">
+            <a:spLocks noGrp="1"/>
+          </p:cNvSpPr>
+          <p:nvPr>
+            <p:ph type="body" idx="8"/>
+          </p:nvPr>
+        </p:nvSpPr>
+        <p:spPr>
+          <a:xfrm>
+            <a:off x="32751715" y="26174700"/>
+            <a:ext cx="10453685" cy="1314449"/>
+          </a:xfrm>
+          <a:prstGeom prst="rect">
+            <a:avLst/>
+          </a:prstGeom>
+          <a:noFill/>
+          <a:ln>
+            <a:noFill/>
+          </a:ln>
+        </p:spPr>
+        <p:txBody>
+          <a:bodyPr lIns="91400" tIns="91400" rIns="91400" bIns="91400" anchor="ctr" anchorCtr="0">
+            <a:noAutofit/>
+          </a:bodyPr>
+          <a:lstStyle/>
+          <a:p>
+            <a:pPr marL="1645574" marR="0" lvl="0" indent="-1645574" algn="ctr" rtl="0">
+              <a:spcBef>
+                <a:spcPts val="0"/>
+              </a:spcBef>
+              <a:buClr>
+                <a:schemeClr val="dk1"/>
+              </a:buClr>
+              <a:buSzPct val="25000"/>
+              <a:buFont typeface="Times New Roman"/>
+              <a:buNone/>
+            </a:pPr>
+            <a:r>
+              <a:rPr lang="en-US" sz="6600" b="1" dirty="0">
+                <a:solidFill>
+                  <a:schemeClr val="dk1"/>
+                </a:solidFill>
+              </a:rPr>
+              <a:t>Acknowledgments</a:t>
+            </a:r>
+          </a:p>
+        </p:txBody>
+      </p:sp>
+      <p:sp>
+        <p:nvSpPr>
+          <p:cNvPr id="49" name="Shape 40"/>
+          <p:cNvSpPr txBox="1">
+            <a:spLocks noGrp="1"/>
+          </p:cNvSpPr>
+          <p:nvPr>
+            <p:ph type="body" idx="16"/>
+          </p:nvPr>
+        </p:nvSpPr>
+        <p:spPr>
+          <a:xfrm>
+            <a:off x="32712600" y="15817263"/>
+            <a:ext cx="10607100" cy="1200299"/>
+          </a:xfrm>
+          <a:prstGeom prst="rect">
+            <a:avLst/>
+          </a:prstGeom>
+          <a:noFill/>
+          <a:ln>
+            <a:noFill/>
+          </a:ln>
+        </p:spPr>
+        <p:txBody>
+          <a:bodyPr lIns="91400" tIns="91400" rIns="91400" bIns="91400" anchor="ctr" anchorCtr="0">
+            <a:noAutofit/>
+          </a:bodyPr>
+          <a:lstStyle/>
+          <a:p>
+            <a:pPr marL="0" marR="0" lvl="0" indent="0" algn="ctr" rtl="0">
+              <a:spcBef>
+                <a:spcPts val="0"/>
+              </a:spcBef>
+              <a:buClr>
+                <a:schemeClr val="dk1"/>
+              </a:buClr>
+              <a:buSzPct val="25000"/>
+              <a:buFont typeface="Times New Roman"/>
+              <a:buNone/>
+            </a:pPr>
+            <a:r>
+              <a:rPr lang="en-US" sz="6600" b="1" dirty="0">
+                <a:solidFill>
+                  <a:schemeClr val="dk1"/>
+                </a:solidFill>
+              </a:rPr>
+              <a:t>Conclusion</a:t>
+            </a:r>
+          </a:p>
+        </p:txBody>
+      </p:sp>
+      <p:sp>
+        <p:nvSpPr>
+          <p:cNvPr id="50" name="Shape 41"/>
+          <p:cNvSpPr txBox="1">
+            <a:spLocks noGrp="1"/>
+          </p:cNvSpPr>
+          <p:nvPr>
+            <p:ph type="body" idx="17"/>
+          </p:nvPr>
+        </p:nvSpPr>
+        <p:spPr>
+          <a:xfrm>
+            <a:off x="32712600" y="16903861"/>
+            <a:ext cx="10607100" cy="846299"/>
+          </a:xfrm>
+          <a:prstGeom prst="rect">
+            <a:avLst/>
+          </a:prstGeom>
+          <a:noFill/>
+          <a:ln>
+            <a:noFill/>
+          </a:ln>
+        </p:spPr>
+        <p:txBody>
+          <a:bodyPr lIns="228550" tIns="228550" rIns="228550" bIns="228550" anchor="t" anchorCtr="0">
+            <a:noAutofit/>
+          </a:bodyPr>
+          <a:lstStyle/>
+          <a:p>
+            <a:pPr>
+              <a:buNone/>
+            </a:pPr>
+            <a:r>
+              <a:rPr lang="en-US" sz="3200" dirty="0" smtClean="0"/>
+              <a:t>   Through our benchmarking, we have found that the current </a:t>
+            </a:r>
+            <a:r>
+              <a:rPr lang="en-US" sz="3200" dirty="0" err="1" smtClean="0"/>
+              <a:t>nbdX</a:t>
+            </a:r>
+            <a:r>
+              <a:rPr lang="en-US" sz="3200" dirty="0" smtClean="0"/>
+              <a:t> technology was able to perform [well | poorly] compared to a local </a:t>
+            </a:r>
+            <a:r>
+              <a:rPr lang="en-US" sz="3200" dirty="0" err="1" smtClean="0"/>
+              <a:t>ramdisk</a:t>
+            </a:r>
+            <a:r>
+              <a:rPr lang="en-US" sz="3200" dirty="0" smtClean="0"/>
+              <a:t> in terms of IOPS, throughput, and latency. In terms of overall use, we found </a:t>
+            </a:r>
+            <a:r>
+              <a:rPr lang="en-US" sz="3200" dirty="0" err="1" smtClean="0"/>
+              <a:t>nbdX</a:t>
+            </a:r>
+            <a:r>
+              <a:rPr lang="en-US" sz="3200" dirty="0" smtClean="0"/>
+              <a:t> to suffer from many of the pitfalls that are commonly seen in emerging technologies, such as stability issues and a lack of edge case handling. A new driver is due to be released in the coming months by the </a:t>
+            </a:r>
+            <a:r>
+              <a:rPr lang="en-US" sz="3200" dirty="0" err="1" smtClean="0"/>
+              <a:t>NVMe</a:t>
+            </a:r>
+            <a:r>
+              <a:rPr lang="en-US" sz="3200" dirty="0" smtClean="0"/>
+              <a:t> over Fabrics Consortium, and is foreseen to replace the current </a:t>
+            </a:r>
+            <a:r>
+              <a:rPr lang="en-US" sz="3200" dirty="0" err="1" smtClean="0"/>
+              <a:t>nbdX</a:t>
+            </a:r>
+            <a:r>
+              <a:rPr lang="en-US" sz="3200" dirty="0" smtClean="0"/>
+              <a:t> software. The new driver is expected to improve the reliability of the technology. With increased stability with the new driver, </a:t>
+            </a:r>
+            <a:r>
+              <a:rPr lang="en-US" sz="3200" dirty="0" err="1" smtClean="0"/>
+              <a:t>Accelio</a:t>
+            </a:r>
+            <a:r>
+              <a:rPr lang="en-US" sz="3200" dirty="0" smtClean="0"/>
+              <a:t> supported networks should benefit from lower CPU utilization, faster data transfers, and lower latency compared to their non-RDMA equivalent infrastructures.</a:t>
+            </a:r>
+          </a:p>
+        </p:txBody>
+      </p:sp>
+      <p:graphicFrame>
+        <p:nvGraphicFramePr>
+          <p:cNvPr id="61" name="Chart 60"/>
+          <p:cNvGraphicFramePr/>
+          <p:nvPr/>
+        </p:nvGraphicFramePr>
+        <p:xfrm>
+          <a:off x="12353926" y="6962214"/>
+          <a:ext cx="19259550" cy="5534586"/>
+        </p:xfrm>
+        <a:graphic>
+          <a:graphicData uri="http://schemas.openxmlformats.org/drawingml/2006/chart">
+            <c:chart xmlns:c="http://schemas.openxmlformats.org/drawingml/2006/chart" xmlns:r="http://schemas.openxmlformats.org/officeDocument/2006/relationships" r:id="rId4"/>
+          </a:graphicData>
+        </a:graphic>
+      </p:graphicFrame>
+      <p:graphicFrame>
+        <p:nvGraphicFramePr>
+          <p:cNvPr id="64" name="Chart 63"/>
+          <p:cNvGraphicFramePr/>
+          <p:nvPr/>
+        </p:nvGraphicFramePr>
+        <p:xfrm>
+          <a:off x="12358967" y="14411325"/>
+          <a:ext cx="19257264" cy="5532120"/>
+        </p:xfrm>
+        <a:graphic>
+          <a:graphicData uri="http://schemas.openxmlformats.org/drawingml/2006/chart">
+            <c:chart xmlns:c="http://schemas.openxmlformats.org/drawingml/2006/chart" xmlns:r="http://schemas.openxmlformats.org/officeDocument/2006/relationships" r:id="rId5"/>
+          </a:graphicData>
+        </a:graphic>
+      </p:graphicFrame>
+      <p:graphicFrame>
+        <p:nvGraphicFramePr>
+          <p:cNvPr id="67" name="Chart 66"/>
+          <p:cNvGraphicFramePr/>
+          <p:nvPr/>
+        </p:nvGraphicFramePr>
+        <p:xfrm>
+          <a:off x="12339916" y="21912261"/>
+          <a:ext cx="19257264" cy="5532120"/>
+        </p:xfrm>
+        <a:graphic>
+          <a:graphicData uri="http://schemas.openxmlformats.org/drawingml/2006/chart">
+            <c:chart xmlns:c="http://schemas.openxmlformats.org/drawingml/2006/chart" xmlns:r="http://schemas.openxmlformats.org/officeDocument/2006/relationships" r:id="rId6"/>
+          </a:graphicData>
+        </a:graphic>
+      </p:graphicFrame>
+      <p:sp>
+        <p:nvSpPr>
+          <p:cNvPr id="76" name="Shape 34"/>
+          <p:cNvSpPr txBox="1">
+            <a:spLocks noGrp="1"/>
+          </p:cNvSpPr>
+          <p:nvPr>
+            <p:ph type="body" idx="7"/>
+          </p:nvPr>
+        </p:nvSpPr>
+        <p:spPr>
+          <a:xfrm>
+            <a:off x="11811000" y="29684715"/>
+            <a:ext cx="20307299" cy="2281185"/>
+          </a:xfrm>
+          <a:prstGeom prst="rect">
+            <a:avLst/>
+          </a:prstGeom>
+          <a:noFill/>
+          <a:ln>
+            <a:noFill/>
+          </a:ln>
+        </p:spPr>
+        <p:txBody>
+          <a:bodyPr lIns="228550" tIns="228550" rIns="228550" bIns="228550" anchor="t" anchorCtr="0">
+            <a:noAutofit/>
+          </a:bodyPr>
+          <a:lstStyle/>
+          <a:p>
+            <a:pPr>
+              <a:buNone/>
+            </a:pPr>
+            <a:r>
+              <a:rPr lang="en-US" sz="3200" dirty="0" smtClean="0"/>
+              <a:t>   We felt that the current technology showed promise in terms of its ideal benchmarking results. We were impressed by the achieved IOPS, bandwidth, and latency, and how they compared to other enterprise solutions. With the advent of faster </a:t>
+            </a:r>
+            <a:r>
+              <a:rPr lang="en-US" sz="3200" dirty="0" err="1" smtClean="0"/>
+              <a:t>NVMe</a:t>
+            </a:r>
+            <a:r>
+              <a:rPr lang="en-US" sz="3200" dirty="0" smtClean="0"/>
+              <a:t> attached SSD, </a:t>
+            </a:r>
+            <a:r>
+              <a:rPr lang="en-US" sz="3200" dirty="0" err="1" smtClean="0"/>
+              <a:t>Accelio</a:t>
+            </a:r>
+            <a:r>
+              <a:rPr lang="en-US" sz="3200" dirty="0" smtClean="0"/>
+              <a:t> based data-center network technologies should be able to support transfers at near local </a:t>
+            </a:r>
+            <a:r>
+              <a:rPr lang="en-US" sz="3200" dirty="0" err="1" smtClean="0"/>
+              <a:t>PCIe</a:t>
+            </a:r>
+            <a:r>
+              <a:rPr lang="en-US" sz="3200" dirty="0" smtClean="0"/>
+              <a:t> throughput and latency, eliminating the current network bottleneck.</a:t>
+            </a:r>
+            <a:endParaRPr lang="en-US" sz="3200" dirty="0"/>
+          </a:p>
+        </p:txBody>
+      </p:sp>
+      <p:sp>
+        <p:nvSpPr>
+          <p:cNvPr id="77" name="Shape 35"/>
+          <p:cNvSpPr txBox="1">
+            <a:spLocks noGrp="1"/>
+          </p:cNvSpPr>
+          <p:nvPr>
+            <p:ph type="body" idx="8"/>
+          </p:nvPr>
+        </p:nvSpPr>
+        <p:spPr>
+          <a:xfrm>
+            <a:off x="12215815" y="28613100"/>
+            <a:ext cx="19434288" cy="1314449"/>
+          </a:xfrm>
+          <a:prstGeom prst="rect">
+            <a:avLst/>
+          </a:prstGeom>
+          <a:noFill/>
+          <a:ln>
+            <a:noFill/>
+          </a:ln>
+        </p:spPr>
+        <p:txBody>
+          <a:bodyPr lIns="91400" tIns="91400" rIns="91400" bIns="91400" anchor="ctr" anchorCtr="0">
+            <a:noAutofit/>
+          </a:bodyPr>
+          <a:lstStyle/>
+          <a:p>
+            <a:pPr marL="1645574" marR="0" lvl="0" indent="-1645574" algn="ctr" rtl="0">
+              <a:spcBef>
+                <a:spcPts val="0"/>
+              </a:spcBef>
+              <a:buClr>
+                <a:schemeClr val="dk1"/>
+              </a:buClr>
+              <a:buSzPct val="25000"/>
+              <a:buFont typeface="Times New Roman"/>
+              <a:buNone/>
+            </a:pPr>
+            <a:r>
+              <a:rPr lang="en-US" sz="6600" b="1" dirty="0" smtClean="0">
+                <a:solidFill>
+                  <a:schemeClr val="dk1"/>
+                </a:solidFill>
+              </a:rPr>
+              <a:t>Analysis</a:t>
+            </a:r>
+            <a:endParaRPr lang="en-US" sz="6600" b="1" dirty="0">
+              <a:solidFill>
+                <a:schemeClr val="dk1"/>
+              </a:solidFill>
+            </a:endParaRPr>
+          </a:p>
+        </p:txBody>
+      </p:sp>
+      <p:sp>
+        <p:nvSpPr>
+          <p:cNvPr id="78" name="Shape 34"/>
+          <p:cNvSpPr txBox="1">
+            <a:spLocks noGrp="1"/>
+          </p:cNvSpPr>
+          <p:nvPr>
+            <p:ph type="body" idx="7"/>
+          </p:nvPr>
+        </p:nvSpPr>
+        <p:spPr>
+          <a:xfrm>
+            <a:off x="12158665" y="12577815"/>
+            <a:ext cx="19540535" cy="1100085"/>
+          </a:xfrm>
+          <a:prstGeom prst="rect">
+            <a:avLst/>
+          </a:prstGeom>
+          <a:noFill/>
+          <a:ln>
+            <a:noFill/>
+          </a:ln>
+        </p:spPr>
+        <p:txBody>
+          <a:bodyPr lIns="228550" tIns="228550" rIns="228550" bIns="228550" anchor="t" anchorCtr="0">
+            <a:noAutofit/>
+          </a:bodyPr>
+          <a:lstStyle/>
+          <a:p>
+            <a:pPr>
+              <a:buNone/>
+            </a:pPr>
+            <a:r>
+              <a:rPr lang="en-US" sz="3200" b="1" dirty="0" smtClean="0"/>
+              <a:t>Graph 1</a:t>
+            </a:r>
+            <a:r>
+              <a:rPr lang="en-US" sz="3200" dirty="0" smtClean="0"/>
+              <a:t>: [We have the IOPS for block sizes and IO depths. We’ll compare them against the same metrics for enterprise </a:t>
+            </a:r>
+            <a:r>
+              <a:rPr lang="en-US" sz="3200" dirty="0" err="1" smtClean="0"/>
+              <a:t>NVMe</a:t>
+            </a:r>
+            <a:r>
+              <a:rPr lang="en-US" sz="3200" dirty="0" smtClean="0"/>
+              <a:t> drives. And if ours is greater, then we can eliminate </a:t>
+            </a:r>
+            <a:r>
+              <a:rPr lang="en-US" sz="3200" dirty="0" err="1" smtClean="0"/>
+              <a:t>nbdX</a:t>
+            </a:r>
+            <a:r>
+              <a:rPr lang="en-US" sz="3200" dirty="0" smtClean="0"/>
+              <a:t> as a bottleneck for these drives.</a:t>
+            </a:r>
+            <a:endParaRPr lang="en-US" sz="3200" b="1" dirty="0"/>
+          </a:p>
+        </p:txBody>
+      </p:sp>
+      <p:sp>
+        <p:nvSpPr>
+          <p:cNvPr id="79" name="Shape 34"/>
+          <p:cNvSpPr txBox="1">
+            <a:spLocks noGrp="1"/>
+          </p:cNvSpPr>
+          <p:nvPr>
+            <p:ph type="body" idx="7"/>
+          </p:nvPr>
+        </p:nvSpPr>
+        <p:spPr>
+          <a:xfrm>
+            <a:off x="12272965" y="20159715"/>
+            <a:ext cx="19540535" cy="1100085"/>
+          </a:xfrm>
+          <a:prstGeom prst="rect">
+            <a:avLst/>
+          </a:prstGeom>
+          <a:noFill/>
+          <a:ln>
+            <a:noFill/>
+          </a:ln>
+        </p:spPr>
+        <p:txBody>
+          <a:bodyPr lIns="228550" tIns="228550" rIns="228550" bIns="228550" anchor="t" anchorCtr="0">
+            <a:noAutofit/>
+          </a:bodyPr>
+          <a:lstStyle/>
+          <a:p>
+            <a:pPr>
+              <a:buNone/>
+            </a:pPr>
+            <a:r>
+              <a:rPr lang="en-US" sz="3200" b="1" dirty="0" smtClean="0"/>
+              <a:t>Graph 2</a:t>
+            </a:r>
+            <a:r>
+              <a:rPr lang="en-US" sz="3200" dirty="0" smtClean="0"/>
+              <a:t>: [We have the bandwidth for block sizes and IO depths. We’ll compare them against the same metrics for enterprise </a:t>
+            </a:r>
+            <a:r>
+              <a:rPr lang="en-US" sz="3200" dirty="0" err="1" smtClean="0"/>
+              <a:t>NVMe</a:t>
+            </a:r>
+            <a:r>
+              <a:rPr lang="en-US" sz="3200" dirty="0" smtClean="0"/>
+              <a:t> drives. And if ours is greater, then we can eliminate </a:t>
+            </a:r>
+            <a:r>
+              <a:rPr lang="en-US" sz="3200" dirty="0" err="1" smtClean="0"/>
+              <a:t>nbdX</a:t>
+            </a:r>
+            <a:r>
+              <a:rPr lang="en-US" sz="3200" dirty="0" smtClean="0"/>
+              <a:t> as a bottleneck for these drives.]</a:t>
+            </a:r>
+            <a:endParaRPr lang="en-US" sz="3200" b="1" dirty="0"/>
+          </a:p>
+        </p:txBody>
+      </p:sp>
+      <p:sp>
+        <p:nvSpPr>
+          <p:cNvPr id="80" name="Shape 34"/>
+          <p:cNvSpPr txBox="1">
+            <a:spLocks noGrp="1"/>
+          </p:cNvSpPr>
+          <p:nvPr>
+            <p:ph type="body" idx="7"/>
+          </p:nvPr>
+        </p:nvSpPr>
+        <p:spPr>
+          <a:xfrm>
+            <a:off x="12158665" y="27436815"/>
+            <a:ext cx="19540535" cy="1100085"/>
+          </a:xfrm>
+          <a:prstGeom prst="rect">
+            <a:avLst/>
+          </a:prstGeom>
+          <a:noFill/>
+          <a:ln>
+            <a:noFill/>
+          </a:ln>
+        </p:spPr>
+        <p:txBody>
+          <a:bodyPr lIns="228550" tIns="228550" rIns="228550" bIns="228550" anchor="t" anchorCtr="0">
+            <a:noAutofit/>
+          </a:bodyPr>
+          <a:lstStyle/>
+          <a:p>
+            <a:pPr>
+              <a:buNone/>
+            </a:pPr>
+            <a:r>
+              <a:rPr lang="en-US" sz="3200" b="1" dirty="0" smtClean="0"/>
+              <a:t>Graph 3</a:t>
+            </a:r>
+            <a:r>
+              <a:rPr lang="en-US" sz="3200" dirty="0" smtClean="0"/>
+              <a:t>: [We’ll compare the latency again the latency for current solutions.]</a:t>
+            </a:r>
+            <a:endParaRPr lang="en-US" sz="3200" b="1" dirty="0"/>
+          </a:p>
+        </p:txBody>
+      </p:sp>
     </p:spTree>
   </p:cSld>
   <p:clrMapOvr>
@@ -4535,4 +5986,841 @@
   <a:objectDefaults/>
   <a:extraClrSchemeLst/>
 </a:theme>
+</file>
+
+<file path=ppt/theme/themeOverride1.xml><?xml version="1.0" encoding="utf-8"?>
+<a:themeOverride xmlns:a="http://schemas.openxmlformats.org/drawingml/2006/main">
+  <a:clrScheme name="Office">
+    <a:dk1>
+      <a:sysClr val="windowText" lastClr="000000"/>
+    </a:dk1>
+    <a:lt1>
+      <a:sysClr val="window" lastClr="FFFFFF"/>
+    </a:lt1>
+    <a:dk2>
+      <a:srgbClr val="1F497D"/>
+    </a:dk2>
+    <a:lt2>
+      <a:srgbClr val="EEECE1"/>
+    </a:lt2>
+    <a:accent1>
+      <a:srgbClr val="4F81BD"/>
+    </a:accent1>
+    <a:accent2>
+      <a:srgbClr val="C0504D"/>
+    </a:accent2>
+    <a:accent3>
+      <a:srgbClr val="9BBB59"/>
+    </a:accent3>
+    <a:accent4>
+      <a:srgbClr val="8064A2"/>
+    </a:accent4>
+    <a:accent5>
+      <a:srgbClr val="4BACC6"/>
+    </a:accent5>
+    <a:accent6>
+      <a:srgbClr val="F79646"/>
+    </a:accent6>
+    <a:hlink>
+      <a:srgbClr val="0000FF"/>
+    </a:hlink>
+    <a:folHlink>
+      <a:srgbClr val="800080"/>
+    </a:folHlink>
+  </a:clrScheme>
+  <a:fontScheme name="Office">
+    <a:majorFont>
+      <a:latin typeface="Cambria"/>
+      <a:ea typeface=""/>
+      <a:cs typeface=""/>
+      <a:font script="Jpan" typeface="ＭＳ Ｐゴシック"/>
+      <a:font script="Hang" typeface="맑은 고딕"/>
+      <a:font script="Hans" typeface="宋体"/>
+      <a:font script="Hant" typeface="新細明體"/>
+      <a:font script="Arab" typeface="Times New Roman"/>
+      <a:font script="Hebr" typeface="Times New Roman"/>
+      <a:font script="Thai" typeface="Tahoma"/>
+      <a:font script="Ethi" typeface="Nyala"/>
+      <a:font script="Beng" typeface="Vrinda"/>
+      <a:font script="Gujr" typeface="Shruti"/>
+      <a:font script="Khmr" typeface="MoolBoran"/>
+      <a:font script="Knda" typeface="Tunga"/>
+      <a:font script="Guru" typeface="Raavi"/>
+      <a:font script="Cans" typeface="Euphemia"/>
+      <a:font script="Cher" typeface="Plantagenet Cherokee"/>
+      <a:font script="Yiii" typeface="Microsoft Yi Baiti"/>
+      <a:font script="Tibt" typeface="Microsoft Himalaya"/>
+      <a:font script="Thaa" typeface="MV Boli"/>
+      <a:font script="Deva" typeface="Mangal"/>
+      <a:font script="Telu" typeface="Gautami"/>
+      <a:font script="Taml" typeface="Latha"/>
+      <a:font script="Syrc" typeface="Estrangelo Edessa"/>
+      <a:font script="Orya" typeface="Kalinga"/>
+      <a:font script="Mlym" typeface="Kartika"/>
+      <a:font script="Laoo" typeface="DokChampa"/>
+      <a:font script="Sinh" typeface="Iskoola Pota"/>
+      <a:font script="Mong" typeface="Mongolian Baiti"/>
+      <a:font script="Viet" typeface="Times New Roman"/>
+      <a:font script="Uigh" typeface="Microsoft Uighur"/>
+    </a:majorFont>
+    <a:minorFont>
+      <a:latin typeface="Calibri"/>
+      <a:ea typeface=""/>
+      <a:cs typeface=""/>
+      <a:font script="Jpan" typeface="ＭＳ Ｐゴシック"/>
+      <a:font script="Hang" typeface="맑은 고딕"/>
+      <a:font script="Hans" typeface="宋体"/>
+      <a:font script="Hant" typeface="新細明體"/>
+      <a:font script="Arab" typeface="Arial"/>
+      <a:font script="Hebr" typeface="Arial"/>
+      <a:font script="Thai" typeface="Tahoma"/>
+      <a:font script="Ethi" typeface="Nyala"/>
+      <a:font script="Beng" typeface="Vrinda"/>
+      <a:font script="Gujr" typeface="Shruti"/>
+      <a:font script="Khmr" typeface="DaunPenh"/>
+      <a:font script="Knda" typeface="Tunga"/>
+      <a:font script="Guru" typeface="Raavi"/>
+      <a:font script="Cans" typeface="Euphemia"/>
+      <a:font script="Cher" typeface="Plantagenet Cherokee"/>
+      <a:font script="Yiii" typeface="Microsoft Yi Baiti"/>
+      <a:font script="Tibt" typeface="Microsoft Himalaya"/>
+      <a:font script="Thaa" typeface="MV Boli"/>
+      <a:font script="Deva" typeface="Mangal"/>
+      <a:font script="Telu" typeface="Gautami"/>
+      <a:font script="Taml" typeface="Latha"/>
+      <a:font script="Syrc" typeface="Estrangelo Edessa"/>
+      <a:font script="Orya" typeface="Kalinga"/>
+      <a:font script="Mlym" typeface="Kartika"/>
+      <a:font script="Laoo" typeface="DokChampa"/>
+      <a:font script="Sinh" typeface="Iskoola Pota"/>
+      <a:font script="Mong" typeface="Mongolian Baiti"/>
+      <a:font script="Viet" typeface="Arial"/>
+      <a:font script="Uigh" typeface="Microsoft Uighur"/>
+    </a:minorFont>
+  </a:fontScheme>
+  <a:fmtScheme name="Office">
+    <a:fillStyleLst>
+      <a:solidFill>
+        <a:schemeClr val="phClr"/>
+      </a:solidFill>
+      <a:gradFill rotWithShape="1">
+        <a:gsLst>
+          <a:gs pos="0">
+            <a:schemeClr val="phClr">
+              <a:tint val="50000"/>
+              <a:satMod val="300000"/>
+            </a:schemeClr>
+          </a:gs>
+          <a:gs pos="35000">
+            <a:schemeClr val="phClr">
+              <a:tint val="37000"/>
+              <a:satMod val="300000"/>
+            </a:schemeClr>
+          </a:gs>
+          <a:gs pos="100000">
+            <a:schemeClr val="phClr">
+              <a:tint val="15000"/>
+              <a:satMod val="350000"/>
+            </a:schemeClr>
+          </a:gs>
+        </a:gsLst>
+        <a:lin ang="16200000" scaled="1"/>
+      </a:gradFill>
+      <a:gradFill rotWithShape="1">
+        <a:gsLst>
+          <a:gs pos="0">
+            <a:schemeClr val="phClr">
+              <a:shade val="51000"/>
+              <a:satMod val="130000"/>
+            </a:schemeClr>
+          </a:gs>
+          <a:gs pos="80000">
+            <a:schemeClr val="phClr">
+              <a:shade val="93000"/>
+              <a:satMod val="130000"/>
+            </a:schemeClr>
+          </a:gs>
+          <a:gs pos="100000">
+            <a:schemeClr val="phClr">
+              <a:shade val="94000"/>
+              <a:satMod val="135000"/>
+            </a:schemeClr>
+          </a:gs>
+        </a:gsLst>
+        <a:lin ang="16200000" scaled="0"/>
+      </a:gradFill>
+    </a:fillStyleLst>
+    <a:lnStyleLst>
+      <a:ln w="9525" cap="flat" cmpd="sng" algn="ctr">
+        <a:solidFill>
+          <a:schemeClr val="phClr">
+            <a:shade val="95000"/>
+            <a:satMod val="105000"/>
+          </a:schemeClr>
+        </a:solidFill>
+        <a:prstDash val="solid"/>
+      </a:ln>
+      <a:ln w="25400" cap="flat" cmpd="sng" algn="ctr">
+        <a:solidFill>
+          <a:schemeClr val="phClr"/>
+        </a:solidFill>
+        <a:prstDash val="solid"/>
+      </a:ln>
+      <a:ln w="38100" cap="flat" cmpd="sng" algn="ctr">
+        <a:solidFill>
+          <a:schemeClr val="phClr"/>
+        </a:solidFill>
+        <a:prstDash val="solid"/>
+      </a:ln>
+    </a:lnStyleLst>
+    <a:effectStyleLst>
+      <a:effectStyle>
+        <a:effectLst>
+          <a:outerShdw blurRad="40000" dist="20000" dir="5400000" rotWithShape="0">
+            <a:srgbClr val="000000">
+              <a:alpha val="38000"/>
+            </a:srgbClr>
+          </a:outerShdw>
+        </a:effectLst>
+      </a:effectStyle>
+      <a:effectStyle>
+        <a:effectLst>
+          <a:outerShdw blurRad="40000" dist="23000" dir="5400000" rotWithShape="0">
+            <a:srgbClr val="000000">
+              <a:alpha val="35000"/>
+            </a:srgbClr>
+          </a:outerShdw>
+        </a:effectLst>
+      </a:effectStyle>
+      <a:effectStyle>
+        <a:effectLst>
+          <a:outerShdw blurRad="40000" dist="23000" dir="5400000" rotWithShape="0">
+            <a:srgbClr val="000000">
+              <a:alpha val="35000"/>
+            </a:srgbClr>
+          </a:outerShdw>
+        </a:effectLst>
+        <a:scene3d>
+          <a:camera prst="orthographicFront">
+            <a:rot lat="0" lon="0" rev="0"/>
+          </a:camera>
+          <a:lightRig rig="threePt" dir="t">
+            <a:rot lat="0" lon="0" rev="1200000"/>
+          </a:lightRig>
+        </a:scene3d>
+        <a:sp3d>
+          <a:bevelT w="63500" h="25400"/>
+        </a:sp3d>
+      </a:effectStyle>
+    </a:effectStyleLst>
+    <a:bgFillStyleLst>
+      <a:solidFill>
+        <a:schemeClr val="phClr"/>
+      </a:solidFill>
+      <a:gradFill rotWithShape="1">
+        <a:gsLst>
+          <a:gs pos="0">
+            <a:schemeClr val="phClr">
+              <a:tint val="40000"/>
+              <a:satMod val="350000"/>
+            </a:schemeClr>
+          </a:gs>
+          <a:gs pos="40000">
+            <a:schemeClr val="phClr">
+              <a:tint val="45000"/>
+              <a:shade val="99000"/>
+              <a:satMod val="350000"/>
+            </a:schemeClr>
+          </a:gs>
+          <a:gs pos="100000">
+            <a:schemeClr val="phClr">
+              <a:shade val="20000"/>
+              <a:satMod val="255000"/>
+            </a:schemeClr>
+          </a:gs>
+        </a:gsLst>
+        <a:path path="circle">
+          <a:fillToRect l="50000" t="-80000" r="50000" b="180000"/>
+        </a:path>
+      </a:gradFill>
+      <a:gradFill rotWithShape="1">
+        <a:gsLst>
+          <a:gs pos="0">
+            <a:schemeClr val="phClr">
+              <a:tint val="80000"/>
+              <a:satMod val="300000"/>
+            </a:schemeClr>
+          </a:gs>
+          <a:gs pos="100000">
+            <a:schemeClr val="phClr">
+              <a:shade val="30000"/>
+              <a:satMod val="200000"/>
+            </a:schemeClr>
+          </a:gs>
+        </a:gsLst>
+        <a:path path="circle">
+          <a:fillToRect l="50000" t="50000" r="50000" b="50000"/>
+        </a:path>
+      </a:gradFill>
+    </a:bgFillStyleLst>
+  </a:fmtScheme>
+</a:themeOverride>
+</file>
+
+<file path=ppt/theme/themeOverride2.xml><?xml version="1.0" encoding="utf-8"?>
+<a:themeOverride xmlns:a="http://schemas.openxmlformats.org/drawingml/2006/main">
+  <a:clrScheme name="Office">
+    <a:dk1>
+      <a:sysClr val="windowText" lastClr="000000"/>
+    </a:dk1>
+    <a:lt1>
+      <a:sysClr val="window" lastClr="FFFFFF"/>
+    </a:lt1>
+    <a:dk2>
+      <a:srgbClr val="1F497D"/>
+    </a:dk2>
+    <a:lt2>
+      <a:srgbClr val="EEECE1"/>
+    </a:lt2>
+    <a:accent1>
+      <a:srgbClr val="4F81BD"/>
+    </a:accent1>
+    <a:accent2>
+      <a:srgbClr val="C0504D"/>
+    </a:accent2>
+    <a:accent3>
+      <a:srgbClr val="9BBB59"/>
+    </a:accent3>
+    <a:accent4>
+      <a:srgbClr val="8064A2"/>
+    </a:accent4>
+    <a:accent5>
+      <a:srgbClr val="4BACC6"/>
+    </a:accent5>
+    <a:accent6>
+      <a:srgbClr val="F79646"/>
+    </a:accent6>
+    <a:hlink>
+      <a:srgbClr val="0000FF"/>
+    </a:hlink>
+    <a:folHlink>
+      <a:srgbClr val="800080"/>
+    </a:folHlink>
+  </a:clrScheme>
+  <a:fontScheme name="Office">
+    <a:majorFont>
+      <a:latin typeface="Cambria"/>
+      <a:ea typeface=""/>
+      <a:cs typeface=""/>
+      <a:font script="Jpan" typeface="ＭＳ Ｐゴシック"/>
+      <a:font script="Hang" typeface="맑은 고딕"/>
+      <a:font script="Hans" typeface="宋体"/>
+      <a:font script="Hant" typeface="新細明體"/>
+      <a:font script="Arab" typeface="Times New Roman"/>
+      <a:font script="Hebr" typeface="Times New Roman"/>
+      <a:font script="Thai" typeface="Tahoma"/>
+      <a:font script="Ethi" typeface="Nyala"/>
+      <a:font script="Beng" typeface="Vrinda"/>
+      <a:font script="Gujr" typeface="Shruti"/>
+      <a:font script="Khmr" typeface="MoolBoran"/>
+      <a:font script="Knda" typeface="Tunga"/>
+      <a:font script="Guru" typeface="Raavi"/>
+      <a:font script="Cans" typeface="Euphemia"/>
+      <a:font script="Cher" typeface="Plantagenet Cherokee"/>
+      <a:font script="Yiii" typeface="Microsoft Yi Baiti"/>
+      <a:font script="Tibt" typeface="Microsoft Himalaya"/>
+      <a:font script="Thaa" typeface="MV Boli"/>
+      <a:font script="Deva" typeface="Mangal"/>
+      <a:font script="Telu" typeface="Gautami"/>
+      <a:font script="Taml" typeface="Latha"/>
+      <a:font script="Syrc" typeface="Estrangelo Edessa"/>
+      <a:font script="Orya" typeface="Kalinga"/>
+      <a:font script="Mlym" typeface="Kartika"/>
+      <a:font script="Laoo" typeface="DokChampa"/>
+      <a:font script="Sinh" typeface="Iskoola Pota"/>
+      <a:font script="Mong" typeface="Mongolian Baiti"/>
+      <a:font script="Viet" typeface="Times New Roman"/>
+      <a:font script="Uigh" typeface="Microsoft Uighur"/>
+    </a:majorFont>
+    <a:minorFont>
+      <a:latin typeface="Calibri"/>
+      <a:ea typeface=""/>
+      <a:cs typeface=""/>
+      <a:font script="Jpan" typeface="ＭＳ Ｐゴシック"/>
+      <a:font script="Hang" typeface="맑은 고딕"/>
+      <a:font script="Hans" typeface="宋体"/>
+      <a:font script="Hant" typeface="新細明體"/>
+      <a:font script="Arab" typeface="Arial"/>
+      <a:font script="Hebr" typeface="Arial"/>
+      <a:font script="Thai" typeface="Tahoma"/>
+      <a:font script="Ethi" typeface="Nyala"/>
+      <a:font script="Beng" typeface="Vrinda"/>
+      <a:font script="Gujr" typeface="Shruti"/>
+      <a:font script="Khmr" typeface="DaunPenh"/>
+      <a:font script="Knda" typeface="Tunga"/>
+      <a:font script="Guru" typeface="Raavi"/>
+      <a:font script="Cans" typeface="Euphemia"/>
+      <a:font script="Cher" typeface="Plantagenet Cherokee"/>
+      <a:font script="Yiii" typeface="Microsoft Yi Baiti"/>
+      <a:font script="Tibt" typeface="Microsoft Himalaya"/>
+      <a:font script="Thaa" typeface="MV Boli"/>
+      <a:font script="Deva" typeface="Mangal"/>
+      <a:font script="Telu" typeface="Gautami"/>
+      <a:font script="Taml" typeface="Latha"/>
+      <a:font script="Syrc" typeface="Estrangelo Edessa"/>
+      <a:font script="Orya" typeface="Kalinga"/>
+      <a:font script="Mlym" typeface="Kartika"/>
+      <a:font script="Laoo" typeface="DokChampa"/>
+      <a:font script="Sinh" typeface="Iskoola Pota"/>
+      <a:font script="Mong" typeface="Mongolian Baiti"/>
+      <a:font script="Viet" typeface="Arial"/>
+      <a:font script="Uigh" typeface="Microsoft Uighur"/>
+    </a:minorFont>
+  </a:fontScheme>
+  <a:fmtScheme name="Office">
+    <a:fillStyleLst>
+      <a:solidFill>
+        <a:schemeClr val="phClr"/>
+      </a:solidFill>
+      <a:gradFill rotWithShape="1">
+        <a:gsLst>
+          <a:gs pos="0">
+            <a:schemeClr val="phClr">
+              <a:tint val="50000"/>
+              <a:satMod val="300000"/>
+            </a:schemeClr>
+          </a:gs>
+          <a:gs pos="35000">
+            <a:schemeClr val="phClr">
+              <a:tint val="37000"/>
+              <a:satMod val="300000"/>
+            </a:schemeClr>
+          </a:gs>
+          <a:gs pos="100000">
+            <a:schemeClr val="phClr">
+              <a:tint val="15000"/>
+              <a:satMod val="350000"/>
+            </a:schemeClr>
+          </a:gs>
+        </a:gsLst>
+        <a:lin ang="16200000" scaled="1"/>
+      </a:gradFill>
+      <a:gradFill rotWithShape="1">
+        <a:gsLst>
+          <a:gs pos="0">
+            <a:schemeClr val="phClr">
+              <a:shade val="51000"/>
+              <a:satMod val="130000"/>
+            </a:schemeClr>
+          </a:gs>
+          <a:gs pos="80000">
+            <a:schemeClr val="phClr">
+              <a:shade val="93000"/>
+              <a:satMod val="130000"/>
+            </a:schemeClr>
+          </a:gs>
+          <a:gs pos="100000">
+            <a:schemeClr val="phClr">
+              <a:shade val="94000"/>
+              <a:satMod val="135000"/>
+            </a:schemeClr>
+          </a:gs>
+        </a:gsLst>
+        <a:lin ang="16200000" scaled="0"/>
+      </a:gradFill>
+    </a:fillStyleLst>
+    <a:lnStyleLst>
+      <a:ln w="9525" cap="flat" cmpd="sng" algn="ctr">
+        <a:solidFill>
+          <a:schemeClr val="phClr">
+            <a:shade val="95000"/>
+            <a:satMod val="105000"/>
+          </a:schemeClr>
+        </a:solidFill>
+        <a:prstDash val="solid"/>
+      </a:ln>
+      <a:ln w="25400" cap="flat" cmpd="sng" algn="ctr">
+        <a:solidFill>
+          <a:schemeClr val="phClr"/>
+        </a:solidFill>
+        <a:prstDash val="solid"/>
+      </a:ln>
+      <a:ln w="38100" cap="flat" cmpd="sng" algn="ctr">
+        <a:solidFill>
+          <a:schemeClr val="phClr"/>
+        </a:solidFill>
+        <a:prstDash val="solid"/>
+      </a:ln>
+    </a:lnStyleLst>
+    <a:effectStyleLst>
+      <a:effectStyle>
+        <a:effectLst>
+          <a:outerShdw blurRad="40000" dist="20000" dir="5400000" rotWithShape="0">
+            <a:srgbClr val="000000">
+              <a:alpha val="38000"/>
+            </a:srgbClr>
+          </a:outerShdw>
+        </a:effectLst>
+      </a:effectStyle>
+      <a:effectStyle>
+        <a:effectLst>
+          <a:outerShdw blurRad="40000" dist="23000" dir="5400000" rotWithShape="0">
+            <a:srgbClr val="000000">
+              <a:alpha val="35000"/>
+            </a:srgbClr>
+          </a:outerShdw>
+        </a:effectLst>
+      </a:effectStyle>
+      <a:effectStyle>
+        <a:effectLst>
+          <a:outerShdw blurRad="40000" dist="23000" dir="5400000" rotWithShape="0">
+            <a:srgbClr val="000000">
+              <a:alpha val="35000"/>
+            </a:srgbClr>
+          </a:outerShdw>
+        </a:effectLst>
+        <a:scene3d>
+          <a:camera prst="orthographicFront">
+            <a:rot lat="0" lon="0" rev="0"/>
+          </a:camera>
+          <a:lightRig rig="threePt" dir="t">
+            <a:rot lat="0" lon="0" rev="1200000"/>
+          </a:lightRig>
+        </a:scene3d>
+        <a:sp3d>
+          <a:bevelT w="63500" h="25400"/>
+        </a:sp3d>
+      </a:effectStyle>
+    </a:effectStyleLst>
+    <a:bgFillStyleLst>
+      <a:solidFill>
+        <a:schemeClr val="phClr"/>
+      </a:solidFill>
+      <a:gradFill rotWithShape="1">
+        <a:gsLst>
+          <a:gs pos="0">
+            <a:schemeClr val="phClr">
+              <a:tint val="40000"/>
+              <a:satMod val="350000"/>
+            </a:schemeClr>
+          </a:gs>
+          <a:gs pos="40000">
+            <a:schemeClr val="phClr">
+              <a:tint val="45000"/>
+              <a:shade val="99000"/>
+              <a:satMod val="350000"/>
+            </a:schemeClr>
+          </a:gs>
+          <a:gs pos="100000">
+            <a:schemeClr val="phClr">
+              <a:shade val="20000"/>
+              <a:satMod val="255000"/>
+            </a:schemeClr>
+          </a:gs>
+        </a:gsLst>
+        <a:path path="circle">
+          <a:fillToRect l="50000" t="-80000" r="50000" b="180000"/>
+        </a:path>
+      </a:gradFill>
+      <a:gradFill rotWithShape="1">
+        <a:gsLst>
+          <a:gs pos="0">
+            <a:schemeClr val="phClr">
+              <a:tint val="80000"/>
+              <a:satMod val="300000"/>
+            </a:schemeClr>
+          </a:gs>
+          <a:gs pos="100000">
+            <a:schemeClr val="phClr">
+              <a:shade val="30000"/>
+              <a:satMod val="200000"/>
+            </a:schemeClr>
+          </a:gs>
+        </a:gsLst>
+        <a:path path="circle">
+          <a:fillToRect l="50000" t="50000" r="50000" b="50000"/>
+        </a:path>
+      </a:gradFill>
+    </a:bgFillStyleLst>
+  </a:fmtScheme>
+</a:themeOverride>
+</file>
+
+<file path=ppt/theme/themeOverride3.xml><?xml version="1.0" encoding="utf-8"?>
+<a:themeOverride xmlns:a="http://schemas.openxmlformats.org/drawingml/2006/main">
+  <a:clrScheme name="Office">
+    <a:dk1>
+      <a:sysClr val="windowText" lastClr="000000"/>
+    </a:dk1>
+    <a:lt1>
+      <a:sysClr val="window" lastClr="FFFFFF"/>
+    </a:lt1>
+    <a:dk2>
+      <a:srgbClr val="1F497D"/>
+    </a:dk2>
+    <a:lt2>
+      <a:srgbClr val="EEECE1"/>
+    </a:lt2>
+    <a:accent1>
+      <a:srgbClr val="4F81BD"/>
+    </a:accent1>
+    <a:accent2>
+      <a:srgbClr val="C0504D"/>
+    </a:accent2>
+    <a:accent3>
+      <a:srgbClr val="9BBB59"/>
+    </a:accent3>
+    <a:accent4>
+      <a:srgbClr val="8064A2"/>
+    </a:accent4>
+    <a:accent5>
+      <a:srgbClr val="4BACC6"/>
+    </a:accent5>
+    <a:accent6>
+      <a:srgbClr val="F79646"/>
+    </a:accent6>
+    <a:hlink>
+      <a:srgbClr val="0000FF"/>
+    </a:hlink>
+    <a:folHlink>
+      <a:srgbClr val="800080"/>
+    </a:folHlink>
+  </a:clrScheme>
+  <a:fontScheme name="Office">
+    <a:majorFont>
+      <a:latin typeface="Cambria"/>
+      <a:ea typeface=""/>
+      <a:cs typeface=""/>
+      <a:font script="Jpan" typeface="ＭＳ Ｐゴシック"/>
+      <a:font script="Hang" typeface="맑은 고딕"/>
+      <a:font script="Hans" typeface="宋体"/>
+      <a:font script="Hant" typeface="新細明體"/>
+      <a:font script="Arab" typeface="Times New Roman"/>
+      <a:font script="Hebr" typeface="Times New Roman"/>
+      <a:font script="Thai" typeface="Tahoma"/>
+      <a:font script="Ethi" typeface="Nyala"/>
+      <a:font script="Beng" typeface="Vrinda"/>
+      <a:font script="Gujr" typeface="Shruti"/>
+      <a:font script="Khmr" typeface="MoolBoran"/>
+      <a:font script="Knda" typeface="Tunga"/>
+      <a:font script="Guru" typeface="Raavi"/>
+      <a:font script="Cans" typeface="Euphemia"/>
+      <a:font script="Cher" typeface="Plantagenet Cherokee"/>
+      <a:font script="Yiii" typeface="Microsoft Yi Baiti"/>
+      <a:font script="Tibt" typeface="Microsoft Himalaya"/>
+      <a:font script="Thaa" typeface="MV Boli"/>
+      <a:font script="Deva" typeface="Mangal"/>
+      <a:font script="Telu" typeface="Gautami"/>
+      <a:font script="Taml" typeface="Latha"/>
+      <a:font script="Syrc" typeface="Estrangelo Edessa"/>
+      <a:font script="Orya" typeface="Kalinga"/>
+      <a:font script="Mlym" typeface="Kartika"/>
+      <a:font script="Laoo" typeface="DokChampa"/>
+      <a:font script="Sinh" typeface="Iskoola Pota"/>
+      <a:font script="Mong" typeface="Mongolian Baiti"/>
+      <a:font script="Viet" typeface="Times New Roman"/>
+      <a:font script="Uigh" typeface="Microsoft Uighur"/>
+    </a:majorFont>
+    <a:minorFont>
+      <a:latin typeface="Calibri"/>
+      <a:ea typeface=""/>
+      <a:cs typeface=""/>
+      <a:font script="Jpan" typeface="ＭＳ Ｐゴシック"/>
+      <a:font script="Hang" typeface="맑은 고딕"/>
+      <a:font script="Hans" typeface="宋体"/>
+      <a:font script="Hant" typeface="新細明體"/>
+      <a:font script="Arab" typeface="Arial"/>
+      <a:font script="Hebr" typeface="Arial"/>
+      <a:font script="Thai" typeface="Tahoma"/>
+      <a:font script="Ethi" typeface="Nyala"/>
+      <a:font script="Beng" typeface="Vrinda"/>
+      <a:font script="Gujr" typeface="Shruti"/>
+      <a:font script="Khmr" typeface="DaunPenh"/>
+      <a:font script="Knda" typeface="Tunga"/>
+      <a:font script="Guru" typeface="Raavi"/>
+      <a:font script="Cans" typeface="Euphemia"/>
+      <a:font script="Cher" typeface="Plantagenet Cherokee"/>
+      <a:font script="Yiii" typeface="Microsoft Yi Baiti"/>
+      <a:font script="Tibt" typeface="Microsoft Himalaya"/>
+      <a:font script="Thaa" typeface="MV Boli"/>
+      <a:font script="Deva" typeface="Mangal"/>
+      <a:font script="Telu" typeface="Gautami"/>
+      <a:font script="Taml" typeface="Latha"/>
+      <a:font script="Syrc" typeface="Estrangelo Edessa"/>
+      <a:font script="Orya" typeface="Kalinga"/>
+      <a:font script="Mlym" typeface="Kartika"/>
+      <a:font script="Laoo" typeface="DokChampa"/>
+      <a:font script="Sinh" typeface="Iskoola Pota"/>
+      <a:font script="Mong" typeface="Mongolian Baiti"/>
+      <a:font script="Viet" typeface="Arial"/>
+      <a:font script="Uigh" typeface="Microsoft Uighur"/>
+    </a:minorFont>
+  </a:fontScheme>
+  <a:fmtScheme name="Office">
+    <a:fillStyleLst>
+      <a:solidFill>
+        <a:schemeClr val="phClr"/>
+      </a:solidFill>
+      <a:gradFill rotWithShape="1">
+        <a:gsLst>
+          <a:gs pos="0">
+            <a:schemeClr val="phClr">
+              <a:tint val="50000"/>
+              <a:satMod val="300000"/>
+            </a:schemeClr>
+          </a:gs>
+          <a:gs pos="35000">
+            <a:schemeClr val="phClr">
+              <a:tint val="37000"/>
+              <a:satMod val="300000"/>
+            </a:schemeClr>
+          </a:gs>
+          <a:gs pos="100000">
+            <a:schemeClr val="phClr">
+              <a:tint val="15000"/>
+              <a:satMod val="350000"/>
+            </a:schemeClr>
+          </a:gs>
+        </a:gsLst>
+        <a:lin ang="16200000" scaled="1"/>
+      </a:gradFill>
+      <a:gradFill rotWithShape="1">
+        <a:gsLst>
+          <a:gs pos="0">
+            <a:schemeClr val="phClr">
+              <a:shade val="51000"/>
+              <a:satMod val="130000"/>
+            </a:schemeClr>
+          </a:gs>
+          <a:gs pos="80000">
+            <a:schemeClr val="phClr">
+              <a:shade val="93000"/>
+              <a:satMod val="130000"/>
+            </a:schemeClr>
+          </a:gs>
+          <a:gs pos="100000">
+            <a:schemeClr val="phClr">
+              <a:shade val="94000"/>
+              <a:satMod val="135000"/>
+            </a:schemeClr>
+          </a:gs>
+        </a:gsLst>
+        <a:lin ang="16200000" scaled="0"/>
+      </a:gradFill>
+    </a:fillStyleLst>
+    <a:lnStyleLst>
+      <a:ln w="9525" cap="flat" cmpd="sng" algn="ctr">
+        <a:solidFill>
+          <a:schemeClr val="phClr">
+            <a:shade val="95000"/>
+            <a:satMod val="105000"/>
+          </a:schemeClr>
+        </a:solidFill>
+        <a:prstDash val="solid"/>
+      </a:ln>
+      <a:ln w="25400" cap="flat" cmpd="sng" algn="ctr">
+        <a:solidFill>
+          <a:schemeClr val="phClr"/>
+        </a:solidFill>
+        <a:prstDash val="solid"/>
+      </a:ln>
+      <a:ln w="38100" cap="flat" cmpd="sng" algn="ctr">
+        <a:solidFill>
+          <a:schemeClr val="phClr"/>
+        </a:solidFill>
+        <a:prstDash val="solid"/>
+      </a:ln>
+    </a:lnStyleLst>
+    <a:effectStyleLst>
+      <a:effectStyle>
+        <a:effectLst>
+          <a:outerShdw blurRad="40000" dist="20000" dir="5400000" rotWithShape="0">
+            <a:srgbClr val="000000">
+              <a:alpha val="38000"/>
+            </a:srgbClr>
+          </a:outerShdw>
+        </a:effectLst>
+      </a:effectStyle>
+      <a:effectStyle>
+        <a:effectLst>
+          <a:outerShdw blurRad="40000" dist="23000" dir="5400000" rotWithShape="0">
+            <a:srgbClr val="000000">
+              <a:alpha val="35000"/>
+            </a:srgbClr>
+          </a:outerShdw>
+        </a:effectLst>
+      </a:effectStyle>
+      <a:effectStyle>
+        <a:effectLst>
+          <a:outerShdw blurRad="40000" dist="23000" dir="5400000" rotWithShape="0">
+            <a:srgbClr val="000000">
+              <a:alpha val="35000"/>
+            </a:srgbClr>
+          </a:outerShdw>
+        </a:effectLst>
+        <a:scene3d>
+          <a:camera prst="orthographicFront">
+            <a:rot lat="0" lon="0" rev="0"/>
+          </a:camera>
+          <a:lightRig rig="threePt" dir="t">
+            <a:rot lat="0" lon="0" rev="1200000"/>
+          </a:lightRig>
+        </a:scene3d>
+        <a:sp3d>
+          <a:bevelT w="63500" h="25400"/>
+        </a:sp3d>
+      </a:effectStyle>
+    </a:effectStyleLst>
+    <a:bgFillStyleLst>
+      <a:solidFill>
+        <a:schemeClr val="phClr"/>
+      </a:solidFill>
+      <a:gradFill rotWithShape="1">
+        <a:gsLst>
+          <a:gs pos="0">
+            <a:schemeClr val="phClr">
+              <a:tint val="40000"/>
+              <a:satMod val="350000"/>
+            </a:schemeClr>
+          </a:gs>
+          <a:gs pos="40000">
+            <a:schemeClr val="phClr">
+              <a:tint val="45000"/>
+              <a:shade val="99000"/>
+              <a:satMod val="350000"/>
+            </a:schemeClr>
+          </a:gs>
+          <a:gs pos="100000">
+            <a:schemeClr val="phClr">
+              <a:shade val="20000"/>
+              <a:satMod val="255000"/>
+            </a:schemeClr>
+          </a:gs>
+        </a:gsLst>
+        <a:path path="circle">
+          <a:fillToRect l="50000" t="-80000" r="50000" b="180000"/>
+        </a:path>
+      </a:gradFill>
+      <a:gradFill rotWithShape="1">
+        <a:gsLst>
+          <a:gs pos="0">
+            <a:schemeClr val="phClr">
+              <a:tint val="80000"/>
+              <a:satMod val="300000"/>
+            </a:schemeClr>
+          </a:gs>
+          <a:gs pos="100000">
+            <a:schemeClr val="phClr">
+              <a:shade val="30000"/>
+              <a:satMod val="200000"/>
+            </a:schemeClr>
+          </a:gs>
+        </a:gsLst>
+        <a:path path="circle">
+          <a:fillToRect l="50000" t="50000" r="50000" b="50000"/>
+        </a:path>
+      </a:gradFill>
+    </a:bgFillStyleLst>
+  </a:fmtScheme>
+</a:themeOverride>
 </file>
--- a/deliverables/Release 2/Poster.pptx
+++ b/deliverables/Release 2/Poster.pptx
@@ -230,10 +230,10 @@
           <a:lstStyle/>
           <a:p>
             <a:pPr>
-              <a:defRPr sz="3400"/>
+              <a:defRPr sz="4000"/>
             </a:pPr>
             <a:r>
-              <a:rPr lang="en-US" sz="3400"/>
+              <a:rPr lang="en-US" sz="4000"/>
               <a:t>IOPS</a:t>
             </a:r>
           </a:p>
@@ -243,17 +243,14 @@
         <c:manualLayout>
           <c:xMode val="edge"/>
           <c:yMode val="edge"/>
-          <c:x val="0.47618693063960488"/>
-          <c:y val="0.10784907850379415"/>
+          <c:x val="0.47233101233903224"/>
+          <c:y val="8.9531680440771352E-2"/>
         </c:manualLayout>
       </c:layout>
     </c:title>
-    <c:view3D>
-      <c:rAngAx val="1"/>
-    </c:view3D>
     <c:plotArea>
       <c:layout/>
-      <c:bar3DChart>
+      <c:barChart>
         <c:barDir val="col"/>
         <c:grouping val="clustered"/>
         <c:ser>
@@ -261,7 +258,7 @@
           <c:order val="0"/>
           <c:tx>
             <c:strRef>
-              <c:f>Sheet1!$B$4</c:f>
+              <c:f>Graphs!$N$3</c:f>
               <c:strCache>
                 <c:ptCount val="1"/>
                 <c:pt idx="0">
@@ -270,39 +267,43 @@
               </c:strCache>
             </c:strRef>
           </c:tx>
-          <c:spPr>
-            <a:solidFill>
-              <a:schemeClr val="tx2">
-                <a:lumMod val="40000"/>
-                <a:lumOff val="60000"/>
-              </a:schemeClr>
-            </a:solidFill>
-          </c:spPr>
           <c:cat>
             <c:strRef>
-              <c:f>Sheet1!$C$3:$D$3</c:f>
+              <c:f>Graphs!$O$2:$R$2</c:f>
               <c:strCache>
-                <c:ptCount val="2"/>
+                <c:ptCount val="4"/>
                 <c:pt idx="0">
                   <c:v>4K Block Size</c:v>
                 </c:pt>
                 <c:pt idx="1">
                   <c:v>32K Block Size</c:v>
+                </c:pt>
+                <c:pt idx="2">
+                  <c:v>64K Block Size</c:v>
+                </c:pt>
+                <c:pt idx="3">
+                  <c:v>128K Block Size</c:v>
                 </c:pt>
               </c:strCache>
             </c:strRef>
           </c:cat>
           <c:val>
             <c:numRef>
-              <c:f>Sheet1!$C$4:$D$4</c:f>
+              <c:f>Graphs!$O$3:$R$3</c:f>
               <c:numCache>
                 <c:formatCode>General</c:formatCode>
-                <c:ptCount val="2"/>
+                <c:ptCount val="4"/>
                 <c:pt idx="0">
-                  <c:v>4646</c:v>
+                  <c:v>10240</c:v>
                 </c:pt>
                 <c:pt idx="1">
-                  <c:v>3494</c:v>
+                  <c:v>9962</c:v>
+                </c:pt>
+                <c:pt idx="2">
+                  <c:v>9726</c:v>
+                </c:pt>
+                <c:pt idx="3">
+                  <c:v>8221</c:v>
                 </c:pt>
               </c:numCache>
             </c:numRef>
@@ -313,7 +314,7 @@
           <c:order val="1"/>
           <c:tx>
             <c:strRef>
-              <c:f>Sheet1!$B$5</c:f>
+              <c:f>Graphs!$N$4</c:f>
               <c:strCache>
                 <c:ptCount val="1"/>
                 <c:pt idx="0">
@@ -324,34 +325,46 @@
           </c:tx>
           <c:spPr>
             <a:solidFill>
-              <a:srgbClr val="00B050"/>
+              <a:srgbClr val="92D050"/>
             </a:solidFill>
           </c:spPr>
           <c:cat>
             <c:strRef>
-              <c:f>Sheet1!$C$3:$D$3</c:f>
+              <c:f>Graphs!$O$2:$R$2</c:f>
               <c:strCache>
-                <c:ptCount val="2"/>
+                <c:ptCount val="4"/>
                 <c:pt idx="0">
                   <c:v>4K Block Size</c:v>
                 </c:pt>
                 <c:pt idx="1">
                   <c:v>32K Block Size</c:v>
+                </c:pt>
+                <c:pt idx="2">
+                  <c:v>64K Block Size</c:v>
+                </c:pt>
+                <c:pt idx="3">
+                  <c:v>128K Block Size</c:v>
                 </c:pt>
               </c:strCache>
             </c:strRef>
           </c:cat>
           <c:val>
             <c:numRef>
-              <c:f>Sheet1!$C$5:$D$5</c:f>
+              <c:f>Graphs!$O$4:$R$4</c:f>
               <c:numCache>
                 <c:formatCode>General</c:formatCode>
-                <c:ptCount val="2"/>
+                <c:ptCount val="4"/>
                 <c:pt idx="0">
-                  <c:v>143513</c:v>
+                  <c:v>268537</c:v>
                 </c:pt>
                 <c:pt idx="1">
-                  <c:v>59555</c:v>
+                  <c:v>94786</c:v>
+                </c:pt>
+                <c:pt idx="2">
+                  <c:v>62302</c:v>
+                </c:pt>
+                <c:pt idx="3">
+                  <c:v>34687</c:v>
                 </c:pt>
               </c:numCache>
             </c:numRef>
@@ -362,7 +375,7 @@
           <c:order val="2"/>
           <c:tx>
             <c:strRef>
-              <c:f>Sheet1!$B$6</c:f>
+              <c:f>Graphs!$N$5</c:f>
               <c:strCache>
                 <c:ptCount val="1"/>
                 <c:pt idx="0">
@@ -380,41 +393,114 @@
           </c:spPr>
           <c:cat>
             <c:strRef>
-              <c:f>Sheet1!$C$3:$D$3</c:f>
+              <c:f>Graphs!$O$2:$R$2</c:f>
               <c:strCache>
-                <c:ptCount val="2"/>
+                <c:ptCount val="4"/>
                 <c:pt idx="0">
                   <c:v>4K Block Size</c:v>
                 </c:pt>
                 <c:pt idx="1">
                   <c:v>32K Block Size</c:v>
+                </c:pt>
+                <c:pt idx="2">
+                  <c:v>64K Block Size</c:v>
+                </c:pt>
+                <c:pt idx="3">
+                  <c:v>128K Block Size</c:v>
                 </c:pt>
               </c:strCache>
             </c:strRef>
           </c:cat>
           <c:val>
             <c:numRef>
-              <c:f>Sheet1!$C$6:$D$6</c:f>
+              <c:f>Graphs!$O$5:$R$5</c:f>
               <c:numCache>
                 <c:formatCode>General</c:formatCode>
-                <c:ptCount val="2"/>
+                <c:ptCount val="4"/>
                 <c:pt idx="0">
-                  <c:v>134475</c:v>
+                  <c:v>297702</c:v>
                 </c:pt>
                 <c:pt idx="1">
-                  <c:v>75250</c:v>
+                  <c:v>128480</c:v>
+                </c:pt>
+                <c:pt idx="2">
+                  <c:v>64880</c:v>
+                </c:pt>
+                <c:pt idx="3">
+                  <c:v>35200</c:v>
                 </c:pt>
               </c:numCache>
             </c:numRef>
           </c:val>
         </c:ser>
-        <c:shape val="box"/>
-        <c:axId val="53135616"/>
-        <c:axId val="53145600"/>
-        <c:axId val="0"/>
-      </c:bar3DChart>
+        <c:ser>
+          <c:idx val="3"/>
+          <c:order val="3"/>
+          <c:tx>
+            <c:strRef>
+              <c:f>Graphs!$N$6</c:f>
+              <c:strCache>
+                <c:ptCount val="1"/>
+                <c:pt idx="0">
+                  <c:v>128 IO Depth</c:v>
+                </c:pt>
+              </c:strCache>
+            </c:strRef>
+          </c:tx>
+          <c:spPr>
+            <a:solidFill>
+              <a:schemeClr val="bg1">
+                <a:lumMod val="65000"/>
+              </a:schemeClr>
+            </a:solidFill>
+          </c:spPr>
+          <c:cat>
+            <c:strRef>
+              <c:f>Graphs!$O$2:$R$2</c:f>
+              <c:strCache>
+                <c:ptCount val="4"/>
+                <c:pt idx="0">
+                  <c:v>4K Block Size</c:v>
+                </c:pt>
+                <c:pt idx="1">
+                  <c:v>32K Block Size</c:v>
+                </c:pt>
+                <c:pt idx="2">
+                  <c:v>64K Block Size</c:v>
+                </c:pt>
+                <c:pt idx="3">
+                  <c:v>128K Block Size</c:v>
+                </c:pt>
+              </c:strCache>
+            </c:strRef>
+          </c:cat>
+          <c:val>
+            <c:numRef>
+              <c:f>Graphs!$O$6:$R$6</c:f>
+              <c:numCache>
+                <c:formatCode>General</c:formatCode>
+                <c:ptCount val="4"/>
+                <c:pt idx="0">
+                  <c:v>264118</c:v>
+                </c:pt>
+                <c:pt idx="1">
+                  <c:v>129275</c:v>
+                </c:pt>
+                <c:pt idx="2">
+                  <c:v>69481</c:v>
+                </c:pt>
+                <c:pt idx="3">
+                  <c:v>35209</c:v>
+                </c:pt>
+              </c:numCache>
+            </c:numRef>
+          </c:val>
+        </c:ser>
+        <c:axId val="56896128"/>
+        <c:axId val="56903168"/>
+      </c:barChart>
       <c:catAx>
-        <c:axId val="53135616"/>
+        <c:axId val="56896128"/>
         <c:scaling>
           <c:orientation val="minMax"/>
         </c:scaling>
@@ -425,22 +511,22 @@
           <a:lstStyle/>
           <a:p>
             <a:pPr>
-              <a:defRPr sz="3000" b="1"/>
+              <a:defRPr sz="3200" b="1"/>
             </a:pPr>
             <a:endParaRPr lang="en-US"/>
           </a:p>
         </c:txPr>
-        <c:crossAx val="53145600"/>
+        <c:crossAx val="56903168"/>
         <c:crosses val="autoZero"/>
         <c:auto val="1"/>
         <c:lblAlgn val="ctr"/>
         <c:lblOffset val="100"/>
       </c:catAx>
       <c:valAx>
-        <c:axId val="53145600"/>
+        <c:axId val="56903168"/>
         <c:scaling>
           <c:orientation val="minMax"/>
-          <c:max val="160000"/>
+          <c:max val="330000"/>
           <c:min val="0"/>
         </c:scaling>
         <c:axPos val="l"/>
@@ -448,15 +534,15 @@
         <c:title>
           <c:tx>
             <c:rich>
-              <a:bodyPr/>
+              <a:bodyPr rot="-5400000" vert="horz"/>
               <a:lstStyle/>
               <a:p>
                 <a:pPr>
-                  <a:defRPr sz="3000"/>
+                  <a:defRPr sz="3200"/>
                 </a:pPr>
                 <a:r>
-                  <a:rPr lang="en-US" sz="3000"/>
-                  <a:t>IOPS </a:t>
+                  <a:rPr lang="en-US" sz="3200"/>
+                  <a:t>IOPS</a:t>
                 </a:r>
               </a:p>
             </c:rich>
@@ -470,629 +556,12 @@
           <a:lstStyle/>
           <a:p>
             <a:pPr>
-              <a:defRPr sz="3000" b="1"/>
+              <a:defRPr sz="3200" b="1"/>
             </a:pPr>
             <a:endParaRPr lang="en-US"/>
           </a:p>
         </c:txPr>
-        <c:crossAx val="53135616"/>
-        <c:crosses val="autoZero"/>
-        <c:crossBetween val="between"/>
-        <c:dispUnits>
-          <c:builtInUnit val="thousands"/>
-          <c:dispUnitsLbl>
-            <c:layout/>
-            <c:txPr>
-              <a:bodyPr/>
-              <a:lstStyle/>
-              <a:p>
-                <a:pPr>
-                  <a:defRPr sz="3000"/>
-                </a:pPr>
-                <a:endParaRPr lang="en-US"/>
-              </a:p>
-            </c:txPr>
-          </c:dispUnitsLbl>
-        </c:dispUnits>
-      </c:valAx>
-    </c:plotArea>
-    <c:legend>
-      <c:legendPos val="r"/>
-      <c:layout/>
-      <c:txPr>
-        <a:bodyPr/>
-        <a:lstStyle/>
-        <a:p>
-          <a:pPr>
-            <a:defRPr sz="3000" b="1"/>
-          </a:pPr>
-          <a:endParaRPr lang="en-US"/>
-        </a:p>
-      </c:txPr>
-    </c:legend>
-    <c:plotVisOnly val="1"/>
-  </c:chart>
-  <c:spPr>
-    <a:ln w="12700">
-      <a:noFill/>
-    </a:ln>
-  </c:spPr>
-  <c:externalData r:id="rId2"/>
-</c:chartSpace>
-</file>
-
-<file path=ppt/charts/chart2.xml><?xml version="1.0" encoding="utf-8"?>
-<c:chartSpace xmlns:c="http://schemas.openxmlformats.org/drawingml/2006/chart" xmlns:a="http://schemas.openxmlformats.org/drawingml/2006/main" xmlns:r="http://schemas.openxmlformats.org/officeDocument/2006/relationships">
-  <c:date1904 val="1"/>
-  <c:lang val="en-US"/>
-  <c:clrMapOvr bg1="lt1" tx1="dk1" bg2="lt2" tx2="dk2" accent1="accent1" accent2="accent2" accent3="accent3" accent4="accent4" accent5="accent5" accent6="accent6" hlink="hlink" folHlink="folHlink"/>
-  <c:chart>
-    <c:title>
-      <c:tx>
-        <c:rich>
-          <a:bodyPr/>
-          <a:lstStyle/>
-          <a:p>
-            <a:pPr>
-              <a:defRPr sz="3400"/>
-            </a:pPr>
-            <a:r>
-              <a:rPr lang="en-US" sz="3400"/>
-              <a:t>Bandwidth</a:t>
-            </a:r>
-          </a:p>
-        </c:rich>
-      </c:tx>
-      <c:layout>
-        <c:manualLayout>
-          <c:xMode val="edge"/>
-          <c:yMode val="edge"/>
-          <c:x val="0.44714342598200868"/>
-          <c:y val="0.13085399449035814"/>
-        </c:manualLayout>
-      </c:layout>
-    </c:title>
-    <c:view3D>
-      <c:rAngAx val="1"/>
-    </c:view3D>
-    <c:plotArea>
-      <c:layout/>
-      <c:bar3DChart>
-        <c:barDir val="col"/>
-        <c:grouping val="clustered"/>
-        <c:ser>
-          <c:idx val="0"/>
-          <c:order val="0"/>
-          <c:tx>
-            <c:strRef>
-              <c:f>Sheet1!$B$10</c:f>
-              <c:strCache>
-                <c:ptCount val="1"/>
-                <c:pt idx="0">
-                  <c:v>1 IO Depth</c:v>
-                </c:pt>
-              </c:strCache>
-            </c:strRef>
-          </c:tx>
-          <c:spPr>
-            <a:solidFill>
-              <a:schemeClr val="tx2">
-                <a:lumMod val="60000"/>
-                <a:lumOff val="40000"/>
-              </a:schemeClr>
-            </a:solidFill>
-          </c:spPr>
-          <c:cat>
-            <c:strRef>
-              <c:f>Sheet1!$C$9:$D$9</c:f>
-              <c:strCache>
-                <c:ptCount val="2"/>
-                <c:pt idx="0">
-                  <c:v>4K Block Size</c:v>
-                </c:pt>
-                <c:pt idx="1">
-                  <c:v>32K Block Size</c:v>
-                </c:pt>
-              </c:strCache>
-            </c:strRef>
-          </c:cat>
-          <c:val>
-            <c:numRef>
-              <c:f>Sheet1!$C$10:$D$10</c:f>
-              <c:numCache>
-                <c:formatCode>General</c:formatCode>
-                <c:ptCount val="2"/>
-                <c:pt idx="0">
-                  <c:v>18586</c:v>
-                </c:pt>
-                <c:pt idx="1">
-                  <c:v>111820</c:v>
-                </c:pt>
-              </c:numCache>
-            </c:numRef>
-          </c:val>
-        </c:ser>
-        <c:ser>
-          <c:idx val="1"/>
-          <c:order val="1"/>
-          <c:tx>
-            <c:strRef>
-              <c:f>Sheet1!$B$11</c:f>
-              <c:strCache>
-                <c:ptCount val="1"/>
-                <c:pt idx="0">
-                  <c:v>32 IO Depth</c:v>
-                </c:pt>
-              </c:strCache>
-            </c:strRef>
-          </c:tx>
-          <c:spPr>
-            <a:solidFill>
-              <a:srgbClr val="00B050"/>
-            </a:solidFill>
-          </c:spPr>
-          <c:cat>
-            <c:strRef>
-              <c:f>Sheet1!$C$9:$D$9</c:f>
-              <c:strCache>
-                <c:ptCount val="2"/>
-                <c:pt idx="0">
-                  <c:v>4K Block Size</c:v>
-                </c:pt>
-                <c:pt idx="1">
-                  <c:v>32K Block Size</c:v>
-                </c:pt>
-              </c:strCache>
-            </c:strRef>
-          </c:cat>
-          <c:val>
-            <c:numRef>
-              <c:f>Sheet1!$C$11:$D$11</c:f>
-              <c:numCache>
-                <c:formatCode>General</c:formatCode>
-                <c:ptCount val="2"/>
-                <c:pt idx="0">
-                  <c:v>574055</c:v>
-                </c:pt>
-                <c:pt idx="1">
-                  <c:v>1905771</c:v>
-                </c:pt>
-              </c:numCache>
-            </c:numRef>
-          </c:val>
-        </c:ser>
-        <c:ser>
-          <c:idx val="2"/>
-          <c:order val="2"/>
-          <c:tx>
-            <c:strRef>
-              <c:f>Sheet1!$B$12</c:f>
-              <c:strCache>
-                <c:ptCount val="1"/>
-                <c:pt idx="0">
-                  <c:v>64 IO Depth</c:v>
-                </c:pt>
-              </c:strCache>
-            </c:strRef>
-          </c:tx>
-          <c:spPr>
-            <a:solidFill>
-              <a:schemeClr val="accent6">
-                <a:lumMod val="75000"/>
-              </a:schemeClr>
-            </a:solidFill>
-          </c:spPr>
-          <c:cat>
-            <c:strRef>
-              <c:f>Sheet1!$C$9:$D$9</c:f>
-              <c:strCache>
-                <c:ptCount val="2"/>
-                <c:pt idx="0">
-                  <c:v>4K Block Size</c:v>
-                </c:pt>
-                <c:pt idx="1">
-                  <c:v>32K Block Size</c:v>
-                </c:pt>
-              </c:strCache>
-            </c:strRef>
-          </c:cat>
-          <c:val>
-            <c:numRef>
-              <c:f>Sheet1!$C$12:$D$12</c:f>
-              <c:numCache>
-                <c:formatCode>General</c:formatCode>
-                <c:ptCount val="2"/>
-                <c:pt idx="0">
-                  <c:v>537903</c:v>
-                </c:pt>
-                <c:pt idx="1">
-                  <c:v>2408021</c:v>
-                </c:pt>
-              </c:numCache>
-            </c:numRef>
-          </c:val>
-        </c:ser>
-        <c:shape val="box"/>
-        <c:axId val="53938432"/>
-        <c:axId val="53944320"/>
-        <c:axId val="0"/>
-      </c:bar3DChart>
-      <c:catAx>
-        <c:axId val="53938432"/>
-        <c:scaling>
-          <c:orientation val="minMax"/>
-        </c:scaling>
-        <c:axPos val="b"/>
-        <c:tickLblPos val="nextTo"/>
-        <c:spPr>
-          <a:ln>
-            <a:solidFill>
-              <a:srgbClr val="000000"/>
-            </a:solidFill>
-          </a:ln>
-        </c:spPr>
-        <c:txPr>
-          <a:bodyPr/>
-          <a:lstStyle/>
-          <a:p>
-            <a:pPr>
-              <a:defRPr sz="3000" b="1"/>
-            </a:pPr>
-            <a:endParaRPr lang="en-US"/>
-          </a:p>
-        </c:txPr>
-        <c:crossAx val="53944320"/>
-        <c:crosses val="autoZero"/>
-        <c:auto val="1"/>
-        <c:lblAlgn val="ctr"/>
-        <c:lblOffset val="100"/>
-      </c:catAx>
-      <c:valAx>
-        <c:axId val="53944320"/>
-        <c:scaling>
-          <c:orientation val="minMax"/>
-          <c:max val="2700000"/>
-          <c:min val="18000"/>
-        </c:scaling>
-        <c:axPos val="l"/>
-        <c:majorGridlines/>
-        <c:title>
-          <c:tx>
-            <c:rich>
-              <a:bodyPr rot="-5400000" vert="horz"/>
-              <a:lstStyle/>
-              <a:p>
-                <a:pPr>
-                  <a:defRPr sz="3000" b="1"/>
-                </a:pPr>
-                <a:r>
-                  <a:rPr lang="en-US" sz="3000" b="1"/>
-                  <a:t>Bandwidth</a:t>
-                </a:r>
-                <a:r>
-                  <a:rPr lang="en-US" sz="3000" b="1" baseline="0"/>
-                  <a:t> (KB/s)</a:t>
-                </a:r>
-              </a:p>
-            </c:rich>
-          </c:tx>
-          <c:layout/>
-        </c:title>
-        <c:numFmt formatCode="General" sourceLinked="1"/>
-        <c:tickLblPos val="nextTo"/>
-        <c:txPr>
-          <a:bodyPr/>
-          <a:lstStyle/>
-          <a:p>
-            <a:pPr>
-              <a:defRPr sz="3000" b="1"/>
-            </a:pPr>
-            <a:endParaRPr lang="en-US"/>
-          </a:p>
-        </c:txPr>
-        <c:crossAx val="53938432"/>
-        <c:crosses val="autoZero"/>
-        <c:crossBetween val="between"/>
-        <c:dispUnits>
-          <c:builtInUnit val="thousands"/>
-          <c:dispUnitsLbl>
-            <c:layout/>
-            <c:txPr>
-              <a:bodyPr/>
-              <a:lstStyle/>
-              <a:p>
-                <a:pPr>
-                  <a:defRPr sz="3000"/>
-                </a:pPr>
-                <a:endParaRPr lang="en-US"/>
-              </a:p>
-            </c:txPr>
-          </c:dispUnitsLbl>
-        </c:dispUnits>
-      </c:valAx>
-    </c:plotArea>
-    <c:legend>
-      <c:legendPos val="r"/>
-      <c:layout/>
-      <c:txPr>
-        <a:bodyPr/>
-        <a:lstStyle/>
-        <a:p>
-          <a:pPr>
-            <a:defRPr sz="3000" b="1"/>
-          </a:pPr>
-          <a:endParaRPr lang="en-US"/>
-        </a:p>
-      </c:txPr>
-    </c:legend>
-    <c:plotVisOnly val="1"/>
-  </c:chart>
-  <c:spPr>
-    <a:ln>
-      <a:noFill/>
-    </a:ln>
-  </c:spPr>
-  <c:externalData r:id="rId2"/>
-</c:chartSpace>
-</file>
-
-<file path=ppt/charts/chart3.xml><?xml version="1.0" encoding="utf-8"?>
-<c:chartSpace xmlns:c="http://schemas.openxmlformats.org/drawingml/2006/chart" xmlns:a="http://schemas.openxmlformats.org/drawingml/2006/main" xmlns:r="http://schemas.openxmlformats.org/officeDocument/2006/relationships">
-  <c:lang val="en-US"/>
-  <c:clrMapOvr bg1="lt1" tx1="dk1" bg2="lt2" tx2="dk2" accent1="accent1" accent2="accent2" accent3="accent3" accent4="accent4" accent5="accent5" accent6="accent6" hlink="hlink" folHlink="folHlink"/>
-  <c:chart>
-    <c:title>
-      <c:tx>
-        <c:rich>
-          <a:bodyPr/>
-          <a:lstStyle/>
-          <a:p>
-            <a:pPr>
-              <a:defRPr sz="3400"/>
-            </a:pPr>
-            <a:r>
-              <a:rPr lang="en-US" sz="3400" b="1" i="0" baseline="0"/>
-              <a:t>Latency</a:t>
-            </a:r>
-          </a:p>
-        </c:rich>
-      </c:tx>
-      <c:layout>
-        <c:manualLayout>
-          <c:xMode val="edge"/>
-          <c:yMode val="edge"/>
-          <c:x val="0.46573609833671076"/>
-          <c:y val="0.13085399449035814"/>
-        </c:manualLayout>
-      </c:layout>
-    </c:title>
-    <c:view3D>
-      <c:rAngAx val="1"/>
-    </c:view3D>
-    <c:plotArea>
-      <c:layout/>
-      <c:bar3DChart>
-        <c:barDir val="col"/>
-        <c:grouping val="clustered"/>
-        <c:ser>
-          <c:idx val="0"/>
-          <c:order val="0"/>
-          <c:tx>
-            <c:strRef>
-              <c:f>Sheet1!$B$16</c:f>
-              <c:strCache>
-                <c:ptCount val="1"/>
-                <c:pt idx="0">
-                  <c:v>1 IO Depth</c:v>
-                </c:pt>
-              </c:strCache>
-            </c:strRef>
-          </c:tx>
-          <c:spPr>
-            <a:solidFill>
-              <a:schemeClr val="accent1">
-                <a:lumMod val="75000"/>
-              </a:schemeClr>
-            </a:solidFill>
-          </c:spPr>
-          <c:cat>
-            <c:strRef>
-              <c:f>Sheet1!$C$15:$D$15</c:f>
-              <c:strCache>
-                <c:ptCount val="2"/>
-                <c:pt idx="0">
-                  <c:v>4K Block Size</c:v>
-                </c:pt>
-                <c:pt idx="1">
-                  <c:v>32K Block Size</c:v>
-                </c:pt>
-              </c:strCache>
-            </c:strRef>
-          </c:cat>
-          <c:val>
-            <c:numRef>
-              <c:f>Sheet1!$C$16:$D$16</c:f>
-              <c:numCache>
-                <c:formatCode>General</c:formatCode>
-                <c:ptCount val="2"/>
-                <c:pt idx="0">
-                  <c:v>212</c:v>
-                </c:pt>
-                <c:pt idx="1">
-                  <c:v>282</c:v>
-                </c:pt>
-              </c:numCache>
-            </c:numRef>
-          </c:val>
-        </c:ser>
-        <c:ser>
-          <c:idx val="1"/>
-          <c:order val="1"/>
-          <c:tx>
-            <c:strRef>
-              <c:f>Sheet1!$B$17</c:f>
-              <c:strCache>
-                <c:ptCount val="1"/>
-                <c:pt idx="0">
-                  <c:v>32 IO Depth</c:v>
-                </c:pt>
-              </c:strCache>
-            </c:strRef>
-          </c:tx>
-          <c:spPr>
-            <a:solidFill>
-              <a:srgbClr val="00B050"/>
-            </a:solidFill>
-          </c:spPr>
-          <c:cat>
-            <c:strRef>
-              <c:f>Sheet1!$C$15:$D$15</c:f>
-              <c:strCache>
-                <c:ptCount val="2"/>
-                <c:pt idx="0">
-                  <c:v>4K Block Size</c:v>
-                </c:pt>
-                <c:pt idx="1">
-                  <c:v>32K Block Size</c:v>
-                </c:pt>
-              </c:strCache>
-            </c:strRef>
-          </c:cat>
-          <c:val>
-            <c:numRef>
-              <c:f>Sheet1!$C$17:$D$17</c:f>
-              <c:numCache>
-                <c:formatCode>General</c:formatCode>
-                <c:ptCount val="2"/>
-                <c:pt idx="0">
-                  <c:v>222</c:v>
-                </c:pt>
-                <c:pt idx="1">
-                  <c:v>536</c:v>
-                </c:pt>
-              </c:numCache>
-            </c:numRef>
-          </c:val>
-        </c:ser>
-        <c:ser>
-          <c:idx val="2"/>
-          <c:order val="2"/>
-          <c:tx>
-            <c:strRef>
-              <c:f>Sheet1!$B$18</c:f>
-              <c:strCache>
-                <c:ptCount val="1"/>
-                <c:pt idx="0">
-                  <c:v>64 IO Depth</c:v>
-                </c:pt>
-              </c:strCache>
-            </c:strRef>
-          </c:tx>
-          <c:spPr>
-            <a:solidFill>
-              <a:schemeClr val="accent6">
-                <a:lumMod val="75000"/>
-              </a:schemeClr>
-            </a:solidFill>
-          </c:spPr>
-          <c:cat>
-            <c:strRef>
-              <c:f>Sheet1!$C$15:$D$15</c:f>
-              <c:strCache>
-                <c:ptCount val="2"/>
-                <c:pt idx="0">
-                  <c:v>4K Block Size</c:v>
-                </c:pt>
-                <c:pt idx="1">
-                  <c:v>32K Block Size</c:v>
-                </c:pt>
-              </c:strCache>
-            </c:strRef>
-          </c:cat>
-          <c:val>
-            <c:numRef>
-              <c:f>Sheet1!$C$18:$D$18</c:f>
-              <c:numCache>
-                <c:formatCode>General</c:formatCode>
-                <c:ptCount val="2"/>
-                <c:pt idx="0">
-                  <c:v>475</c:v>
-                </c:pt>
-                <c:pt idx="1">
-                  <c:v>850</c:v>
-                </c:pt>
-              </c:numCache>
-            </c:numRef>
-          </c:val>
-        </c:ser>
-        <c:shape val="box"/>
-        <c:axId val="53983488"/>
-        <c:axId val="53993472"/>
-        <c:axId val="0"/>
-      </c:bar3DChart>
-      <c:catAx>
-        <c:axId val="53983488"/>
-        <c:scaling>
-          <c:orientation val="minMax"/>
-        </c:scaling>
-        <c:axPos val="b"/>
-        <c:tickLblPos val="nextTo"/>
-        <c:txPr>
-          <a:bodyPr/>
-          <a:lstStyle/>
-          <a:p>
-            <a:pPr>
-              <a:defRPr sz="3000" b="1"/>
-            </a:pPr>
-            <a:endParaRPr lang="en-US"/>
-          </a:p>
-        </c:txPr>
-        <c:crossAx val="53993472"/>
-        <c:crosses val="autoZero"/>
-        <c:auto val="1"/>
-        <c:lblAlgn val="ctr"/>
-        <c:lblOffset val="100"/>
-      </c:catAx>
-      <c:valAx>
-        <c:axId val="53993472"/>
-        <c:scaling>
-          <c:orientation val="minMax"/>
-          <c:max val="900"/>
-          <c:min val="150"/>
-        </c:scaling>
-        <c:axPos val="l"/>
-        <c:majorGridlines/>
-        <c:title>
-          <c:tx>
-            <c:rich>
-              <a:bodyPr rot="-5400000" vert="horz"/>
-              <a:lstStyle/>
-              <a:p>
-                <a:pPr>
-                  <a:defRPr sz="3000" b="1"/>
-                </a:pPr>
-                <a:r>
-                  <a:rPr lang="en-US" sz="3000" b="1"/>
-                  <a:t>Latency (ms)</a:t>
-                </a:r>
-              </a:p>
-            </c:rich>
-          </c:tx>
-          <c:layout/>
-        </c:title>
-        <c:numFmt formatCode="General" sourceLinked="1"/>
-        <c:tickLblPos val="nextTo"/>
-        <c:txPr>
-          <a:bodyPr/>
-          <a:lstStyle/>
-          <a:p>
-            <a:pPr>
-              <a:defRPr sz="3000" b="1"/>
-            </a:pPr>
-            <a:endParaRPr lang="en-US"/>
-          </a:p>
-        </c:txPr>
-        <c:crossAx val="53983488"/>
+        <c:crossAx val="56896128"/>
         <c:crosses val="autoZero"/>
         <c:crossBetween val="between"/>
       </c:valAx>
@@ -1105,7 +574,7 @@
         <a:lstStyle/>
         <a:p>
           <a:pPr>
-            <a:defRPr sz="3000" b="1"/>
+            <a:defRPr sz="3200" b="1"/>
           </a:pPr>
           <a:endParaRPr lang="en-US"/>
         </a:p>
@@ -1113,11 +582,835 @@
     </c:legend>
     <c:plotVisOnly val="1"/>
   </c:chart>
-  <c:spPr>
-    <a:ln>
-      <a:noFill/>
-    </a:ln>
-  </c:spPr>
+  <c:externalData r:id="rId2"/>
+</c:chartSpace>
+</file>
+
+<file path=ppt/charts/chart2.xml><?xml version="1.0" encoding="utf-8"?>
+<c:chartSpace xmlns:c="http://schemas.openxmlformats.org/drawingml/2006/chart" xmlns:a="http://schemas.openxmlformats.org/drawingml/2006/main" xmlns:r="http://schemas.openxmlformats.org/officeDocument/2006/relationships">
+  <c:lang val="en-US"/>
+  <c:clrMapOvr bg1="lt1" tx1="dk1" bg2="lt2" tx2="dk2" accent1="accent1" accent2="accent2" accent3="accent3" accent4="accent4" accent5="accent5" accent6="accent6" hlink="hlink" folHlink="folHlink"/>
+  <c:chart>
+    <c:title>
+      <c:tx>
+        <c:rich>
+          <a:bodyPr/>
+          <a:lstStyle/>
+          <a:p>
+            <a:pPr>
+              <a:defRPr sz="4000"/>
+            </a:pPr>
+            <a:r>
+              <a:rPr lang="en-US" sz="4000"/>
+              <a:t>Latency</a:t>
+            </a:r>
+          </a:p>
+        </c:rich>
+      </c:tx>
+      <c:layout/>
+    </c:title>
+    <c:plotArea>
+      <c:layout/>
+      <c:lineChart>
+        <c:grouping val="standard"/>
+        <c:ser>
+          <c:idx val="0"/>
+          <c:order val="0"/>
+          <c:tx>
+            <c:strRef>
+              <c:f>Graphs!$N$37</c:f>
+              <c:strCache>
+                <c:ptCount val="1"/>
+                <c:pt idx="0">
+                  <c:v>1 IO Depth</c:v>
+                </c:pt>
+              </c:strCache>
+            </c:strRef>
+          </c:tx>
+          <c:spPr>
+            <a:ln w="76200"/>
+          </c:spPr>
+          <c:marker>
+            <c:symbol val="none"/>
+          </c:marker>
+          <c:cat>
+            <c:strRef>
+              <c:f>Graphs!$O$36:$R$36</c:f>
+              <c:strCache>
+                <c:ptCount val="4"/>
+                <c:pt idx="0">
+                  <c:v>4K Block Size</c:v>
+                </c:pt>
+                <c:pt idx="1">
+                  <c:v>32K Block Size</c:v>
+                </c:pt>
+                <c:pt idx="2">
+                  <c:v>64K Block Size</c:v>
+                </c:pt>
+                <c:pt idx="3">
+                  <c:v>128K Block Size</c:v>
+                </c:pt>
+              </c:strCache>
+            </c:strRef>
+          </c:cat>
+          <c:val>
+            <c:numRef>
+              <c:f>Graphs!$O$37:$R$37</c:f>
+              <c:numCache>
+                <c:formatCode>General</c:formatCode>
+                <c:ptCount val="4"/>
+                <c:pt idx="0">
+                  <c:v>387.72349799999995</c:v>
+                </c:pt>
+                <c:pt idx="1">
+                  <c:v>398.72160399999996</c:v>
+                </c:pt>
+                <c:pt idx="2">
+                  <c:v>408.24832699999996</c:v>
+                </c:pt>
+                <c:pt idx="3">
+                  <c:v>483.15612999999996</c:v>
+                </c:pt>
+              </c:numCache>
+            </c:numRef>
+          </c:val>
+        </c:ser>
+        <c:ser>
+          <c:idx val="1"/>
+          <c:order val="1"/>
+          <c:tx>
+            <c:strRef>
+              <c:f>Graphs!$N$38</c:f>
+              <c:strCache>
+                <c:ptCount val="1"/>
+                <c:pt idx="0">
+                  <c:v>32 IO Depth</c:v>
+                </c:pt>
+              </c:strCache>
+            </c:strRef>
+          </c:tx>
+          <c:spPr>
+            <a:ln w="76200">
+              <a:solidFill>
+                <a:srgbClr val="92D050"/>
+              </a:solidFill>
+            </a:ln>
+          </c:spPr>
+          <c:marker>
+            <c:symbol val="none"/>
+          </c:marker>
+          <c:cat>
+            <c:strRef>
+              <c:f>Graphs!$O$36:$R$36</c:f>
+              <c:strCache>
+                <c:ptCount val="4"/>
+                <c:pt idx="0">
+                  <c:v>4K Block Size</c:v>
+                </c:pt>
+                <c:pt idx="1">
+                  <c:v>32K Block Size</c:v>
+                </c:pt>
+                <c:pt idx="2">
+                  <c:v>64K Block Size</c:v>
+                </c:pt>
+                <c:pt idx="3">
+                  <c:v>128K Block Size</c:v>
+                </c:pt>
+              </c:strCache>
+            </c:strRef>
+          </c:cat>
+          <c:val>
+            <c:numRef>
+              <c:f>Graphs!$O$38:$R$38</c:f>
+              <c:numCache>
+                <c:formatCode>General</c:formatCode>
+                <c:ptCount val="4"/>
+                <c:pt idx="0">
+                  <c:v>476.11998300000005</c:v>
+                </c:pt>
+                <c:pt idx="1">
+                  <c:v>1349.8129739999999</c:v>
+                </c:pt>
+                <c:pt idx="2">
+                  <c:v>2053.7391580000003</c:v>
+                </c:pt>
+                <c:pt idx="3">
+                  <c:v>3687.8857390000003</c:v>
+                </c:pt>
+              </c:numCache>
+            </c:numRef>
+          </c:val>
+        </c:ser>
+        <c:ser>
+          <c:idx val="2"/>
+          <c:order val="2"/>
+          <c:tx>
+            <c:strRef>
+              <c:f>Graphs!$N$39</c:f>
+              <c:strCache>
+                <c:ptCount val="1"/>
+                <c:pt idx="0">
+                  <c:v>64 IO Depth</c:v>
+                </c:pt>
+              </c:strCache>
+            </c:strRef>
+          </c:tx>
+          <c:spPr>
+            <a:ln w="76200">
+              <a:solidFill>
+                <a:srgbClr val="FF822D"/>
+              </a:solidFill>
+            </a:ln>
+          </c:spPr>
+          <c:marker>
+            <c:symbol val="none"/>
+          </c:marker>
+          <c:cat>
+            <c:strRef>
+              <c:f>Graphs!$O$36:$R$36</c:f>
+              <c:strCache>
+                <c:ptCount val="4"/>
+                <c:pt idx="0">
+                  <c:v>4K Block Size</c:v>
+                </c:pt>
+                <c:pt idx="1">
+                  <c:v>32K Block Size</c:v>
+                </c:pt>
+                <c:pt idx="2">
+                  <c:v>64K Block Size</c:v>
+                </c:pt>
+                <c:pt idx="3">
+                  <c:v>128K Block Size</c:v>
+                </c:pt>
+              </c:strCache>
+            </c:strRef>
+          </c:cat>
+          <c:val>
+            <c:numRef>
+              <c:f>Graphs!$O$39:$R$39</c:f>
+              <c:numCache>
+                <c:formatCode>General</c:formatCode>
+                <c:ptCount val="4"/>
+                <c:pt idx="0">
+                  <c:v>859.33318299999996</c:v>
+                </c:pt>
+                <c:pt idx="1">
+                  <c:v>1991.5095550000003</c:v>
+                </c:pt>
+                <c:pt idx="2">
+                  <c:v>3943.362658</c:v>
+                </c:pt>
+                <c:pt idx="3">
+                  <c:v>7269.1727280000005</c:v>
+                </c:pt>
+              </c:numCache>
+            </c:numRef>
+          </c:val>
+        </c:ser>
+        <c:ser>
+          <c:idx val="3"/>
+          <c:order val="3"/>
+          <c:tx>
+            <c:strRef>
+              <c:f>Graphs!$N$40</c:f>
+              <c:strCache>
+                <c:ptCount val="1"/>
+                <c:pt idx="0">
+                  <c:v>128 IO Depth</c:v>
+                </c:pt>
+              </c:strCache>
+            </c:strRef>
+          </c:tx>
+          <c:spPr>
+            <a:ln w="76200">
+              <a:solidFill>
+                <a:srgbClr val="FFFFFF">
+                  <a:lumMod val="65000"/>
+                </a:srgbClr>
+              </a:solidFill>
+            </a:ln>
+          </c:spPr>
+          <c:marker>
+            <c:symbol val="none"/>
+          </c:marker>
+          <c:cat>
+            <c:strRef>
+              <c:f>Graphs!$O$36:$R$36</c:f>
+              <c:strCache>
+                <c:ptCount val="4"/>
+                <c:pt idx="0">
+                  <c:v>4K Block Size</c:v>
+                </c:pt>
+                <c:pt idx="1">
+                  <c:v>32K Block Size</c:v>
+                </c:pt>
+                <c:pt idx="2">
+                  <c:v>64K Block Size</c:v>
+                </c:pt>
+                <c:pt idx="3">
+                  <c:v>128K Block Size</c:v>
+                </c:pt>
+              </c:strCache>
+            </c:strRef>
+          </c:cat>
+          <c:val>
+            <c:numRef>
+              <c:f>Graphs!$O$40:$R$40</c:f>
+              <c:numCache>
+                <c:formatCode>General</c:formatCode>
+                <c:ptCount val="4"/>
+                <c:pt idx="0">
+                  <c:v>1937.5683750000001</c:v>
+                </c:pt>
+                <c:pt idx="1">
+                  <c:v>3958.7059749999999</c:v>
+                </c:pt>
+                <c:pt idx="2">
+                  <c:v>7364.4767449999999</c:v>
+                </c:pt>
+                <c:pt idx="3">
+                  <c:v>14528.414701000002</c:v>
+                </c:pt>
+              </c:numCache>
+            </c:numRef>
+          </c:val>
+        </c:ser>
+        <c:marker val="1"/>
+        <c:axId val="56925568"/>
+        <c:axId val="56935936"/>
+      </c:lineChart>
+      <c:catAx>
+        <c:axId val="56925568"/>
+        <c:scaling>
+          <c:orientation val="minMax"/>
+        </c:scaling>
+        <c:axPos val="b"/>
+        <c:tickLblPos val="nextTo"/>
+        <c:txPr>
+          <a:bodyPr/>
+          <a:lstStyle/>
+          <a:p>
+            <a:pPr>
+              <a:defRPr sz="3200" b="1"/>
+            </a:pPr>
+            <a:endParaRPr lang="en-US"/>
+          </a:p>
+        </c:txPr>
+        <c:crossAx val="56935936"/>
+        <c:crosses val="autoZero"/>
+        <c:auto val="1"/>
+        <c:lblAlgn val="ctr"/>
+        <c:lblOffset val="100"/>
+      </c:catAx>
+      <c:valAx>
+        <c:axId val="56935936"/>
+        <c:scaling>
+          <c:orientation val="minMax"/>
+        </c:scaling>
+        <c:axPos val="l"/>
+        <c:majorGridlines/>
+        <c:title>
+          <c:tx>
+            <c:rich>
+              <a:bodyPr rot="-5400000" vert="horz"/>
+              <a:lstStyle/>
+              <a:p>
+                <a:pPr>
+                  <a:defRPr sz="3200"/>
+                </a:pPr>
+                <a:r>
+                  <a:rPr lang="en-US" sz="3200"/>
+                  <a:t>Read Latency Avg (ms)</a:t>
+                </a:r>
+              </a:p>
+            </c:rich>
+          </c:tx>
+          <c:layout/>
+        </c:title>
+        <c:numFmt formatCode="General" sourceLinked="1"/>
+        <c:tickLblPos val="nextTo"/>
+        <c:txPr>
+          <a:bodyPr/>
+          <a:lstStyle/>
+          <a:p>
+            <a:pPr>
+              <a:defRPr sz="3200" b="1"/>
+            </a:pPr>
+            <a:endParaRPr lang="en-US"/>
+          </a:p>
+        </c:txPr>
+        <c:crossAx val="56925568"/>
+        <c:crosses val="autoZero"/>
+        <c:crossBetween val="between"/>
+      </c:valAx>
+    </c:plotArea>
+    <c:legend>
+      <c:legendPos val="r"/>
+      <c:layout/>
+      <c:txPr>
+        <a:bodyPr/>
+        <a:lstStyle/>
+        <a:p>
+          <a:pPr>
+            <a:defRPr sz="3200" b="1"/>
+          </a:pPr>
+          <a:endParaRPr lang="en-US"/>
+        </a:p>
+      </c:txPr>
+    </c:legend>
+    <c:plotVisOnly val="1"/>
+  </c:chart>
+  <c:externalData r:id="rId2"/>
+</c:chartSpace>
+</file>
+
+<file path=ppt/charts/chart3.xml><?xml version="1.0" encoding="utf-8"?>
+<c:chartSpace xmlns:c="http://schemas.openxmlformats.org/drawingml/2006/chart" xmlns:a="http://schemas.openxmlformats.org/drawingml/2006/main" xmlns:r="http://schemas.openxmlformats.org/officeDocument/2006/relationships">
+  <c:date1904 val="1"/>
+  <c:lang val="en-US"/>
+  <c:clrMapOvr bg1="lt1" tx1="dk1" bg2="lt2" tx2="dk2" accent1="accent1" accent2="accent2" accent3="accent3" accent4="accent4" accent5="accent5" accent6="accent6" hlink="hlink" folHlink="folHlink"/>
+  <c:chart>
+    <c:title>
+      <c:tx>
+        <c:rich>
+          <a:bodyPr/>
+          <a:lstStyle/>
+          <a:p>
+            <a:pPr>
+              <a:defRPr sz="4000"/>
+            </a:pPr>
+            <a:r>
+              <a:rPr lang="en-US" sz="4000"/>
+              <a:t>Bandwidth</a:t>
+            </a:r>
+          </a:p>
+        </c:rich>
+      </c:tx>
+      <c:layout/>
+    </c:title>
+    <c:plotArea>
+      <c:layout/>
+      <c:lineChart>
+        <c:grouping val="standard"/>
+        <c:ser>
+          <c:idx val="0"/>
+          <c:order val="0"/>
+          <c:tx>
+            <c:strRef>
+              <c:f>Graphs!$B$3</c:f>
+              <c:strCache>
+                <c:ptCount val="1"/>
+                <c:pt idx="0">
+                  <c:v>1 IO Depth</c:v>
+                </c:pt>
+              </c:strCache>
+            </c:strRef>
+          </c:tx>
+          <c:spPr>
+            <a:ln w="76200"/>
+          </c:spPr>
+          <c:marker>
+            <c:symbol val="none"/>
+          </c:marker>
+          <c:cat>
+            <c:strRef>
+              <c:f>Graphs!$C$2:$F$2</c:f>
+              <c:strCache>
+                <c:ptCount val="4"/>
+                <c:pt idx="0">
+                  <c:v>4K Block Size</c:v>
+                </c:pt>
+                <c:pt idx="1">
+                  <c:v>32K Block Size</c:v>
+                </c:pt>
+                <c:pt idx="2">
+                  <c:v>64K Block Size</c:v>
+                </c:pt>
+                <c:pt idx="3">
+                  <c:v>128K Block Size</c:v>
+                </c:pt>
+              </c:strCache>
+            </c:strRef>
+          </c:cat>
+          <c:val>
+            <c:numRef>
+              <c:f>Graphs!$C$3:$F$3</c:f>
+              <c:numCache>
+                <c:formatCode>General</c:formatCode>
+                <c:ptCount val="4"/>
+                <c:pt idx="0">
+                  <c:v>0.32768800000000009</c:v>
+                </c:pt>
+                <c:pt idx="1">
+                  <c:v>2.5503999999999998</c:v>
+                </c:pt>
+                <c:pt idx="2">
+                  <c:v>4.9801839999999995</c:v>
+                </c:pt>
+                <c:pt idx="3">
+                  <c:v>8.4189679999999996</c:v>
+                </c:pt>
+              </c:numCache>
+            </c:numRef>
+          </c:val>
+        </c:ser>
+        <c:ser>
+          <c:idx val="1"/>
+          <c:order val="1"/>
+          <c:tx>
+            <c:strRef>
+              <c:f>Graphs!$B$4</c:f>
+              <c:strCache>
+                <c:ptCount val="1"/>
+                <c:pt idx="0">
+                  <c:v>32 IO Depth</c:v>
+                </c:pt>
+              </c:strCache>
+            </c:strRef>
+          </c:tx>
+          <c:spPr>
+            <a:ln w="76200">
+              <a:solidFill>
+                <a:srgbClr val="92D050"/>
+              </a:solidFill>
+            </a:ln>
+          </c:spPr>
+          <c:marker>
+            <c:symbol val="none"/>
+          </c:marker>
+          <c:cat>
+            <c:strRef>
+              <c:f>Graphs!$C$2:$F$2</c:f>
+              <c:strCache>
+                <c:ptCount val="4"/>
+                <c:pt idx="0">
+                  <c:v>4K Block Size</c:v>
+                </c:pt>
+                <c:pt idx="1">
+                  <c:v>32K Block Size</c:v>
+                </c:pt>
+                <c:pt idx="2">
+                  <c:v>64K Block Size</c:v>
+                </c:pt>
+                <c:pt idx="3">
+                  <c:v>128K Block Size</c:v>
+                </c:pt>
+              </c:strCache>
+            </c:strRef>
+          </c:cat>
+          <c:val>
+            <c:numRef>
+              <c:f>Graphs!$C$4:$F$4</c:f>
+              <c:numCache>
+                <c:formatCode>General</c:formatCode>
+                <c:ptCount val="4"/>
+                <c:pt idx="0">
+                  <c:v>8.5931840000000008</c:v>
+                </c:pt>
+                <c:pt idx="1">
+                  <c:v>24.265447999999992</c:v>
+                </c:pt>
+                <c:pt idx="2">
+                  <c:v>31.898791999999997</c:v>
+                </c:pt>
+                <c:pt idx="3">
+                  <c:v>35.520056000000011</c:v>
+                </c:pt>
+              </c:numCache>
+            </c:numRef>
+          </c:val>
+        </c:ser>
+        <c:ser>
+          <c:idx val="2"/>
+          <c:order val="2"/>
+          <c:tx>
+            <c:strRef>
+              <c:f>Graphs!$B$5</c:f>
+              <c:strCache>
+                <c:ptCount val="1"/>
+                <c:pt idx="0">
+                  <c:v>64 IO Depth</c:v>
+                </c:pt>
+              </c:strCache>
+            </c:strRef>
+          </c:tx>
+          <c:spPr>
+            <a:ln w="76200">
+              <a:solidFill>
+                <a:srgbClr val="FF6600"/>
+              </a:solidFill>
+            </a:ln>
+          </c:spPr>
+          <c:marker>
+            <c:symbol val="none"/>
+          </c:marker>
+          <c:cat>
+            <c:strRef>
+              <c:f>Graphs!$C$2:$F$2</c:f>
+              <c:strCache>
+                <c:ptCount val="4"/>
+                <c:pt idx="0">
+                  <c:v>4K Block Size</c:v>
+                </c:pt>
+                <c:pt idx="1">
+                  <c:v>32K Block Size</c:v>
+                </c:pt>
+                <c:pt idx="2">
+                  <c:v>64K Block Size</c:v>
+                </c:pt>
+                <c:pt idx="3">
+                  <c:v>128K Block Size</c:v>
+                </c:pt>
+              </c:strCache>
+            </c:strRef>
+          </c:cat>
+          <c:val>
+            <c:numRef>
+              <c:f>Graphs!$C$5:$F$5</c:f>
+              <c:numCache>
+                <c:formatCode>General</c:formatCode>
+                <c:ptCount val="4"/>
+                <c:pt idx="0">
+                  <c:v>9.5264880000000023</c:v>
+                </c:pt>
+                <c:pt idx="1">
+                  <c:v>32.891072000000001</c:v>
+                </c:pt>
+                <c:pt idx="2">
+                  <c:v>33.219000000000001</c:v>
+                </c:pt>
+                <c:pt idx="3">
+                  <c:v>36.044879999999999</c:v>
+                </c:pt>
+              </c:numCache>
+            </c:numRef>
+          </c:val>
+        </c:ser>
+        <c:ser>
+          <c:idx val="3"/>
+          <c:order val="3"/>
+          <c:tx>
+            <c:strRef>
+              <c:f>Graphs!$B$6</c:f>
+              <c:strCache>
+                <c:ptCount val="1"/>
+                <c:pt idx="0">
+                  <c:v>128 IO Depth</c:v>
+                </c:pt>
+              </c:strCache>
+            </c:strRef>
+          </c:tx>
+          <c:spPr>
+            <a:ln w="76200">
+              <a:solidFill>
+                <a:srgbClr val="FFFFFF">
+                  <a:lumMod val="65000"/>
+                </a:srgbClr>
+              </a:solidFill>
+            </a:ln>
+          </c:spPr>
+          <c:marker>
+            <c:symbol val="none"/>
+          </c:marker>
+          <c:cat>
+            <c:strRef>
+              <c:f>Graphs!$C$2:$F$2</c:f>
+              <c:strCache>
+                <c:ptCount val="4"/>
+                <c:pt idx="0">
+                  <c:v>4K Block Size</c:v>
+                </c:pt>
+                <c:pt idx="1">
+                  <c:v>32K Block Size</c:v>
+                </c:pt>
+                <c:pt idx="2">
+                  <c:v>64K Block Size</c:v>
+                </c:pt>
+                <c:pt idx="3">
+                  <c:v>128K Block Size</c:v>
+                </c:pt>
+              </c:strCache>
+            </c:strRef>
+          </c:cat>
+          <c:val>
+            <c:numRef>
+              <c:f>Graphs!$C$6:$F$6</c:f>
+              <c:numCache>
+                <c:formatCode>General</c:formatCode>
+                <c:ptCount val="4"/>
+                <c:pt idx="0">
+                  <c:v>8.4517840000000017</c:v>
+                </c:pt>
+                <c:pt idx="1">
+                  <c:v>33.094576000000011</c:v>
+                </c:pt>
+                <c:pt idx="2">
+                  <c:v>35.574704000000004</c:v>
+                </c:pt>
+                <c:pt idx="3">
+                  <c:v>36.054247999999994</c:v>
+                </c:pt>
+              </c:numCache>
+            </c:numRef>
+          </c:val>
+        </c:ser>
+        <c:ser>
+          <c:idx val="4"/>
+          <c:order val="4"/>
+          <c:tx>
+            <c:strRef>
+              <c:f>Graphs!$B$7</c:f>
+              <c:strCache>
+                <c:ptCount val="1"/>
+                <c:pt idx="0">
+                  <c:v>Link Speed</c:v>
+                </c:pt>
+              </c:strCache>
+            </c:strRef>
+          </c:tx>
+          <c:spPr>
+            <a:ln w="76200">
+              <a:solidFill>
+                <a:srgbClr val="000000"/>
+              </a:solidFill>
+              <a:prstDash val="dash"/>
+            </a:ln>
+          </c:spPr>
+          <c:marker>
+            <c:symbol val="none"/>
+          </c:marker>
+          <c:cat>
+            <c:strRef>
+              <c:f>Graphs!$C$2:$F$2</c:f>
+              <c:strCache>
+                <c:ptCount val="4"/>
+                <c:pt idx="0">
+                  <c:v>4K Block Size</c:v>
+                </c:pt>
+                <c:pt idx="1">
+                  <c:v>32K Block Size</c:v>
+                </c:pt>
+                <c:pt idx="2">
+                  <c:v>64K Block Size</c:v>
+                </c:pt>
+                <c:pt idx="3">
+                  <c:v>128K Block Size</c:v>
+                </c:pt>
+              </c:strCache>
+            </c:strRef>
+          </c:cat>
+          <c:val>
+            <c:numRef>
+              <c:f>Graphs!$C$7:$F$7</c:f>
+              <c:numCache>
+                <c:formatCode>General</c:formatCode>
+                <c:ptCount val="4"/>
+                <c:pt idx="0">
+                  <c:v>37</c:v>
+                </c:pt>
+                <c:pt idx="1">
+                  <c:v>37</c:v>
+                </c:pt>
+                <c:pt idx="2">
+                  <c:v>37</c:v>
+                </c:pt>
+                <c:pt idx="3">
+                  <c:v>37</c:v>
+                </c:pt>
+              </c:numCache>
+            </c:numRef>
+          </c:val>
+        </c:ser>
+        <c:marker val="1"/>
+        <c:axId val="58316672"/>
+        <c:axId val="58328960"/>
+      </c:lineChart>
+      <c:catAx>
+        <c:axId val="58316672"/>
+        <c:scaling>
+          <c:orientation val="minMax"/>
+        </c:scaling>
+        <c:axPos val="b"/>
+        <c:tickLblPos val="nextTo"/>
+        <c:txPr>
+          <a:bodyPr/>
+          <a:lstStyle/>
+          <a:p>
+            <a:pPr>
+              <a:defRPr sz="3200" b="1"/>
+            </a:pPr>
+            <a:endParaRPr lang="en-US"/>
+          </a:p>
+        </c:txPr>
+        <c:crossAx val="58328960"/>
+        <c:crosses val="autoZero"/>
+        <c:auto val="1"/>
+        <c:lblAlgn val="ctr"/>
+        <c:lblOffset val="100"/>
+      </c:catAx>
+      <c:valAx>
+        <c:axId val="58328960"/>
+        <c:scaling>
+          <c:orientation val="minMax"/>
+        </c:scaling>
+        <c:axPos val="l"/>
+        <c:majorGridlines/>
+        <c:title>
+          <c:tx>
+            <c:rich>
+              <a:bodyPr rot="-5400000" vert="horz"/>
+              <a:lstStyle/>
+              <a:p>
+                <a:pPr>
+                  <a:defRPr sz="3200"/>
+                </a:pPr>
+                <a:r>
+                  <a:rPr lang="en-US" sz="3200"/>
+                  <a:t>Read</a:t>
+                </a:r>
+                <a:r>
+                  <a:rPr lang="en-US" sz="3200" baseline="0"/>
+                  <a:t> Bandwidth (in Gb/s)</a:t>
+                </a:r>
+                <a:endParaRPr lang="en-US" sz="3200"/>
+              </a:p>
+            </c:rich>
+          </c:tx>
+          <c:layout/>
+        </c:title>
+        <c:numFmt formatCode="General" sourceLinked="1"/>
+        <c:tickLblPos val="nextTo"/>
+        <c:txPr>
+          <a:bodyPr/>
+          <a:lstStyle/>
+          <a:p>
+            <a:pPr>
+              <a:defRPr sz="3200" b="1"/>
+            </a:pPr>
+            <a:endParaRPr lang="en-US"/>
+          </a:p>
+        </c:txPr>
+        <c:crossAx val="58316672"/>
+        <c:crosses val="autoZero"/>
+        <c:crossBetween val="between"/>
+      </c:valAx>
+    </c:plotArea>
+    <c:legend>
+      <c:legendPos val="r"/>
+      <c:layout/>
+      <c:txPr>
+        <a:bodyPr/>
+        <a:lstStyle/>
+        <a:p>
+          <a:pPr>
+            <a:defRPr sz="3200" b="1"/>
+          </a:pPr>
+          <a:endParaRPr lang="en-US"/>
+        </a:p>
+      </c:txPr>
+    </c:legend>
+    <c:plotVisOnly val="1"/>
+  </c:chart>
   <c:externalData r:id="rId2"/>
 </c:chartSpace>
 </file>
@@ -3425,31 +3718,31 @@
             </a:pPr>
             <a:r>
               <a:rPr lang="en-US" sz="3200" dirty="0" smtClean="0"/>
-              <a:t>The objectives of this project are to assemble and benchmark a functional protocol stack. The stack will provide high throughput transfers with low CPU utilization that could be ported to </a:t>
+              <a:t>The objectives of this project are to assemble and benchmark a functional protocol stack. The stack will provide high throughput transfers with low CPU utilization that could be ported to Hewlett Packard Enterprise’s 3Par storage systems. To benchmark the servers, we created a custom test suite that determined read, write, buffer size, and seek performance. From the results, we concluded that this protocol stack will eliminate the network as a bottleneck in converged networks presenting </a:t>
+            </a:r>
+            <a:r>
+              <a:rPr lang="en-US" sz="3200" dirty="0" err="1" smtClean="0"/>
+              <a:t>NVMe</a:t>
             </a:r>
             <a:r>
               <a:rPr lang="en-US" sz="3200" dirty="0" smtClean="0"/>
-              <a:t>Hewlett Packard </a:t>
+              <a:t> attached remote storage. </a:t>
+            </a:r>
+            <a:r>
+              <a:rPr lang="en-US" sz="3200" dirty="0" err="1" smtClean="0"/>
+              <a:t>NVMe</a:t>
             </a:r>
             <a:r>
               <a:rPr lang="en-US" sz="3200" dirty="0" smtClean="0"/>
-              <a:t>Enterprise’s 3Par storage systems. To benchmark the servers, we created a custom test suite that determined read, write, buffer size, and seek performance.</a:t>
-            </a:r>
-          </a:p>
-          <a:p>
-            <a:pPr marL="0" algn="just">
-              <a:spcAft>
-                <a:spcPts val="1100"/>
-              </a:spcAft>
-              <a:buClr>
-                <a:schemeClr val="dk1"/>
-              </a:buClr>
-              <a:buSzPct val="137500"/>
-              <a:buNone/>
-            </a:pPr>
+              <a:t> over Fabrics is a standardized solution for efficient, attached non-volatile memory storage devices over fabrics such as RDMA and </a:t>
+            </a:r>
+            <a:r>
+              <a:rPr lang="en-US" sz="3200" dirty="0" err="1" smtClean="0"/>
+              <a:t>Fibre</a:t>
+            </a:r>
             <a:r>
               <a:rPr lang="en-US" sz="3200" dirty="0" smtClean="0"/>
-              <a:t>[Put in a statement about results regardless of whether they are positive or negative]</a:t>
+              <a:t> Channel.</a:t>
             </a:r>
           </a:p>
         </p:txBody>
@@ -3507,169 +3800,6 @@
       </p:sp>
       <p:sp>
         <p:nvSpPr>
-          <p:cNvPr id="30" name="Shape 30"/>
-          <p:cNvSpPr txBox="1">
-            <a:spLocks noGrp="1"/>
-          </p:cNvSpPr>
-          <p:nvPr>
-            <p:ph type="body" idx="3"/>
-          </p:nvPr>
-        </p:nvSpPr>
-        <p:spPr>
-          <a:xfrm>
-            <a:off x="583354" y="13816339"/>
-            <a:ext cx="10579946" cy="7733896"/>
-          </a:xfrm>
-          <a:prstGeom prst="rect">
-            <a:avLst/>
-          </a:prstGeom>
-          <a:noFill/>
-          <a:ln>
-            <a:noFill/>
-          </a:ln>
-        </p:spPr>
-        <p:txBody>
-          <a:bodyPr lIns="228550" tIns="228550" rIns="228550" bIns="228550" anchor="t" anchorCtr="0">
-            <a:noAutofit/>
-          </a:bodyPr>
-          <a:lstStyle/>
-          <a:p>
-            <a:pPr lvl="2" fontAlgn="base"/>
-            <a:r>
-              <a:rPr lang="en-US" sz="3200" dirty="0" smtClean="0"/>
-              <a:t>Network block device over </a:t>
-            </a:r>
-            <a:r>
-              <a:rPr lang="en-US" sz="3200" dirty="0" err="1" smtClean="0"/>
-              <a:t>Accelio</a:t>
-            </a:r>
-            <a:r>
-              <a:rPr lang="en-US" sz="3200" dirty="0" smtClean="0"/>
-              <a:t> framework</a:t>
-            </a:r>
-          </a:p>
-          <a:p>
-            <a:pPr lvl="2" fontAlgn="base"/>
-            <a:r>
-              <a:rPr lang="en-US" sz="3200" dirty="0" smtClean="0"/>
-              <a:t>Presented as a regular storage block device on the local system</a:t>
-            </a:r>
-          </a:p>
-          <a:p>
-            <a:pPr lvl="2" fontAlgn="base"/>
-            <a:r>
-              <a:rPr lang="en-US" sz="3200" dirty="0" smtClean="0"/>
-              <a:t>Fast IO to remote devices through its use of </a:t>
-            </a:r>
-            <a:r>
-              <a:rPr lang="en-US" sz="3200" dirty="0" err="1" smtClean="0"/>
-              <a:t>accelio</a:t>
-            </a:r>
-            <a:r>
-              <a:rPr lang="en-US" sz="3200" dirty="0" smtClean="0"/>
-              <a:t> acceleration facilities and multi-queue implementation in the block layer</a:t>
-            </a:r>
-          </a:p>
-          <a:p>
-            <a:pPr lvl="1" fontAlgn="base"/>
-            <a:endParaRPr lang="en-US" sz="4800" dirty="0" smtClean="0"/>
-          </a:p>
-          <a:p>
-            <a:pPr lvl="2" fontAlgn="base">
-              <a:buNone/>
-            </a:pPr>
-            <a:endParaRPr lang="en-US" sz="4400" dirty="0" smtClean="0"/>
-          </a:p>
-          <a:p>
-            <a:pPr lvl="2" fontAlgn="base"/>
-            <a:r>
-              <a:rPr lang="en-US" sz="3200" dirty="0" smtClean="0"/>
-              <a:t>Library for high-performance asynchronous IO using RDMA</a:t>
-            </a:r>
-          </a:p>
-          <a:p>
-            <a:pPr lvl="2" fontAlgn="base"/>
-            <a:r>
-              <a:rPr lang="en-US" sz="3200" dirty="0" smtClean="0"/>
-              <a:t>Provides Zero-copy data delivery</a:t>
-            </a:r>
-          </a:p>
-          <a:p>
-            <a:pPr lvl="2" fontAlgn="base"/>
-            <a:r>
-              <a:rPr lang="en-US" sz="3200" dirty="0" smtClean="0"/>
-              <a:t>Designed for multi-core CPUs and multi-threaded applications</a:t>
-            </a:r>
-          </a:p>
-          <a:p>
-            <a:pPr lvl="1" fontAlgn="base"/>
-            <a:endParaRPr lang="en-US" sz="5400" dirty="0" smtClean="0"/>
-          </a:p>
-          <a:p>
-            <a:pPr lvl="1" fontAlgn="base">
-              <a:buNone/>
-            </a:pPr>
-            <a:endParaRPr lang="en-US" sz="4000" dirty="0" smtClean="0"/>
-          </a:p>
-          <a:p>
-            <a:pPr lvl="2" fontAlgn="base"/>
-            <a:r>
-              <a:rPr lang="en-US" sz="3200" dirty="0" smtClean="0"/>
-              <a:t>Remote Direct Memory Access (RDMA) is capable of allowing server to server data movement management with minimal CPU involvement</a:t>
-            </a:r>
-          </a:p>
-          <a:p>
-            <a:pPr lvl="1" fontAlgn="base"/>
-            <a:endParaRPr lang="en-US" sz="5400" dirty="0" smtClean="0"/>
-          </a:p>
-          <a:p>
-            <a:pPr lvl="1" fontAlgn="base">
-              <a:buNone/>
-            </a:pPr>
-            <a:endParaRPr lang="en-US" sz="4000" dirty="0" smtClean="0"/>
-          </a:p>
-          <a:p>
-            <a:pPr lvl="2" fontAlgn="base"/>
-            <a:r>
-              <a:rPr lang="en-US" sz="3200" dirty="0" smtClean="0"/>
-              <a:t>Provides a lossless connection on top of the Ethernet protocol by implementing the Data center bridging enhancements (DCB) to the Ethernet standard.</a:t>
-            </a:r>
-          </a:p>
-          <a:p>
-            <a:pPr lvl="2" fontAlgn="base"/>
-            <a:r>
-              <a:rPr lang="en-US" sz="3200" dirty="0" smtClean="0"/>
-              <a:t>Bridges, converges, and controls the flow of multiple classes of traffic over an Ethernet network</a:t>
-            </a:r>
-          </a:p>
-          <a:p>
-            <a:pPr lvl="1" fontAlgn="base"/>
-            <a:endParaRPr lang="en-US" sz="4000" dirty="0" smtClean="0"/>
-          </a:p>
-          <a:p>
-            <a:pPr lvl="1" fontAlgn="base">
-              <a:buNone/>
-            </a:pPr>
-            <a:endParaRPr lang="en-US" sz="4800" dirty="0" smtClean="0"/>
-          </a:p>
-          <a:p>
-            <a:pPr lvl="2" fontAlgn="base"/>
-            <a:r>
-              <a:rPr lang="en-US" sz="3200" dirty="0" smtClean="0"/>
-              <a:t>Hardware support for RDMA</a:t>
-            </a:r>
-          </a:p>
-          <a:p>
-            <a:pPr lvl="2" fontAlgn="base"/>
-            <a:r>
-              <a:rPr lang="en-US" sz="3200" dirty="0" smtClean="0"/>
-              <a:t>Interconnect system for the I/O ports that supports 40G Ethernet</a:t>
-            </a:r>
-          </a:p>
-        </p:txBody>
-      </p:sp>
-      <p:sp>
-        <p:nvSpPr>
           <p:cNvPr id="31" name="Shape 31"/>
           <p:cNvSpPr txBox="1">
             <a:spLocks noGrp="1"/>
@@ -3680,7 +3810,7 @@
         </p:nvSpPr>
         <p:spPr>
           <a:xfrm>
-            <a:off x="583355" y="11645996"/>
+            <a:off x="583355" y="13684346"/>
             <a:ext cx="10607100" cy="1200299"/>
           </a:xfrm>
           <a:prstGeom prst="rect">
@@ -3854,7 +3984,7 @@
         </p:nvSpPr>
         <p:spPr>
           <a:xfrm>
-            <a:off x="32689800" y="7295311"/>
+            <a:off x="32689800" y="6866686"/>
             <a:ext cx="10607100" cy="846299"/>
           </a:xfrm>
           <a:prstGeom prst="rect">
@@ -3950,11 +4080,6 @@
               <a:rPr lang="en-US" sz="3200" dirty="0" smtClean="0"/>
               <a:t> SSD.</a:t>
             </a:r>
-          </a:p>
-          <a:p>
-            <a:pPr>
-              <a:buNone/>
-            </a:pPr>
             <a:endParaRPr lang="en-US" sz="3200" b="1" dirty="0" smtClean="0"/>
           </a:p>
           <a:p>
@@ -4095,7 +4220,7 @@
             </a:br>
             <a:r>
               <a:rPr lang="en-US" dirty="0" smtClean="0"/>
-              <a:t>Jayden Navarro, Alice Yu, Kevin Cheng*</a:t>
+              <a:t>Jayden Navarro, Alice Yu, Kevin Cheng⃰</a:t>
             </a:r>
             <a:endParaRPr lang="en-US" dirty="0"/>
           </a:p>
@@ -4135,8 +4260,8 @@
         </p:nvSpPr>
         <p:spPr bwMode="ltGray">
           <a:xfrm>
-            <a:off x="1000126" y="12792074"/>
-            <a:ext cx="9572624" cy="1152144"/>
+            <a:off x="1000126" y="14954249"/>
+            <a:ext cx="9572624" cy="768096"/>
           </a:xfrm>
           <a:prstGeom prst="rect">
             <a:avLst/>
@@ -4178,7 +4303,7 @@
               <a:defRPr/>
             </a:pPr>
             <a:r>
-              <a:rPr kumimoji="0" lang="en-US" sz="3200" b="0" i="0" u="none" strike="noStrike" kern="0" cap="none" spc="0" normalizeH="0" baseline="0" noProof="0" dirty="0" err="1" smtClean="0">
+              <a:rPr kumimoji="0" lang="en-US" sz="3100" b="0" i="0" u="none" strike="noStrike" kern="0" cap="none" spc="0" normalizeH="0" baseline="0" noProof="0" dirty="0" err="1" smtClean="0">
                 <a:ln>
                   <a:noFill/>
                 </a:ln>
@@ -4194,7 +4319,7 @@
               </a:rPr>
               <a:t>nbdX</a:t>
             </a:r>
-            <a:endParaRPr kumimoji="0" lang="en-US" sz="3200" b="0" i="0" u="none" strike="noStrike" kern="0" cap="none" spc="0" normalizeH="0" baseline="0" noProof="0" dirty="0" smtClean="0">
+            <a:endParaRPr kumimoji="0" lang="en-US" sz="3100" b="0" i="0" u="none" strike="noStrike" kern="0" cap="none" spc="0" normalizeH="0" baseline="0" noProof="0" dirty="0" smtClean="0">
               <a:ln>
                 <a:noFill/>
               </a:ln>
@@ -4219,7 +4344,7 @@
         </p:nvSpPr>
         <p:spPr bwMode="ltGray">
           <a:xfrm>
-            <a:off x="971551" y="14992350"/>
+            <a:off x="971551" y="16554450"/>
             <a:ext cx="1085850" cy="1447800"/>
           </a:xfrm>
           <a:prstGeom prst="downArrow">
@@ -4286,8 +4411,8 @@
         </p:nvSpPr>
         <p:spPr bwMode="ltGray">
           <a:xfrm>
-            <a:off x="1095376" y="17583149"/>
-            <a:ext cx="9572624" cy="1152144"/>
+            <a:off x="1095376" y="18897599"/>
+            <a:ext cx="9572624" cy="768096"/>
           </a:xfrm>
           <a:prstGeom prst="rect">
             <a:avLst/>
@@ -4329,7 +4454,7 @@
               <a:defRPr/>
             </a:pPr>
             <a:r>
-              <a:rPr kumimoji="0" lang="en-US" sz="3200" b="0" i="0" u="none" strike="noStrike" kern="0" cap="none" spc="0" normalizeH="0" baseline="0" noProof="0" dirty="0" err="1" smtClean="0">
+              <a:rPr kumimoji="0" lang="en-US" sz="3100" b="0" i="0" u="none" strike="noStrike" kern="0" cap="none" spc="0" normalizeH="0" baseline="0" noProof="0" dirty="0" err="1" smtClean="0">
                 <a:ln>
                   <a:noFill/>
                 </a:ln>
@@ -4345,7 +4470,7 @@
               </a:rPr>
               <a:t>Accelio</a:t>
             </a:r>
-            <a:endParaRPr kumimoji="0" lang="en-US" sz="3200" b="0" i="0" u="none" strike="noStrike" kern="0" cap="none" spc="0" normalizeH="0" baseline="0" noProof="0" dirty="0" smtClean="0">
+            <a:endParaRPr kumimoji="0" lang="en-US" sz="3100" b="0" i="0" u="none" strike="noStrike" kern="0" cap="none" spc="0" normalizeH="0" baseline="0" noProof="0" dirty="0" smtClean="0">
               <a:ln>
                 <a:noFill/>
               </a:ln>
@@ -4370,8 +4495,8 @@
         </p:nvSpPr>
         <p:spPr bwMode="ltGray">
           <a:xfrm>
-            <a:off x="1219201" y="21440774"/>
-            <a:ext cx="9572624" cy="1152144"/>
+            <a:off x="1219201" y="22355174"/>
+            <a:ext cx="9572624" cy="768096"/>
           </a:xfrm>
           <a:prstGeom prst="rect">
             <a:avLst/>
@@ -4401,7 +4526,7 @@
               </a:lnSpc>
             </a:pPr>
             <a:r>
-              <a:rPr lang="en-US" sz="3200" dirty="0" err="1" smtClean="0">
+              <a:rPr lang="en-US" sz="3100" dirty="0" err="1" smtClean="0">
                 <a:solidFill>
                   <a:sysClr val="window" lastClr="FFFFFF"/>
                 </a:solidFill>
@@ -4411,7 +4536,7 @@
               <a:t>RoCE</a:t>
             </a:r>
             <a:r>
-              <a:rPr lang="en-US" sz="3200" dirty="0" smtClean="0">
+              <a:rPr lang="en-US" sz="3100" dirty="0" smtClean="0">
                 <a:solidFill>
                   <a:sysClr val="window" lastClr="FFFFFF"/>
                 </a:solidFill>
@@ -4420,7 +4545,7 @@
               </a:rPr>
               <a:t> v2 (RDMA over Converged Ethernet)</a:t>
             </a:r>
-            <a:endParaRPr kumimoji="0" lang="en-US" sz="3200" b="0" i="0" u="none" strike="noStrike" kern="0" cap="none" spc="0" normalizeH="0" baseline="0" noProof="0" dirty="0" smtClean="0">
+            <a:endParaRPr kumimoji="0" lang="en-US" sz="3100" b="0" i="0" u="none" strike="noStrike" kern="0" cap="none" spc="0" normalizeH="0" baseline="0" noProof="0" dirty="0" smtClean="0">
               <a:ln>
                 <a:noFill/>
               </a:ln>
@@ -4445,8 +4570,8 @@
         </p:nvSpPr>
         <p:spPr bwMode="ltGray">
           <a:xfrm>
-            <a:off x="1228726" y="24812624"/>
-            <a:ext cx="9572624" cy="1152144"/>
+            <a:off x="1228726" y="25307924"/>
+            <a:ext cx="9572624" cy="768096"/>
           </a:xfrm>
           <a:prstGeom prst="rect">
             <a:avLst/>
@@ -4476,7 +4601,7 @@
               </a:lnSpc>
             </a:pPr>
             <a:r>
-              <a:rPr lang="en-US" sz="3200" dirty="0" smtClean="0">
+              <a:rPr lang="en-US" sz="3100" dirty="0" smtClean="0">
                 <a:solidFill>
                   <a:sysClr val="window" lastClr="FFFFFF"/>
                 </a:solidFill>
@@ -4485,7 +4610,7 @@
               </a:rPr>
               <a:t>Converged Ethernet</a:t>
             </a:r>
-            <a:endParaRPr kumimoji="0" lang="en-US" sz="3200" b="0" i="0" u="none" strike="noStrike" kern="0" cap="none" spc="0" normalizeH="0" baseline="0" noProof="0" dirty="0" smtClean="0">
+            <a:endParaRPr kumimoji="0" lang="en-US" sz="3100" b="0" i="0" u="none" strike="noStrike" kern="0" cap="none" spc="0" normalizeH="0" baseline="0" noProof="0" dirty="0" smtClean="0">
               <a:ln>
                 <a:noFill/>
               </a:ln>
@@ -4510,8 +4635,8 @@
         </p:nvSpPr>
         <p:spPr bwMode="ltGray">
           <a:xfrm>
-            <a:off x="1323976" y="29594175"/>
-            <a:ext cx="9572624" cy="1152525"/>
+            <a:off x="1323976" y="29698950"/>
+            <a:ext cx="9572624" cy="771525"/>
           </a:xfrm>
           <a:prstGeom prst="rect">
             <a:avLst/>
@@ -4541,17 +4666,17 @@
               </a:lnSpc>
             </a:pPr>
             <a:r>
-              <a:rPr lang="en-US" sz="3200" dirty="0" smtClean="0">
+              <a:rPr lang="en-US" sz="3100" dirty="0" smtClean="0">
                 <a:solidFill>
                   <a:sysClr val="window" lastClr="FFFFFF"/>
                 </a:solidFill>
                 <a:ea typeface="+mn-ea"/>
                 <a:cs typeface="+mn-cs"/>
               </a:rPr>
-              <a:t>HP </a:t>
-            </a:r>
-            <a:r>
-              <a:rPr lang="en-US" sz="3200" dirty="0" err="1" smtClean="0">
+              <a:t>HP FDR Ethernet Card/</a:t>
+            </a:r>
+            <a:r>
+              <a:rPr lang="en-US" sz="3100" dirty="0" err="1" smtClean="0">
                 <a:solidFill>
                   <a:sysClr val="window" lastClr="FFFFFF"/>
                 </a:solidFill>
@@ -4561,27 +4686,7 @@
               <a:t>Infiniband</a:t>
             </a:r>
             <a:r>
-              <a:rPr lang="en-US" sz="3200" dirty="0" smtClean="0">
-                <a:solidFill>
-                  <a:sysClr val="window" lastClr="FFFFFF"/>
-                </a:solidFill>
-                <a:ea typeface="+mn-ea"/>
-                <a:cs typeface="+mn-cs"/>
-              </a:rPr>
-              <a:t> FDR Ethernet Card/</a:t>
-            </a:r>
-            <a:r>
-              <a:rPr lang="en-US" sz="3200" dirty="0" err="1" smtClean="0">
-                <a:solidFill>
-                  <a:sysClr val="window" lastClr="FFFFFF"/>
-                </a:solidFill>
-                <a:ea typeface="+mn-ea"/>
-                <a:cs typeface="+mn-cs"/>
-              </a:rPr>
-              <a:t>Infiniband</a:t>
-            </a:r>
-            <a:r>
-              <a:rPr lang="en-US" sz="3200" dirty="0" smtClean="0">
+              <a:rPr lang="en-US" sz="3100" dirty="0" smtClean="0">
                 <a:solidFill>
                   <a:sysClr val="window" lastClr="FFFFFF"/>
                 </a:solidFill>
@@ -4601,7 +4706,7 @@
         </p:nvSpPr>
         <p:spPr bwMode="ltGray">
           <a:xfrm>
-            <a:off x="1009651" y="19297650"/>
+            <a:off x="1009651" y="20231100"/>
             <a:ext cx="1085850" cy="1447800"/>
           </a:xfrm>
           <a:prstGeom prst="downArrow">
@@ -4668,7 +4773,7 @@
         </p:nvSpPr>
         <p:spPr bwMode="ltGray">
           <a:xfrm>
-            <a:off x="990601" y="23002875"/>
+            <a:off x="990601" y="23564850"/>
             <a:ext cx="1085850" cy="1447800"/>
           </a:xfrm>
           <a:prstGeom prst="downArrow">
@@ -4735,7 +4840,7 @@
         </p:nvSpPr>
         <p:spPr bwMode="ltGray">
           <a:xfrm>
-            <a:off x="1000126" y="27070050"/>
+            <a:off x="1000126" y="27079575"/>
             <a:ext cx="1085850" cy="1447800"/>
           </a:xfrm>
           <a:prstGeom prst="downArrow">
@@ -4806,7 +4911,7 @@
         </p:nvSpPr>
         <p:spPr>
           <a:xfrm>
-            <a:off x="32694565" y="27246315"/>
+            <a:off x="32694565" y="24360240"/>
             <a:ext cx="10510835" cy="4300485"/>
           </a:xfrm>
           <a:prstGeom prst="rect">
@@ -4872,27 +4977,14 @@
             <a:pPr fontAlgn="base"/>
             <a:r>
               <a:rPr lang="en-US" sz="3200" dirty="0" smtClean="0"/>
-              <a:t>Hewlett Packard Enterprise </a:t>
-            </a:r>
-            <a:r>
-              <a:rPr lang="en-US" sz="3200" dirty="0" smtClean="0"/>
-              <a:t>for the hardware and support provided</a:t>
-            </a:r>
-          </a:p>
-          <a:p>
-            <a:pPr fontAlgn="base">
-              <a:buNone/>
-            </a:pPr>
-            <a:r>
-              <a:rPr lang="en-US" sz="3200" dirty="0" smtClean="0"/>
-              <a:t/>
+              <a:t>Hewlett Packard Enterprise for the hardware and support provided</a:t>
             </a:r>
             <a:br>
               <a:rPr lang="en-US" sz="3200" dirty="0" smtClean="0"/>
             </a:br>
             <a:r>
               <a:rPr lang="en-US" sz="3200" dirty="0" smtClean="0"/>
-              <a:t>*  Participated in the first half of the project</a:t>
+              <a:t>⃰  Participated in the first half of the project</a:t>
             </a:r>
             <a:endParaRPr lang="en-US" sz="3200" dirty="0"/>
           </a:p>
@@ -4910,7 +5002,7 @@
         </p:nvSpPr>
         <p:spPr>
           <a:xfrm>
-            <a:off x="32751715" y="26174700"/>
+            <a:off x="32751715" y="23402925"/>
             <a:ext cx="10453685" cy="1314449"/>
           </a:xfrm>
           <a:prstGeom prst="rect">
@@ -4961,7 +5053,7 @@
         </p:nvSpPr>
         <p:spPr>
           <a:xfrm>
-            <a:off x="32712600" y="15817263"/>
+            <a:off x="32712600" y="14340888"/>
             <a:ext cx="10607100" cy="1200299"/>
           </a:xfrm>
           <a:prstGeom prst="rect">
@@ -5012,7 +5104,7 @@
         </p:nvSpPr>
         <p:spPr>
           <a:xfrm>
-            <a:off x="32712600" y="16903861"/>
+            <a:off x="32712600" y="15198886"/>
             <a:ext cx="10607100" cy="846299"/>
           </a:xfrm>
           <a:prstGeom prst="rect">
@@ -5042,7 +5134,7 @@
             </a:r>
             <a:r>
               <a:rPr lang="en-US" sz="3200" dirty="0" smtClean="0"/>
-              <a:t> technology was able to perform [well | poorly] compared to a local </a:t>
+              <a:t> technology was able to perform well compared to a local </a:t>
             </a:r>
             <a:r>
               <a:rPr lang="en-US" sz="3200" dirty="0" err="1" smtClean="0"/>
@@ -5050,7 +5142,14 @@
             </a:r>
             <a:r>
               <a:rPr lang="en-US" sz="3200" dirty="0" smtClean="0"/>
-              <a:t> in terms of IOPS, throughput, and latency. In terms of overall use, we found </a:t>
+              <a:t> in terms of IOPS, </a:t>
+            </a:r>
+            <a:br>
+              <a:rPr lang="en-US" sz="3200" dirty="0" smtClean="0"/>
+            </a:br>
+            <a:r>
+              <a:rPr lang="en-US" sz="3200" dirty="0" smtClean="0"/>
+              <a:t>throughput, and latency. In terms of overall use, we found </a:t>
             </a:r>
             <a:r>
               <a:rPr lang="en-US" sz="3200" dirty="0" err="1" smtClean="0"/>
@@ -5087,54 +5186,6 @@
           </a:p>
         </p:txBody>
       </p:sp>
-      <p:graphicFrame>
-        <p:nvGraphicFramePr>
-          <p:cNvPr id="61" name="Chart 60"/>
-          <p:cNvGraphicFramePr/>
-          <p:nvPr/>
-        </p:nvGraphicFramePr>
-        <p:xfrm>
-          <a:off x="12353926" y="6962214"/>
-          <a:ext cx="19259550" cy="5534586"/>
-        </p:xfrm>
-        <a:graphic>
-          <a:graphicData uri="http://schemas.openxmlformats.org/drawingml/2006/chart">
-            <c:chart xmlns:c="http://schemas.openxmlformats.org/drawingml/2006/chart" xmlns:r="http://schemas.openxmlformats.org/officeDocument/2006/relationships" r:id="rId4"/>
-          </a:graphicData>
-        </a:graphic>
-      </p:graphicFrame>
-      <p:graphicFrame>
-        <p:nvGraphicFramePr>
-          <p:cNvPr id="64" name="Chart 63"/>
-          <p:cNvGraphicFramePr/>
-          <p:nvPr/>
-        </p:nvGraphicFramePr>
-        <p:xfrm>
-          <a:off x="12358967" y="14411325"/>
-          <a:ext cx="19257264" cy="5532120"/>
-        </p:xfrm>
-        <a:graphic>
-          <a:graphicData uri="http://schemas.openxmlformats.org/drawingml/2006/chart">
-            <c:chart xmlns:c="http://schemas.openxmlformats.org/drawingml/2006/chart" xmlns:r="http://schemas.openxmlformats.org/officeDocument/2006/relationships" r:id="rId5"/>
-          </a:graphicData>
-        </a:graphic>
-      </p:graphicFrame>
-      <p:graphicFrame>
-        <p:nvGraphicFramePr>
-          <p:cNvPr id="67" name="Chart 66"/>
-          <p:cNvGraphicFramePr/>
-          <p:nvPr/>
-        </p:nvGraphicFramePr>
-        <p:xfrm>
-          <a:off x="12339916" y="21912261"/>
-          <a:ext cx="19257264" cy="5532120"/>
-        </p:xfrm>
-        <a:graphic>
-          <a:graphicData uri="http://schemas.openxmlformats.org/drawingml/2006/chart">
-            <c:chart xmlns:c="http://schemas.openxmlformats.org/drawingml/2006/chart" xmlns:r="http://schemas.openxmlformats.org/officeDocument/2006/relationships" r:id="rId6"/>
-          </a:graphicData>
-        </a:graphic>
-      </p:graphicFrame>
       <p:sp>
         <p:nvSpPr>
           <p:cNvPr id="76" name="Shape 34"/>
@@ -5147,7 +5198,7 @@
         </p:nvSpPr>
         <p:spPr>
           <a:xfrm>
-            <a:off x="11811000" y="29684715"/>
+            <a:off x="11811000" y="29951415"/>
             <a:ext cx="20307299" cy="2281185"/>
           </a:xfrm>
           <a:prstGeom prst="rect">
@@ -5169,7 +5220,7 @@
             </a:pPr>
             <a:r>
               <a:rPr lang="en-US" sz="3200" dirty="0" smtClean="0"/>
-              <a:t>   We felt that the current technology showed promise in terms of its ideal benchmarking results. We were impressed by the achieved IOPS, bandwidth, and latency, and how they compared to other enterprise solutions. With the advent of faster </a:t>
+              <a:t>   We felt that the current technology showed promise in terms of its ideal benchmarking results. We were impressed by the achieved IOPS, bandwidth, and consistently low CPU utilization (&lt; 25%). With the advent of faster </a:t>
             </a:r>
             <a:r>
               <a:rPr lang="en-US" sz="3200" dirty="0" err="1" smtClean="0"/>
@@ -5211,7 +5262,7 @@
         </p:nvSpPr>
         <p:spPr>
           <a:xfrm>
-            <a:off x="12215815" y="28613100"/>
+            <a:off x="12215815" y="28879800"/>
             <a:ext cx="19434288" cy="1314449"/>
           </a:xfrm>
           <a:prstGeom prst="rect">
@@ -5267,7 +5318,7 @@
         </p:nvSpPr>
         <p:spPr>
           <a:xfrm>
-            <a:off x="12158665" y="12577815"/>
+            <a:off x="12158665" y="12120615"/>
             <a:ext cx="19540535" cy="1100085"/>
           </a:xfrm>
           <a:prstGeom prst="rect">
@@ -5289,11 +5340,19 @@
             </a:pPr>
             <a:r>
               <a:rPr lang="en-US" sz="3200" b="1" dirty="0" smtClean="0"/>
-              <a:t>Graph 1</a:t>
+              <a:t>   Graph 1</a:t>
             </a:r>
             <a:r>
               <a:rPr lang="en-US" sz="3200" dirty="0" smtClean="0"/>
-              <a:t>: [We have the IOPS for block sizes and IO depths. We’ll compare them against the same metrics for enterprise </a:t>
+              <a:t>: </a:t>
+            </a:r>
+            <a:r>
+              <a:rPr lang="en-US" sz="3200" dirty="0" err="1" smtClean="0"/>
+              <a:t>nbdX</a:t>
+            </a:r>
+            <a:r>
+              <a:rPr lang="en-US" sz="3200" dirty="0" smtClean="0"/>
+              <a:t> was able to yield &gt; 250,000 4K IOPS on 32, 64, and 128 IO depths. Compared to the ~100,000 4K IOPS of </a:t>
             </a:r>
             <a:r>
               <a:rPr lang="en-US" sz="3200" dirty="0" err="1" smtClean="0"/>
@@ -5301,15 +5360,7 @@
             </a:r>
             <a:r>
               <a:rPr lang="en-US" sz="3200" dirty="0" smtClean="0"/>
-              <a:t> drives. And if ours is greater, then we can eliminate </a:t>
-            </a:r>
-            <a:r>
-              <a:rPr lang="en-US" sz="3200" dirty="0" err="1" smtClean="0"/>
-              <a:t>nbdX</a:t>
-            </a:r>
-            <a:r>
-              <a:rPr lang="en-US" sz="3200" dirty="0" smtClean="0"/>
-              <a:t> as a bottleneck for these drives.</a:t>
+              <a:t> attached drives, the network will not be the IOPS bottleneck for remote transfers.</a:t>
             </a:r>
             <a:endParaRPr lang="en-US" sz="3200" b="1" dirty="0"/>
           </a:p>
@@ -5327,7 +5378,7 @@
         </p:nvSpPr>
         <p:spPr>
           <a:xfrm>
-            <a:off x="12272965" y="20159715"/>
+            <a:off x="12272965" y="20197815"/>
             <a:ext cx="19540535" cy="1100085"/>
           </a:xfrm>
           <a:prstGeom prst="rect">
@@ -5349,11 +5400,35 @@
             </a:pPr>
             <a:r>
               <a:rPr lang="en-US" sz="3200" b="1" dirty="0" smtClean="0"/>
-              <a:t>Graph 2</a:t>
+              <a:t>   Graph 2</a:t>
             </a:r>
             <a:r>
               <a:rPr lang="en-US" sz="3200" dirty="0" smtClean="0"/>
-              <a:t>: [We have the bandwidth for block sizes and IO depths. We’ll compare them against the same metrics for enterprise </a:t>
+              <a:t>: On large block sizes, </a:t>
+            </a:r>
+            <a:r>
+              <a:rPr lang="en-US" sz="3200" dirty="0" err="1" smtClean="0"/>
+              <a:t>nbdX</a:t>
+            </a:r>
+            <a:r>
+              <a:rPr lang="en-US" sz="3200" dirty="0" smtClean="0"/>
+              <a:t> performed close to our maximum link speed (37 </a:t>
+            </a:r>
+            <a:r>
+              <a:rPr lang="en-US" sz="3200" dirty="0" err="1" smtClean="0"/>
+              <a:t>Gb</a:t>
+            </a:r>
+            <a:r>
+              <a:rPr lang="en-US" sz="3200" dirty="0" smtClean="0"/>
+              <a:t>/s). Compared to the ~8.0 </a:t>
+            </a:r>
+            <a:r>
+              <a:rPr lang="en-US" sz="3200" dirty="0" err="1" smtClean="0"/>
+              <a:t>Gb</a:t>
+            </a:r>
+            <a:r>
+              <a:rPr lang="en-US" sz="3200" dirty="0" smtClean="0"/>
+              <a:t>/s transfer speeds of </a:t>
             </a:r>
             <a:r>
               <a:rPr lang="en-US" sz="3200" dirty="0" err="1" smtClean="0"/>
@@ -5361,15 +5436,7 @@
             </a:r>
             <a:r>
               <a:rPr lang="en-US" sz="3200" dirty="0" smtClean="0"/>
-              <a:t> drives. And if ours is greater, then we can eliminate </a:t>
-            </a:r>
-            <a:r>
-              <a:rPr lang="en-US" sz="3200" dirty="0" err="1" smtClean="0"/>
-              <a:t>nbdX</a:t>
-            </a:r>
-            <a:r>
-              <a:rPr lang="en-US" sz="3200" dirty="0" smtClean="0"/>
-              <a:t> as a bottleneck for these drives.]</a:t>
+              <a:t> attached drives, the network will not be the throughput bottleneck for remote transfers.</a:t>
             </a:r>
             <a:endParaRPr lang="en-US" sz="3200" b="1" dirty="0"/>
           </a:p>
@@ -5387,7 +5454,7 @@
         </p:nvSpPr>
         <p:spPr>
           <a:xfrm>
-            <a:off x="12158665" y="27436815"/>
+            <a:off x="12158665" y="27741615"/>
             <a:ext cx="19540535" cy="1100085"/>
           </a:xfrm>
           <a:prstGeom prst="rect">
@@ -5409,16 +5476,402 @@
             </a:pPr>
             <a:r>
               <a:rPr lang="en-US" sz="3200" b="1" dirty="0" smtClean="0"/>
-              <a:t>Graph 3</a:t>
+              <a:t>   Graph 3</a:t>
             </a:r>
             <a:r>
               <a:rPr lang="en-US" sz="3200" dirty="0" smtClean="0"/>
-              <a:t>: [We’ll compare the latency again the latency for current solutions.]</a:t>
+              <a:t>: Latency was higher than we were expecting. If we continued on with this project, this would be a primary point of investigation.</a:t>
             </a:r>
             <a:endParaRPr lang="en-US" sz="3200" b="1" dirty="0"/>
           </a:p>
         </p:txBody>
       </p:sp>
+      <p:sp>
+        <p:nvSpPr>
+          <p:cNvPr id="34" name="TextBox 33"/>
+          <p:cNvSpPr txBox="1"/>
+          <p:nvPr/>
+        </p:nvSpPr>
+        <p:spPr>
+          <a:xfrm>
+            <a:off x="990600" y="15792450"/>
+            <a:ext cx="9601200" cy="3046988"/>
+          </a:xfrm>
+          <a:prstGeom prst="rect">
+            <a:avLst/>
+          </a:prstGeom>
+          <a:noFill/>
+        </p:spPr>
+        <p:txBody>
+          <a:bodyPr wrap="square" rtlCol="0">
+            <a:spAutoFit/>
+          </a:bodyPr>
+          <a:lstStyle/>
+          <a:p>
+            <a:pPr marL="2056968" lvl="2" indent="-583768" fontAlgn="base">
+              <a:buFontTx/>
+              <a:buChar char="■"/>
+            </a:pPr>
+            <a:r>
+              <a:rPr lang="en-US" sz="3200" dirty="0" smtClean="0"/>
+              <a:t>Network block device over </a:t>
+            </a:r>
+            <a:r>
+              <a:rPr lang="en-US" sz="3200" dirty="0" err="1" smtClean="0"/>
+              <a:t>Accelio</a:t>
+            </a:r>
+            <a:r>
+              <a:rPr lang="en-US" sz="3200" dirty="0" smtClean="0"/>
+              <a:t> framework</a:t>
+            </a:r>
+          </a:p>
+          <a:p>
+            <a:pPr marL="2056968" lvl="2" indent="-583768" fontAlgn="base">
+              <a:buFontTx/>
+              <a:buChar char="■"/>
+            </a:pPr>
+            <a:r>
+              <a:rPr lang="en-US" sz="3200" dirty="0" smtClean="0"/>
+              <a:t>Presented as a regular storage block device on the local system</a:t>
+            </a:r>
+          </a:p>
+          <a:p>
+            <a:pPr marL="2056968" lvl="2" indent="-583768" fontAlgn="base">
+              <a:buFontTx/>
+              <a:buChar char="■"/>
+            </a:pPr>
+            <a:r>
+              <a:rPr lang="en-US" sz="3200" dirty="0" smtClean="0"/>
+              <a:t>Pre-specification version of </a:t>
+            </a:r>
+            <a:r>
+              <a:rPr lang="en-US" sz="3200" dirty="0" err="1" smtClean="0"/>
+              <a:t>NVMe</a:t>
+            </a:r>
+            <a:r>
+              <a:rPr lang="en-US" sz="3200" dirty="0" smtClean="0"/>
+              <a:t> over Fabrics</a:t>
+            </a:r>
+          </a:p>
+        </p:txBody>
+      </p:sp>
+      <p:sp>
+        <p:nvSpPr>
+          <p:cNvPr id="35" name="TextBox 34"/>
+          <p:cNvSpPr txBox="1"/>
+          <p:nvPr/>
+        </p:nvSpPr>
+        <p:spPr>
+          <a:xfrm>
+            <a:off x="1104900" y="19716750"/>
+            <a:ext cx="9474708" cy="2554545"/>
+          </a:xfrm>
+          <a:prstGeom prst="rect">
+            <a:avLst/>
+          </a:prstGeom>
+          <a:noFill/>
+        </p:spPr>
+        <p:txBody>
+          <a:bodyPr wrap="square" rtlCol="0">
+            <a:spAutoFit/>
+          </a:bodyPr>
+          <a:lstStyle/>
+          <a:p>
+            <a:pPr marL="2056968" lvl="2" indent="-583768" fontAlgn="base">
+              <a:buFontTx/>
+              <a:buChar char="■"/>
+            </a:pPr>
+            <a:r>
+              <a:rPr lang="en-US" sz="3200" dirty="0" smtClean="0"/>
+              <a:t>Library for high-performance asynchronous IO using RDMA</a:t>
+            </a:r>
+          </a:p>
+          <a:p>
+            <a:pPr marL="2056968" lvl="2" indent="-583768" fontAlgn="base">
+              <a:buFontTx/>
+              <a:buChar char="■"/>
+            </a:pPr>
+            <a:r>
+              <a:rPr lang="en-US" sz="3200" dirty="0" smtClean="0"/>
+              <a:t>Provides Zero-copy data delivery</a:t>
+            </a:r>
+          </a:p>
+          <a:p>
+            <a:pPr marL="2056968" lvl="2" indent="-583768" fontAlgn="base">
+              <a:buFontTx/>
+              <a:buChar char="■"/>
+            </a:pPr>
+            <a:r>
+              <a:rPr lang="en-US" sz="3200" dirty="0" smtClean="0"/>
+              <a:t>Designed for multi-core CPUs and multi-threaded applications</a:t>
+            </a:r>
+          </a:p>
+        </p:txBody>
+      </p:sp>
+      <p:sp>
+        <p:nvSpPr>
+          <p:cNvPr id="38" name="TextBox 37"/>
+          <p:cNvSpPr txBox="1"/>
+          <p:nvPr/>
+        </p:nvSpPr>
+        <p:spPr>
+          <a:xfrm>
+            <a:off x="1219200" y="23193375"/>
+            <a:ext cx="9563100" cy="2062103"/>
+          </a:xfrm>
+          <a:prstGeom prst="rect">
+            <a:avLst/>
+          </a:prstGeom>
+          <a:noFill/>
+        </p:spPr>
+        <p:txBody>
+          <a:bodyPr wrap="square" rtlCol="0">
+            <a:spAutoFit/>
+          </a:bodyPr>
+          <a:lstStyle/>
+          <a:p>
+            <a:pPr marL="2056968" lvl="2" indent="-583768" fontAlgn="base">
+              <a:buFontTx/>
+              <a:buChar char="■"/>
+            </a:pPr>
+            <a:r>
+              <a:rPr lang="en-US" sz="3200" dirty="0" smtClean="0"/>
+              <a:t>Remote Direct Memory Access (RDMA) is capable of allowing server to server data movement management with minimal CPU involvement</a:t>
+            </a:r>
+          </a:p>
+        </p:txBody>
+      </p:sp>
+      <p:sp>
+        <p:nvSpPr>
+          <p:cNvPr id="39" name="TextBox 38"/>
+          <p:cNvSpPr txBox="1"/>
+          <p:nvPr/>
+        </p:nvSpPr>
+        <p:spPr>
+          <a:xfrm>
+            <a:off x="1219200" y="26165175"/>
+            <a:ext cx="9639300" cy="3539430"/>
+          </a:xfrm>
+          <a:prstGeom prst="rect">
+            <a:avLst/>
+          </a:prstGeom>
+          <a:noFill/>
+        </p:spPr>
+        <p:txBody>
+          <a:bodyPr wrap="square" rtlCol="0">
+            <a:spAutoFit/>
+          </a:bodyPr>
+          <a:lstStyle/>
+          <a:p>
+            <a:pPr marL="2056968" lvl="2" indent="-583768" fontAlgn="base">
+              <a:buFontTx/>
+              <a:buChar char="■"/>
+            </a:pPr>
+            <a:r>
+              <a:rPr lang="en-US" sz="3200" dirty="0" smtClean="0"/>
+              <a:t>Provides a lossless connection on top of the Ethernet protocol by implementing the Data center bridging enhancements (DCB) to the Ethernet standard.</a:t>
+            </a:r>
+          </a:p>
+          <a:p>
+            <a:pPr marL="2056968" lvl="2" indent="-583768" fontAlgn="base">
+              <a:buFontTx/>
+              <a:buChar char="■"/>
+            </a:pPr>
+            <a:r>
+              <a:rPr lang="en-US" sz="3200" dirty="0" smtClean="0"/>
+              <a:t>Bridges, converges, and controls the flow of multiple classes of traffic over an Ethernet network</a:t>
+            </a:r>
+            <a:endParaRPr lang="en-US" sz="4000" dirty="0" smtClean="0"/>
+          </a:p>
+        </p:txBody>
+      </p:sp>
+      <p:sp>
+        <p:nvSpPr>
+          <p:cNvPr id="40" name="TextBox 39"/>
+          <p:cNvSpPr txBox="1"/>
+          <p:nvPr/>
+        </p:nvSpPr>
+        <p:spPr>
+          <a:xfrm>
+            <a:off x="1333500" y="30527625"/>
+            <a:ext cx="9563100" cy="1569660"/>
+          </a:xfrm>
+          <a:prstGeom prst="rect">
+            <a:avLst/>
+          </a:prstGeom>
+          <a:noFill/>
+        </p:spPr>
+        <p:txBody>
+          <a:bodyPr wrap="square" rtlCol="0">
+            <a:spAutoFit/>
+          </a:bodyPr>
+          <a:lstStyle/>
+          <a:p>
+            <a:pPr marL="2056968" lvl="2" indent="-583768" fontAlgn="base">
+              <a:buFontTx/>
+              <a:buChar char="■"/>
+            </a:pPr>
+            <a:r>
+              <a:rPr lang="en-US" sz="3200" dirty="0" smtClean="0"/>
+              <a:t>Hardware support for RDMA</a:t>
+            </a:r>
+          </a:p>
+          <a:p>
+            <a:pPr marL="2056968" lvl="2" indent="-583768" fontAlgn="base">
+              <a:buFontTx/>
+              <a:buChar char="■"/>
+            </a:pPr>
+            <a:r>
+              <a:rPr lang="en-US" sz="3200" dirty="0" smtClean="0"/>
+              <a:t>Interconnect system for the I/O ports that supports 40Gb Ethernet</a:t>
+            </a:r>
+          </a:p>
+        </p:txBody>
+      </p:sp>
+      <p:sp>
+        <p:nvSpPr>
+          <p:cNvPr id="44" name="Shape 34"/>
+          <p:cNvSpPr txBox="1">
+            <a:spLocks noGrp="1"/>
+          </p:cNvSpPr>
+          <p:nvPr>
+            <p:ph type="body" idx="7"/>
+          </p:nvPr>
+        </p:nvSpPr>
+        <p:spPr>
+          <a:xfrm>
+            <a:off x="32732665" y="30132390"/>
+            <a:ext cx="10510835" cy="2833635"/>
+          </a:xfrm>
+          <a:prstGeom prst="rect">
+            <a:avLst/>
+          </a:prstGeom>
+          <a:noFill/>
+          <a:ln>
+            <a:noFill/>
+          </a:ln>
+        </p:spPr>
+        <p:txBody>
+          <a:bodyPr lIns="228550" tIns="228550" rIns="228550" bIns="228550" anchor="t" anchorCtr="0">
+            <a:noAutofit/>
+          </a:bodyPr>
+          <a:lstStyle/>
+          <a:p>
+            <a:pPr>
+              <a:buNone/>
+            </a:pPr>
+            <a:r>
+              <a:rPr lang="en-US" sz="3200" dirty="0" smtClean="0"/>
+              <a:t>[1] SNIA Ethernet Storage Forum     	http://www.snia.org/sites/default/files/ESF/NVMe_	Under_Hood_12_15_Final2.pdf</a:t>
+            </a:r>
+            <a:endParaRPr lang="en-US" sz="3200" dirty="0"/>
+          </a:p>
+        </p:txBody>
+      </p:sp>
+      <p:sp>
+        <p:nvSpPr>
+          <p:cNvPr id="45" name="Shape 35"/>
+          <p:cNvSpPr txBox="1">
+            <a:spLocks noGrp="1"/>
+          </p:cNvSpPr>
+          <p:nvPr>
+            <p:ph type="body" idx="8"/>
+          </p:nvPr>
+        </p:nvSpPr>
+        <p:spPr>
+          <a:xfrm>
+            <a:off x="32789815" y="29432250"/>
+            <a:ext cx="10453685" cy="904875"/>
+          </a:xfrm>
+          <a:prstGeom prst="rect">
+            <a:avLst/>
+          </a:prstGeom>
+          <a:noFill/>
+          <a:ln>
+            <a:noFill/>
+          </a:ln>
+        </p:spPr>
+        <p:txBody>
+          <a:bodyPr lIns="91400" tIns="91400" rIns="91400" bIns="91400" anchor="ctr" anchorCtr="0">
+            <a:noAutofit/>
+          </a:bodyPr>
+          <a:lstStyle/>
+          <a:p>
+            <a:pPr marL="1645574" marR="0" lvl="0" indent="-1645574" algn="ctr" rtl="0">
+              <a:spcBef>
+                <a:spcPts val="0"/>
+              </a:spcBef>
+              <a:buClr>
+                <a:schemeClr val="dk1"/>
+              </a:buClr>
+              <a:buSzPct val="25000"/>
+              <a:buFont typeface="Times New Roman"/>
+              <a:buNone/>
+            </a:pPr>
+            <a:r>
+              <a:rPr lang="en-US" sz="6600" b="1" dirty="0" smtClean="0">
+                <a:solidFill>
+                  <a:schemeClr val="dk1"/>
+                </a:solidFill>
+              </a:rPr>
+              <a:t>References</a:t>
+            </a:r>
+            <a:endParaRPr lang="en-US" sz="6600" b="1" dirty="0">
+              <a:solidFill>
+                <a:schemeClr val="dk1"/>
+              </a:solidFill>
+            </a:endParaRPr>
+          </a:p>
+        </p:txBody>
+      </p:sp>
+      <p:graphicFrame>
+        <p:nvGraphicFramePr>
+          <p:cNvPr id="54" name="Chart 53"/>
+          <p:cNvGraphicFramePr/>
+          <p:nvPr/>
+        </p:nvGraphicFramePr>
+        <p:xfrm>
+          <a:off x="12336556" y="6627159"/>
+          <a:ext cx="19257264" cy="5532120"/>
+        </p:xfrm>
+        <a:graphic>
+          <a:graphicData uri="http://schemas.openxmlformats.org/drawingml/2006/chart">
+            <c:chart xmlns:c="http://schemas.openxmlformats.org/drawingml/2006/chart" xmlns:r="http://schemas.openxmlformats.org/officeDocument/2006/relationships" r:id="rId4"/>
+          </a:graphicData>
+        </a:graphic>
+      </p:graphicFrame>
+      <p:graphicFrame>
+        <p:nvGraphicFramePr>
+          <p:cNvPr id="63" name="Chart 62"/>
+          <p:cNvGraphicFramePr/>
+          <p:nvPr/>
+        </p:nvGraphicFramePr>
+        <p:xfrm>
+          <a:off x="12279404" y="21777511"/>
+          <a:ext cx="19257264" cy="6340289"/>
+        </p:xfrm>
+        <a:graphic>
+          <a:graphicData uri="http://schemas.openxmlformats.org/drawingml/2006/chart">
+            <c:chart xmlns:c="http://schemas.openxmlformats.org/drawingml/2006/chart" xmlns:r="http://schemas.openxmlformats.org/officeDocument/2006/relationships" r:id="rId5"/>
+          </a:graphicData>
+        </a:graphic>
+      </p:graphicFrame>
+      <p:graphicFrame>
+        <p:nvGraphicFramePr>
+          <p:cNvPr id="72" name="Chart 71"/>
+          <p:cNvGraphicFramePr/>
+          <p:nvPr/>
+        </p:nvGraphicFramePr>
+        <p:xfrm>
+          <a:off x="11915775" y="13444537"/>
+          <a:ext cx="19889837" cy="6931152"/>
+        </p:xfrm>
+        <a:graphic>
+          <a:graphicData uri="http://schemas.openxmlformats.org/drawingml/2006/chart">
+            <c:chart xmlns:c="http://schemas.openxmlformats.org/drawingml/2006/chart" xmlns:r="http://schemas.openxmlformats.org/officeDocument/2006/relationships" r:id="rId6"/>
+          </a:graphicData>
+        </a:graphic>
+      </p:graphicFrame>
     </p:spTree>
   </p:cSld>
   <p:clrMapOvr>

--- a/deliverables/Release 2/Poster.pptx
+++ b/deliverables/Release 2/Poster.pptx
@@ -219,8 +219,17 @@
 
 <file path=ppt/charts/chart1.xml><?xml version="1.0" encoding="utf-8"?>
 <c:chartSpace xmlns:c="http://schemas.openxmlformats.org/drawingml/2006/chart" xmlns:a="http://schemas.openxmlformats.org/drawingml/2006/main" xmlns:r="http://schemas.openxmlformats.org/officeDocument/2006/relationships">
-  <c:date1904 val="1"/>
+  <c:date1904 val="0"/>
   <c:lang val="en-US"/>
+  <c:roundedCorners val="0"/>
+  <mc:AlternateContent xmlns:mc="http://schemas.openxmlformats.org/markup-compatibility/2006">
+    <mc:Choice xmlns:c14="http://schemas.microsoft.com/office/drawing/2007/8/2/chart" Requires="c14">
+      <c14:style val="102"/>
+    </mc:Choice>
+    <mc:Fallback>
+      <c:style val="2"/>
+    </mc:Fallback>
+  </mc:AlternateContent>
   <c:clrMapOvr bg1="lt1" tx1="dk1" bg2="lt2" tx2="dk2" accent1="accent1" accent2="accent2" accent3="accent3" accent4="accent4" accent5="accent5" accent6="accent6" hlink="hlink" folHlink="folHlink"/>
   <c:chart>
     <c:title>
@@ -243,16 +252,19 @@
         <c:manualLayout>
           <c:xMode val="edge"/>
           <c:yMode val="edge"/>
-          <c:x val="0.47233101233903224"/>
-          <c:y val="8.9531680440771352E-2"/>
+          <c:x val="0.47233101233903202"/>
+          <c:y val="8.9531680440771297E-2"/>
         </c:manualLayout>
       </c:layout>
+      <c:overlay val="0"/>
     </c:title>
+    <c:autoTitleDeleted val="0"/>
     <c:plotArea>
       <c:layout/>
       <c:barChart>
         <c:barDir val="col"/>
         <c:grouping val="clustered"/>
+        <c:varyColors val="0"/>
         <c:ser>
           <c:idx val="0"/>
           <c:order val="0"/>
@@ -267,6 +279,7 @@
               </c:strCache>
             </c:strRef>
           </c:tx>
+          <c:invertIfNegative val="0"/>
           <c:cat>
             <c:strRef>
               <c:f>Graphs!$O$2:$R$2</c:f>
@@ -328,6 +341,7 @@
               <a:srgbClr val="92D050"/>
             </a:solidFill>
           </c:spPr>
+          <c:invertIfNegative val="0"/>
           <c:cat>
             <c:strRef>
               <c:f>Graphs!$O$2:$R$2</c:f>
@@ -391,6 +405,7 @@
               </a:schemeClr>
             </a:solidFill>
           </c:spPr>
+          <c:invertIfNegative val="0"/>
           <c:cat>
             <c:strRef>
               <c:f>Graphs!$O$2:$R$2</c:f>
@@ -449,11 +464,10 @@
           </c:tx>
           <c:spPr>
             <a:solidFill>
-              <a:schemeClr val="bg1">
-                <a:lumMod val="65000"/>
-              </a:schemeClr>
+              <a:srgbClr val="8F45C7"/>
             </a:solidFill>
           </c:spPr>
+          <c:invertIfNegative val="0"/>
           <c:cat>
             <c:strRef>
               <c:f>Graphs!$O$2:$R$2</c:f>
@@ -496,15 +510,27 @@
             </c:numRef>
           </c:val>
         </c:ser>
-        <c:axId val="56896128"/>
-        <c:axId val="56903168"/>
+        <c:dLbls>
+          <c:showLegendKey val="0"/>
+          <c:showVal val="0"/>
+          <c:showCatName val="0"/>
+          <c:showSerName val="0"/>
+          <c:showPercent val="0"/>
+          <c:showBubbleSize val="0"/>
+        </c:dLbls>
+        <c:gapWidth val="150"/>
+        <c:axId val="60770944"/>
+        <c:axId val="60782080"/>
       </c:barChart>
       <c:catAx>
-        <c:axId val="56896128"/>
+        <c:axId val="60770944"/>
         <c:scaling>
           <c:orientation val="minMax"/>
         </c:scaling>
+        <c:delete val="0"/>
         <c:axPos val="b"/>
+        <c:majorTickMark val="out"/>
+        <c:minorTickMark val="none"/>
         <c:tickLblPos val="nextTo"/>
         <c:txPr>
           <a:bodyPr/>
@@ -516,19 +542,21 @@
             <a:endParaRPr lang="en-US"/>
           </a:p>
         </c:txPr>
-        <c:crossAx val="56903168"/>
+        <c:crossAx val="60782080"/>
         <c:crosses val="autoZero"/>
         <c:auto val="1"/>
         <c:lblAlgn val="ctr"/>
         <c:lblOffset val="100"/>
+        <c:noMultiLvlLbl val="0"/>
       </c:catAx>
       <c:valAx>
-        <c:axId val="56903168"/>
+        <c:axId val="60782080"/>
         <c:scaling>
           <c:orientation val="minMax"/>
           <c:max val="330000"/>
           <c:min val="0"/>
         </c:scaling>
+        <c:delete val="0"/>
         <c:axPos val="l"/>
         <c:majorGridlines/>
         <c:title>
@@ -541,15 +569,18 @@
                   <a:defRPr sz="3200"/>
                 </a:pPr>
                 <a:r>
-                  <a:rPr lang="en-US" sz="3200"/>
+                  <a:rPr lang="en-US" sz="3200" dirty="0"/>
                   <a:t>IOPS</a:t>
                 </a:r>
               </a:p>
             </c:rich>
           </c:tx>
           <c:layout/>
+          <c:overlay val="0"/>
         </c:title>
         <c:numFmt formatCode="General" sourceLinked="1"/>
+        <c:majorTickMark val="out"/>
+        <c:minorTickMark val="none"/>
         <c:tickLblPos val="nextTo"/>
         <c:txPr>
           <a:bodyPr/>
@@ -561,7 +592,7 @@
             <a:endParaRPr lang="en-US"/>
           </a:p>
         </c:txPr>
-        <c:crossAx val="56896128"/>
+        <c:crossAx val="60770944"/>
         <c:crosses val="autoZero"/>
         <c:crossBetween val="between"/>
       </c:valAx>
@@ -569,6 +600,7 @@
     <c:legend>
       <c:legendPos val="r"/>
       <c:layout/>
+      <c:overlay val="0"/>
       <c:txPr>
         <a:bodyPr/>
         <a:lstStyle/>
@@ -581,14 +613,28 @@
       </c:txPr>
     </c:legend>
     <c:plotVisOnly val="1"/>
+    <c:dispBlanksAs val="gap"/>
+    <c:showDLblsOverMax val="0"/>
   </c:chart>
-  <c:externalData r:id="rId2"/>
+  <c:externalData r:id="rId2">
+    <c:autoUpdate val="0"/>
+  </c:externalData>
 </c:chartSpace>
 </file>
 
 <file path=ppt/charts/chart2.xml><?xml version="1.0" encoding="utf-8"?>
 <c:chartSpace xmlns:c="http://schemas.openxmlformats.org/drawingml/2006/chart" xmlns:a="http://schemas.openxmlformats.org/drawingml/2006/main" xmlns:r="http://schemas.openxmlformats.org/officeDocument/2006/relationships">
+  <c:date1904 val="0"/>
   <c:lang val="en-US"/>
+  <c:roundedCorners val="0"/>
+  <mc:AlternateContent xmlns:mc="http://schemas.openxmlformats.org/markup-compatibility/2006">
+    <mc:Choice xmlns:c14="http://schemas.microsoft.com/office/drawing/2007/8/2/chart" Requires="c14">
+      <c14:style val="102"/>
+    </mc:Choice>
+    <mc:Fallback>
+      <c:style val="2"/>
+    </mc:Fallback>
+  </mc:AlternateContent>
   <c:clrMapOvr bg1="lt1" tx1="dk1" bg2="lt2" tx2="dk2" accent1="accent1" accent2="accent2" accent3="accent3" accent4="accent4" accent5="accent5" accent6="accent6" hlink="hlink" folHlink="folHlink"/>
   <c:chart>
     <c:title>
@@ -601,397 +647,21 @@
               <a:defRPr sz="4000"/>
             </a:pPr>
             <a:r>
-              <a:rPr lang="en-US" sz="4000"/>
-              <a:t>Latency</a:t>
+              <a:rPr lang="en-US" sz="4000" dirty="0"/>
+              <a:t>Bandwidth</a:t>
             </a:r>
           </a:p>
         </c:rich>
       </c:tx>
       <c:layout/>
+      <c:overlay val="0"/>
     </c:title>
+    <c:autoTitleDeleted val="0"/>
     <c:plotArea>
       <c:layout/>
       <c:lineChart>
         <c:grouping val="standard"/>
-        <c:ser>
-          <c:idx val="0"/>
-          <c:order val="0"/>
-          <c:tx>
-            <c:strRef>
-              <c:f>Graphs!$N$37</c:f>
-              <c:strCache>
-                <c:ptCount val="1"/>
-                <c:pt idx="0">
-                  <c:v>1 IO Depth</c:v>
-                </c:pt>
-              </c:strCache>
-            </c:strRef>
-          </c:tx>
-          <c:spPr>
-            <a:ln w="76200"/>
-          </c:spPr>
-          <c:marker>
-            <c:symbol val="none"/>
-          </c:marker>
-          <c:cat>
-            <c:strRef>
-              <c:f>Graphs!$O$36:$R$36</c:f>
-              <c:strCache>
-                <c:ptCount val="4"/>
-                <c:pt idx="0">
-                  <c:v>4K Block Size</c:v>
-                </c:pt>
-                <c:pt idx="1">
-                  <c:v>32K Block Size</c:v>
-                </c:pt>
-                <c:pt idx="2">
-                  <c:v>64K Block Size</c:v>
-                </c:pt>
-                <c:pt idx="3">
-                  <c:v>128K Block Size</c:v>
-                </c:pt>
-              </c:strCache>
-            </c:strRef>
-          </c:cat>
-          <c:val>
-            <c:numRef>
-              <c:f>Graphs!$O$37:$R$37</c:f>
-              <c:numCache>
-                <c:formatCode>General</c:formatCode>
-                <c:ptCount val="4"/>
-                <c:pt idx="0">
-                  <c:v>387.72349799999995</c:v>
-                </c:pt>
-                <c:pt idx="1">
-                  <c:v>398.72160399999996</c:v>
-                </c:pt>
-                <c:pt idx="2">
-                  <c:v>408.24832699999996</c:v>
-                </c:pt>
-                <c:pt idx="3">
-                  <c:v>483.15612999999996</c:v>
-                </c:pt>
-              </c:numCache>
-            </c:numRef>
-          </c:val>
-        </c:ser>
-        <c:ser>
-          <c:idx val="1"/>
-          <c:order val="1"/>
-          <c:tx>
-            <c:strRef>
-              <c:f>Graphs!$N$38</c:f>
-              <c:strCache>
-                <c:ptCount val="1"/>
-                <c:pt idx="0">
-                  <c:v>32 IO Depth</c:v>
-                </c:pt>
-              </c:strCache>
-            </c:strRef>
-          </c:tx>
-          <c:spPr>
-            <a:ln w="76200">
-              <a:solidFill>
-                <a:srgbClr val="92D050"/>
-              </a:solidFill>
-            </a:ln>
-          </c:spPr>
-          <c:marker>
-            <c:symbol val="none"/>
-          </c:marker>
-          <c:cat>
-            <c:strRef>
-              <c:f>Graphs!$O$36:$R$36</c:f>
-              <c:strCache>
-                <c:ptCount val="4"/>
-                <c:pt idx="0">
-                  <c:v>4K Block Size</c:v>
-                </c:pt>
-                <c:pt idx="1">
-                  <c:v>32K Block Size</c:v>
-                </c:pt>
-                <c:pt idx="2">
-                  <c:v>64K Block Size</c:v>
-                </c:pt>
-                <c:pt idx="3">
-                  <c:v>128K Block Size</c:v>
-                </c:pt>
-              </c:strCache>
-            </c:strRef>
-          </c:cat>
-          <c:val>
-            <c:numRef>
-              <c:f>Graphs!$O$38:$R$38</c:f>
-              <c:numCache>
-                <c:formatCode>General</c:formatCode>
-                <c:ptCount val="4"/>
-                <c:pt idx="0">
-                  <c:v>476.11998300000005</c:v>
-                </c:pt>
-                <c:pt idx="1">
-                  <c:v>1349.8129739999999</c:v>
-                </c:pt>
-                <c:pt idx="2">
-                  <c:v>2053.7391580000003</c:v>
-                </c:pt>
-                <c:pt idx="3">
-                  <c:v>3687.8857390000003</c:v>
-                </c:pt>
-              </c:numCache>
-            </c:numRef>
-          </c:val>
-        </c:ser>
-        <c:ser>
-          <c:idx val="2"/>
-          <c:order val="2"/>
-          <c:tx>
-            <c:strRef>
-              <c:f>Graphs!$N$39</c:f>
-              <c:strCache>
-                <c:ptCount val="1"/>
-                <c:pt idx="0">
-                  <c:v>64 IO Depth</c:v>
-                </c:pt>
-              </c:strCache>
-            </c:strRef>
-          </c:tx>
-          <c:spPr>
-            <a:ln w="76200">
-              <a:solidFill>
-                <a:srgbClr val="FF822D"/>
-              </a:solidFill>
-            </a:ln>
-          </c:spPr>
-          <c:marker>
-            <c:symbol val="none"/>
-          </c:marker>
-          <c:cat>
-            <c:strRef>
-              <c:f>Graphs!$O$36:$R$36</c:f>
-              <c:strCache>
-                <c:ptCount val="4"/>
-                <c:pt idx="0">
-                  <c:v>4K Block Size</c:v>
-                </c:pt>
-                <c:pt idx="1">
-                  <c:v>32K Block Size</c:v>
-                </c:pt>
-                <c:pt idx="2">
-                  <c:v>64K Block Size</c:v>
-                </c:pt>
-                <c:pt idx="3">
-                  <c:v>128K Block Size</c:v>
-                </c:pt>
-              </c:strCache>
-            </c:strRef>
-          </c:cat>
-          <c:val>
-            <c:numRef>
-              <c:f>Graphs!$O$39:$R$39</c:f>
-              <c:numCache>
-                <c:formatCode>General</c:formatCode>
-                <c:ptCount val="4"/>
-                <c:pt idx="0">
-                  <c:v>859.33318299999996</c:v>
-                </c:pt>
-                <c:pt idx="1">
-                  <c:v>1991.5095550000003</c:v>
-                </c:pt>
-                <c:pt idx="2">
-                  <c:v>3943.362658</c:v>
-                </c:pt>
-                <c:pt idx="3">
-                  <c:v>7269.1727280000005</c:v>
-                </c:pt>
-              </c:numCache>
-            </c:numRef>
-          </c:val>
-        </c:ser>
-        <c:ser>
-          <c:idx val="3"/>
-          <c:order val="3"/>
-          <c:tx>
-            <c:strRef>
-              <c:f>Graphs!$N$40</c:f>
-              <c:strCache>
-                <c:ptCount val="1"/>
-                <c:pt idx="0">
-                  <c:v>128 IO Depth</c:v>
-                </c:pt>
-              </c:strCache>
-            </c:strRef>
-          </c:tx>
-          <c:spPr>
-            <a:ln w="76200">
-              <a:solidFill>
-                <a:srgbClr val="FFFFFF">
-                  <a:lumMod val="65000"/>
-                </a:srgbClr>
-              </a:solidFill>
-            </a:ln>
-          </c:spPr>
-          <c:marker>
-            <c:symbol val="none"/>
-          </c:marker>
-          <c:cat>
-            <c:strRef>
-              <c:f>Graphs!$O$36:$R$36</c:f>
-              <c:strCache>
-                <c:ptCount val="4"/>
-                <c:pt idx="0">
-                  <c:v>4K Block Size</c:v>
-                </c:pt>
-                <c:pt idx="1">
-                  <c:v>32K Block Size</c:v>
-                </c:pt>
-                <c:pt idx="2">
-                  <c:v>64K Block Size</c:v>
-                </c:pt>
-                <c:pt idx="3">
-                  <c:v>128K Block Size</c:v>
-                </c:pt>
-              </c:strCache>
-            </c:strRef>
-          </c:cat>
-          <c:val>
-            <c:numRef>
-              <c:f>Graphs!$O$40:$R$40</c:f>
-              <c:numCache>
-                <c:formatCode>General</c:formatCode>
-                <c:ptCount val="4"/>
-                <c:pt idx="0">
-                  <c:v>1937.5683750000001</c:v>
-                </c:pt>
-                <c:pt idx="1">
-                  <c:v>3958.7059749999999</c:v>
-                </c:pt>
-                <c:pt idx="2">
-                  <c:v>7364.4767449999999</c:v>
-                </c:pt>
-                <c:pt idx="3">
-                  <c:v>14528.414701000002</c:v>
-                </c:pt>
-              </c:numCache>
-            </c:numRef>
-          </c:val>
-        </c:ser>
-        <c:marker val="1"/>
-        <c:axId val="56925568"/>
-        <c:axId val="56935936"/>
-      </c:lineChart>
-      <c:catAx>
-        <c:axId val="56925568"/>
-        <c:scaling>
-          <c:orientation val="minMax"/>
-        </c:scaling>
-        <c:axPos val="b"/>
-        <c:tickLblPos val="nextTo"/>
-        <c:txPr>
-          <a:bodyPr/>
-          <a:lstStyle/>
-          <a:p>
-            <a:pPr>
-              <a:defRPr sz="3200" b="1"/>
-            </a:pPr>
-            <a:endParaRPr lang="en-US"/>
-          </a:p>
-        </c:txPr>
-        <c:crossAx val="56935936"/>
-        <c:crosses val="autoZero"/>
-        <c:auto val="1"/>
-        <c:lblAlgn val="ctr"/>
-        <c:lblOffset val="100"/>
-      </c:catAx>
-      <c:valAx>
-        <c:axId val="56935936"/>
-        <c:scaling>
-          <c:orientation val="minMax"/>
-        </c:scaling>
-        <c:axPos val="l"/>
-        <c:majorGridlines/>
-        <c:title>
-          <c:tx>
-            <c:rich>
-              <a:bodyPr rot="-5400000" vert="horz"/>
-              <a:lstStyle/>
-              <a:p>
-                <a:pPr>
-                  <a:defRPr sz="3200"/>
-                </a:pPr>
-                <a:r>
-                  <a:rPr lang="en-US" sz="3200"/>
-                  <a:t>Read Latency Avg (ms)</a:t>
-                </a:r>
-              </a:p>
-            </c:rich>
-          </c:tx>
-          <c:layout/>
-        </c:title>
-        <c:numFmt formatCode="General" sourceLinked="1"/>
-        <c:tickLblPos val="nextTo"/>
-        <c:txPr>
-          <a:bodyPr/>
-          <a:lstStyle/>
-          <a:p>
-            <a:pPr>
-              <a:defRPr sz="3200" b="1"/>
-            </a:pPr>
-            <a:endParaRPr lang="en-US"/>
-          </a:p>
-        </c:txPr>
-        <c:crossAx val="56925568"/>
-        <c:crosses val="autoZero"/>
-        <c:crossBetween val="between"/>
-      </c:valAx>
-    </c:plotArea>
-    <c:legend>
-      <c:legendPos val="r"/>
-      <c:layout/>
-      <c:txPr>
-        <a:bodyPr/>
-        <a:lstStyle/>
-        <a:p>
-          <a:pPr>
-            <a:defRPr sz="3200" b="1"/>
-          </a:pPr>
-          <a:endParaRPr lang="en-US"/>
-        </a:p>
-      </c:txPr>
-    </c:legend>
-    <c:plotVisOnly val="1"/>
-  </c:chart>
-  <c:externalData r:id="rId2"/>
-</c:chartSpace>
-</file>
-
-<file path=ppt/charts/chart3.xml><?xml version="1.0" encoding="utf-8"?>
-<c:chartSpace xmlns:c="http://schemas.openxmlformats.org/drawingml/2006/chart" xmlns:a="http://schemas.openxmlformats.org/drawingml/2006/main" xmlns:r="http://schemas.openxmlformats.org/officeDocument/2006/relationships">
-  <c:date1904 val="1"/>
-  <c:lang val="en-US"/>
-  <c:clrMapOvr bg1="lt1" tx1="dk1" bg2="lt2" tx2="dk2" accent1="accent1" accent2="accent2" accent3="accent3" accent4="accent4" accent5="accent5" accent6="accent6" hlink="hlink" folHlink="folHlink"/>
-  <c:chart>
-    <c:title>
-      <c:tx>
-        <c:rich>
-          <a:bodyPr/>
-          <a:lstStyle/>
-          <a:p>
-            <a:pPr>
-              <a:defRPr sz="4000"/>
-            </a:pPr>
-            <a:r>
-              <a:rPr lang="en-US" sz="4000"/>
-              <a:t>Bandwidth</a:t>
-            </a:r>
-          </a:p>
-        </c:rich>
-      </c:tx>
-      <c:layout/>
-    </c:title>
-    <c:plotArea>
-      <c:layout/>
-      <c:lineChart>
-        <c:grouping val="standard"/>
+        <c:varyColors val="0"/>
         <c:ser>
           <c:idx val="0"/>
           <c:order val="0"/>
@@ -1045,7 +715,7 @@
                   <c:v>2.5503999999999998</c:v>
                 </c:pt>
                 <c:pt idx="2">
-                  <c:v>4.9801839999999995</c:v>
+                  <c:v>4.9801839999999986</c:v>
                 </c:pt>
                 <c:pt idx="3">
                   <c:v>8.4189679999999996</c:v>
@@ -1053,6 +723,7 @@
               </c:numCache>
             </c:numRef>
           </c:val>
+          <c:smooth val="0"/>
         </c:ser>
         <c:ser>
           <c:idx val="1"/>
@@ -1108,10 +779,10 @@
                   <c:v>8.5931840000000008</c:v>
                 </c:pt>
                 <c:pt idx="1">
-                  <c:v>24.265447999999992</c:v>
+                  <c:v>24.265447999999985</c:v>
                 </c:pt>
                 <c:pt idx="2">
-                  <c:v>31.898791999999997</c:v>
+                  <c:v>31.898791999999986</c:v>
                 </c:pt>
                 <c:pt idx="3">
                   <c:v>35.520056000000011</c:v>
@@ -1119,6 +790,7 @@
               </c:numCache>
             </c:numRef>
           </c:val>
+          <c:smooth val="0"/>
         </c:ser>
         <c:ser>
           <c:idx val="2"/>
@@ -1185,6 +857,7 @@
               </c:numCache>
             </c:numRef>
           </c:val>
+          <c:smooth val="0"/>
         </c:ser>
         <c:ser>
           <c:idx val="3"/>
@@ -1203,9 +876,7 @@
           <c:spPr>
             <a:ln w="76200">
               <a:solidFill>
-                <a:srgbClr val="FFFFFF">
-                  <a:lumMod val="65000"/>
-                </a:srgbClr>
+                <a:srgbClr val="8F45C7"/>
               </a:solidFill>
             </a:ln>
           </c:spPr>
@@ -1239,7 +910,7 @@
                 <c:formatCode>General</c:formatCode>
                 <c:ptCount val="4"/>
                 <c:pt idx="0">
-                  <c:v>8.4517840000000017</c:v>
+                  <c:v>8.4517840000000053</c:v>
                 </c:pt>
                 <c:pt idx="1">
                   <c:v>33.094576000000011</c:v>
@@ -1248,11 +919,12 @@
                   <c:v>35.574704000000004</c:v>
                 </c:pt>
                 <c:pt idx="3">
-                  <c:v>36.054247999999994</c:v>
+                  <c:v>36.05424799999998</c:v>
                 </c:pt>
               </c:numCache>
             </c:numRef>
           </c:val>
+          <c:smooth val="0"/>
         </c:ser>
         <c:ser>
           <c:idx val="4"/>
@@ -1320,17 +992,30 @@
               </c:numCache>
             </c:numRef>
           </c:val>
+          <c:smooth val="0"/>
         </c:ser>
+        <c:dLbls>
+          <c:showLegendKey val="0"/>
+          <c:showVal val="0"/>
+          <c:showCatName val="0"/>
+          <c:showSerName val="0"/>
+          <c:showPercent val="0"/>
+          <c:showBubbleSize val="0"/>
+        </c:dLbls>
         <c:marker val="1"/>
-        <c:axId val="58316672"/>
-        <c:axId val="58328960"/>
+        <c:smooth val="0"/>
+        <c:axId val="84570880"/>
+        <c:axId val="84572416"/>
       </c:lineChart>
       <c:catAx>
-        <c:axId val="58316672"/>
+        <c:axId val="84570880"/>
         <c:scaling>
           <c:orientation val="minMax"/>
         </c:scaling>
+        <c:delete val="0"/>
         <c:axPos val="b"/>
+        <c:majorTickMark val="out"/>
+        <c:minorTickMark val="none"/>
         <c:tickLblPos val="nextTo"/>
         <c:txPr>
           <a:bodyPr/>
@@ -1342,17 +1027,19 @@
             <a:endParaRPr lang="en-US"/>
           </a:p>
         </c:txPr>
-        <c:crossAx val="58328960"/>
+        <c:crossAx val="84572416"/>
         <c:crosses val="autoZero"/>
         <c:auto val="1"/>
         <c:lblAlgn val="ctr"/>
         <c:lblOffset val="100"/>
+        <c:noMultiLvlLbl val="0"/>
       </c:catAx>
       <c:valAx>
-        <c:axId val="58328960"/>
+        <c:axId val="84572416"/>
         <c:scaling>
           <c:orientation val="minMax"/>
         </c:scaling>
+        <c:delete val="0"/>
         <c:axPos val="l"/>
         <c:majorGridlines/>
         <c:title>
@@ -1365,20 +1052,31 @@
                   <a:defRPr sz="3200"/>
                 </a:pPr>
                 <a:r>
-                  <a:rPr lang="en-US" sz="3200"/>
+                  <a:rPr lang="en-US" sz="3200" dirty="0"/>
                   <a:t>Read</a:t>
                 </a:r>
                 <a:r>
-                  <a:rPr lang="en-US" sz="3200" baseline="0"/>
-                  <a:t> Bandwidth (in Gb/s)</a:t>
+                  <a:rPr lang="en-US" sz="3200" baseline="0" dirty="0"/>
+                  <a:t> Bandwidth (in </a:t>
                 </a:r>
-                <a:endParaRPr lang="en-US" sz="3200"/>
+                <a:r>
+                  <a:rPr lang="en-US" sz="3200" baseline="0" dirty="0" err="1"/>
+                  <a:t>Gb</a:t>
+                </a:r>
+                <a:r>
+                  <a:rPr lang="en-US" sz="3200" baseline="0" dirty="0"/>
+                  <a:t>/s)</a:t>
+                </a:r>
+                <a:endParaRPr lang="en-US" sz="3200" dirty="0"/>
               </a:p>
             </c:rich>
           </c:tx>
           <c:layout/>
+          <c:overlay val="0"/>
         </c:title>
         <c:numFmt formatCode="General" sourceLinked="1"/>
+        <c:majorTickMark val="out"/>
+        <c:minorTickMark val="none"/>
         <c:tickLblPos val="nextTo"/>
         <c:txPr>
           <a:bodyPr/>
@@ -1390,7 +1088,7 @@
             <a:endParaRPr lang="en-US"/>
           </a:p>
         </c:txPr>
-        <c:crossAx val="58316672"/>
+        <c:crossAx val="84570880"/>
         <c:crosses val="autoZero"/>
         <c:crossBetween val="between"/>
       </c:valAx>
@@ -1398,6 +1096,7 @@
     <c:legend>
       <c:legendPos val="r"/>
       <c:layout/>
+      <c:overlay val="0"/>
       <c:txPr>
         <a:bodyPr/>
         <a:lstStyle/>
@@ -1410,8 +1109,457 @@
       </c:txPr>
     </c:legend>
     <c:plotVisOnly val="1"/>
+    <c:dispBlanksAs val="gap"/>
+    <c:showDLblsOverMax val="0"/>
   </c:chart>
-  <c:externalData r:id="rId2"/>
+  <c:externalData r:id="rId2">
+    <c:autoUpdate val="0"/>
+  </c:externalData>
+</c:chartSpace>
+</file>
+
+<file path=ppt/charts/chart3.xml><?xml version="1.0" encoding="utf-8"?>
+<c:chartSpace xmlns:c="http://schemas.openxmlformats.org/drawingml/2006/chart" xmlns:a="http://schemas.openxmlformats.org/drawingml/2006/main" xmlns:r="http://schemas.openxmlformats.org/officeDocument/2006/relationships">
+  <c:date1904 val="0"/>
+  <c:lang val="en-US"/>
+  <c:roundedCorners val="0"/>
+  <mc:AlternateContent xmlns:mc="http://schemas.openxmlformats.org/markup-compatibility/2006">
+    <mc:Choice xmlns:c14="http://schemas.microsoft.com/office/drawing/2007/8/2/chart" Requires="c14">
+      <c14:style val="102"/>
+    </mc:Choice>
+    <mc:Fallback>
+      <c:style val="2"/>
+    </mc:Fallback>
+  </mc:AlternateContent>
+  <c:clrMapOvr bg1="lt1" tx1="dk1" bg2="lt2" tx2="dk2" accent1="accent1" accent2="accent2" accent3="accent3" accent4="accent4" accent5="accent5" accent6="accent6" hlink="hlink" folHlink="folHlink"/>
+  <c:chart>
+    <c:title>
+      <c:tx>
+        <c:rich>
+          <a:bodyPr/>
+          <a:lstStyle/>
+          <a:p>
+            <a:pPr>
+              <a:defRPr sz="4000"/>
+            </a:pPr>
+            <a:r>
+              <a:rPr lang="en-US" sz="4000"/>
+              <a:t>Latency</a:t>
+            </a:r>
+          </a:p>
+        </c:rich>
+      </c:tx>
+      <c:layout/>
+      <c:overlay val="0"/>
+    </c:title>
+    <c:autoTitleDeleted val="0"/>
+    <c:plotArea>
+      <c:layout/>
+      <c:lineChart>
+        <c:grouping val="standard"/>
+        <c:varyColors val="0"/>
+        <c:ser>
+          <c:idx val="0"/>
+          <c:order val="0"/>
+          <c:tx>
+            <c:strRef>
+              <c:f>Graphs!$N$37</c:f>
+              <c:strCache>
+                <c:ptCount val="1"/>
+                <c:pt idx="0">
+                  <c:v>1 IO Depth</c:v>
+                </c:pt>
+              </c:strCache>
+            </c:strRef>
+          </c:tx>
+          <c:spPr>
+            <a:ln w="76200"/>
+          </c:spPr>
+          <c:marker>
+            <c:symbol val="none"/>
+          </c:marker>
+          <c:cat>
+            <c:strRef>
+              <c:f>Graphs!$O$36:$R$36</c:f>
+              <c:strCache>
+                <c:ptCount val="4"/>
+                <c:pt idx="0">
+                  <c:v>4K Block Size</c:v>
+                </c:pt>
+                <c:pt idx="1">
+                  <c:v>32K Block Size</c:v>
+                </c:pt>
+                <c:pt idx="2">
+                  <c:v>64K Block Size</c:v>
+                </c:pt>
+                <c:pt idx="3">
+                  <c:v>128K Block Size</c:v>
+                </c:pt>
+              </c:strCache>
+            </c:strRef>
+          </c:cat>
+          <c:val>
+            <c:numRef>
+              <c:f>Graphs!$O$37:$R$37</c:f>
+              <c:numCache>
+                <c:formatCode>General</c:formatCode>
+                <c:ptCount val="4"/>
+                <c:pt idx="0">
+                  <c:v>387.72349800000001</c:v>
+                </c:pt>
+                <c:pt idx="1">
+                  <c:v>398.72160400000001</c:v>
+                </c:pt>
+                <c:pt idx="2">
+                  <c:v>408.24832700000002</c:v>
+                </c:pt>
+                <c:pt idx="3">
+                  <c:v>483.15613000000002</c:v>
+                </c:pt>
+              </c:numCache>
+            </c:numRef>
+          </c:val>
+          <c:smooth val="0"/>
+        </c:ser>
+        <c:ser>
+          <c:idx val="1"/>
+          <c:order val="1"/>
+          <c:tx>
+            <c:strRef>
+              <c:f>Graphs!$N$38</c:f>
+              <c:strCache>
+                <c:ptCount val="1"/>
+                <c:pt idx="0">
+                  <c:v>32 IO Depth</c:v>
+                </c:pt>
+              </c:strCache>
+            </c:strRef>
+          </c:tx>
+          <c:spPr>
+            <a:ln w="76200">
+              <a:solidFill>
+                <a:srgbClr val="7FD13B"/>
+              </a:solidFill>
+            </a:ln>
+          </c:spPr>
+          <c:marker>
+            <c:symbol val="none"/>
+          </c:marker>
+          <c:cat>
+            <c:strRef>
+              <c:f>Graphs!$O$36:$R$36</c:f>
+              <c:strCache>
+                <c:ptCount val="4"/>
+                <c:pt idx="0">
+                  <c:v>4K Block Size</c:v>
+                </c:pt>
+                <c:pt idx="1">
+                  <c:v>32K Block Size</c:v>
+                </c:pt>
+                <c:pt idx="2">
+                  <c:v>64K Block Size</c:v>
+                </c:pt>
+                <c:pt idx="3">
+                  <c:v>128K Block Size</c:v>
+                </c:pt>
+              </c:strCache>
+            </c:strRef>
+          </c:cat>
+          <c:val>
+            <c:numRef>
+              <c:f>Graphs!$O$38:$R$38</c:f>
+              <c:numCache>
+                <c:formatCode>General</c:formatCode>
+                <c:ptCount val="4"/>
+                <c:pt idx="0">
+                  <c:v>476.11998299999999</c:v>
+                </c:pt>
+                <c:pt idx="1">
+                  <c:v>1349.8129739999999</c:v>
+                </c:pt>
+                <c:pt idx="2">
+                  <c:v>2053.7391579999999</c:v>
+                </c:pt>
+                <c:pt idx="3">
+                  <c:v>3687.8857389999998</c:v>
+                </c:pt>
+              </c:numCache>
+            </c:numRef>
+          </c:val>
+          <c:smooth val="0"/>
+        </c:ser>
+        <c:ser>
+          <c:idx val="2"/>
+          <c:order val="2"/>
+          <c:tx>
+            <c:strRef>
+              <c:f>Graphs!$N$39</c:f>
+              <c:strCache>
+                <c:ptCount val="1"/>
+                <c:pt idx="0">
+                  <c:v>64 IO Depth</c:v>
+                </c:pt>
+              </c:strCache>
+            </c:strRef>
+          </c:tx>
+          <c:spPr>
+            <a:ln w="76200">
+              <a:solidFill>
+                <a:srgbClr val="FF6600"/>
+              </a:solidFill>
+            </a:ln>
+          </c:spPr>
+          <c:marker>
+            <c:symbol val="none"/>
+          </c:marker>
+          <c:cat>
+            <c:strRef>
+              <c:f>Graphs!$O$36:$R$36</c:f>
+              <c:strCache>
+                <c:ptCount val="4"/>
+                <c:pt idx="0">
+                  <c:v>4K Block Size</c:v>
+                </c:pt>
+                <c:pt idx="1">
+                  <c:v>32K Block Size</c:v>
+                </c:pt>
+                <c:pt idx="2">
+                  <c:v>64K Block Size</c:v>
+                </c:pt>
+                <c:pt idx="3">
+                  <c:v>128K Block Size</c:v>
+                </c:pt>
+              </c:strCache>
+            </c:strRef>
+          </c:cat>
+          <c:val>
+            <c:numRef>
+              <c:f>Graphs!$O$39:$R$39</c:f>
+              <c:numCache>
+                <c:formatCode>General</c:formatCode>
+                <c:ptCount val="4"/>
+                <c:pt idx="0">
+                  <c:v>859.33318299999996</c:v>
+                </c:pt>
+                <c:pt idx="1">
+                  <c:v>1991.5095550000001</c:v>
+                </c:pt>
+                <c:pt idx="2">
+                  <c:v>3943.362658</c:v>
+                </c:pt>
+                <c:pt idx="3">
+                  <c:v>7269.1727279999996</c:v>
+                </c:pt>
+              </c:numCache>
+            </c:numRef>
+          </c:val>
+          <c:smooth val="0"/>
+        </c:ser>
+        <c:ser>
+          <c:idx val="3"/>
+          <c:order val="3"/>
+          <c:tx>
+            <c:strRef>
+              <c:f>Graphs!$N$40</c:f>
+              <c:strCache>
+                <c:ptCount val="1"/>
+                <c:pt idx="0">
+                  <c:v>128 IO Depth</c:v>
+                </c:pt>
+              </c:strCache>
+            </c:strRef>
+          </c:tx>
+          <c:spPr>
+            <a:ln w="76200">
+              <a:solidFill>
+                <a:srgbClr val="8F45C7"/>
+              </a:solidFill>
+            </a:ln>
+          </c:spPr>
+          <c:marker>
+            <c:symbol val="none"/>
+          </c:marker>
+          <c:cat>
+            <c:strRef>
+              <c:f>Graphs!$O$36:$R$36</c:f>
+              <c:strCache>
+                <c:ptCount val="4"/>
+                <c:pt idx="0">
+                  <c:v>4K Block Size</c:v>
+                </c:pt>
+                <c:pt idx="1">
+                  <c:v>32K Block Size</c:v>
+                </c:pt>
+                <c:pt idx="2">
+                  <c:v>64K Block Size</c:v>
+                </c:pt>
+                <c:pt idx="3">
+                  <c:v>128K Block Size</c:v>
+                </c:pt>
+              </c:strCache>
+            </c:strRef>
+          </c:cat>
+          <c:val>
+            <c:numRef>
+              <c:f>Graphs!$O$40:$R$40</c:f>
+              <c:numCache>
+                <c:formatCode>General</c:formatCode>
+                <c:ptCount val="4"/>
+                <c:pt idx="0">
+                  <c:v>1937.5683750000001</c:v>
+                </c:pt>
+                <c:pt idx="1">
+                  <c:v>3958.7059749999999</c:v>
+                </c:pt>
+                <c:pt idx="2">
+                  <c:v>7364.4767449999999</c:v>
+                </c:pt>
+                <c:pt idx="3">
+                  <c:v>14528.414701</c:v>
+                </c:pt>
+              </c:numCache>
+            </c:numRef>
+          </c:val>
+          <c:smooth val="0"/>
+        </c:ser>
+        <c:dLbls>
+          <c:showLegendKey val="0"/>
+          <c:showVal val="0"/>
+          <c:showCatName val="0"/>
+          <c:showSerName val="0"/>
+          <c:showPercent val="0"/>
+          <c:showBubbleSize val="0"/>
+        </c:dLbls>
+        <c:marker val="1"/>
+        <c:smooth val="0"/>
+        <c:axId val="97965184"/>
+        <c:axId val="103732736"/>
+      </c:lineChart>
+      <c:catAx>
+        <c:axId val="97965184"/>
+        <c:scaling>
+          <c:orientation val="minMax"/>
+        </c:scaling>
+        <c:delete val="0"/>
+        <c:axPos val="b"/>
+        <c:majorTickMark val="out"/>
+        <c:minorTickMark val="none"/>
+        <c:tickLblPos val="nextTo"/>
+        <c:txPr>
+          <a:bodyPr/>
+          <a:lstStyle/>
+          <a:p>
+            <a:pPr>
+              <a:defRPr sz="3200" b="1"/>
+            </a:pPr>
+            <a:endParaRPr lang="en-US"/>
+          </a:p>
+        </c:txPr>
+        <c:crossAx val="103732736"/>
+        <c:crosses val="autoZero"/>
+        <c:auto val="1"/>
+        <c:lblAlgn val="ctr"/>
+        <c:lblOffset val="100"/>
+        <c:noMultiLvlLbl val="0"/>
+      </c:catAx>
+      <c:valAx>
+        <c:axId val="103732736"/>
+        <c:scaling>
+          <c:orientation val="minMax"/>
+        </c:scaling>
+        <c:delete val="0"/>
+        <c:axPos val="l"/>
+        <c:majorGridlines/>
+        <c:title>
+          <c:tx>
+            <c:rich>
+              <a:bodyPr rot="-5400000" vert="horz"/>
+              <a:lstStyle/>
+              <a:p>
+                <a:pPr>
+                  <a:defRPr sz="3200"/>
+                </a:pPr>
+                <a:r>
+                  <a:rPr lang="en-US" sz="3200" dirty="0"/>
+                  <a:t>Read Latency </a:t>
+                </a:r>
+                <a:r>
+                  <a:rPr lang="en-US" sz="3200" dirty="0" err="1"/>
+                  <a:t>Avg</a:t>
+                </a:r>
+                <a:r>
+                  <a:rPr lang="en-US" sz="3200" dirty="0"/>
+                  <a:t> </a:t>
+                </a:r>
+                <a:r>
+                  <a:rPr lang="en-US" sz="3200" dirty="0" smtClean="0"/>
+                  <a:t>(</a:t>
+                </a:r>
+                <a:r>
+                  <a:rPr lang="en-US" sz="3200" dirty="0">
+                    <a:latin typeface="+mn-lt"/>
+                    <a:cs typeface="Arial"/>
+                  </a:rPr>
+                  <a:t>m</a:t>
+                </a:r>
+                <a:r>
+                  <a:rPr lang="en-US" sz="3200" smtClean="0"/>
+                  <a:t>s</a:t>
+                </a:r>
+                <a:r>
+                  <a:rPr lang="en-US" sz="3200" dirty="0"/>
+                  <a:t>)</a:t>
+                </a:r>
+              </a:p>
+            </c:rich>
+          </c:tx>
+          <c:layout/>
+          <c:overlay val="0"/>
+        </c:title>
+        <c:numFmt formatCode="General" sourceLinked="1"/>
+        <c:majorTickMark val="out"/>
+        <c:minorTickMark val="none"/>
+        <c:tickLblPos val="nextTo"/>
+        <c:txPr>
+          <a:bodyPr/>
+          <a:lstStyle/>
+          <a:p>
+            <a:pPr>
+              <a:defRPr sz="3200" b="1"/>
+            </a:pPr>
+            <a:endParaRPr lang="en-US"/>
+          </a:p>
+        </c:txPr>
+        <c:crossAx val="97965184"/>
+        <c:crosses val="autoZero"/>
+        <c:crossBetween val="between"/>
+        <c:dispUnits>
+          <c:builtInUnit val="thousands"/>
+        </c:dispUnits>
+      </c:valAx>
+    </c:plotArea>
+    <c:legend>
+      <c:legendPos val="r"/>
+      <c:layout/>
+      <c:overlay val="0"/>
+      <c:txPr>
+        <a:bodyPr/>
+        <a:lstStyle/>
+        <a:p>
+          <a:pPr>
+            <a:defRPr sz="3200" b="1"/>
+          </a:pPr>
+          <a:endParaRPr lang="en-US"/>
+        </a:p>
+      </c:txPr>
+    </c:legend>
+    <c:plotVisOnly val="1"/>
+    <c:dispBlanksAs val="gap"/>
+    <c:showDLblsOverMax val="0"/>
+  </c:chart>
+  <c:externalData r:id="rId2">
+    <c:autoUpdate val="0"/>
+  </c:externalData>
 </c:chartSpace>
 </file>
 
@@ -1536,7 +1684,7 @@
     </p:spTree>
     <p:extLst>
       <p:ext uri="{BB962C8B-B14F-4D97-AF65-F5344CB8AC3E}">
-        <p14:creationId xmlns="" xmlns:p14="http://schemas.microsoft.com/office/powerpoint/2010/main" val="1355538437"/>
+        <p14:creationId xmlns:p14="http://schemas.microsoft.com/office/powerpoint/2010/main" val="1355538437"/>
       </p:ext>
     </p:extLst>
   </p:cSld>
@@ -1726,7 +1874,7 @@
     </p:spTree>
     <p:extLst>
       <p:ext uri="{BB962C8B-B14F-4D97-AF65-F5344CB8AC3E}">
-        <p14:creationId xmlns="" xmlns:p14="http://schemas.microsoft.com/office/powerpoint/2010/main" val="2623383061"/>
+        <p14:creationId xmlns:p14="http://schemas.microsoft.com/office/powerpoint/2010/main" val="2623383061"/>
       </p:ext>
     </p:extLst>
   </p:cSld>
@@ -3689,7 +3837,7 @@
         </p:nvSpPr>
         <p:spPr>
           <a:xfrm>
-            <a:off x="583354" y="6873049"/>
+            <a:off x="583354" y="6911149"/>
             <a:ext cx="10607100" cy="846299"/>
           </a:xfrm>
           <a:prstGeom prst="rect">
@@ -3718,31 +3866,59 @@
             </a:pPr>
             <a:r>
               <a:rPr lang="en-US" sz="3200" dirty="0" smtClean="0"/>
-              <a:t>The objectives of this project are to assemble and benchmark a functional protocol stack. The stack will provide high throughput transfers with low CPU utilization that could be ported to Hewlett Packard Enterprise’s 3Par storage systems. To benchmark the servers, we created a custom test suite that determined read, write, buffer size, and seek performance. From the results, we concluded that this protocol stack will eliminate the network as a bottleneck in converged networks presenting </a:t>
-            </a:r>
-            <a:r>
-              <a:rPr lang="en-US" sz="3200" dirty="0" err="1" smtClean="0"/>
+              <a:t>The </a:t>
+            </a:r>
+            <a:r>
+              <a:rPr lang="en-US" sz="3200" dirty="0"/>
+              <a:t>objectives of this project are to assemble and benchmark a functional RDMA </a:t>
+            </a:r>
+            <a:r>
+              <a:rPr lang="en-US" sz="3200" dirty="0" smtClean="0"/>
+              <a:t>based network </a:t>
+            </a:r>
+            <a:r>
+              <a:rPr lang="en-US" sz="3200" dirty="0"/>
+              <a:t>protocol stack for implementing </a:t>
+            </a:r>
+            <a:r>
+              <a:rPr lang="en-US" sz="3200" dirty="0" err="1"/>
               <a:t>NVMe</a:t>
             </a:r>
             <a:r>
+              <a:rPr lang="en-US" sz="3200" dirty="0"/>
+              <a:t> over Fabrics. </a:t>
+            </a:r>
+            <a:r>
+              <a:rPr lang="en-US" sz="3200" dirty="0" err="1"/>
+              <a:t>NVMe</a:t>
+            </a:r>
+            <a:r>
+              <a:rPr lang="en-US" sz="3200" dirty="0"/>
+              <a:t> over Fabrics is a standardized solution for efficient access to fabric attached non-volatile </a:t>
+            </a:r>
+            <a:r>
               <a:rPr lang="en-US" sz="3200" dirty="0" smtClean="0"/>
-              <a:t> attached remote storage. </a:t>
-            </a:r>
-            <a:r>
-              <a:rPr lang="en-US" sz="3200" dirty="0" err="1" smtClean="0"/>
+              <a:t>memory</a:t>
+            </a:r>
+            <a:r>
+              <a:rPr lang="en-US" sz="3200" dirty="0"/>
+              <a:t> </a:t>
+            </a:r>
+            <a:r>
+              <a:rPr lang="en-US" sz="3200" dirty="0" smtClean="0"/>
+              <a:t>[1]. </a:t>
+            </a:r>
+            <a:r>
+              <a:rPr lang="en-US" sz="3200" dirty="0"/>
+              <a:t>The stack provides high throughput transfers with low CPU utilization to be ported to Hewlett Packard Enterprise’s 3Par storage systems. To benchmark the servers, we created a custom test suite that determined read and write performance. From the results, we conclude this will eliminate the network stack as a bottleneck in accessing remote </a:t>
+            </a:r>
+            <a:r>
+              <a:rPr lang="en-US" sz="3200" dirty="0" err="1"/>
               <a:t>NVMe</a:t>
             </a:r>
             <a:r>
-              <a:rPr lang="en-US" sz="3200" dirty="0" smtClean="0"/>
-              <a:t> over Fabrics is a standardized solution for efficient, attached non-volatile memory storage devices over fabrics such as RDMA and </a:t>
-            </a:r>
-            <a:r>
-              <a:rPr lang="en-US" sz="3200" dirty="0" err="1" smtClean="0"/>
-              <a:t>Fibre</a:t>
-            </a:r>
-            <a:r>
-              <a:rPr lang="en-US" sz="3200" dirty="0" smtClean="0"/>
-              <a:t> Channel.</a:t>
+              <a:rPr lang="en-US" sz="3200" dirty="0"/>
+              <a:t> storage.</a:t>
             </a:r>
           </a:p>
         </p:txBody>
@@ -3810,7 +3986,7 @@
         </p:nvSpPr>
         <p:spPr>
           <a:xfrm>
-            <a:off x="583355" y="13684346"/>
+            <a:off x="583355" y="13265246"/>
             <a:ext cx="10607100" cy="1200299"/>
           </a:xfrm>
           <a:prstGeom prst="rect">
@@ -4260,7 +4436,7 @@
         </p:nvSpPr>
         <p:spPr bwMode="ltGray">
           <a:xfrm>
-            <a:off x="1000126" y="14954249"/>
+            <a:off x="1114426" y="14497049"/>
             <a:ext cx="9572624" cy="768096"/>
           </a:xfrm>
           <a:prstGeom prst="rect">
@@ -4344,7 +4520,7 @@
         </p:nvSpPr>
         <p:spPr bwMode="ltGray">
           <a:xfrm>
-            <a:off x="971551" y="16554450"/>
+            <a:off x="971551" y="16154400"/>
             <a:ext cx="1085850" cy="1447800"/>
           </a:xfrm>
           <a:prstGeom prst="downArrow">
@@ -4411,7 +4587,7 @@
         </p:nvSpPr>
         <p:spPr bwMode="ltGray">
           <a:xfrm>
-            <a:off x="1095376" y="18897599"/>
+            <a:off x="1123951" y="18497549"/>
             <a:ext cx="9572624" cy="768096"/>
           </a:xfrm>
           <a:prstGeom prst="rect">
@@ -4495,7 +4671,7 @@
         </p:nvSpPr>
         <p:spPr bwMode="ltGray">
           <a:xfrm>
-            <a:off x="1219201" y="22355174"/>
+            <a:off x="1133476" y="22040849"/>
             <a:ext cx="9572624" cy="768096"/>
           </a:xfrm>
           <a:prstGeom prst="rect">
@@ -4570,7 +4746,7 @@
         </p:nvSpPr>
         <p:spPr bwMode="ltGray">
           <a:xfrm>
-            <a:off x="1228726" y="25307924"/>
+            <a:off x="1143001" y="25107899"/>
             <a:ext cx="9572624" cy="768096"/>
           </a:xfrm>
           <a:prstGeom prst="rect">
@@ -4635,7 +4811,7 @@
         </p:nvSpPr>
         <p:spPr bwMode="ltGray">
           <a:xfrm>
-            <a:off x="1323976" y="29698950"/>
+            <a:off x="1152526" y="29670375"/>
             <a:ext cx="9572624" cy="771525"/>
           </a:xfrm>
           <a:prstGeom prst="rect">
@@ -4706,7 +4882,7 @@
         </p:nvSpPr>
         <p:spPr bwMode="ltGray">
           <a:xfrm>
-            <a:off x="1009651" y="20231100"/>
+            <a:off x="1009651" y="19916775"/>
             <a:ext cx="1085850" cy="1447800"/>
           </a:xfrm>
           <a:prstGeom prst="downArrow">
@@ -4773,7 +4949,7 @@
         </p:nvSpPr>
         <p:spPr bwMode="ltGray">
           <a:xfrm>
-            <a:off x="990601" y="23564850"/>
+            <a:off x="990601" y="23307675"/>
             <a:ext cx="1085850" cy="1447800"/>
           </a:xfrm>
           <a:prstGeom prst="downArrow">
@@ -4840,7 +5016,7 @@
         </p:nvSpPr>
         <p:spPr bwMode="ltGray">
           <a:xfrm>
-            <a:off x="1000126" y="27079575"/>
+            <a:off x="1000126" y="26936700"/>
             <a:ext cx="1085850" cy="1447800"/>
           </a:xfrm>
           <a:prstGeom prst="downArrow">
@@ -5173,7 +5349,7 @@
             </a:r>
             <a:r>
               <a:rPr lang="en-US" sz="3200" dirty="0" smtClean="0"/>
-              <a:t> software. The new driver is expected to improve the reliability of the technology. With increased stability with the new driver, </a:t>
+              <a:t> software. The new driver is expected to improve the reliability of the technology. With increased stability from the new driver; </a:t>
             </a:r>
             <a:r>
               <a:rPr lang="en-US" sz="3200" dirty="0" err="1" smtClean="0"/>
@@ -5220,7 +5396,7 @@
             </a:pPr>
             <a:r>
               <a:rPr lang="en-US" sz="3200" dirty="0" smtClean="0"/>
-              <a:t>   We felt that the current technology showed promise in terms of its ideal benchmarking results. We were impressed by the achieved IOPS, bandwidth, and consistently low CPU utilization (&lt; 25%). With the advent of faster </a:t>
+              <a:t>   We believe that the current technology shows promise in terms of its ideal benchmarking results. We were impressed by the achieved IOPS, bandwidth, and consistently low CPU utilization (&lt; 25%). With the advent of faster </a:t>
             </a:r>
             <a:r>
               <a:rPr lang="en-US" sz="3200" dirty="0" err="1" smtClean="0"/>
@@ -5228,7 +5404,7 @@
             </a:r>
             <a:r>
               <a:rPr lang="en-US" sz="3200" dirty="0" smtClean="0"/>
-              <a:t> attached SSD, </a:t>
+              <a:t> attached SSD; </a:t>
             </a:r>
             <a:r>
               <a:rPr lang="en-US" sz="3200" dirty="0" err="1" smtClean="0"/>
@@ -5318,7 +5494,7 @@
         </p:nvSpPr>
         <p:spPr>
           <a:xfrm>
-            <a:off x="12158665" y="12120615"/>
+            <a:off x="12158665" y="11920590"/>
             <a:ext cx="19540535" cy="1100085"/>
           </a:xfrm>
           <a:prstGeom prst="rect">
@@ -5360,7 +5536,7 @@
             </a:r>
             <a:r>
               <a:rPr lang="en-US" sz="3200" dirty="0" smtClean="0"/>
-              <a:t> attached drives, the network will not be the IOPS bottleneck for remote transfers.</a:t>
+              <a:t> attached drives, the network stack will not be the IOPS bottleneck for remote transfers.</a:t>
             </a:r>
             <a:endParaRPr lang="en-US" sz="3200" b="1" dirty="0"/>
           </a:p>
@@ -5378,7 +5554,7 @@
         </p:nvSpPr>
         <p:spPr>
           <a:xfrm>
-            <a:off x="12272965" y="20197815"/>
+            <a:off x="12215815" y="20129654"/>
             <a:ext cx="19540535" cy="1100085"/>
           </a:xfrm>
           <a:prstGeom prst="rect">
@@ -5420,15 +5596,7 @@
             </a:r>
             <a:r>
               <a:rPr lang="en-US" sz="3200" dirty="0" smtClean="0"/>
-              <a:t>/s). Compared to the ~8.0 </a:t>
-            </a:r>
-            <a:r>
-              <a:rPr lang="en-US" sz="3200" dirty="0" err="1" smtClean="0"/>
-              <a:t>Gb</a:t>
-            </a:r>
-            <a:r>
-              <a:rPr lang="en-US" sz="3200" dirty="0" smtClean="0"/>
-              <a:t>/s transfer speeds of </a:t>
+              <a:t>/s). Compared to the ~8.0 Gb/s transfer speeds of </a:t>
             </a:r>
             <a:r>
               <a:rPr lang="en-US" sz="3200" dirty="0" err="1" smtClean="0"/>
@@ -5436,7 +5604,7 @@
             </a:r>
             <a:r>
               <a:rPr lang="en-US" sz="3200" dirty="0" smtClean="0"/>
-              <a:t> attached drives, the network will not be the throughput bottleneck for remote transfers.</a:t>
+              <a:t> attached drives, the network stack will not be the throughput bottleneck for remote transfers.</a:t>
             </a:r>
             <a:endParaRPr lang="en-US" sz="3200" b="1" dirty="0"/>
           </a:p>
@@ -5454,7 +5622,7 @@
         </p:nvSpPr>
         <p:spPr>
           <a:xfrm>
-            <a:off x="12158665" y="27741615"/>
+            <a:off x="12209465" y="27741615"/>
             <a:ext cx="19540535" cy="1100085"/>
           </a:xfrm>
           <a:prstGeom prst="rect">
@@ -5480,7 +5648,22 @@
             </a:r>
             <a:r>
               <a:rPr lang="en-US" sz="3200" dirty="0" smtClean="0"/>
-              <a:t>: Latency was higher than we were expecting. If we continued on with this project, this would be a primary point of investigation.</a:t>
+              <a:t>: For the tested block sizes and IO depths, </a:t>
+            </a:r>
+            <a:r>
+              <a:rPr lang="en-US" sz="3200" dirty="0" err="1" smtClean="0"/>
+              <a:t>nbdX</a:t>
+            </a:r>
+            <a:r>
+              <a:rPr lang="en-US" sz="3200" dirty="0" smtClean="0"/>
+              <a:t> performed within the expected latency range </a:t>
+            </a:r>
+            <a:br>
+              <a:rPr lang="en-US" sz="3200" dirty="0" smtClean="0"/>
+            </a:br>
+            <a:r>
+              <a:rPr lang="en-US" sz="3200" dirty="0" smtClean="0"/>
+              <a:t>of remote transfer protocols.</a:t>
             </a:r>
             <a:endParaRPr lang="en-US" sz="3200" b="1" dirty="0"/>
           </a:p>
@@ -5494,7 +5677,7 @@
         </p:nvSpPr>
         <p:spPr>
           <a:xfrm>
-            <a:off x="990600" y="15792450"/>
+            <a:off x="990600" y="15392400"/>
             <a:ext cx="9601200" cy="3046988"/>
           </a:xfrm>
           <a:prstGeom prst="rect">
@@ -5563,7 +5746,7 @@
         </p:nvSpPr>
         <p:spPr>
           <a:xfrm>
-            <a:off x="1104900" y="19716750"/>
+            <a:off x="1104900" y="19402425"/>
             <a:ext cx="9474708" cy="2554545"/>
           </a:xfrm>
           <a:prstGeom prst="rect">
@@ -5616,7 +5799,7 @@
         </p:nvSpPr>
         <p:spPr>
           <a:xfrm>
-            <a:off x="1219200" y="23193375"/>
+            <a:off x="1219200" y="22936200"/>
             <a:ext cx="9563100" cy="2062103"/>
           </a:xfrm>
           <a:prstGeom prst="rect">
@@ -5649,7 +5832,7 @@
         </p:nvSpPr>
         <p:spPr>
           <a:xfrm>
-            <a:off x="1219200" y="26165175"/>
+            <a:off x="1219200" y="26022300"/>
             <a:ext cx="9639300" cy="3539430"/>
           </a:xfrm>
           <a:prstGeom prst="rect">
@@ -5762,7 +5945,29 @@
             </a:pPr>
             <a:r>
               <a:rPr lang="en-US" sz="3200" dirty="0" smtClean="0"/>
-              <a:t>[1] SNIA Ethernet Storage Forum     	http://www.snia.org/sites/default/files/ESF/NVMe_	Under_Hood_12_15_Final2.pdf</a:t>
+              <a:t>[1] SNIA Ethernet Storage Forum     	</a:t>
+            </a:r>
+            <a:br>
+              <a:rPr lang="en-US" sz="3200" dirty="0" smtClean="0"/>
+            </a:br>
+            <a:r>
+              <a:rPr lang="en-US" sz="3200" dirty="0" smtClean="0"/>
+              <a:t>  http://www.snia.org/sites/default/files/ESF/</a:t>
+            </a:r>
+            <a:r>
+              <a:rPr lang="en-US" sz="3200" dirty="0" err="1" smtClean="0"/>
+              <a:t>NVMe</a:t>
+            </a:r>
+            <a:r>
+              <a:rPr lang="en-US" sz="3200" dirty="0" smtClean="0"/>
+              <a:t>_  </a:t>
+            </a:r>
+            <a:br>
+              <a:rPr lang="en-US" sz="3200" dirty="0" smtClean="0"/>
+            </a:br>
+            <a:r>
+              <a:rPr lang="en-US" sz="3200" dirty="0" smtClean="0"/>
+              <a:t>  Under_Hood_12_15_Final2.pdf</a:t>
             </a:r>
             <a:endParaRPr lang="en-US" sz="3200" dirty="0"/>
           </a:p>
@@ -5828,7 +6033,13 @@
         <p:nvGraphicFramePr>
           <p:cNvPr id="54" name="Chart 53"/>
           <p:cNvGraphicFramePr/>
-          <p:nvPr/>
+          <p:nvPr>
+            <p:extLst>
+              <p:ext uri="{D42A27DB-BD31-4B8C-83A1-F6EECF244321}">
+                <p14:modId xmlns:p14="http://schemas.microsoft.com/office/powerpoint/2010/main" val="4283470029"/>
+              </p:ext>
+            </p:extLst>
+          </p:nvPr>
         </p:nvGraphicFramePr>
         <p:xfrm>
           <a:off x="12336556" y="6627159"/>
@@ -5842,13 +6053,19 @@
       </p:graphicFrame>
       <p:graphicFrame>
         <p:nvGraphicFramePr>
-          <p:cNvPr id="63" name="Chart 62"/>
+          <p:cNvPr id="72" name="Chart 71"/>
           <p:cNvGraphicFramePr/>
-          <p:nvPr/>
+          <p:nvPr>
+            <p:extLst>
+              <p:ext uri="{D42A27DB-BD31-4B8C-83A1-F6EECF244321}">
+                <p14:modId xmlns:p14="http://schemas.microsoft.com/office/powerpoint/2010/main" val="1353453282"/>
+              </p:ext>
+            </p:extLst>
+          </p:nvPr>
         </p:nvGraphicFramePr>
         <p:xfrm>
-          <a:off x="12279404" y="21777511"/>
-          <a:ext cx="19257264" cy="6340289"/>
+          <a:off x="11915775" y="13412724"/>
+          <a:ext cx="19889837" cy="6931152"/>
         </p:xfrm>
         <a:graphic>
           <a:graphicData uri="http://schemas.openxmlformats.org/drawingml/2006/chart">
@@ -5858,13 +6075,19 @@
       </p:graphicFrame>
       <p:graphicFrame>
         <p:nvGraphicFramePr>
-          <p:cNvPr id="72" name="Chart 71"/>
+          <p:cNvPr id="55" name="Chart 54"/>
           <p:cNvGraphicFramePr/>
-          <p:nvPr/>
+          <p:nvPr>
+            <p:extLst>
+              <p:ext uri="{D42A27DB-BD31-4B8C-83A1-F6EECF244321}">
+                <p14:modId xmlns:p14="http://schemas.microsoft.com/office/powerpoint/2010/main" val="1740112295"/>
+              </p:ext>
+            </p:extLst>
+          </p:nvPr>
         </p:nvGraphicFramePr>
         <p:xfrm>
-          <a:off x="11915775" y="13444537"/>
-          <a:ext cx="19889837" cy="6931152"/>
+          <a:off x="12279404" y="21587010"/>
+          <a:ext cx="19257264" cy="6336792"/>
         </p:xfrm>
         <a:graphic>
           <a:graphicData uri="http://schemas.openxmlformats.org/drawingml/2006/chart">
@@ -5880,6 +6103,13 @@
   <p:transition spd="slow">
     <p:cut/>
   </p:transition>
+  <p:timing>
+    <p:tnLst>
+      <p:par>
+        <p:cTn id="1" dur="indefinite" restart="never" nodeType="tmRoot"/>
+      </p:par>
+    </p:tnLst>
+  </p:timing>
 </p:sld>
 </file>
 
